--- a/Homomorphic_Encryption/科技论文写作.pptx
+++ b/Homomorphic_Encryption/科技论文写作.pptx
@@ -1,20 +1,28 @@
 
 <file path=ppt/presentation.xml><?xml version="1.0" encoding="utf-8"?>
-<p:presentation xmlns:a="http://schemas.openxmlformats.org/drawingml/2006/main" xmlns:r="http://schemas.openxmlformats.org/officeDocument/2006/relationships" xmlns:p="http://schemas.openxmlformats.org/presentationml/2006/main" saveSubsetFonts="1">
+<p:presentation xmlns:a="http://schemas.openxmlformats.org/drawingml/2006/main" xmlns:r="http://schemas.openxmlformats.org/officeDocument/2006/relationships" xmlns:p="http://schemas.openxmlformats.org/presentationml/2006/main">
   <p:sldMasterIdLst>
     <p:sldMasterId id="2147483648" r:id="rId1"/>
+    <p:sldMasterId id="2147483660" r:id="rId3"/>
   </p:sldMasterIdLst>
   <p:notesMasterIdLst>
     <p:notesMasterId r:id="rId6"/>
   </p:notesMasterIdLst>
   <p:sldIdLst>
-    <p:sldId id="256" r:id="rId2"/>
-    <p:sldId id="257" r:id="rId3"/>
-    <p:sldId id="258" r:id="rId4"/>
-    <p:sldId id="259" r:id="rId5"/>
+    <p:sldId id="256" r:id="rId4"/>
+    <p:sldId id="257" r:id="rId5"/>
+    <p:sldId id="258" r:id="rId7"/>
+    <p:sldId id="259" r:id="rId8"/>
+    <p:sldId id="260" r:id="rId9"/>
+    <p:sldId id="262" r:id="rId10"/>
+    <p:sldId id="263" r:id="rId11"/>
+    <p:sldId id="264" r:id="rId12"/>
   </p:sldIdLst>
   <p:sldSz cx="12192000" cy="6858000"/>
   <p:notesSz cx="6858000" cy="9144000"/>
+  <p:custDataLst>
+    <p:tags r:id="rId16"/>
+  </p:custDataLst>
   <p:defaultTextStyle>
     <a:defPPr>
       <a:defRPr lang="zh-CN"/>
@@ -110,11 +118,6 @@
       </a:defRPr>
     </a:lvl9pPr>
   </p:defaultTextStyle>
-  <p:extLst>
-    <p:ext uri="{EFAFB233-063F-42B5-8137-9DF3F51BA10A}">
-      <p15:sldGuideLst xmlns:p15="http://schemas.microsoft.com/office/powerpoint/2012/main"/>
-    </p:ext>
-  </p:extLst>
 </p:presentation>
 </file>
 
@@ -200,7 +203,6 @@
           <a:p>
             <a:fld id="{82310314-252D-4CE8-BD0A-BDD7C9ABEDDF}" type="datetimeFigureOut">
               <a:rPr lang="zh-CN" altLang="en-US" smtClean="0"/>
-              <a:t>2024/11/11</a:t>
             </a:fld>
             <a:endParaRPr lang="zh-CN" altLang="en-US"/>
           </a:p>
@@ -267,6 +269,7 @@
               <a:rPr lang="zh-CN" altLang="en-US"/>
               <a:t>单击此处编辑母版文本样式</a:t>
             </a:r>
+            <a:endParaRPr lang="zh-CN" altLang="en-US"/>
           </a:p>
           <a:p>
             <a:pPr lvl="1"/>
@@ -274,6 +277,7 @@
               <a:rPr lang="zh-CN" altLang="en-US"/>
               <a:t>二级</a:t>
             </a:r>
+            <a:endParaRPr lang="zh-CN" altLang="en-US"/>
           </a:p>
           <a:p>
             <a:pPr lvl="2"/>
@@ -281,6 +285,7 @@
               <a:rPr lang="zh-CN" altLang="en-US"/>
               <a:t>三级</a:t>
             </a:r>
+            <a:endParaRPr lang="zh-CN" altLang="en-US"/>
           </a:p>
           <a:p>
             <a:pPr lvl="3"/>
@@ -288,6 +293,7 @@
               <a:rPr lang="zh-CN" altLang="en-US"/>
               <a:t>四级</a:t>
             </a:r>
+            <a:endParaRPr lang="zh-CN" altLang="en-US"/>
           </a:p>
           <a:p>
             <a:pPr lvl="4"/>
@@ -295,6 +301,7 @@
               <a:rPr lang="zh-CN" altLang="en-US"/>
               <a:t>五级</a:t>
             </a:r>
+            <a:endParaRPr lang="zh-CN" altLang="en-US"/>
           </a:p>
         </p:txBody>
       </p:sp>
@@ -358,18 +365,12 @@
           <a:p>
             <a:fld id="{866E2309-0A18-4646-8677-733D84D5DAD4}" type="slidenum">
               <a:rPr lang="zh-CN" altLang="en-US" smtClean="0"/>
-              <a:t>‹#›</a:t>
             </a:fld>
             <a:endParaRPr lang="zh-CN" altLang="en-US"/>
           </a:p>
         </p:txBody>
       </p:sp>
     </p:spTree>
-    <p:extLst>
-      <p:ext uri="{BB962C8B-B14F-4D97-AF65-F5344CB8AC3E}">
-        <p14:creationId xmlns:p14="http://schemas.microsoft.com/office/powerpoint/2010/main" val="3404723836"/>
-      </p:ext>
-    </p:extLst>
   </p:cSld>
   <p:clrMap bg1="lt1" tx1="dk1" bg2="lt2" tx2="dk2" accent1="accent1" accent2="accent2" accent3="accent3" accent4="accent4" accent5="accent5" accent6="accent6" hlink="hlink" folHlink="folHlink"/>
   <p:notesStyle>
@@ -523,6 +524,7 @@
               <a:rPr lang="zh-CN" altLang="en-US" dirty="0"/>
               <a:t>和美密官网</a:t>
             </a:r>
+            <a:endParaRPr lang="zh-CN" altLang="en-US" dirty="0"/>
           </a:p>
         </p:txBody>
       </p:sp>
@@ -543,18 +545,12 @@
           <a:p>
             <a:fld id="{866E2309-0A18-4646-8677-733D84D5DAD4}" type="slidenum">
               <a:rPr lang="zh-CN" altLang="en-US" smtClean="0"/>
-              <a:t>2</a:t>
             </a:fld>
             <a:endParaRPr lang="zh-CN" altLang="en-US"/>
           </a:p>
         </p:txBody>
       </p:sp>
     </p:spTree>
-    <p:extLst>
-      <p:ext uri="{BB962C8B-B14F-4D97-AF65-F5344CB8AC3E}">
-        <p14:creationId xmlns:p14="http://schemas.microsoft.com/office/powerpoint/2010/main" val="2704700655"/>
-      </p:ext>
-    </p:extLst>
   </p:cSld>
   <p:clrMapOvr>
     <a:masterClrMapping/>
@@ -581,13 +577,7 @@
       </p:grpSpPr>
       <p:sp>
         <p:nvSpPr>
-          <p:cNvPr id="2" name="标题 1">
-            <a:extLst>
-              <a:ext uri="{FF2B5EF4-FFF2-40B4-BE49-F238E27FC236}">
-                <a16:creationId xmlns:a16="http://schemas.microsoft.com/office/drawing/2014/main" id="{DA4D0381-DB61-47C8-AAD6-B5B1164DEA3C}"/>
-              </a:ext>
-            </a:extLst>
-          </p:cNvPr>
+          <p:cNvPr id="2" name="标题 1"/>
           <p:cNvSpPr>
             <a:spLocks noGrp="1"/>
           </p:cNvSpPr>
@@ -613,18 +603,13 @@
               <a:rPr lang="zh-CN" altLang="en-US"/>
               <a:t>单击此处编辑母版标题样式</a:t>
             </a:r>
-          </a:p>
-        </p:txBody>
-      </p:sp>
-      <p:sp>
-        <p:nvSpPr>
-          <p:cNvPr id="3" name="副标题 2">
-            <a:extLst>
-              <a:ext uri="{FF2B5EF4-FFF2-40B4-BE49-F238E27FC236}">
-                <a16:creationId xmlns:a16="http://schemas.microsoft.com/office/drawing/2014/main" id="{54E335DE-82D3-43C1-A596-537C78F9CCDE}"/>
-              </a:ext>
-            </a:extLst>
-          </p:cNvPr>
+            <a:endParaRPr lang="zh-CN" altLang="en-US"/>
+          </a:p>
+        </p:txBody>
+      </p:sp>
+      <p:sp>
+        <p:nvSpPr>
+          <p:cNvPr id="3" name="副标题 2"/>
           <p:cNvSpPr>
             <a:spLocks noGrp="1"/>
           </p:cNvSpPr>
@@ -683,18 +668,13 @@
               <a:rPr lang="zh-CN" altLang="en-US"/>
               <a:t>单击此处编辑母版副标题样式</a:t>
             </a:r>
-          </a:p>
-        </p:txBody>
-      </p:sp>
-      <p:sp>
-        <p:nvSpPr>
-          <p:cNvPr id="4" name="日期占位符 3">
-            <a:extLst>
-              <a:ext uri="{FF2B5EF4-FFF2-40B4-BE49-F238E27FC236}">
-                <a16:creationId xmlns:a16="http://schemas.microsoft.com/office/drawing/2014/main" id="{F6B826DB-8827-425D-825F-A57ACD65AFE5}"/>
-              </a:ext>
-            </a:extLst>
-          </p:cNvPr>
+            <a:endParaRPr lang="zh-CN" altLang="en-US"/>
+          </a:p>
+        </p:txBody>
+      </p:sp>
+      <p:sp>
+        <p:nvSpPr>
+          <p:cNvPr id="4" name="日期占位符 3"/>
           <p:cNvSpPr>
             <a:spLocks noGrp="1"/>
           </p:cNvSpPr>
@@ -709,7 +689,6 @@
           <a:p>
             <a:fld id="{5AD7F448-1F68-40D7-B5F9-4CDE90E69F76}" type="datetimeFigureOut">
               <a:rPr lang="zh-CN" altLang="en-US" smtClean="0"/>
-              <a:t>2024/11/11</a:t>
             </a:fld>
             <a:endParaRPr lang="zh-CN" altLang="en-US"/>
           </a:p>
@@ -717,13 +696,7 @@
       </p:sp>
       <p:sp>
         <p:nvSpPr>
-          <p:cNvPr id="5" name="页脚占位符 4">
-            <a:extLst>
-              <a:ext uri="{FF2B5EF4-FFF2-40B4-BE49-F238E27FC236}">
-                <a16:creationId xmlns:a16="http://schemas.microsoft.com/office/drawing/2014/main" id="{4648F4C6-99F8-4EA7-8AFB-E69FEB855113}"/>
-              </a:ext>
-            </a:extLst>
-          </p:cNvPr>
+          <p:cNvPr id="5" name="页脚占位符 4"/>
           <p:cNvSpPr>
             <a:spLocks noGrp="1"/>
           </p:cNvSpPr>
@@ -742,13 +715,7 @@
       </p:sp>
       <p:sp>
         <p:nvSpPr>
-          <p:cNvPr id="6" name="灯片编号占位符 5">
-            <a:extLst>
-              <a:ext uri="{FF2B5EF4-FFF2-40B4-BE49-F238E27FC236}">
-                <a16:creationId xmlns:a16="http://schemas.microsoft.com/office/drawing/2014/main" id="{8E84C416-4FFA-4D0C-9CCA-6449C9A86516}"/>
-              </a:ext>
-            </a:extLst>
-          </p:cNvPr>
+          <p:cNvPr id="6" name="灯片编号占位符 5"/>
           <p:cNvSpPr>
             <a:spLocks noGrp="1"/>
           </p:cNvSpPr>
@@ -763,18 +730,12 @@
           <a:p>
             <a:fld id="{3A216AA9-6775-4531-A0E8-15FF532D7431}" type="slidenum">
               <a:rPr lang="zh-CN" altLang="en-US" smtClean="0"/>
-              <a:t>‹#›</a:t>
             </a:fld>
             <a:endParaRPr lang="zh-CN" altLang="en-US"/>
           </a:p>
         </p:txBody>
       </p:sp>
     </p:spTree>
-    <p:extLst>
-      <p:ext uri="{BB962C8B-B14F-4D97-AF65-F5344CB8AC3E}">
-        <p14:creationId xmlns:p14="http://schemas.microsoft.com/office/powerpoint/2010/main" val="1650550192"/>
-      </p:ext>
-    </p:extLst>
   </p:cSld>
   <p:clrMapOvr>
     <a:masterClrMapping/>
@@ -801,13 +762,7 @@
       </p:grpSpPr>
       <p:sp>
         <p:nvSpPr>
-          <p:cNvPr id="2" name="标题 1">
-            <a:extLst>
-              <a:ext uri="{FF2B5EF4-FFF2-40B4-BE49-F238E27FC236}">
-                <a16:creationId xmlns:a16="http://schemas.microsoft.com/office/drawing/2014/main" id="{3FC193C6-667E-4072-99B9-DD6092CE557E}"/>
-              </a:ext>
-            </a:extLst>
-          </p:cNvPr>
+          <p:cNvPr id="2" name="标题 1"/>
           <p:cNvSpPr>
             <a:spLocks noGrp="1"/>
           </p:cNvSpPr>
@@ -824,18 +779,13 @@
               <a:rPr lang="zh-CN" altLang="en-US"/>
               <a:t>单击此处编辑母版标题样式</a:t>
             </a:r>
-          </a:p>
-        </p:txBody>
-      </p:sp>
-      <p:sp>
-        <p:nvSpPr>
-          <p:cNvPr id="3" name="竖排文字占位符 2">
-            <a:extLst>
-              <a:ext uri="{FF2B5EF4-FFF2-40B4-BE49-F238E27FC236}">
-                <a16:creationId xmlns:a16="http://schemas.microsoft.com/office/drawing/2014/main" id="{E1AEFC25-6EB6-4FB1-90C0-1C4C22E0E774}"/>
-              </a:ext>
-            </a:extLst>
-          </p:cNvPr>
+            <a:endParaRPr lang="zh-CN" altLang="en-US"/>
+          </a:p>
+        </p:txBody>
+      </p:sp>
+      <p:sp>
+        <p:nvSpPr>
+          <p:cNvPr id="3" name="竖排文字占位符 2"/>
           <p:cNvSpPr>
             <a:spLocks noGrp="1"/>
           </p:cNvSpPr>
@@ -853,6 +803,7 @@
               <a:rPr lang="zh-CN" altLang="en-US"/>
               <a:t>单击此处编辑母版文本样式</a:t>
             </a:r>
+            <a:endParaRPr lang="zh-CN" altLang="en-US"/>
           </a:p>
           <a:p>
             <a:pPr lvl="1"/>
@@ -860,6 +811,7 @@
               <a:rPr lang="zh-CN" altLang="en-US"/>
               <a:t>二级</a:t>
             </a:r>
+            <a:endParaRPr lang="zh-CN" altLang="en-US"/>
           </a:p>
           <a:p>
             <a:pPr lvl="2"/>
@@ -867,6 +819,7 @@
               <a:rPr lang="zh-CN" altLang="en-US"/>
               <a:t>三级</a:t>
             </a:r>
+            <a:endParaRPr lang="zh-CN" altLang="en-US"/>
           </a:p>
           <a:p>
             <a:pPr lvl="3"/>
@@ -874,6 +827,7 @@
               <a:rPr lang="zh-CN" altLang="en-US"/>
               <a:t>四级</a:t>
             </a:r>
+            <a:endParaRPr lang="zh-CN" altLang="en-US"/>
           </a:p>
           <a:p>
             <a:pPr lvl="4"/>
@@ -881,18 +835,13 @@
               <a:rPr lang="zh-CN" altLang="en-US"/>
               <a:t>五级</a:t>
             </a:r>
-          </a:p>
-        </p:txBody>
-      </p:sp>
-      <p:sp>
-        <p:nvSpPr>
-          <p:cNvPr id="4" name="日期占位符 3">
-            <a:extLst>
-              <a:ext uri="{FF2B5EF4-FFF2-40B4-BE49-F238E27FC236}">
-                <a16:creationId xmlns:a16="http://schemas.microsoft.com/office/drawing/2014/main" id="{696ABE57-E70A-4769-8CFF-10ACD57E2737}"/>
-              </a:ext>
-            </a:extLst>
-          </p:cNvPr>
+            <a:endParaRPr lang="zh-CN" altLang="en-US"/>
+          </a:p>
+        </p:txBody>
+      </p:sp>
+      <p:sp>
+        <p:nvSpPr>
+          <p:cNvPr id="4" name="日期占位符 3"/>
           <p:cNvSpPr>
             <a:spLocks noGrp="1"/>
           </p:cNvSpPr>
@@ -907,7 +856,6 @@
           <a:p>
             <a:fld id="{5AD7F448-1F68-40D7-B5F9-4CDE90E69F76}" type="datetimeFigureOut">
               <a:rPr lang="zh-CN" altLang="en-US" smtClean="0"/>
-              <a:t>2024/11/11</a:t>
             </a:fld>
             <a:endParaRPr lang="zh-CN" altLang="en-US"/>
           </a:p>
@@ -915,13 +863,7 @@
       </p:sp>
       <p:sp>
         <p:nvSpPr>
-          <p:cNvPr id="5" name="页脚占位符 4">
-            <a:extLst>
-              <a:ext uri="{FF2B5EF4-FFF2-40B4-BE49-F238E27FC236}">
-                <a16:creationId xmlns:a16="http://schemas.microsoft.com/office/drawing/2014/main" id="{96A3E48A-66B7-4EE3-9D5C-79F511A55DCE}"/>
-              </a:ext>
-            </a:extLst>
-          </p:cNvPr>
+          <p:cNvPr id="5" name="页脚占位符 4"/>
           <p:cNvSpPr>
             <a:spLocks noGrp="1"/>
           </p:cNvSpPr>
@@ -940,13 +882,7 @@
       </p:sp>
       <p:sp>
         <p:nvSpPr>
-          <p:cNvPr id="6" name="灯片编号占位符 5">
-            <a:extLst>
-              <a:ext uri="{FF2B5EF4-FFF2-40B4-BE49-F238E27FC236}">
-                <a16:creationId xmlns:a16="http://schemas.microsoft.com/office/drawing/2014/main" id="{70838F56-B0F6-465C-B3AD-78CB2C3A9A46}"/>
-              </a:ext>
-            </a:extLst>
-          </p:cNvPr>
+          <p:cNvPr id="6" name="灯片编号占位符 5"/>
           <p:cNvSpPr>
             <a:spLocks noGrp="1"/>
           </p:cNvSpPr>
@@ -961,18 +897,12 @@
           <a:p>
             <a:fld id="{3A216AA9-6775-4531-A0E8-15FF532D7431}" type="slidenum">
               <a:rPr lang="zh-CN" altLang="en-US" smtClean="0"/>
-              <a:t>‹#›</a:t>
             </a:fld>
             <a:endParaRPr lang="zh-CN" altLang="en-US"/>
           </a:p>
         </p:txBody>
       </p:sp>
     </p:spTree>
-    <p:extLst>
-      <p:ext uri="{BB962C8B-B14F-4D97-AF65-F5344CB8AC3E}">
-        <p14:creationId xmlns:p14="http://schemas.microsoft.com/office/powerpoint/2010/main" val="3696234507"/>
-      </p:ext>
-    </p:extLst>
   </p:cSld>
   <p:clrMapOvr>
     <a:masterClrMapping/>
@@ -999,13 +929,7 @@
       </p:grpSpPr>
       <p:sp>
         <p:nvSpPr>
-          <p:cNvPr id="2" name="竖排标题 1">
-            <a:extLst>
-              <a:ext uri="{FF2B5EF4-FFF2-40B4-BE49-F238E27FC236}">
-                <a16:creationId xmlns:a16="http://schemas.microsoft.com/office/drawing/2014/main" id="{3EF8E165-6948-43E4-AAAB-3EBB60E6EAED}"/>
-              </a:ext>
-            </a:extLst>
-          </p:cNvPr>
+          <p:cNvPr id="2" name="竖排标题 1"/>
           <p:cNvSpPr>
             <a:spLocks noGrp="1"/>
           </p:cNvSpPr>
@@ -1027,18 +951,13 @@
               <a:rPr lang="zh-CN" altLang="en-US"/>
               <a:t>单击此处编辑母版标题样式</a:t>
             </a:r>
-          </a:p>
-        </p:txBody>
-      </p:sp>
-      <p:sp>
-        <p:nvSpPr>
-          <p:cNvPr id="3" name="竖排文字占位符 2">
-            <a:extLst>
-              <a:ext uri="{FF2B5EF4-FFF2-40B4-BE49-F238E27FC236}">
-                <a16:creationId xmlns:a16="http://schemas.microsoft.com/office/drawing/2014/main" id="{93EA3846-AC52-4FEA-9011-9A78F0A31D0D}"/>
-              </a:ext>
-            </a:extLst>
-          </p:cNvPr>
+            <a:endParaRPr lang="zh-CN" altLang="en-US"/>
+          </a:p>
+        </p:txBody>
+      </p:sp>
+      <p:sp>
+        <p:nvSpPr>
+          <p:cNvPr id="3" name="竖排文字占位符 2"/>
           <p:cNvSpPr>
             <a:spLocks noGrp="1"/>
           </p:cNvSpPr>
@@ -1061,6 +980,7 @@
               <a:rPr lang="zh-CN" altLang="en-US"/>
               <a:t>单击此处编辑母版文本样式</a:t>
             </a:r>
+            <a:endParaRPr lang="zh-CN" altLang="en-US"/>
           </a:p>
           <a:p>
             <a:pPr lvl="1"/>
@@ -1068,6 +988,7 @@
               <a:rPr lang="zh-CN" altLang="en-US"/>
               <a:t>二级</a:t>
             </a:r>
+            <a:endParaRPr lang="zh-CN" altLang="en-US"/>
           </a:p>
           <a:p>
             <a:pPr lvl="2"/>
@@ -1075,6 +996,7 @@
               <a:rPr lang="zh-CN" altLang="en-US"/>
               <a:t>三级</a:t>
             </a:r>
+            <a:endParaRPr lang="zh-CN" altLang="en-US"/>
           </a:p>
           <a:p>
             <a:pPr lvl="3"/>
@@ -1082,6 +1004,7 @@
               <a:rPr lang="zh-CN" altLang="en-US"/>
               <a:t>四级</a:t>
             </a:r>
+            <a:endParaRPr lang="zh-CN" altLang="en-US"/>
           </a:p>
           <a:p>
             <a:pPr lvl="4"/>
@@ -1089,18 +1012,13 @@
               <a:rPr lang="zh-CN" altLang="en-US"/>
               <a:t>五级</a:t>
             </a:r>
-          </a:p>
-        </p:txBody>
-      </p:sp>
-      <p:sp>
-        <p:nvSpPr>
-          <p:cNvPr id="4" name="日期占位符 3">
-            <a:extLst>
-              <a:ext uri="{FF2B5EF4-FFF2-40B4-BE49-F238E27FC236}">
-                <a16:creationId xmlns:a16="http://schemas.microsoft.com/office/drawing/2014/main" id="{E1893D5B-95D1-4DB4-9B62-1B24046ECACF}"/>
-              </a:ext>
-            </a:extLst>
-          </p:cNvPr>
+            <a:endParaRPr lang="zh-CN" altLang="en-US"/>
+          </a:p>
+        </p:txBody>
+      </p:sp>
+      <p:sp>
+        <p:nvSpPr>
+          <p:cNvPr id="4" name="日期占位符 3"/>
           <p:cNvSpPr>
             <a:spLocks noGrp="1"/>
           </p:cNvSpPr>
@@ -1115,7 +1033,6 @@
           <a:p>
             <a:fld id="{5AD7F448-1F68-40D7-B5F9-4CDE90E69F76}" type="datetimeFigureOut">
               <a:rPr lang="zh-CN" altLang="en-US" smtClean="0"/>
-              <a:t>2024/11/11</a:t>
             </a:fld>
             <a:endParaRPr lang="zh-CN" altLang="en-US"/>
           </a:p>
@@ -1123,13 +1040,7 @@
       </p:sp>
       <p:sp>
         <p:nvSpPr>
-          <p:cNvPr id="5" name="页脚占位符 4">
-            <a:extLst>
-              <a:ext uri="{FF2B5EF4-FFF2-40B4-BE49-F238E27FC236}">
-                <a16:creationId xmlns:a16="http://schemas.microsoft.com/office/drawing/2014/main" id="{7F55DF58-0349-4FC2-989C-B872836F3B15}"/>
-              </a:ext>
-            </a:extLst>
-          </p:cNvPr>
+          <p:cNvPr id="5" name="页脚占位符 4"/>
           <p:cNvSpPr>
             <a:spLocks noGrp="1"/>
           </p:cNvSpPr>
@@ -1148,13 +1059,7 @@
       </p:sp>
       <p:sp>
         <p:nvSpPr>
-          <p:cNvPr id="6" name="灯片编号占位符 5">
-            <a:extLst>
-              <a:ext uri="{FF2B5EF4-FFF2-40B4-BE49-F238E27FC236}">
-                <a16:creationId xmlns:a16="http://schemas.microsoft.com/office/drawing/2014/main" id="{2C2384AA-D062-415F-AFFE-EB286611487E}"/>
-              </a:ext>
-            </a:extLst>
-          </p:cNvPr>
+          <p:cNvPr id="6" name="灯片编号占位符 5"/>
           <p:cNvSpPr>
             <a:spLocks noGrp="1"/>
           </p:cNvSpPr>
@@ -1169,18 +1074,12 @@
           <a:p>
             <a:fld id="{3A216AA9-6775-4531-A0E8-15FF532D7431}" type="slidenum">
               <a:rPr lang="zh-CN" altLang="en-US" smtClean="0"/>
-              <a:t>‹#›</a:t>
             </a:fld>
             <a:endParaRPr lang="zh-CN" altLang="en-US"/>
           </a:p>
         </p:txBody>
       </p:sp>
     </p:spTree>
-    <p:extLst>
-      <p:ext uri="{BB962C8B-B14F-4D97-AF65-F5344CB8AC3E}">
-        <p14:creationId xmlns:p14="http://schemas.microsoft.com/office/powerpoint/2010/main" val="363684735"/>
-      </p:ext>
-    </p:extLst>
   </p:cSld>
   <p:clrMapOvr>
     <a:masterClrMapping/>
@@ -1188,7 +1087,192 @@
 </p:sldLayout>
 </file>
 
-<file path=ppt/slideLayouts/slideLayout2.xml><?xml version="1.0" encoding="utf-8"?>
+<file path=ppt/slideLayouts/slideLayout12.xml><?xml version="1.0" encoding="utf-8"?>
+<p:sldLayout xmlns:a="http://schemas.openxmlformats.org/drawingml/2006/main" xmlns:r="http://schemas.openxmlformats.org/officeDocument/2006/relationships" xmlns:p="http://schemas.openxmlformats.org/presentationml/2006/main" type="title" preserve="1">
+  <p:cSld name="标题幻灯片">
+    <p:spTree>
+      <p:nvGrpSpPr>
+        <p:cNvPr id="1" name=""/>
+        <p:cNvGrpSpPr/>
+        <p:nvPr/>
+      </p:nvGrpSpPr>
+      <p:grpSpPr>
+        <a:xfrm>
+          <a:off x="0" y="0"/>
+          <a:ext cx="0" cy="0"/>
+          <a:chOff x="0" y="0"/>
+          <a:chExt cx="0" cy="0"/>
+        </a:xfrm>
+      </p:grpSpPr>
+      <p:sp>
+        <p:nvSpPr>
+          <p:cNvPr id="2" name="标题 1"/>
+          <p:cNvSpPr>
+            <a:spLocks noGrp="1"/>
+          </p:cNvSpPr>
+          <p:nvPr>
+            <p:ph type="ctrTitle"/>
+          </p:nvPr>
+        </p:nvSpPr>
+        <p:spPr>
+          <a:xfrm>
+            <a:off x="1524000" y="1122363"/>
+            <a:ext cx="9144000" cy="2387600"/>
+          </a:xfrm>
+        </p:spPr>
+        <p:txBody>
+          <a:bodyPr anchor="b"/>
+          <a:lstStyle>
+            <a:lvl1pPr algn="ctr">
+              <a:defRPr sz="6000"/>
+            </a:lvl1pPr>
+          </a:lstStyle>
+          <a:p>
+            <a:r>
+              <a:rPr lang="zh-CN" altLang="en-US"/>
+              <a:t>单击此处编辑母版标题样式</a:t>
+            </a:r>
+            <a:endParaRPr lang="zh-CN" altLang="en-US"/>
+          </a:p>
+        </p:txBody>
+      </p:sp>
+      <p:sp>
+        <p:nvSpPr>
+          <p:cNvPr id="3" name="副标题 2"/>
+          <p:cNvSpPr>
+            <a:spLocks noGrp="1"/>
+          </p:cNvSpPr>
+          <p:nvPr>
+            <p:ph type="subTitle" idx="1"/>
+          </p:nvPr>
+        </p:nvSpPr>
+        <p:spPr>
+          <a:xfrm>
+            <a:off x="1524000" y="3602038"/>
+            <a:ext cx="9144000" cy="1655762"/>
+          </a:xfrm>
+        </p:spPr>
+        <p:txBody>
+          <a:bodyPr/>
+          <a:lstStyle>
+            <a:lvl1pPr marL="0" indent="0" algn="ctr">
+              <a:buNone/>
+              <a:defRPr sz="2400"/>
+            </a:lvl1pPr>
+            <a:lvl2pPr marL="457200" indent="0" algn="ctr">
+              <a:buNone/>
+              <a:defRPr sz="2000"/>
+            </a:lvl2pPr>
+            <a:lvl3pPr marL="914400" indent="0" algn="ctr">
+              <a:buNone/>
+              <a:defRPr sz="1800"/>
+            </a:lvl3pPr>
+            <a:lvl4pPr marL="1371600" indent="0" algn="ctr">
+              <a:buNone/>
+              <a:defRPr sz="1600"/>
+            </a:lvl4pPr>
+            <a:lvl5pPr marL="1828800" indent="0" algn="ctr">
+              <a:buNone/>
+              <a:defRPr sz="1600"/>
+            </a:lvl5pPr>
+            <a:lvl6pPr marL="2286000" indent="0" algn="ctr">
+              <a:buNone/>
+              <a:defRPr sz="1600"/>
+            </a:lvl6pPr>
+            <a:lvl7pPr marL="2743200" indent="0" algn="ctr">
+              <a:buNone/>
+              <a:defRPr sz="1600"/>
+            </a:lvl7pPr>
+            <a:lvl8pPr marL="3200400" indent="0" algn="ctr">
+              <a:buNone/>
+              <a:defRPr sz="1600"/>
+            </a:lvl8pPr>
+            <a:lvl9pPr marL="3657600" indent="0" algn="ctr">
+              <a:buNone/>
+              <a:defRPr sz="1600"/>
+            </a:lvl9pPr>
+          </a:lstStyle>
+          <a:p>
+            <a:r>
+              <a:rPr lang="zh-CN" altLang="en-US"/>
+              <a:t>单击此处编辑母版副标题样式</a:t>
+            </a:r>
+            <a:endParaRPr lang="zh-CN" altLang="en-US"/>
+          </a:p>
+        </p:txBody>
+      </p:sp>
+      <p:sp>
+        <p:nvSpPr>
+          <p:cNvPr id="4" name="日期占位符 3"/>
+          <p:cNvSpPr>
+            <a:spLocks noGrp="1"/>
+          </p:cNvSpPr>
+          <p:nvPr>
+            <p:ph type="dt" sz="half" idx="10"/>
+          </p:nvPr>
+        </p:nvSpPr>
+        <p:spPr/>
+        <p:txBody>
+          <a:bodyPr/>
+          <a:lstStyle/>
+          <a:p>
+            <a:fld id="{5AD7F448-1F68-40D7-B5F9-4CDE90E69F76}" type="datetimeFigureOut">
+              <a:rPr lang="zh-CN" altLang="en-US" smtClean="0"/>
+            </a:fld>
+            <a:endParaRPr lang="zh-CN" altLang="en-US"/>
+          </a:p>
+        </p:txBody>
+      </p:sp>
+      <p:sp>
+        <p:nvSpPr>
+          <p:cNvPr id="5" name="页脚占位符 4"/>
+          <p:cNvSpPr>
+            <a:spLocks noGrp="1"/>
+          </p:cNvSpPr>
+          <p:nvPr>
+            <p:ph type="ftr" sz="quarter" idx="11"/>
+          </p:nvPr>
+        </p:nvSpPr>
+        <p:spPr/>
+        <p:txBody>
+          <a:bodyPr/>
+          <a:lstStyle/>
+          <a:p>
+            <a:endParaRPr lang="zh-CN" altLang="en-US"/>
+          </a:p>
+        </p:txBody>
+      </p:sp>
+      <p:sp>
+        <p:nvSpPr>
+          <p:cNvPr id="6" name="灯片编号占位符 5"/>
+          <p:cNvSpPr>
+            <a:spLocks noGrp="1"/>
+          </p:cNvSpPr>
+          <p:nvPr>
+            <p:ph type="sldNum" sz="quarter" idx="12"/>
+          </p:nvPr>
+        </p:nvSpPr>
+        <p:spPr/>
+        <p:txBody>
+          <a:bodyPr/>
+          <a:lstStyle/>
+          <a:p>
+            <a:fld id="{3A216AA9-6775-4531-A0E8-15FF532D7431}" type="slidenum">
+              <a:rPr lang="zh-CN" altLang="en-US" smtClean="0"/>
+            </a:fld>
+            <a:endParaRPr lang="zh-CN" altLang="en-US"/>
+          </a:p>
+        </p:txBody>
+      </p:sp>
+    </p:spTree>
+  </p:cSld>
+  <p:clrMapOvr>
+    <a:masterClrMapping/>
+  </p:clrMapOvr>
+</p:sldLayout>
+</file>
+
+<file path=ppt/slideLayouts/slideLayout13.xml><?xml version="1.0" encoding="utf-8"?>
 <p:sldLayout xmlns:a="http://schemas.openxmlformats.org/drawingml/2006/main" xmlns:r="http://schemas.openxmlformats.org/officeDocument/2006/relationships" xmlns:p="http://schemas.openxmlformats.org/presentationml/2006/main" type="obj" preserve="1">
   <p:cSld name="标题和内容">
     <p:spTree>
@@ -1207,13 +1291,7 @@
       </p:grpSpPr>
       <p:sp>
         <p:nvSpPr>
-          <p:cNvPr id="2" name="标题 1">
-            <a:extLst>
-              <a:ext uri="{FF2B5EF4-FFF2-40B4-BE49-F238E27FC236}">
-                <a16:creationId xmlns:a16="http://schemas.microsoft.com/office/drawing/2014/main" id="{70718FA4-13D9-4067-93CE-6283C6A67A16}"/>
-              </a:ext>
-            </a:extLst>
-          </p:cNvPr>
+          <p:cNvPr id="2" name="标题 1"/>
           <p:cNvSpPr>
             <a:spLocks noGrp="1"/>
           </p:cNvSpPr>
@@ -1230,18 +1308,13 @@
               <a:rPr lang="zh-CN" altLang="en-US"/>
               <a:t>单击此处编辑母版标题样式</a:t>
             </a:r>
-          </a:p>
-        </p:txBody>
-      </p:sp>
-      <p:sp>
-        <p:nvSpPr>
-          <p:cNvPr id="3" name="内容占位符 2">
-            <a:extLst>
-              <a:ext uri="{FF2B5EF4-FFF2-40B4-BE49-F238E27FC236}">
-                <a16:creationId xmlns:a16="http://schemas.microsoft.com/office/drawing/2014/main" id="{D81E7924-7082-41B9-A559-BD06EC7D950A}"/>
-              </a:ext>
-            </a:extLst>
-          </p:cNvPr>
+            <a:endParaRPr lang="zh-CN" altLang="en-US"/>
+          </a:p>
+        </p:txBody>
+      </p:sp>
+      <p:sp>
+        <p:nvSpPr>
+          <p:cNvPr id="3" name="内容占位符 2"/>
           <p:cNvSpPr>
             <a:spLocks noGrp="1"/>
           </p:cNvSpPr>
@@ -1259,6 +1332,7 @@
               <a:rPr lang="zh-CN" altLang="en-US"/>
               <a:t>单击此处编辑母版文本样式</a:t>
             </a:r>
+            <a:endParaRPr lang="zh-CN" altLang="en-US"/>
           </a:p>
           <a:p>
             <a:pPr lvl="1"/>
@@ -1266,6 +1340,7 @@
               <a:rPr lang="zh-CN" altLang="en-US"/>
               <a:t>二级</a:t>
             </a:r>
+            <a:endParaRPr lang="zh-CN" altLang="en-US"/>
           </a:p>
           <a:p>
             <a:pPr lvl="2"/>
@@ -1273,6 +1348,7 @@
               <a:rPr lang="zh-CN" altLang="en-US"/>
               <a:t>三级</a:t>
             </a:r>
+            <a:endParaRPr lang="zh-CN" altLang="en-US"/>
           </a:p>
           <a:p>
             <a:pPr lvl="3"/>
@@ -1280,6 +1356,7 @@
               <a:rPr lang="zh-CN" altLang="en-US"/>
               <a:t>四级</a:t>
             </a:r>
+            <a:endParaRPr lang="zh-CN" altLang="en-US"/>
           </a:p>
           <a:p>
             <a:pPr lvl="4"/>
@@ -1287,18 +1364,13 @@
               <a:rPr lang="zh-CN" altLang="en-US"/>
               <a:t>五级</a:t>
             </a:r>
-          </a:p>
-        </p:txBody>
-      </p:sp>
-      <p:sp>
-        <p:nvSpPr>
-          <p:cNvPr id="4" name="日期占位符 3">
-            <a:extLst>
-              <a:ext uri="{FF2B5EF4-FFF2-40B4-BE49-F238E27FC236}">
-                <a16:creationId xmlns:a16="http://schemas.microsoft.com/office/drawing/2014/main" id="{FA11B56E-602E-4CAA-A18E-EBDD8C56FBDD}"/>
-              </a:ext>
-            </a:extLst>
-          </p:cNvPr>
+            <a:endParaRPr lang="zh-CN" altLang="en-US"/>
+          </a:p>
+        </p:txBody>
+      </p:sp>
+      <p:sp>
+        <p:nvSpPr>
+          <p:cNvPr id="4" name="日期占位符 3"/>
           <p:cNvSpPr>
             <a:spLocks noGrp="1"/>
           </p:cNvSpPr>
@@ -1313,7 +1385,6 @@
           <a:p>
             <a:fld id="{5AD7F448-1F68-40D7-B5F9-4CDE90E69F76}" type="datetimeFigureOut">
               <a:rPr lang="zh-CN" altLang="en-US" smtClean="0"/>
-              <a:t>2024/11/11</a:t>
             </a:fld>
             <a:endParaRPr lang="zh-CN" altLang="en-US"/>
           </a:p>
@@ -1321,13 +1392,7 @@
       </p:sp>
       <p:sp>
         <p:nvSpPr>
-          <p:cNvPr id="5" name="页脚占位符 4">
-            <a:extLst>
-              <a:ext uri="{FF2B5EF4-FFF2-40B4-BE49-F238E27FC236}">
-                <a16:creationId xmlns:a16="http://schemas.microsoft.com/office/drawing/2014/main" id="{88442497-EE3B-48CA-A82B-F79BFEA85E0D}"/>
-              </a:ext>
-            </a:extLst>
-          </p:cNvPr>
+          <p:cNvPr id="5" name="页脚占位符 4"/>
           <p:cNvSpPr>
             <a:spLocks noGrp="1"/>
           </p:cNvSpPr>
@@ -1346,13 +1411,7 @@
       </p:sp>
       <p:sp>
         <p:nvSpPr>
-          <p:cNvPr id="6" name="灯片编号占位符 5">
-            <a:extLst>
-              <a:ext uri="{FF2B5EF4-FFF2-40B4-BE49-F238E27FC236}">
-                <a16:creationId xmlns:a16="http://schemas.microsoft.com/office/drawing/2014/main" id="{3B608929-4324-4BF0-BE91-34BCC55677CC}"/>
-              </a:ext>
-            </a:extLst>
-          </p:cNvPr>
+          <p:cNvPr id="6" name="灯片编号占位符 5"/>
           <p:cNvSpPr>
             <a:spLocks noGrp="1"/>
           </p:cNvSpPr>
@@ -1367,18 +1426,12 @@
           <a:p>
             <a:fld id="{3A216AA9-6775-4531-A0E8-15FF532D7431}" type="slidenum">
               <a:rPr lang="zh-CN" altLang="en-US" smtClean="0"/>
-              <a:t>‹#›</a:t>
             </a:fld>
             <a:endParaRPr lang="zh-CN" altLang="en-US"/>
           </a:p>
         </p:txBody>
       </p:sp>
     </p:spTree>
-    <p:extLst>
-      <p:ext uri="{BB962C8B-B14F-4D97-AF65-F5344CB8AC3E}">
-        <p14:creationId xmlns:p14="http://schemas.microsoft.com/office/powerpoint/2010/main" val="2646813122"/>
-      </p:ext>
-    </p:extLst>
   </p:cSld>
   <p:clrMapOvr>
     <a:masterClrMapping/>
@@ -1386,7 +1439,7 @@
 </p:sldLayout>
 </file>
 
-<file path=ppt/slideLayouts/slideLayout3.xml><?xml version="1.0" encoding="utf-8"?>
+<file path=ppt/slideLayouts/slideLayout14.xml><?xml version="1.0" encoding="utf-8"?>
 <p:sldLayout xmlns:a="http://schemas.openxmlformats.org/drawingml/2006/main" xmlns:r="http://schemas.openxmlformats.org/officeDocument/2006/relationships" xmlns:p="http://schemas.openxmlformats.org/presentationml/2006/main" type="secHead" preserve="1">
   <p:cSld name="节标题">
     <p:spTree>
@@ -1405,13 +1458,7 @@
       </p:grpSpPr>
       <p:sp>
         <p:nvSpPr>
-          <p:cNvPr id="2" name="标题 1">
-            <a:extLst>
-              <a:ext uri="{FF2B5EF4-FFF2-40B4-BE49-F238E27FC236}">
-                <a16:creationId xmlns:a16="http://schemas.microsoft.com/office/drawing/2014/main" id="{78998B27-188F-4869-A624-D9FF58C827CE}"/>
-              </a:ext>
-            </a:extLst>
-          </p:cNvPr>
+          <p:cNvPr id="2" name="标题 1"/>
           <p:cNvSpPr>
             <a:spLocks noGrp="1"/>
           </p:cNvSpPr>
@@ -1437,18 +1484,13 @@
               <a:rPr lang="zh-CN" altLang="en-US"/>
               <a:t>单击此处编辑母版标题样式</a:t>
             </a:r>
-          </a:p>
-        </p:txBody>
-      </p:sp>
-      <p:sp>
-        <p:nvSpPr>
-          <p:cNvPr id="3" name="文本占位符 2">
-            <a:extLst>
-              <a:ext uri="{FF2B5EF4-FFF2-40B4-BE49-F238E27FC236}">
-                <a16:creationId xmlns:a16="http://schemas.microsoft.com/office/drawing/2014/main" id="{B002A98C-7020-4D9B-878F-43200FB6EAD1}"/>
-              </a:ext>
-            </a:extLst>
-          </p:cNvPr>
+            <a:endParaRPr lang="zh-CN" altLang="en-US"/>
+          </a:p>
+        </p:txBody>
+      </p:sp>
+      <p:sp>
+        <p:nvSpPr>
+          <p:cNvPr id="3" name="文本占位符 2"/>
           <p:cNvSpPr>
             <a:spLocks noGrp="1"/>
           </p:cNvSpPr>
@@ -1562,18 +1604,13 @@
               <a:rPr lang="zh-CN" altLang="en-US"/>
               <a:t>单击此处编辑母版文本样式</a:t>
             </a:r>
-          </a:p>
-        </p:txBody>
-      </p:sp>
-      <p:sp>
-        <p:nvSpPr>
-          <p:cNvPr id="4" name="日期占位符 3">
-            <a:extLst>
-              <a:ext uri="{FF2B5EF4-FFF2-40B4-BE49-F238E27FC236}">
-                <a16:creationId xmlns:a16="http://schemas.microsoft.com/office/drawing/2014/main" id="{3B3BF773-5BCF-4B52-AD9C-2E0088CE5AD0}"/>
-              </a:ext>
-            </a:extLst>
-          </p:cNvPr>
+            <a:endParaRPr lang="zh-CN" altLang="en-US"/>
+          </a:p>
+        </p:txBody>
+      </p:sp>
+      <p:sp>
+        <p:nvSpPr>
+          <p:cNvPr id="4" name="日期占位符 3"/>
           <p:cNvSpPr>
             <a:spLocks noGrp="1"/>
           </p:cNvSpPr>
@@ -1588,7 +1625,6 @@
           <a:p>
             <a:fld id="{5AD7F448-1F68-40D7-B5F9-4CDE90E69F76}" type="datetimeFigureOut">
               <a:rPr lang="zh-CN" altLang="en-US" smtClean="0"/>
-              <a:t>2024/11/11</a:t>
             </a:fld>
             <a:endParaRPr lang="zh-CN" altLang="en-US"/>
           </a:p>
@@ -1596,13 +1632,7 @@
       </p:sp>
       <p:sp>
         <p:nvSpPr>
-          <p:cNvPr id="5" name="页脚占位符 4">
-            <a:extLst>
-              <a:ext uri="{FF2B5EF4-FFF2-40B4-BE49-F238E27FC236}">
-                <a16:creationId xmlns:a16="http://schemas.microsoft.com/office/drawing/2014/main" id="{9E27B270-0405-4519-BB4D-53DFF4E8949C}"/>
-              </a:ext>
-            </a:extLst>
-          </p:cNvPr>
+          <p:cNvPr id="5" name="页脚占位符 4"/>
           <p:cNvSpPr>
             <a:spLocks noGrp="1"/>
           </p:cNvSpPr>
@@ -1621,13 +1651,7 @@
       </p:sp>
       <p:sp>
         <p:nvSpPr>
-          <p:cNvPr id="6" name="灯片编号占位符 5">
-            <a:extLst>
-              <a:ext uri="{FF2B5EF4-FFF2-40B4-BE49-F238E27FC236}">
-                <a16:creationId xmlns:a16="http://schemas.microsoft.com/office/drawing/2014/main" id="{A671FCDA-66E5-49EF-86F2-3A126558D11C}"/>
-              </a:ext>
-            </a:extLst>
-          </p:cNvPr>
+          <p:cNvPr id="6" name="灯片编号占位符 5"/>
           <p:cNvSpPr>
             <a:spLocks noGrp="1"/>
           </p:cNvSpPr>
@@ -1642,18 +1666,12 @@
           <a:p>
             <a:fld id="{3A216AA9-6775-4531-A0E8-15FF532D7431}" type="slidenum">
               <a:rPr lang="zh-CN" altLang="en-US" smtClean="0"/>
-              <a:t>‹#›</a:t>
             </a:fld>
             <a:endParaRPr lang="zh-CN" altLang="en-US"/>
           </a:p>
         </p:txBody>
       </p:sp>
     </p:spTree>
-    <p:extLst>
-      <p:ext uri="{BB962C8B-B14F-4D97-AF65-F5344CB8AC3E}">
-        <p14:creationId xmlns:p14="http://schemas.microsoft.com/office/powerpoint/2010/main" val="2963054727"/>
-      </p:ext>
-    </p:extLst>
   </p:cSld>
   <p:clrMapOvr>
     <a:masterClrMapping/>
@@ -1661,7 +1679,7 @@
 </p:sldLayout>
 </file>
 
-<file path=ppt/slideLayouts/slideLayout4.xml><?xml version="1.0" encoding="utf-8"?>
+<file path=ppt/slideLayouts/slideLayout15.xml><?xml version="1.0" encoding="utf-8"?>
 <p:sldLayout xmlns:a="http://schemas.openxmlformats.org/drawingml/2006/main" xmlns:r="http://schemas.openxmlformats.org/officeDocument/2006/relationships" xmlns:p="http://schemas.openxmlformats.org/presentationml/2006/main" type="twoObj" preserve="1">
   <p:cSld name="两栏内容">
     <p:spTree>
@@ -1680,13 +1698,7 @@
       </p:grpSpPr>
       <p:sp>
         <p:nvSpPr>
-          <p:cNvPr id="2" name="标题 1">
-            <a:extLst>
-              <a:ext uri="{FF2B5EF4-FFF2-40B4-BE49-F238E27FC236}">
-                <a16:creationId xmlns:a16="http://schemas.microsoft.com/office/drawing/2014/main" id="{162C3FBC-76C1-4982-A462-20A3082BCC54}"/>
-              </a:ext>
-            </a:extLst>
-          </p:cNvPr>
+          <p:cNvPr id="2" name="标题 1"/>
           <p:cNvSpPr>
             <a:spLocks noGrp="1"/>
           </p:cNvSpPr>
@@ -1703,18 +1715,13 @@
               <a:rPr lang="zh-CN" altLang="en-US"/>
               <a:t>单击此处编辑母版标题样式</a:t>
             </a:r>
-          </a:p>
-        </p:txBody>
-      </p:sp>
-      <p:sp>
-        <p:nvSpPr>
-          <p:cNvPr id="3" name="内容占位符 2">
-            <a:extLst>
-              <a:ext uri="{FF2B5EF4-FFF2-40B4-BE49-F238E27FC236}">
-                <a16:creationId xmlns:a16="http://schemas.microsoft.com/office/drawing/2014/main" id="{5252CBC4-04A4-44A1-BDF6-44FF050CE630}"/>
-              </a:ext>
-            </a:extLst>
-          </p:cNvPr>
+            <a:endParaRPr lang="zh-CN" altLang="en-US"/>
+          </a:p>
+        </p:txBody>
+      </p:sp>
+      <p:sp>
+        <p:nvSpPr>
+          <p:cNvPr id="3" name="内容占位符 2"/>
           <p:cNvSpPr>
             <a:spLocks noGrp="1"/>
           </p:cNvSpPr>
@@ -1737,6 +1744,7 @@
               <a:rPr lang="zh-CN" altLang="en-US"/>
               <a:t>单击此处编辑母版文本样式</a:t>
             </a:r>
+            <a:endParaRPr lang="zh-CN" altLang="en-US"/>
           </a:p>
           <a:p>
             <a:pPr lvl="1"/>
@@ -1744,6 +1752,7 @@
               <a:rPr lang="zh-CN" altLang="en-US"/>
               <a:t>二级</a:t>
             </a:r>
+            <a:endParaRPr lang="zh-CN" altLang="en-US"/>
           </a:p>
           <a:p>
             <a:pPr lvl="2"/>
@@ -1751,6 +1760,7 @@
               <a:rPr lang="zh-CN" altLang="en-US"/>
               <a:t>三级</a:t>
             </a:r>
+            <a:endParaRPr lang="zh-CN" altLang="en-US"/>
           </a:p>
           <a:p>
             <a:pPr lvl="3"/>
@@ -1758,6 +1768,7 @@
               <a:rPr lang="zh-CN" altLang="en-US"/>
               <a:t>四级</a:t>
             </a:r>
+            <a:endParaRPr lang="zh-CN" altLang="en-US"/>
           </a:p>
           <a:p>
             <a:pPr lvl="4"/>
@@ -1765,18 +1776,13 @@
               <a:rPr lang="zh-CN" altLang="en-US"/>
               <a:t>五级</a:t>
             </a:r>
-          </a:p>
-        </p:txBody>
-      </p:sp>
-      <p:sp>
-        <p:nvSpPr>
-          <p:cNvPr id="4" name="内容占位符 3">
-            <a:extLst>
-              <a:ext uri="{FF2B5EF4-FFF2-40B4-BE49-F238E27FC236}">
-                <a16:creationId xmlns:a16="http://schemas.microsoft.com/office/drawing/2014/main" id="{66B7C04C-7426-4F3A-879A-A3508717C578}"/>
-              </a:ext>
-            </a:extLst>
-          </p:cNvPr>
+            <a:endParaRPr lang="zh-CN" altLang="en-US"/>
+          </a:p>
+        </p:txBody>
+      </p:sp>
+      <p:sp>
+        <p:nvSpPr>
+          <p:cNvPr id="4" name="内容占位符 3"/>
           <p:cNvSpPr>
             <a:spLocks noGrp="1"/>
           </p:cNvSpPr>
@@ -1799,6 +1805,7 @@
               <a:rPr lang="zh-CN" altLang="en-US"/>
               <a:t>单击此处编辑母版文本样式</a:t>
             </a:r>
+            <a:endParaRPr lang="zh-CN" altLang="en-US"/>
           </a:p>
           <a:p>
             <a:pPr lvl="1"/>
@@ -1806,6 +1813,7 @@
               <a:rPr lang="zh-CN" altLang="en-US"/>
               <a:t>二级</a:t>
             </a:r>
+            <a:endParaRPr lang="zh-CN" altLang="en-US"/>
           </a:p>
           <a:p>
             <a:pPr lvl="2"/>
@@ -1813,6 +1821,7 @@
               <a:rPr lang="zh-CN" altLang="en-US"/>
               <a:t>三级</a:t>
             </a:r>
+            <a:endParaRPr lang="zh-CN" altLang="en-US"/>
           </a:p>
           <a:p>
             <a:pPr lvl="3"/>
@@ -1820,6 +1829,7 @@
               <a:rPr lang="zh-CN" altLang="en-US"/>
               <a:t>四级</a:t>
             </a:r>
+            <a:endParaRPr lang="zh-CN" altLang="en-US"/>
           </a:p>
           <a:p>
             <a:pPr lvl="4"/>
@@ -1827,18 +1837,13 @@
               <a:rPr lang="zh-CN" altLang="en-US"/>
               <a:t>五级</a:t>
             </a:r>
-          </a:p>
-        </p:txBody>
-      </p:sp>
-      <p:sp>
-        <p:nvSpPr>
-          <p:cNvPr id="5" name="日期占位符 4">
-            <a:extLst>
-              <a:ext uri="{FF2B5EF4-FFF2-40B4-BE49-F238E27FC236}">
-                <a16:creationId xmlns:a16="http://schemas.microsoft.com/office/drawing/2014/main" id="{4615723C-0CA3-42C5-BEA8-812E049253DD}"/>
-              </a:ext>
-            </a:extLst>
-          </p:cNvPr>
+            <a:endParaRPr lang="zh-CN" altLang="en-US"/>
+          </a:p>
+        </p:txBody>
+      </p:sp>
+      <p:sp>
+        <p:nvSpPr>
+          <p:cNvPr id="5" name="日期占位符 4"/>
           <p:cNvSpPr>
             <a:spLocks noGrp="1"/>
           </p:cNvSpPr>
@@ -1853,7 +1858,6 @@
           <a:p>
             <a:fld id="{5AD7F448-1F68-40D7-B5F9-4CDE90E69F76}" type="datetimeFigureOut">
               <a:rPr lang="zh-CN" altLang="en-US" smtClean="0"/>
-              <a:t>2024/11/11</a:t>
             </a:fld>
             <a:endParaRPr lang="zh-CN" altLang="en-US"/>
           </a:p>
@@ -1861,13 +1865,7 @@
       </p:sp>
       <p:sp>
         <p:nvSpPr>
-          <p:cNvPr id="6" name="页脚占位符 5">
-            <a:extLst>
-              <a:ext uri="{FF2B5EF4-FFF2-40B4-BE49-F238E27FC236}">
-                <a16:creationId xmlns:a16="http://schemas.microsoft.com/office/drawing/2014/main" id="{B7029EC4-6C2C-4509-A3B6-95AF6C2C32ED}"/>
-              </a:ext>
-            </a:extLst>
-          </p:cNvPr>
+          <p:cNvPr id="6" name="页脚占位符 5"/>
           <p:cNvSpPr>
             <a:spLocks noGrp="1"/>
           </p:cNvSpPr>
@@ -1886,13 +1884,7 @@
       </p:sp>
       <p:sp>
         <p:nvSpPr>
-          <p:cNvPr id="7" name="灯片编号占位符 6">
-            <a:extLst>
-              <a:ext uri="{FF2B5EF4-FFF2-40B4-BE49-F238E27FC236}">
-                <a16:creationId xmlns:a16="http://schemas.microsoft.com/office/drawing/2014/main" id="{0DC198B3-A057-40C3-957D-B80B040D3238}"/>
-              </a:ext>
-            </a:extLst>
-          </p:cNvPr>
+          <p:cNvPr id="7" name="灯片编号占位符 6"/>
           <p:cNvSpPr>
             <a:spLocks noGrp="1"/>
           </p:cNvSpPr>
@@ -1907,18 +1899,12 @@
           <a:p>
             <a:fld id="{3A216AA9-6775-4531-A0E8-15FF532D7431}" type="slidenum">
               <a:rPr lang="zh-CN" altLang="en-US" smtClean="0"/>
-              <a:t>‹#›</a:t>
             </a:fld>
             <a:endParaRPr lang="zh-CN" altLang="en-US"/>
           </a:p>
         </p:txBody>
       </p:sp>
     </p:spTree>
-    <p:extLst>
-      <p:ext uri="{BB962C8B-B14F-4D97-AF65-F5344CB8AC3E}">
-        <p14:creationId xmlns:p14="http://schemas.microsoft.com/office/powerpoint/2010/main" val="1102389466"/>
-      </p:ext>
-    </p:extLst>
   </p:cSld>
   <p:clrMapOvr>
     <a:masterClrMapping/>
@@ -1926,7 +1912,7 @@
 </p:sldLayout>
 </file>
 
-<file path=ppt/slideLayouts/slideLayout5.xml><?xml version="1.0" encoding="utf-8"?>
+<file path=ppt/slideLayouts/slideLayout16.xml><?xml version="1.0" encoding="utf-8"?>
 <p:sldLayout xmlns:a="http://schemas.openxmlformats.org/drawingml/2006/main" xmlns:r="http://schemas.openxmlformats.org/officeDocument/2006/relationships" xmlns:p="http://schemas.openxmlformats.org/presentationml/2006/main" type="twoTxTwoObj" preserve="1">
   <p:cSld name="比较">
     <p:spTree>
@@ -1945,13 +1931,7 @@
       </p:grpSpPr>
       <p:sp>
         <p:nvSpPr>
-          <p:cNvPr id="2" name="标题 1">
-            <a:extLst>
-              <a:ext uri="{FF2B5EF4-FFF2-40B4-BE49-F238E27FC236}">
-                <a16:creationId xmlns:a16="http://schemas.microsoft.com/office/drawing/2014/main" id="{3A6452FE-725E-49B6-A62B-06426CAF38B8}"/>
-              </a:ext>
-            </a:extLst>
-          </p:cNvPr>
+          <p:cNvPr id="2" name="标题 1"/>
           <p:cNvSpPr>
             <a:spLocks noGrp="1"/>
           </p:cNvSpPr>
@@ -1973,18 +1953,13 @@
               <a:rPr lang="zh-CN" altLang="en-US"/>
               <a:t>单击此处编辑母版标题样式</a:t>
             </a:r>
-          </a:p>
-        </p:txBody>
-      </p:sp>
-      <p:sp>
-        <p:nvSpPr>
-          <p:cNvPr id="3" name="文本占位符 2">
-            <a:extLst>
-              <a:ext uri="{FF2B5EF4-FFF2-40B4-BE49-F238E27FC236}">
-                <a16:creationId xmlns:a16="http://schemas.microsoft.com/office/drawing/2014/main" id="{E53A4686-A119-4B28-9FBD-69CE30E1D0FF}"/>
-              </a:ext>
-            </a:extLst>
-          </p:cNvPr>
+            <a:endParaRPr lang="zh-CN" altLang="en-US"/>
+          </a:p>
+        </p:txBody>
+      </p:sp>
+      <p:sp>
+        <p:nvSpPr>
+          <p:cNvPr id="3" name="文本占位符 2"/>
           <p:cNvSpPr>
             <a:spLocks noGrp="1"/>
           </p:cNvSpPr>
@@ -2044,18 +2019,13 @@
               <a:rPr lang="zh-CN" altLang="en-US"/>
               <a:t>单击此处编辑母版文本样式</a:t>
             </a:r>
-          </a:p>
-        </p:txBody>
-      </p:sp>
-      <p:sp>
-        <p:nvSpPr>
-          <p:cNvPr id="4" name="内容占位符 3">
-            <a:extLst>
-              <a:ext uri="{FF2B5EF4-FFF2-40B4-BE49-F238E27FC236}">
-                <a16:creationId xmlns:a16="http://schemas.microsoft.com/office/drawing/2014/main" id="{62AFEA5B-46D9-47E4-A283-FC3EC3EDE87B}"/>
-              </a:ext>
-            </a:extLst>
-          </p:cNvPr>
+            <a:endParaRPr lang="zh-CN" altLang="en-US"/>
+          </a:p>
+        </p:txBody>
+      </p:sp>
+      <p:sp>
+        <p:nvSpPr>
+          <p:cNvPr id="4" name="内容占位符 3"/>
           <p:cNvSpPr>
             <a:spLocks noGrp="1"/>
           </p:cNvSpPr>
@@ -2078,6 +2048,7 @@
               <a:rPr lang="zh-CN" altLang="en-US"/>
               <a:t>单击此处编辑母版文本样式</a:t>
             </a:r>
+            <a:endParaRPr lang="zh-CN" altLang="en-US"/>
           </a:p>
           <a:p>
             <a:pPr lvl="1"/>
@@ -2085,6 +2056,7 @@
               <a:rPr lang="zh-CN" altLang="en-US"/>
               <a:t>二级</a:t>
             </a:r>
+            <a:endParaRPr lang="zh-CN" altLang="en-US"/>
           </a:p>
           <a:p>
             <a:pPr lvl="2"/>
@@ -2092,6 +2064,7 @@
               <a:rPr lang="zh-CN" altLang="en-US"/>
               <a:t>三级</a:t>
             </a:r>
+            <a:endParaRPr lang="zh-CN" altLang="en-US"/>
           </a:p>
           <a:p>
             <a:pPr lvl="3"/>
@@ -2099,6 +2072,7 @@
               <a:rPr lang="zh-CN" altLang="en-US"/>
               <a:t>四级</a:t>
             </a:r>
+            <a:endParaRPr lang="zh-CN" altLang="en-US"/>
           </a:p>
           <a:p>
             <a:pPr lvl="4"/>
@@ -2106,18 +2080,13 @@
               <a:rPr lang="zh-CN" altLang="en-US"/>
               <a:t>五级</a:t>
             </a:r>
-          </a:p>
-        </p:txBody>
-      </p:sp>
-      <p:sp>
-        <p:nvSpPr>
-          <p:cNvPr id="5" name="文本占位符 4">
-            <a:extLst>
-              <a:ext uri="{FF2B5EF4-FFF2-40B4-BE49-F238E27FC236}">
-                <a16:creationId xmlns:a16="http://schemas.microsoft.com/office/drawing/2014/main" id="{05BA021D-7777-4983-9DCF-F41E53DAC359}"/>
-              </a:ext>
-            </a:extLst>
-          </p:cNvPr>
+            <a:endParaRPr lang="zh-CN" altLang="en-US"/>
+          </a:p>
+        </p:txBody>
+      </p:sp>
+      <p:sp>
+        <p:nvSpPr>
+          <p:cNvPr id="5" name="文本占位符 4"/>
           <p:cNvSpPr>
             <a:spLocks noGrp="1"/>
           </p:cNvSpPr>
@@ -2177,18 +2146,13 @@
               <a:rPr lang="zh-CN" altLang="en-US"/>
               <a:t>单击此处编辑母版文本样式</a:t>
             </a:r>
-          </a:p>
-        </p:txBody>
-      </p:sp>
-      <p:sp>
-        <p:nvSpPr>
-          <p:cNvPr id="6" name="内容占位符 5">
-            <a:extLst>
-              <a:ext uri="{FF2B5EF4-FFF2-40B4-BE49-F238E27FC236}">
-                <a16:creationId xmlns:a16="http://schemas.microsoft.com/office/drawing/2014/main" id="{4338C2AF-CEF7-404A-A92A-B358F57753D9}"/>
-              </a:ext>
-            </a:extLst>
-          </p:cNvPr>
+            <a:endParaRPr lang="zh-CN" altLang="en-US"/>
+          </a:p>
+        </p:txBody>
+      </p:sp>
+      <p:sp>
+        <p:nvSpPr>
+          <p:cNvPr id="6" name="内容占位符 5"/>
           <p:cNvSpPr>
             <a:spLocks noGrp="1"/>
           </p:cNvSpPr>
@@ -2211,6 +2175,7 @@
               <a:rPr lang="zh-CN" altLang="en-US"/>
               <a:t>单击此处编辑母版文本样式</a:t>
             </a:r>
+            <a:endParaRPr lang="zh-CN" altLang="en-US"/>
           </a:p>
           <a:p>
             <a:pPr lvl="1"/>
@@ -2218,6 +2183,7 @@
               <a:rPr lang="zh-CN" altLang="en-US"/>
               <a:t>二级</a:t>
             </a:r>
+            <a:endParaRPr lang="zh-CN" altLang="en-US"/>
           </a:p>
           <a:p>
             <a:pPr lvl="2"/>
@@ -2225,6 +2191,7 @@
               <a:rPr lang="zh-CN" altLang="en-US"/>
               <a:t>三级</a:t>
             </a:r>
+            <a:endParaRPr lang="zh-CN" altLang="en-US"/>
           </a:p>
           <a:p>
             <a:pPr lvl="3"/>
@@ -2232,6 +2199,7 @@
               <a:rPr lang="zh-CN" altLang="en-US"/>
               <a:t>四级</a:t>
             </a:r>
+            <a:endParaRPr lang="zh-CN" altLang="en-US"/>
           </a:p>
           <a:p>
             <a:pPr lvl="4"/>
@@ -2239,18 +2207,13 @@
               <a:rPr lang="zh-CN" altLang="en-US"/>
               <a:t>五级</a:t>
             </a:r>
-          </a:p>
-        </p:txBody>
-      </p:sp>
-      <p:sp>
-        <p:nvSpPr>
-          <p:cNvPr id="7" name="日期占位符 6">
-            <a:extLst>
-              <a:ext uri="{FF2B5EF4-FFF2-40B4-BE49-F238E27FC236}">
-                <a16:creationId xmlns:a16="http://schemas.microsoft.com/office/drawing/2014/main" id="{617D5EED-BA9C-4E91-B0C1-BF8C45D57C90}"/>
-              </a:ext>
-            </a:extLst>
-          </p:cNvPr>
+            <a:endParaRPr lang="zh-CN" altLang="en-US"/>
+          </a:p>
+        </p:txBody>
+      </p:sp>
+      <p:sp>
+        <p:nvSpPr>
+          <p:cNvPr id="7" name="日期占位符 6"/>
           <p:cNvSpPr>
             <a:spLocks noGrp="1"/>
           </p:cNvSpPr>
@@ -2265,7 +2228,6 @@
           <a:p>
             <a:fld id="{5AD7F448-1F68-40D7-B5F9-4CDE90E69F76}" type="datetimeFigureOut">
               <a:rPr lang="zh-CN" altLang="en-US" smtClean="0"/>
-              <a:t>2024/11/11</a:t>
             </a:fld>
             <a:endParaRPr lang="zh-CN" altLang="en-US"/>
           </a:p>
@@ -2273,13 +2235,7 @@
       </p:sp>
       <p:sp>
         <p:nvSpPr>
-          <p:cNvPr id="8" name="页脚占位符 7">
-            <a:extLst>
-              <a:ext uri="{FF2B5EF4-FFF2-40B4-BE49-F238E27FC236}">
-                <a16:creationId xmlns:a16="http://schemas.microsoft.com/office/drawing/2014/main" id="{64275B1A-41C0-48DF-ABD9-B0627B913A55}"/>
-              </a:ext>
-            </a:extLst>
-          </p:cNvPr>
+          <p:cNvPr id="8" name="页脚占位符 7"/>
           <p:cNvSpPr>
             <a:spLocks noGrp="1"/>
           </p:cNvSpPr>
@@ -2298,13 +2254,7 @@
       </p:sp>
       <p:sp>
         <p:nvSpPr>
-          <p:cNvPr id="9" name="灯片编号占位符 8">
-            <a:extLst>
-              <a:ext uri="{FF2B5EF4-FFF2-40B4-BE49-F238E27FC236}">
-                <a16:creationId xmlns:a16="http://schemas.microsoft.com/office/drawing/2014/main" id="{9CAC8F30-7D63-4E77-86A3-D349BD93E7D3}"/>
-              </a:ext>
-            </a:extLst>
-          </p:cNvPr>
+          <p:cNvPr id="9" name="灯片编号占位符 8"/>
           <p:cNvSpPr>
             <a:spLocks noGrp="1"/>
           </p:cNvSpPr>
@@ -2319,18 +2269,12 @@
           <a:p>
             <a:fld id="{3A216AA9-6775-4531-A0E8-15FF532D7431}" type="slidenum">
               <a:rPr lang="zh-CN" altLang="en-US" smtClean="0"/>
-              <a:t>‹#›</a:t>
             </a:fld>
             <a:endParaRPr lang="zh-CN" altLang="en-US"/>
           </a:p>
         </p:txBody>
       </p:sp>
     </p:spTree>
-    <p:extLst>
-      <p:ext uri="{BB962C8B-B14F-4D97-AF65-F5344CB8AC3E}">
-        <p14:creationId xmlns:p14="http://schemas.microsoft.com/office/powerpoint/2010/main" val="2157600497"/>
-      </p:ext>
-    </p:extLst>
   </p:cSld>
   <p:clrMapOvr>
     <a:masterClrMapping/>
@@ -2338,7 +2282,7 @@
 </p:sldLayout>
 </file>
 
-<file path=ppt/slideLayouts/slideLayout6.xml><?xml version="1.0" encoding="utf-8"?>
+<file path=ppt/slideLayouts/slideLayout17.xml><?xml version="1.0" encoding="utf-8"?>
 <p:sldLayout xmlns:a="http://schemas.openxmlformats.org/drawingml/2006/main" xmlns:r="http://schemas.openxmlformats.org/officeDocument/2006/relationships" xmlns:p="http://schemas.openxmlformats.org/presentationml/2006/main" type="titleOnly" preserve="1">
   <p:cSld name="仅标题">
     <p:spTree>
@@ -2357,13 +2301,7 @@
       </p:grpSpPr>
       <p:sp>
         <p:nvSpPr>
-          <p:cNvPr id="2" name="标题 1">
-            <a:extLst>
-              <a:ext uri="{FF2B5EF4-FFF2-40B4-BE49-F238E27FC236}">
-                <a16:creationId xmlns:a16="http://schemas.microsoft.com/office/drawing/2014/main" id="{A9EFEF81-86A7-45CA-B016-22EEC6FE159F}"/>
-              </a:ext>
-            </a:extLst>
-          </p:cNvPr>
+          <p:cNvPr id="2" name="标题 1"/>
           <p:cNvSpPr>
             <a:spLocks noGrp="1"/>
           </p:cNvSpPr>
@@ -2380,18 +2318,13 @@
               <a:rPr lang="zh-CN" altLang="en-US"/>
               <a:t>单击此处编辑母版标题样式</a:t>
             </a:r>
-          </a:p>
-        </p:txBody>
-      </p:sp>
-      <p:sp>
-        <p:nvSpPr>
-          <p:cNvPr id="3" name="日期占位符 2">
-            <a:extLst>
-              <a:ext uri="{FF2B5EF4-FFF2-40B4-BE49-F238E27FC236}">
-                <a16:creationId xmlns:a16="http://schemas.microsoft.com/office/drawing/2014/main" id="{6EE09D6C-06FA-46B9-B311-5923379CAEF2}"/>
-              </a:ext>
-            </a:extLst>
-          </p:cNvPr>
+            <a:endParaRPr lang="zh-CN" altLang="en-US"/>
+          </a:p>
+        </p:txBody>
+      </p:sp>
+      <p:sp>
+        <p:nvSpPr>
+          <p:cNvPr id="3" name="日期占位符 2"/>
           <p:cNvSpPr>
             <a:spLocks noGrp="1"/>
           </p:cNvSpPr>
@@ -2406,7 +2339,6 @@
           <a:p>
             <a:fld id="{5AD7F448-1F68-40D7-B5F9-4CDE90E69F76}" type="datetimeFigureOut">
               <a:rPr lang="zh-CN" altLang="en-US" smtClean="0"/>
-              <a:t>2024/11/11</a:t>
             </a:fld>
             <a:endParaRPr lang="zh-CN" altLang="en-US"/>
           </a:p>
@@ -2414,13 +2346,7 @@
       </p:sp>
       <p:sp>
         <p:nvSpPr>
-          <p:cNvPr id="4" name="页脚占位符 3">
-            <a:extLst>
-              <a:ext uri="{FF2B5EF4-FFF2-40B4-BE49-F238E27FC236}">
-                <a16:creationId xmlns:a16="http://schemas.microsoft.com/office/drawing/2014/main" id="{B4C0911D-5FB0-49AD-A294-7B95030FD71C}"/>
-              </a:ext>
-            </a:extLst>
-          </p:cNvPr>
+          <p:cNvPr id="4" name="页脚占位符 3"/>
           <p:cNvSpPr>
             <a:spLocks noGrp="1"/>
           </p:cNvSpPr>
@@ -2439,13 +2365,7 @@
       </p:sp>
       <p:sp>
         <p:nvSpPr>
-          <p:cNvPr id="5" name="灯片编号占位符 4">
-            <a:extLst>
-              <a:ext uri="{FF2B5EF4-FFF2-40B4-BE49-F238E27FC236}">
-                <a16:creationId xmlns:a16="http://schemas.microsoft.com/office/drawing/2014/main" id="{CD732912-3D50-4575-BF0A-08269E3D234E}"/>
-              </a:ext>
-            </a:extLst>
-          </p:cNvPr>
+          <p:cNvPr id="5" name="灯片编号占位符 4"/>
           <p:cNvSpPr>
             <a:spLocks noGrp="1"/>
           </p:cNvSpPr>
@@ -2460,18 +2380,12 @@
           <a:p>
             <a:fld id="{3A216AA9-6775-4531-A0E8-15FF532D7431}" type="slidenum">
               <a:rPr lang="zh-CN" altLang="en-US" smtClean="0"/>
-              <a:t>‹#›</a:t>
             </a:fld>
             <a:endParaRPr lang="zh-CN" altLang="en-US"/>
           </a:p>
         </p:txBody>
       </p:sp>
     </p:spTree>
-    <p:extLst>
-      <p:ext uri="{BB962C8B-B14F-4D97-AF65-F5344CB8AC3E}">
-        <p14:creationId xmlns:p14="http://schemas.microsoft.com/office/powerpoint/2010/main" val="1767371239"/>
-      </p:ext>
-    </p:extLst>
   </p:cSld>
   <p:clrMapOvr>
     <a:masterClrMapping/>
@@ -2479,7 +2393,7 @@
 </p:sldLayout>
 </file>
 
-<file path=ppt/slideLayouts/slideLayout7.xml><?xml version="1.0" encoding="utf-8"?>
+<file path=ppt/slideLayouts/slideLayout18.xml><?xml version="1.0" encoding="utf-8"?>
 <p:sldLayout xmlns:a="http://schemas.openxmlformats.org/drawingml/2006/main" xmlns:r="http://schemas.openxmlformats.org/officeDocument/2006/relationships" xmlns:p="http://schemas.openxmlformats.org/presentationml/2006/main" type="blank" preserve="1">
   <p:cSld name="空白">
     <p:spTree>
@@ -2498,13 +2412,7 @@
       </p:grpSpPr>
       <p:sp>
         <p:nvSpPr>
-          <p:cNvPr id="2" name="日期占位符 1">
-            <a:extLst>
-              <a:ext uri="{FF2B5EF4-FFF2-40B4-BE49-F238E27FC236}">
-                <a16:creationId xmlns:a16="http://schemas.microsoft.com/office/drawing/2014/main" id="{BAADE1E8-AE53-4AC0-906C-597807477310}"/>
-              </a:ext>
-            </a:extLst>
-          </p:cNvPr>
+          <p:cNvPr id="2" name="日期占位符 1"/>
           <p:cNvSpPr>
             <a:spLocks noGrp="1"/>
           </p:cNvSpPr>
@@ -2519,7 +2427,6 @@
           <a:p>
             <a:fld id="{5AD7F448-1F68-40D7-B5F9-4CDE90E69F76}" type="datetimeFigureOut">
               <a:rPr lang="zh-CN" altLang="en-US" smtClean="0"/>
-              <a:t>2024/11/11</a:t>
             </a:fld>
             <a:endParaRPr lang="zh-CN" altLang="en-US"/>
           </a:p>
@@ -2527,13 +2434,7 @@
       </p:sp>
       <p:sp>
         <p:nvSpPr>
-          <p:cNvPr id="3" name="页脚占位符 2">
-            <a:extLst>
-              <a:ext uri="{FF2B5EF4-FFF2-40B4-BE49-F238E27FC236}">
-                <a16:creationId xmlns:a16="http://schemas.microsoft.com/office/drawing/2014/main" id="{BA5E4954-6228-44F6-B7C2-EE3999C6E171}"/>
-              </a:ext>
-            </a:extLst>
-          </p:cNvPr>
+          <p:cNvPr id="3" name="页脚占位符 2"/>
           <p:cNvSpPr>
             <a:spLocks noGrp="1"/>
           </p:cNvSpPr>
@@ -2552,13 +2453,7 @@
       </p:sp>
       <p:sp>
         <p:nvSpPr>
-          <p:cNvPr id="4" name="灯片编号占位符 3">
-            <a:extLst>
-              <a:ext uri="{FF2B5EF4-FFF2-40B4-BE49-F238E27FC236}">
-                <a16:creationId xmlns:a16="http://schemas.microsoft.com/office/drawing/2014/main" id="{C35B2D25-EDCB-4394-BF80-AA4A1271439A}"/>
-              </a:ext>
-            </a:extLst>
-          </p:cNvPr>
+          <p:cNvPr id="4" name="灯片编号占位符 3"/>
           <p:cNvSpPr>
             <a:spLocks noGrp="1"/>
           </p:cNvSpPr>
@@ -2573,18 +2468,12 @@
           <a:p>
             <a:fld id="{3A216AA9-6775-4531-A0E8-15FF532D7431}" type="slidenum">
               <a:rPr lang="zh-CN" altLang="en-US" smtClean="0"/>
-              <a:t>‹#›</a:t>
             </a:fld>
             <a:endParaRPr lang="zh-CN" altLang="en-US"/>
           </a:p>
         </p:txBody>
       </p:sp>
     </p:spTree>
-    <p:extLst>
-      <p:ext uri="{BB962C8B-B14F-4D97-AF65-F5344CB8AC3E}">
-        <p14:creationId xmlns:p14="http://schemas.microsoft.com/office/powerpoint/2010/main" val="2710782429"/>
-      </p:ext>
-    </p:extLst>
   </p:cSld>
   <p:clrMapOvr>
     <a:masterClrMapping/>
@@ -2592,7 +2481,7 @@
 </p:sldLayout>
 </file>
 
-<file path=ppt/slideLayouts/slideLayout8.xml><?xml version="1.0" encoding="utf-8"?>
+<file path=ppt/slideLayouts/slideLayout19.xml><?xml version="1.0" encoding="utf-8"?>
 <p:sldLayout xmlns:a="http://schemas.openxmlformats.org/drawingml/2006/main" xmlns:r="http://schemas.openxmlformats.org/officeDocument/2006/relationships" xmlns:p="http://schemas.openxmlformats.org/presentationml/2006/main" type="objTx" preserve="1">
   <p:cSld name="内容与标题">
     <p:spTree>
@@ -2611,13 +2500,7 @@
       </p:grpSpPr>
       <p:sp>
         <p:nvSpPr>
-          <p:cNvPr id="2" name="标题 1">
-            <a:extLst>
-              <a:ext uri="{FF2B5EF4-FFF2-40B4-BE49-F238E27FC236}">
-                <a16:creationId xmlns:a16="http://schemas.microsoft.com/office/drawing/2014/main" id="{65D3C3BC-16E5-49FA-8233-19659A812060}"/>
-              </a:ext>
-            </a:extLst>
-          </p:cNvPr>
+          <p:cNvPr id="2" name="标题 1"/>
           <p:cNvSpPr>
             <a:spLocks noGrp="1"/>
           </p:cNvSpPr>
@@ -2643,18 +2526,13 @@
               <a:rPr lang="zh-CN" altLang="en-US"/>
               <a:t>单击此处编辑母版标题样式</a:t>
             </a:r>
-          </a:p>
-        </p:txBody>
-      </p:sp>
-      <p:sp>
-        <p:nvSpPr>
-          <p:cNvPr id="3" name="内容占位符 2">
-            <a:extLst>
-              <a:ext uri="{FF2B5EF4-FFF2-40B4-BE49-F238E27FC236}">
-                <a16:creationId xmlns:a16="http://schemas.microsoft.com/office/drawing/2014/main" id="{3080C4C6-32BB-40A8-956A-5A7D9F9C10A3}"/>
-              </a:ext>
-            </a:extLst>
-          </p:cNvPr>
+            <a:endParaRPr lang="zh-CN" altLang="en-US"/>
+          </a:p>
+        </p:txBody>
+      </p:sp>
+      <p:sp>
+        <p:nvSpPr>
+          <p:cNvPr id="3" name="内容占位符 2"/>
           <p:cNvSpPr>
             <a:spLocks noGrp="1"/>
           </p:cNvSpPr>
@@ -2705,6 +2583,7 @@
               <a:rPr lang="zh-CN" altLang="en-US"/>
               <a:t>单击此处编辑母版文本样式</a:t>
             </a:r>
+            <a:endParaRPr lang="zh-CN" altLang="en-US"/>
           </a:p>
           <a:p>
             <a:pPr lvl="1"/>
@@ -2712,6 +2591,7 @@
               <a:rPr lang="zh-CN" altLang="en-US"/>
               <a:t>二级</a:t>
             </a:r>
+            <a:endParaRPr lang="zh-CN" altLang="en-US"/>
           </a:p>
           <a:p>
             <a:pPr lvl="2"/>
@@ -2719,6 +2599,7 @@
               <a:rPr lang="zh-CN" altLang="en-US"/>
               <a:t>三级</a:t>
             </a:r>
+            <a:endParaRPr lang="zh-CN" altLang="en-US"/>
           </a:p>
           <a:p>
             <a:pPr lvl="3"/>
@@ -2726,6 +2607,7 @@
               <a:rPr lang="zh-CN" altLang="en-US"/>
               <a:t>四级</a:t>
             </a:r>
+            <a:endParaRPr lang="zh-CN" altLang="en-US"/>
           </a:p>
           <a:p>
             <a:pPr lvl="4"/>
@@ -2733,18 +2615,13 @@
               <a:rPr lang="zh-CN" altLang="en-US"/>
               <a:t>五级</a:t>
             </a:r>
-          </a:p>
-        </p:txBody>
-      </p:sp>
-      <p:sp>
-        <p:nvSpPr>
-          <p:cNvPr id="4" name="文本占位符 3">
-            <a:extLst>
-              <a:ext uri="{FF2B5EF4-FFF2-40B4-BE49-F238E27FC236}">
-                <a16:creationId xmlns:a16="http://schemas.microsoft.com/office/drawing/2014/main" id="{992116A0-1AFE-4105-8B2C-B2E7674790EB}"/>
-              </a:ext>
-            </a:extLst>
-          </p:cNvPr>
+            <a:endParaRPr lang="zh-CN" altLang="en-US"/>
+          </a:p>
+        </p:txBody>
+      </p:sp>
+      <p:sp>
+        <p:nvSpPr>
+          <p:cNvPr id="4" name="文本占位符 3"/>
           <p:cNvSpPr>
             <a:spLocks noGrp="1"/>
           </p:cNvSpPr>
@@ -2804,18 +2681,13 @@
               <a:rPr lang="zh-CN" altLang="en-US"/>
               <a:t>单击此处编辑母版文本样式</a:t>
             </a:r>
-          </a:p>
-        </p:txBody>
-      </p:sp>
-      <p:sp>
-        <p:nvSpPr>
-          <p:cNvPr id="5" name="日期占位符 4">
-            <a:extLst>
-              <a:ext uri="{FF2B5EF4-FFF2-40B4-BE49-F238E27FC236}">
-                <a16:creationId xmlns:a16="http://schemas.microsoft.com/office/drawing/2014/main" id="{840E3A9D-D418-4EFB-8041-F4B93EDC8E03}"/>
-              </a:ext>
-            </a:extLst>
-          </p:cNvPr>
+            <a:endParaRPr lang="zh-CN" altLang="en-US"/>
+          </a:p>
+        </p:txBody>
+      </p:sp>
+      <p:sp>
+        <p:nvSpPr>
+          <p:cNvPr id="5" name="日期占位符 4"/>
           <p:cNvSpPr>
             <a:spLocks noGrp="1"/>
           </p:cNvSpPr>
@@ -2830,7 +2702,6 @@
           <a:p>
             <a:fld id="{5AD7F448-1F68-40D7-B5F9-4CDE90E69F76}" type="datetimeFigureOut">
               <a:rPr lang="zh-CN" altLang="en-US" smtClean="0"/>
-              <a:t>2024/11/11</a:t>
             </a:fld>
             <a:endParaRPr lang="zh-CN" altLang="en-US"/>
           </a:p>
@@ -2838,13 +2709,7 @@
       </p:sp>
       <p:sp>
         <p:nvSpPr>
-          <p:cNvPr id="6" name="页脚占位符 5">
-            <a:extLst>
-              <a:ext uri="{FF2B5EF4-FFF2-40B4-BE49-F238E27FC236}">
-                <a16:creationId xmlns:a16="http://schemas.microsoft.com/office/drawing/2014/main" id="{06E94BE9-0E99-4889-873C-ACE99C2C8DD5}"/>
-              </a:ext>
-            </a:extLst>
-          </p:cNvPr>
+          <p:cNvPr id="6" name="页脚占位符 5"/>
           <p:cNvSpPr>
             <a:spLocks noGrp="1"/>
           </p:cNvSpPr>
@@ -2863,13 +2728,7 @@
       </p:sp>
       <p:sp>
         <p:nvSpPr>
-          <p:cNvPr id="7" name="灯片编号占位符 6">
-            <a:extLst>
-              <a:ext uri="{FF2B5EF4-FFF2-40B4-BE49-F238E27FC236}">
-                <a16:creationId xmlns:a16="http://schemas.microsoft.com/office/drawing/2014/main" id="{018A10A1-4E41-4C8E-8189-8F095BB38CC5}"/>
-              </a:ext>
-            </a:extLst>
-          </p:cNvPr>
+          <p:cNvPr id="7" name="灯片编号占位符 6"/>
           <p:cNvSpPr>
             <a:spLocks noGrp="1"/>
           </p:cNvSpPr>
@@ -2884,18 +2743,2087 @@
           <a:p>
             <a:fld id="{3A216AA9-6775-4531-A0E8-15FF532D7431}" type="slidenum">
               <a:rPr lang="zh-CN" altLang="en-US" smtClean="0"/>
-              <a:t>‹#›</a:t>
             </a:fld>
             <a:endParaRPr lang="zh-CN" altLang="en-US"/>
           </a:p>
         </p:txBody>
       </p:sp>
     </p:spTree>
-    <p:extLst>
-      <p:ext uri="{BB962C8B-B14F-4D97-AF65-F5344CB8AC3E}">
-        <p14:creationId xmlns:p14="http://schemas.microsoft.com/office/powerpoint/2010/main" val="187443778"/>
-      </p:ext>
-    </p:extLst>
+  </p:cSld>
+  <p:clrMapOvr>
+    <a:masterClrMapping/>
+  </p:clrMapOvr>
+</p:sldLayout>
+</file>
+
+<file path=ppt/slideLayouts/slideLayout2.xml><?xml version="1.0" encoding="utf-8"?>
+<p:sldLayout xmlns:a="http://schemas.openxmlformats.org/drawingml/2006/main" xmlns:r="http://schemas.openxmlformats.org/officeDocument/2006/relationships" xmlns:p="http://schemas.openxmlformats.org/presentationml/2006/main" type="obj" preserve="1">
+  <p:cSld name="标题和内容">
+    <p:spTree>
+      <p:nvGrpSpPr>
+        <p:cNvPr id="1" name=""/>
+        <p:cNvGrpSpPr/>
+        <p:nvPr/>
+      </p:nvGrpSpPr>
+      <p:grpSpPr>
+        <a:xfrm>
+          <a:off x="0" y="0"/>
+          <a:ext cx="0" cy="0"/>
+          <a:chOff x="0" y="0"/>
+          <a:chExt cx="0" cy="0"/>
+        </a:xfrm>
+      </p:grpSpPr>
+      <p:sp>
+        <p:nvSpPr>
+          <p:cNvPr id="2" name="标题 1"/>
+          <p:cNvSpPr>
+            <a:spLocks noGrp="1"/>
+          </p:cNvSpPr>
+          <p:nvPr>
+            <p:ph type="title"/>
+          </p:nvPr>
+        </p:nvSpPr>
+        <p:spPr/>
+        <p:txBody>
+          <a:bodyPr/>
+          <a:lstStyle/>
+          <a:p>
+            <a:r>
+              <a:rPr lang="zh-CN" altLang="en-US"/>
+              <a:t>单击此处编辑母版标题样式</a:t>
+            </a:r>
+            <a:endParaRPr lang="zh-CN" altLang="en-US"/>
+          </a:p>
+        </p:txBody>
+      </p:sp>
+      <p:sp>
+        <p:nvSpPr>
+          <p:cNvPr id="3" name="内容占位符 2"/>
+          <p:cNvSpPr>
+            <a:spLocks noGrp="1"/>
+          </p:cNvSpPr>
+          <p:nvPr>
+            <p:ph idx="1"/>
+          </p:nvPr>
+        </p:nvSpPr>
+        <p:spPr/>
+        <p:txBody>
+          <a:bodyPr/>
+          <a:lstStyle/>
+          <a:p>
+            <a:pPr lvl="0"/>
+            <a:r>
+              <a:rPr lang="zh-CN" altLang="en-US"/>
+              <a:t>单击此处编辑母版文本样式</a:t>
+            </a:r>
+            <a:endParaRPr lang="zh-CN" altLang="en-US"/>
+          </a:p>
+          <a:p>
+            <a:pPr lvl="1"/>
+            <a:r>
+              <a:rPr lang="zh-CN" altLang="en-US"/>
+              <a:t>二级</a:t>
+            </a:r>
+            <a:endParaRPr lang="zh-CN" altLang="en-US"/>
+          </a:p>
+          <a:p>
+            <a:pPr lvl="2"/>
+            <a:r>
+              <a:rPr lang="zh-CN" altLang="en-US"/>
+              <a:t>三级</a:t>
+            </a:r>
+            <a:endParaRPr lang="zh-CN" altLang="en-US"/>
+          </a:p>
+          <a:p>
+            <a:pPr lvl="3"/>
+            <a:r>
+              <a:rPr lang="zh-CN" altLang="en-US"/>
+              <a:t>四级</a:t>
+            </a:r>
+            <a:endParaRPr lang="zh-CN" altLang="en-US"/>
+          </a:p>
+          <a:p>
+            <a:pPr lvl="4"/>
+            <a:r>
+              <a:rPr lang="zh-CN" altLang="en-US"/>
+              <a:t>五级</a:t>
+            </a:r>
+            <a:endParaRPr lang="zh-CN" altLang="en-US"/>
+          </a:p>
+        </p:txBody>
+      </p:sp>
+      <p:sp>
+        <p:nvSpPr>
+          <p:cNvPr id="4" name="日期占位符 3"/>
+          <p:cNvSpPr>
+            <a:spLocks noGrp="1"/>
+          </p:cNvSpPr>
+          <p:nvPr>
+            <p:ph type="dt" sz="half" idx="10"/>
+          </p:nvPr>
+        </p:nvSpPr>
+        <p:spPr/>
+        <p:txBody>
+          <a:bodyPr/>
+          <a:lstStyle/>
+          <a:p>
+            <a:fld id="{5AD7F448-1F68-40D7-B5F9-4CDE90E69F76}" type="datetimeFigureOut">
+              <a:rPr lang="zh-CN" altLang="en-US" smtClean="0"/>
+            </a:fld>
+            <a:endParaRPr lang="zh-CN" altLang="en-US"/>
+          </a:p>
+        </p:txBody>
+      </p:sp>
+      <p:sp>
+        <p:nvSpPr>
+          <p:cNvPr id="5" name="页脚占位符 4"/>
+          <p:cNvSpPr>
+            <a:spLocks noGrp="1"/>
+          </p:cNvSpPr>
+          <p:nvPr>
+            <p:ph type="ftr" sz="quarter" idx="11"/>
+          </p:nvPr>
+        </p:nvSpPr>
+        <p:spPr/>
+        <p:txBody>
+          <a:bodyPr/>
+          <a:lstStyle/>
+          <a:p>
+            <a:endParaRPr lang="zh-CN" altLang="en-US"/>
+          </a:p>
+        </p:txBody>
+      </p:sp>
+      <p:sp>
+        <p:nvSpPr>
+          <p:cNvPr id="6" name="灯片编号占位符 5"/>
+          <p:cNvSpPr>
+            <a:spLocks noGrp="1"/>
+          </p:cNvSpPr>
+          <p:nvPr>
+            <p:ph type="sldNum" sz="quarter" idx="12"/>
+          </p:nvPr>
+        </p:nvSpPr>
+        <p:spPr/>
+        <p:txBody>
+          <a:bodyPr/>
+          <a:lstStyle/>
+          <a:p>
+            <a:fld id="{3A216AA9-6775-4531-A0E8-15FF532D7431}" type="slidenum">
+              <a:rPr lang="zh-CN" altLang="en-US" smtClean="0"/>
+            </a:fld>
+            <a:endParaRPr lang="zh-CN" altLang="en-US"/>
+          </a:p>
+        </p:txBody>
+      </p:sp>
+    </p:spTree>
+  </p:cSld>
+  <p:clrMapOvr>
+    <a:masterClrMapping/>
+  </p:clrMapOvr>
+</p:sldLayout>
+</file>
+
+<file path=ppt/slideLayouts/slideLayout20.xml><?xml version="1.0" encoding="utf-8"?>
+<p:sldLayout xmlns:a="http://schemas.openxmlformats.org/drawingml/2006/main" xmlns:r="http://schemas.openxmlformats.org/officeDocument/2006/relationships" xmlns:p="http://schemas.openxmlformats.org/presentationml/2006/main" type="picTx" preserve="1">
+  <p:cSld name="图片与标题">
+    <p:spTree>
+      <p:nvGrpSpPr>
+        <p:cNvPr id="1" name=""/>
+        <p:cNvGrpSpPr/>
+        <p:nvPr/>
+      </p:nvGrpSpPr>
+      <p:grpSpPr>
+        <a:xfrm>
+          <a:off x="0" y="0"/>
+          <a:ext cx="0" cy="0"/>
+          <a:chOff x="0" y="0"/>
+          <a:chExt cx="0" cy="0"/>
+        </a:xfrm>
+      </p:grpSpPr>
+      <p:sp>
+        <p:nvSpPr>
+          <p:cNvPr id="2" name="标题 1"/>
+          <p:cNvSpPr>
+            <a:spLocks noGrp="1"/>
+          </p:cNvSpPr>
+          <p:nvPr>
+            <p:ph type="title"/>
+          </p:nvPr>
+        </p:nvSpPr>
+        <p:spPr>
+          <a:xfrm>
+            <a:off x="839788" y="457200"/>
+            <a:ext cx="3932237" cy="1600200"/>
+          </a:xfrm>
+        </p:spPr>
+        <p:txBody>
+          <a:bodyPr anchor="b"/>
+          <a:lstStyle>
+            <a:lvl1pPr>
+              <a:defRPr sz="3200"/>
+            </a:lvl1pPr>
+          </a:lstStyle>
+          <a:p>
+            <a:r>
+              <a:rPr lang="zh-CN" altLang="en-US"/>
+              <a:t>单击此处编辑母版标题样式</a:t>
+            </a:r>
+            <a:endParaRPr lang="zh-CN" altLang="en-US"/>
+          </a:p>
+        </p:txBody>
+      </p:sp>
+      <p:sp>
+        <p:nvSpPr>
+          <p:cNvPr id="3" name="图片占位符 2"/>
+          <p:cNvSpPr>
+            <a:spLocks noGrp="1"/>
+          </p:cNvSpPr>
+          <p:nvPr>
+            <p:ph type="pic" idx="1"/>
+          </p:nvPr>
+        </p:nvSpPr>
+        <p:spPr>
+          <a:xfrm>
+            <a:off x="5183188" y="987425"/>
+            <a:ext cx="6172200" cy="4873625"/>
+          </a:xfrm>
+        </p:spPr>
+        <p:txBody>
+          <a:bodyPr/>
+          <a:lstStyle>
+            <a:lvl1pPr marL="0" indent="0">
+              <a:buNone/>
+              <a:defRPr sz="3200"/>
+            </a:lvl1pPr>
+            <a:lvl2pPr marL="457200" indent="0">
+              <a:buNone/>
+              <a:defRPr sz="2800"/>
+            </a:lvl2pPr>
+            <a:lvl3pPr marL="914400" indent="0">
+              <a:buNone/>
+              <a:defRPr sz="2400"/>
+            </a:lvl3pPr>
+            <a:lvl4pPr marL="1371600" indent="0">
+              <a:buNone/>
+              <a:defRPr sz="2000"/>
+            </a:lvl4pPr>
+            <a:lvl5pPr marL="1828800" indent="0">
+              <a:buNone/>
+              <a:defRPr sz="2000"/>
+            </a:lvl5pPr>
+            <a:lvl6pPr marL="2286000" indent="0">
+              <a:buNone/>
+              <a:defRPr sz="2000"/>
+            </a:lvl6pPr>
+            <a:lvl7pPr marL="2743200" indent="0">
+              <a:buNone/>
+              <a:defRPr sz="2000"/>
+            </a:lvl7pPr>
+            <a:lvl8pPr marL="3200400" indent="0">
+              <a:buNone/>
+              <a:defRPr sz="2000"/>
+            </a:lvl8pPr>
+            <a:lvl9pPr marL="3657600" indent="0">
+              <a:buNone/>
+              <a:defRPr sz="2000"/>
+            </a:lvl9pPr>
+          </a:lstStyle>
+          <a:p>
+            <a:endParaRPr lang="zh-CN" altLang="en-US"/>
+          </a:p>
+        </p:txBody>
+      </p:sp>
+      <p:sp>
+        <p:nvSpPr>
+          <p:cNvPr id="4" name="文本占位符 3"/>
+          <p:cNvSpPr>
+            <a:spLocks noGrp="1"/>
+          </p:cNvSpPr>
+          <p:nvPr>
+            <p:ph type="body" sz="half" idx="2"/>
+          </p:nvPr>
+        </p:nvSpPr>
+        <p:spPr>
+          <a:xfrm>
+            <a:off x="839788" y="2057400"/>
+            <a:ext cx="3932237" cy="3811588"/>
+          </a:xfrm>
+        </p:spPr>
+        <p:txBody>
+          <a:bodyPr/>
+          <a:lstStyle>
+            <a:lvl1pPr marL="0" indent="0">
+              <a:buNone/>
+              <a:defRPr sz="1600"/>
+            </a:lvl1pPr>
+            <a:lvl2pPr marL="457200" indent="0">
+              <a:buNone/>
+              <a:defRPr sz="1400"/>
+            </a:lvl2pPr>
+            <a:lvl3pPr marL="914400" indent="0">
+              <a:buNone/>
+              <a:defRPr sz="1200"/>
+            </a:lvl3pPr>
+            <a:lvl4pPr marL="1371600" indent="0">
+              <a:buNone/>
+              <a:defRPr sz="1000"/>
+            </a:lvl4pPr>
+            <a:lvl5pPr marL="1828800" indent="0">
+              <a:buNone/>
+              <a:defRPr sz="1000"/>
+            </a:lvl5pPr>
+            <a:lvl6pPr marL="2286000" indent="0">
+              <a:buNone/>
+              <a:defRPr sz="1000"/>
+            </a:lvl6pPr>
+            <a:lvl7pPr marL="2743200" indent="0">
+              <a:buNone/>
+              <a:defRPr sz="1000"/>
+            </a:lvl7pPr>
+            <a:lvl8pPr marL="3200400" indent="0">
+              <a:buNone/>
+              <a:defRPr sz="1000"/>
+            </a:lvl8pPr>
+            <a:lvl9pPr marL="3657600" indent="0">
+              <a:buNone/>
+              <a:defRPr sz="1000"/>
+            </a:lvl9pPr>
+          </a:lstStyle>
+          <a:p>
+            <a:pPr lvl="0"/>
+            <a:r>
+              <a:rPr lang="zh-CN" altLang="en-US"/>
+              <a:t>单击此处编辑母版文本样式</a:t>
+            </a:r>
+            <a:endParaRPr lang="zh-CN" altLang="en-US"/>
+          </a:p>
+        </p:txBody>
+      </p:sp>
+      <p:sp>
+        <p:nvSpPr>
+          <p:cNvPr id="5" name="日期占位符 4"/>
+          <p:cNvSpPr>
+            <a:spLocks noGrp="1"/>
+          </p:cNvSpPr>
+          <p:nvPr>
+            <p:ph type="dt" sz="half" idx="10"/>
+          </p:nvPr>
+        </p:nvSpPr>
+        <p:spPr/>
+        <p:txBody>
+          <a:bodyPr/>
+          <a:lstStyle/>
+          <a:p>
+            <a:fld id="{5AD7F448-1F68-40D7-B5F9-4CDE90E69F76}" type="datetimeFigureOut">
+              <a:rPr lang="zh-CN" altLang="en-US" smtClean="0"/>
+            </a:fld>
+            <a:endParaRPr lang="zh-CN" altLang="en-US"/>
+          </a:p>
+        </p:txBody>
+      </p:sp>
+      <p:sp>
+        <p:nvSpPr>
+          <p:cNvPr id="6" name="页脚占位符 5"/>
+          <p:cNvSpPr>
+            <a:spLocks noGrp="1"/>
+          </p:cNvSpPr>
+          <p:nvPr>
+            <p:ph type="ftr" sz="quarter" idx="11"/>
+          </p:nvPr>
+        </p:nvSpPr>
+        <p:spPr/>
+        <p:txBody>
+          <a:bodyPr/>
+          <a:lstStyle/>
+          <a:p>
+            <a:endParaRPr lang="zh-CN" altLang="en-US"/>
+          </a:p>
+        </p:txBody>
+      </p:sp>
+      <p:sp>
+        <p:nvSpPr>
+          <p:cNvPr id="7" name="灯片编号占位符 6"/>
+          <p:cNvSpPr>
+            <a:spLocks noGrp="1"/>
+          </p:cNvSpPr>
+          <p:nvPr>
+            <p:ph type="sldNum" sz="quarter" idx="12"/>
+          </p:nvPr>
+        </p:nvSpPr>
+        <p:spPr/>
+        <p:txBody>
+          <a:bodyPr/>
+          <a:lstStyle/>
+          <a:p>
+            <a:fld id="{3A216AA9-6775-4531-A0E8-15FF532D7431}" type="slidenum">
+              <a:rPr lang="zh-CN" altLang="en-US" smtClean="0"/>
+            </a:fld>
+            <a:endParaRPr lang="zh-CN" altLang="en-US"/>
+          </a:p>
+        </p:txBody>
+      </p:sp>
+    </p:spTree>
+  </p:cSld>
+  <p:clrMapOvr>
+    <a:masterClrMapping/>
+  </p:clrMapOvr>
+</p:sldLayout>
+</file>
+
+<file path=ppt/slideLayouts/slideLayout21.xml><?xml version="1.0" encoding="utf-8"?>
+<p:sldLayout xmlns:a="http://schemas.openxmlformats.org/drawingml/2006/main" xmlns:r="http://schemas.openxmlformats.org/officeDocument/2006/relationships" xmlns:p="http://schemas.openxmlformats.org/presentationml/2006/main" type="vertTx" preserve="1">
+  <p:cSld name="标题和竖排文字">
+    <p:spTree>
+      <p:nvGrpSpPr>
+        <p:cNvPr id="1" name=""/>
+        <p:cNvGrpSpPr/>
+        <p:nvPr/>
+      </p:nvGrpSpPr>
+      <p:grpSpPr>
+        <a:xfrm>
+          <a:off x="0" y="0"/>
+          <a:ext cx="0" cy="0"/>
+          <a:chOff x="0" y="0"/>
+          <a:chExt cx="0" cy="0"/>
+        </a:xfrm>
+      </p:grpSpPr>
+      <p:sp>
+        <p:nvSpPr>
+          <p:cNvPr id="2" name="标题 1"/>
+          <p:cNvSpPr>
+            <a:spLocks noGrp="1"/>
+          </p:cNvSpPr>
+          <p:nvPr>
+            <p:ph type="title"/>
+          </p:nvPr>
+        </p:nvSpPr>
+        <p:spPr/>
+        <p:txBody>
+          <a:bodyPr/>
+          <a:lstStyle/>
+          <a:p>
+            <a:r>
+              <a:rPr lang="zh-CN" altLang="en-US"/>
+              <a:t>单击此处编辑母版标题样式</a:t>
+            </a:r>
+            <a:endParaRPr lang="zh-CN" altLang="en-US"/>
+          </a:p>
+        </p:txBody>
+      </p:sp>
+      <p:sp>
+        <p:nvSpPr>
+          <p:cNvPr id="3" name="竖排文字占位符 2"/>
+          <p:cNvSpPr>
+            <a:spLocks noGrp="1"/>
+          </p:cNvSpPr>
+          <p:nvPr>
+            <p:ph type="body" orient="vert" idx="1"/>
+          </p:nvPr>
+        </p:nvSpPr>
+        <p:spPr/>
+        <p:txBody>
+          <a:bodyPr vert="eaVert"/>
+          <a:lstStyle/>
+          <a:p>
+            <a:pPr lvl="0"/>
+            <a:r>
+              <a:rPr lang="zh-CN" altLang="en-US"/>
+              <a:t>单击此处编辑母版文本样式</a:t>
+            </a:r>
+            <a:endParaRPr lang="zh-CN" altLang="en-US"/>
+          </a:p>
+          <a:p>
+            <a:pPr lvl="1"/>
+            <a:r>
+              <a:rPr lang="zh-CN" altLang="en-US"/>
+              <a:t>二级</a:t>
+            </a:r>
+            <a:endParaRPr lang="zh-CN" altLang="en-US"/>
+          </a:p>
+          <a:p>
+            <a:pPr lvl="2"/>
+            <a:r>
+              <a:rPr lang="zh-CN" altLang="en-US"/>
+              <a:t>三级</a:t>
+            </a:r>
+            <a:endParaRPr lang="zh-CN" altLang="en-US"/>
+          </a:p>
+          <a:p>
+            <a:pPr lvl="3"/>
+            <a:r>
+              <a:rPr lang="zh-CN" altLang="en-US"/>
+              <a:t>四级</a:t>
+            </a:r>
+            <a:endParaRPr lang="zh-CN" altLang="en-US"/>
+          </a:p>
+          <a:p>
+            <a:pPr lvl="4"/>
+            <a:r>
+              <a:rPr lang="zh-CN" altLang="en-US"/>
+              <a:t>五级</a:t>
+            </a:r>
+            <a:endParaRPr lang="zh-CN" altLang="en-US"/>
+          </a:p>
+        </p:txBody>
+      </p:sp>
+      <p:sp>
+        <p:nvSpPr>
+          <p:cNvPr id="4" name="日期占位符 3"/>
+          <p:cNvSpPr>
+            <a:spLocks noGrp="1"/>
+          </p:cNvSpPr>
+          <p:nvPr>
+            <p:ph type="dt" sz="half" idx="10"/>
+          </p:nvPr>
+        </p:nvSpPr>
+        <p:spPr/>
+        <p:txBody>
+          <a:bodyPr/>
+          <a:lstStyle/>
+          <a:p>
+            <a:fld id="{5AD7F448-1F68-40D7-B5F9-4CDE90E69F76}" type="datetimeFigureOut">
+              <a:rPr lang="zh-CN" altLang="en-US" smtClean="0"/>
+            </a:fld>
+            <a:endParaRPr lang="zh-CN" altLang="en-US"/>
+          </a:p>
+        </p:txBody>
+      </p:sp>
+      <p:sp>
+        <p:nvSpPr>
+          <p:cNvPr id="5" name="页脚占位符 4"/>
+          <p:cNvSpPr>
+            <a:spLocks noGrp="1"/>
+          </p:cNvSpPr>
+          <p:nvPr>
+            <p:ph type="ftr" sz="quarter" idx="11"/>
+          </p:nvPr>
+        </p:nvSpPr>
+        <p:spPr/>
+        <p:txBody>
+          <a:bodyPr/>
+          <a:lstStyle/>
+          <a:p>
+            <a:endParaRPr lang="zh-CN" altLang="en-US"/>
+          </a:p>
+        </p:txBody>
+      </p:sp>
+      <p:sp>
+        <p:nvSpPr>
+          <p:cNvPr id="6" name="灯片编号占位符 5"/>
+          <p:cNvSpPr>
+            <a:spLocks noGrp="1"/>
+          </p:cNvSpPr>
+          <p:nvPr>
+            <p:ph type="sldNum" sz="quarter" idx="12"/>
+          </p:nvPr>
+        </p:nvSpPr>
+        <p:spPr/>
+        <p:txBody>
+          <a:bodyPr/>
+          <a:lstStyle/>
+          <a:p>
+            <a:fld id="{3A216AA9-6775-4531-A0E8-15FF532D7431}" type="slidenum">
+              <a:rPr lang="zh-CN" altLang="en-US" smtClean="0"/>
+            </a:fld>
+            <a:endParaRPr lang="zh-CN" altLang="en-US"/>
+          </a:p>
+        </p:txBody>
+      </p:sp>
+    </p:spTree>
+  </p:cSld>
+  <p:clrMapOvr>
+    <a:masterClrMapping/>
+  </p:clrMapOvr>
+</p:sldLayout>
+</file>
+
+<file path=ppt/slideLayouts/slideLayout22.xml><?xml version="1.0" encoding="utf-8"?>
+<p:sldLayout xmlns:a="http://schemas.openxmlformats.org/drawingml/2006/main" xmlns:r="http://schemas.openxmlformats.org/officeDocument/2006/relationships" xmlns:p="http://schemas.openxmlformats.org/presentationml/2006/main" type="vertTitleAndTx" preserve="1">
+  <p:cSld name="竖排标题与文本">
+    <p:spTree>
+      <p:nvGrpSpPr>
+        <p:cNvPr id="1" name=""/>
+        <p:cNvGrpSpPr/>
+        <p:nvPr/>
+      </p:nvGrpSpPr>
+      <p:grpSpPr>
+        <a:xfrm>
+          <a:off x="0" y="0"/>
+          <a:ext cx="0" cy="0"/>
+          <a:chOff x="0" y="0"/>
+          <a:chExt cx="0" cy="0"/>
+        </a:xfrm>
+      </p:grpSpPr>
+      <p:sp>
+        <p:nvSpPr>
+          <p:cNvPr id="2" name="竖排标题 1"/>
+          <p:cNvSpPr>
+            <a:spLocks noGrp="1"/>
+          </p:cNvSpPr>
+          <p:nvPr>
+            <p:ph type="title" orient="vert"/>
+          </p:nvPr>
+        </p:nvSpPr>
+        <p:spPr>
+          <a:xfrm>
+            <a:off x="8724900" y="365125"/>
+            <a:ext cx="2628900" cy="5811838"/>
+          </a:xfrm>
+        </p:spPr>
+        <p:txBody>
+          <a:bodyPr vert="eaVert"/>
+          <a:lstStyle/>
+          <a:p>
+            <a:r>
+              <a:rPr lang="zh-CN" altLang="en-US"/>
+              <a:t>单击此处编辑母版标题样式</a:t>
+            </a:r>
+            <a:endParaRPr lang="zh-CN" altLang="en-US"/>
+          </a:p>
+        </p:txBody>
+      </p:sp>
+      <p:sp>
+        <p:nvSpPr>
+          <p:cNvPr id="3" name="竖排文字占位符 2"/>
+          <p:cNvSpPr>
+            <a:spLocks noGrp="1"/>
+          </p:cNvSpPr>
+          <p:nvPr>
+            <p:ph type="body" orient="vert" idx="1"/>
+          </p:nvPr>
+        </p:nvSpPr>
+        <p:spPr>
+          <a:xfrm>
+            <a:off x="838200" y="365125"/>
+            <a:ext cx="7734300" cy="5811838"/>
+          </a:xfrm>
+        </p:spPr>
+        <p:txBody>
+          <a:bodyPr vert="eaVert"/>
+          <a:lstStyle/>
+          <a:p>
+            <a:pPr lvl="0"/>
+            <a:r>
+              <a:rPr lang="zh-CN" altLang="en-US"/>
+              <a:t>单击此处编辑母版文本样式</a:t>
+            </a:r>
+            <a:endParaRPr lang="zh-CN" altLang="en-US"/>
+          </a:p>
+          <a:p>
+            <a:pPr lvl="1"/>
+            <a:r>
+              <a:rPr lang="zh-CN" altLang="en-US"/>
+              <a:t>二级</a:t>
+            </a:r>
+            <a:endParaRPr lang="zh-CN" altLang="en-US"/>
+          </a:p>
+          <a:p>
+            <a:pPr lvl="2"/>
+            <a:r>
+              <a:rPr lang="zh-CN" altLang="en-US"/>
+              <a:t>三级</a:t>
+            </a:r>
+            <a:endParaRPr lang="zh-CN" altLang="en-US"/>
+          </a:p>
+          <a:p>
+            <a:pPr lvl="3"/>
+            <a:r>
+              <a:rPr lang="zh-CN" altLang="en-US"/>
+              <a:t>四级</a:t>
+            </a:r>
+            <a:endParaRPr lang="zh-CN" altLang="en-US"/>
+          </a:p>
+          <a:p>
+            <a:pPr lvl="4"/>
+            <a:r>
+              <a:rPr lang="zh-CN" altLang="en-US"/>
+              <a:t>五级</a:t>
+            </a:r>
+            <a:endParaRPr lang="zh-CN" altLang="en-US"/>
+          </a:p>
+        </p:txBody>
+      </p:sp>
+      <p:sp>
+        <p:nvSpPr>
+          <p:cNvPr id="4" name="日期占位符 3"/>
+          <p:cNvSpPr>
+            <a:spLocks noGrp="1"/>
+          </p:cNvSpPr>
+          <p:nvPr>
+            <p:ph type="dt" sz="half" idx="10"/>
+          </p:nvPr>
+        </p:nvSpPr>
+        <p:spPr/>
+        <p:txBody>
+          <a:bodyPr/>
+          <a:lstStyle/>
+          <a:p>
+            <a:fld id="{5AD7F448-1F68-40D7-B5F9-4CDE90E69F76}" type="datetimeFigureOut">
+              <a:rPr lang="zh-CN" altLang="en-US" smtClean="0"/>
+            </a:fld>
+            <a:endParaRPr lang="zh-CN" altLang="en-US"/>
+          </a:p>
+        </p:txBody>
+      </p:sp>
+      <p:sp>
+        <p:nvSpPr>
+          <p:cNvPr id="5" name="页脚占位符 4"/>
+          <p:cNvSpPr>
+            <a:spLocks noGrp="1"/>
+          </p:cNvSpPr>
+          <p:nvPr>
+            <p:ph type="ftr" sz="quarter" idx="11"/>
+          </p:nvPr>
+        </p:nvSpPr>
+        <p:spPr/>
+        <p:txBody>
+          <a:bodyPr/>
+          <a:lstStyle/>
+          <a:p>
+            <a:endParaRPr lang="zh-CN" altLang="en-US"/>
+          </a:p>
+        </p:txBody>
+      </p:sp>
+      <p:sp>
+        <p:nvSpPr>
+          <p:cNvPr id="6" name="灯片编号占位符 5"/>
+          <p:cNvSpPr>
+            <a:spLocks noGrp="1"/>
+          </p:cNvSpPr>
+          <p:nvPr>
+            <p:ph type="sldNum" sz="quarter" idx="12"/>
+          </p:nvPr>
+        </p:nvSpPr>
+        <p:spPr/>
+        <p:txBody>
+          <a:bodyPr/>
+          <a:lstStyle/>
+          <a:p>
+            <a:fld id="{3A216AA9-6775-4531-A0E8-15FF532D7431}" type="slidenum">
+              <a:rPr lang="zh-CN" altLang="en-US" smtClean="0"/>
+            </a:fld>
+            <a:endParaRPr lang="zh-CN" altLang="en-US"/>
+          </a:p>
+        </p:txBody>
+      </p:sp>
+    </p:spTree>
+  </p:cSld>
+  <p:clrMapOvr>
+    <a:masterClrMapping/>
+  </p:clrMapOvr>
+</p:sldLayout>
+</file>
+
+<file path=ppt/slideLayouts/slideLayout3.xml><?xml version="1.0" encoding="utf-8"?>
+<p:sldLayout xmlns:a="http://schemas.openxmlformats.org/drawingml/2006/main" xmlns:r="http://schemas.openxmlformats.org/officeDocument/2006/relationships" xmlns:p="http://schemas.openxmlformats.org/presentationml/2006/main" type="secHead" preserve="1">
+  <p:cSld name="节标题">
+    <p:spTree>
+      <p:nvGrpSpPr>
+        <p:cNvPr id="1" name=""/>
+        <p:cNvGrpSpPr/>
+        <p:nvPr/>
+      </p:nvGrpSpPr>
+      <p:grpSpPr>
+        <a:xfrm>
+          <a:off x="0" y="0"/>
+          <a:ext cx="0" cy="0"/>
+          <a:chOff x="0" y="0"/>
+          <a:chExt cx="0" cy="0"/>
+        </a:xfrm>
+      </p:grpSpPr>
+      <p:sp>
+        <p:nvSpPr>
+          <p:cNvPr id="2" name="标题 1"/>
+          <p:cNvSpPr>
+            <a:spLocks noGrp="1"/>
+          </p:cNvSpPr>
+          <p:nvPr>
+            <p:ph type="title"/>
+          </p:nvPr>
+        </p:nvSpPr>
+        <p:spPr>
+          <a:xfrm>
+            <a:off x="831850" y="1709738"/>
+            <a:ext cx="10515600" cy="2852737"/>
+          </a:xfrm>
+        </p:spPr>
+        <p:txBody>
+          <a:bodyPr anchor="b"/>
+          <a:lstStyle>
+            <a:lvl1pPr>
+              <a:defRPr sz="6000"/>
+            </a:lvl1pPr>
+          </a:lstStyle>
+          <a:p>
+            <a:r>
+              <a:rPr lang="zh-CN" altLang="en-US"/>
+              <a:t>单击此处编辑母版标题样式</a:t>
+            </a:r>
+            <a:endParaRPr lang="zh-CN" altLang="en-US"/>
+          </a:p>
+        </p:txBody>
+      </p:sp>
+      <p:sp>
+        <p:nvSpPr>
+          <p:cNvPr id="3" name="文本占位符 2"/>
+          <p:cNvSpPr>
+            <a:spLocks noGrp="1"/>
+          </p:cNvSpPr>
+          <p:nvPr>
+            <p:ph type="body" idx="1"/>
+          </p:nvPr>
+        </p:nvSpPr>
+        <p:spPr>
+          <a:xfrm>
+            <a:off x="831850" y="4589463"/>
+            <a:ext cx="10515600" cy="1500187"/>
+          </a:xfrm>
+        </p:spPr>
+        <p:txBody>
+          <a:bodyPr/>
+          <a:lstStyle>
+            <a:lvl1pPr marL="0" indent="0">
+              <a:buNone/>
+              <a:defRPr sz="2400">
+                <a:solidFill>
+                  <a:schemeClr val="tx1">
+                    <a:tint val="75000"/>
+                  </a:schemeClr>
+                </a:solidFill>
+              </a:defRPr>
+            </a:lvl1pPr>
+            <a:lvl2pPr marL="457200" indent="0">
+              <a:buNone/>
+              <a:defRPr sz="2000">
+                <a:solidFill>
+                  <a:schemeClr val="tx1">
+                    <a:tint val="75000"/>
+                  </a:schemeClr>
+                </a:solidFill>
+              </a:defRPr>
+            </a:lvl2pPr>
+            <a:lvl3pPr marL="914400" indent="0">
+              <a:buNone/>
+              <a:defRPr sz="1800">
+                <a:solidFill>
+                  <a:schemeClr val="tx1">
+                    <a:tint val="75000"/>
+                  </a:schemeClr>
+                </a:solidFill>
+              </a:defRPr>
+            </a:lvl3pPr>
+            <a:lvl4pPr marL="1371600" indent="0">
+              <a:buNone/>
+              <a:defRPr sz="1600">
+                <a:solidFill>
+                  <a:schemeClr val="tx1">
+                    <a:tint val="75000"/>
+                  </a:schemeClr>
+                </a:solidFill>
+              </a:defRPr>
+            </a:lvl4pPr>
+            <a:lvl5pPr marL="1828800" indent="0">
+              <a:buNone/>
+              <a:defRPr sz="1600">
+                <a:solidFill>
+                  <a:schemeClr val="tx1">
+                    <a:tint val="75000"/>
+                  </a:schemeClr>
+                </a:solidFill>
+              </a:defRPr>
+            </a:lvl5pPr>
+            <a:lvl6pPr marL="2286000" indent="0">
+              <a:buNone/>
+              <a:defRPr sz="1600">
+                <a:solidFill>
+                  <a:schemeClr val="tx1">
+                    <a:tint val="75000"/>
+                  </a:schemeClr>
+                </a:solidFill>
+              </a:defRPr>
+            </a:lvl6pPr>
+            <a:lvl7pPr marL="2743200" indent="0">
+              <a:buNone/>
+              <a:defRPr sz="1600">
+                <a:solidFill>
+                  <a:schemeClr val="tx1">
+                    <a:tint val="75000"/>
+                  </a:schemeClr>
+                </a:solidFill>
+              </a:defRPr>
+            </a:lvl7pPr>
+            <a:lvl8pPr marL="3200400" indent="0">
+              <a:buNone/>
+              <a:defRPr sz="1600">
+                <a:solidFill>
+                  <a:schemeClr val="tx1">
+                    <a:tint val="75000"/>
+                  </a:schemeClr>
+                </a:solidFill>
+              </a:defRPr>
+            </a:lvl8pPr>
+            <a:lvl9pPr marL="3657600" indent="0">
+              <a:buNone/>
+              <a:defRPr sz="1600">
+                <a:solidFill>
+                  <a:schemeClr val="tx1">
+                    <a:tint val="75000"/>
+                  </a:schemeClr>
+                </a:solidFill>
+              </a:defRPr>
+            </a:lvl9pPr>
+          </a:lstStyle>
+          <a:p>
+            <a:pPr lvl="0"/>
+            <a:r>
+              <a:rPr lang="zh-CN" altLang="en-US"/>
+              <a:t>单击此处编辑母版文本样式</a:t>
+            </a:r>
+            <a:endParaRPr lang="zh-CN" altLang="en-US"/>
+          </a:p>
+        </p:txBody>
+      </p:sp>
+      <p:sp>
+        <p:nvSpPr>
+          <p:cNvPr id="4" name="日期占位符 3"/>
+          <p:cNvSpPr>
+            <a:spLocks noGrp="1"/>
+          </p:cNvSpPr>
+          <p:nvPr>
+            <p:ph type="dt" sz="half" idx="10"/>
+          </p:nvPr>
+        </p:nvSpPr>
+        <p:spPr/>
+        <p:txBody>
+          <a:bodyPr/>
+          <a:lstStyle/>
+          <a:p>
+            <a:fld id="{5AD7F448-1F68-40D7-B5F9-4CDE90E69F76}" type="datetimeFigureOut">
+              <a:rPr lang="zh-CN" altLang="en-US" smtClean="0"/>
+            </a:fld>
+            <a:endParaRPr lang="zh-CN" altLang="en-US"/>
+          </a:p>
+        </p:txBody>
+      </p:sp>
+      <p:sp>
+        <p:nvSpPr>
+          <p:cNvPr id="5" name="页脚占位符 4"/>
+          <p:cNvSpPr>
+            <a:spLocks noGrp="1"/>
+          </p:cNvSpPr>
+          <p:nvPr>
+            <p:ph type="ftr" sz="quarter" idx="11"/>
+          </p:nvPr>
+        </p:nvSpPr>
+        <p:spPr/>
+        <p:txBody>
+          <a:bodyPr/>
+          <a:lstStyle/>
+          <a:p>
+            <a:endParaRPr lang="zh-CN" altLang="en-US"/>
+          </a:p>
+        </p:txBody>
+      </p:sp>
+      <p:sp>
+        <p:nvSpPr>
+          <p:cNvPr id="6" name="灯片编号占位符 5"/>
+          <p:cNvSpPr>
+            <a:spLocks noGrp="1"/>
+          </p:cNvSpPr>
+          <p:nvPr>
+            <p:ph type="sldNum" sz="quarter" idx="12"/>
+          </p:nvPr>
+        </p:nvSpPr>
+        <p:spPr/>
+        <p:txBody>
+          <a:bodyPr/>
+          <a:lstStyle/>
+          <a:p>
+            <a:fld id="{3A216AA9-6775-4531-A0E8-15FF532D7431}" type="slidenum">
+              <a:rPr lang="zh-CN" altLang="en-US" smtClean="0"/>
+            </a:fld>
+            <a:endParaRPr lang="zh-CN" altLang="en-US"/>
+          </a:p>
+        </p:txBody>
+      </p:sp>
+    </p:spTree>
+  </p:cSld>
+  <p:clrMapOvr>
+    <a:masterClrMapping/>
+  </p:clrMapOvr>
+</p:sldLayout>
+</file>
+
+<file path=ppt/slideLayouts/slideLayout4.xml><?xml version="1.0" encoding="utf-8"?>
+<p:sldLayout xmlns:a="http://schemas.openxmlformats.org/drawingml/2006/main" xmlns:r="http://schemas.openxmlformats.org/officeDocument/2006/relationships" xmlns:p="http://schemas.openxmlformats.org/presentationml/2006/main" type="twoObj" preserve="1">
+  <p:cSld name="两栏内容">
+    <p:spTree>
+      <p:nvGrpSpPr>
+        <p:cNvPr id="1" name=""/>
+        <p:cNvGrpSpPr/>
+        <p:nvPr/>
+      </p:nvGrpSpPr>
+      <p:grpSpPr>
+        <a:xfrm>
+          <a:off x="0" y="0"/>
+          <a:ext cx="0" cy="0"/>
+          <a:chOff x="0" y="0"/>
+          <a:chExt cx="0" cy="0"/>
+        </a:xfrm>
+      </p:grpSpPr>
+      <p:sp>
+        <p:nvSpPr>
+          <p:cNvPr id="2" name="标题 1"/>
+          <p:cNvSpPr>
+            <a:spLocks noGrp="1"/>
+          </p:cNvSpPr>
+          <p:nvPr>
+            <p:ph type="title"/>
+          </p:nvPr>
+        </p:nvSpPr>
+        <p:spPr/>
+        <p:txBody>
+          <a:bodyPr/>
+          <a:lstStyle/>
+          <a:p>
+            <a:r>
+              <a:rPr lang="zh-CN" altLang="en-US"/>
+              <a:t>单击此处编辑母版标题样式</a:t>
+            </a:r>
+            <a:endParaRPr lang="zh-CN" altLang="en-US"/>
+          </a:p>
+        </p:txBody>
+      </p:sp>
+      <p:sp>
+        <p:nvSpPr>
+          <p:cNvPr id="3" name="内容占位符 2"/>
+          <p:cNvSpPr>
+            <a:spLocks noGrp="1"/>
+          </p:cNvSpPr>
+          <p:nvPr>
+            <p:ph sz="half" idx="1"/>
+          </p:nvPr>
+        </p:nvSpPr>
+        <p:spPr>
+          <a:xfrm>
+            <a:off x="838200" y="1825625"/>
+            <a:ext cx="5181600" cy="4351338"/>
+          </a:xfrm>
+        </p:spPr>
+        <p:txBody>
+          <a:bodyPr/>
+          <a:lstStyle/>
+          <a:p>
+            <a:pPr lvl="0"/>
+            <a:r>
+              <a:rPr lang="zh-CN" altLang="en-US"/>
+              <a:t>单击此处编辑母版文本样式</a:t>
+            </a:r>
+            <a:endParaRPr lang="zh-CN" altLang="en-US"/>
+          </a:p>
+          <a:p>
+            <a:pPr lvl="1"/>
+            <a:r>
+              <a:rPr lang="zh-CN" altLang="en-US"/>
+              <a:t>二级</a:t>
+            </a:r>
+            <a:endParaRPr lang="zh-CN" altLang="en-US"/>
+          </a:p>
+          <a:p>
+            <a:pPr lvl="2"/>
+            <a:r>
+              <a:rPr lang="zh-CN" altLang="en-US"/>
+              <a:t>三级</a:t>
+            </a:r>
+            <a:endParaRPr lang="zh-CN" altLang="en-US"/>
+          </a:p>
+          <a:p>
+            <a:pPr lvl="3"/>
+            <a:r>
+              <a:rPr lang="zh-CN" altLang="en-US"/>
+              <a:t>四级</a:t>
+            </a:r>
+            <a:endParaRPr lang="zh-CN" altLang="en-US"/>
+          </a:p>
+          <a:p>
+            <a:pPr lvl="4"/>
+            <a:r>
+              <a:rPr lang="zh-CN" altLang="en-US"/>
+              <a:t>五级</a:t>
+            </a:r>
+            <a:endParaRPr lang="zh-CN" altLang="en-US"/>
+          </a:p>
+        </p:txBody>
+      </p:sp>
+      <p:sp>
+        <p:nvSpPr>
+          <p:cNvPr id="4" name="内容占位符 3"/>
+          <p:cNvSpPr>
+            <a:spLocks noGrp="1"/>
+          </p:cNvSpPr>
+          <p:nvPr>
+            <p:ph sz="half" idx="2"/>
+          </p:nvPr>
+        </p:nvSpPr>
+        <p:spPr>
+          <a:xfrm>
+            <a:off x="6172200" y="1825625"/>
+            <a:ext cx="5181600" cy="4351338"/>
+          </a:xfrm>
+        </p:spPr>
+        <p:txBody>
+          <a:bodyPr/>
+          <a:lstStyle/>
+          <a:p>
+            <a:pPr lvl="0"/>
+            <a:r>
+              <a:rPr lang="zh-CN" altLang="en-US"/>
+              <a:t>单击此处编辑母版文本样式</a:t>
+            </a:r>
+            <a:endParaRPr lang="zh-CN" altLang="en-US"/>
+          </a:p>
+          <a:p>
+            <a:pPr lvl="1"/>
+            <a:r>
+              <a:rPr lang="zh-CN" altLang="en-US"/>
+              <a:t>二级</a:t>
+            </a:r>
+            <a:endParaRPr lang="zh-CN" altLang="en-US"/>
+          </a:p>
+          <a:p>
+            <a:pPr lvl="2"/>
+            <a:r>
+              <a:rPr lang="zh-CN" altLang="en-US"/>
+              <a:t>三级</a:t>
+            </a:r>
+            <a:endParaRPr lang="zh-CN" altLang="en-US"/>
+          </a:p>
+          <a:p>
+            <a:pPr lvl="3"/>
+            <a:r>
+              <a:rPr lang="zh-CN" altLang="en-US"/>
+              <a:t>四级</a:t>
+            </a:r>
+            <a:endParaRPr lang="zh-CN" altLang="en-US"/>
+          </a:p>
+          <a:p>
+            <a:pPr lvl="4"/>
+            <a:r>
+              <a:rPr lang="zh-CN" altLang="en-US"/>
+              <a:t>五级</a:t>
+            </a:r>
+            <a:endParaRPr lang="zh-CN" altLang="en-US"/>
+          </a:p>
+        </p:txBody>
+      </p:sp>
+      <p:sp>
+        <p:nvSpPr>
+          <p:cNvPr id="5" name="日期占位符 4"/>
+          <p:cNvSpPr>
+            <a:spLocks noGrp="1"/>
+          </p:cNvSpPr>
+          <p:nvPr>
+            <p:ph type="dt" sz="half" idx="10"/>
+          </p:nvPr>
+        </p:nvSpPr>
+        <p:spPr/>
+        <p:txBody>
+          <a:bodyPr/>
+          <a:lstStyle/>
+          <a:p>
+            <a:fld id="{5AD7F448-1F68-40D7-B5F9-4CDE90E69F76}" type="datetimeFigureOut">
+              <a:rPr lang="zh-CN" altLang="en-US" smtClean="0"/>
+            </a:fld>
+            <a:endParaRPr lang="zh-CN" altLang="en-US"/>
+          </a:p>
+        </p:txBody>
+      </p:sp>
+      <p:sp>
+        <p:nvSpPr>
+          <p:cNvPr id="6" name="页脚占位符 5"/>
+          <p:cNvSpPr>
+            <a:spLocks noGrp="1"/>
+          </p:cNvSpPr>
+          <p:nvPr>
+            <p:ph type="ftr" sz="quarter" idx="11"/>
+          </p:nvPr>
+        </p:nvSpPr>
+        <p:spPr/>
+        <p:txBody>
+          <a:bodyPr/>
+          <a:lstStyle/>
+          <a:p>
+            <a:endParaRPr lang="zh-CN" altLang="en-US"/>
+          </a:p>
+        </p:txBody>
+      </p:sp>
+      <p:sp>
+        <p:nvSpPr>
+          <p:cNvPr id="7" name="灯片编号占位符 6"/>
+          <p:cNvSpPr>
+            <a:spLocks noGrp="1"/>
+          </p:cNvSpPr>
+          <p:nvPr>
+            <p:ph type="sldNum" sz="quarter" idx="12"/>
+          </p:nvPr>
+        </p:nvSpPr>
+        <p:spPr/>
+        <p:txBody>
+          <a:bodyPr/>
+          <a:lstStyle/>
+          <a:p>
+            <a:fld id="{3A216AA9-6775-4531-A0E8-15FF532D7431}" type="slidenum">
+              <a:rPr lang="zh-CN" altLang="en-US" smtClean="0"/>
+            </a:fld>
+            <a:endParaRPr lang="zh-CN" altLang="en-US"/>
+          </a:p>
+        </p:txBody>
+      </p:sp>
+    </p:spTree>
+  </p:cSld>
+  <p:clrMapOvr>
+    <a:masterClrMapping/>
+  </p:clrMapOvr>
+</p:sldLayout>
+</file>
+
+<file path=ppt/slideLayouts/slideLayout5.xml><?xml version="1.0" encoding="utf-8"?>
+<p:sldLayout xmlns:a="http://schemas.openxmlformats.org/drawingml/2006/main" xmlns:r="http://schemas.openxmlformats.org/officeDocument/2006/relationships" xmlns:p="http://schemas.openxmlformats.org/presentationml/2006/main" type="twoTxTwoObj" preserve="1">
+  <p:cSld name="比较">
+    <p:spTree>
+      <p:nvGrpSpPr>
+        <p:cNvPr id="1" name=""/>
+        <p:cNvGrpSpPr/>
+        <p:nvPr/>
+      </p:nvGrpSpPr>
+      <p:grpSpPr>
+        <a:xfrm>
+          <a:off x="0" y="0"/>
+          <a:ext cx="0" cy="0"/>
+          <a:chOff x="0" y="0"/>
+          <a:chExt cx="0" cy="0"/>
+        </a:xfrm>
+      </p:grpSpPr>
+      <p:sp>
+        <p:nvSpPr>
+          <p:cNvPr id="2" name="标题 1"/>
+          <p:cNvSpPr>
+            <a:spLocks noGrp="1"/>
+          </p:cNvSpPr>
+          <p:nvPr>
+            <p:ph type="title"/>
+          </p:nvPr>
+        </p:nvSpPr>
+        <p:spPr>
+          <a:xfrm>
+            <a:off x="839788" y="365125"/>
+            <a:ext cx="10515600" cy="1325563"/>
+          </a:xfrm>
+        </p:spPr>
+        <p:txBody>
+          <a:bodyPr/>
+          <a:lstStyle/>
+          <a:p>
+            <a:r>
+              <a:rPr lang="zh-CN" altLang="en-US"/>
+              <a:t>单击此处编辑母版标题样式</a:t>
+            </a:r>
+            <a:endParaRPr lang="zh-CN" altLang="en-US"/>
+          </a:p>
+        </p:txBody>
+      </p:sp>
+      <p:sp>
+        <p:nvSpPr>
+          <p:cNvPr id="3" name="文本占位符 2"/>
+          <p:cNvSpPr>
+            <a:spLocks noGrp="1"/>
+          </p:cNvSpPr>
+          <p:nvPr>
+            <p:ph type="body" idx="1"/>
+          </p:nvPr>
+        </p:nvSpPr>
+        <p:spPr>
+          <a:xfrm>
+            <a:off x="839788" y="1681163"/>
+            <a:ext cx="5157787" cy="823912"/>
+          </a:xfrm>
+        </p:spPr>
+        <p:txBody>
+          <a:bodyPr anchor="b"/>
+          <a:lstStyle>
+            <a:lvl1pPr marL="0" indent="0">
+              <a:buNone/>
+              <a:defRPr sz="2400" b="1"/>
+            </a:lvl1pPr>
+            <a:lvl2pPr marL="457200" indent="0">
+              <a:buNone/>
+              <a:defRPr sz="2000" b="1"/>
+            </a:lvl2pPr>
+            <a:lvl3pPr marL="914400" indent="0">
+              <a:buNone/>
+              <a:defRPr sz="1800" b="1"/>
+            </a:lvl3pPr>
+            <a:lvl4pPr marL="1371600" indent="0">
+              <a:buNone/>
+              <a:defRPr sz="1600" b="1"/>
+            </a:lvl4pPr>
+            <a:lvl5pPr marL="1828800" indent="0">
+              <a:buNone/>
+              <a:defRPr sz="1600" b="1"/>
+            </a:lvl5pPr>
+            <a:lvl6pPr marL="2286000" indent="0">
+              <a:buNone/>
+              <a:defRPr sz="1600" b="1"/>
+            </a:lvl6pPr>
+            <a:lvl7pPr marL="2743200" indent="0">
+              <a:buNone/>
+              <a:defRPr sz="1600" b="1"/>
+            </a:lvl7pPr>
+            <a:lvl8pPr marL="3200400" indent="0">
+              <a:buNone/>
+              <a:defRPr sz="1600" b="1"/>
+            </a:lvl8pPr>
+            <a:lvl9pPr marL="3657600" indent="0">
+              <a:buNone/>
+              <a:defRPr sz="1600" b="1"/>
+            </a:lvl9pPr>
+          </a:lstStyle>
+          <a:p>
+            <a:pPr lvl="0"/>
+            <a:r>
+              <a:rPr lang="zh-CN" altLang="en-US"/>
+              <a:t>单击此处编辑母版文本样式</a:t>
+            </a:r>
+            <a:endParaRPr lang="zh-CN" altLang="en-US"/>
+          </a:p>
+        </p:txBody>
+      </p:sp>
+      <p:sp>
+        <p:nvSpPr>
+          <p:cNvPr id="4" name="内容占位符 3"/>
+          <p:cNvSpPr>
+            <a:spLocks noGrp="1"/>
+          </p:cNvSpPr>
+          <p:nvPr>
+            <p:ph sz="half" idx="2"/>
+          </p:nvPr>
+        </p:nvSpPr>
+        <p:spPr>
+          <a:xfrm>
+            <a:off x="839788" y="2505075"/>
+            <a:ext cx="5157787" cy="3684588"/>
+          </a:xfrm>
+        </p:spPr>
+        <p:txBody>
+          <a:bodyPr/>
+          <a:lstStyle/>
+          <a:p>
+            <a:pPr lvl="0"/>
+            <a:r>
+              <a:rPr lang="zh-CN" altLang="en-US"/>
+              <a:t>单击此处编辑母版文本样式</a:t>
+            </a:r>
+            <a:endParaRPr lang="zh-CN" altLang="en-US"/>
+          </a:p>
+          <a:p>
+            <a:pPr lvl="1"/>
+            <a:r>
+              <a:rPr lang="zh-CN" altLang="en-US"/>
+              <a:t>二级</a:t>
+            </a:r>
+            <a:endParaRPr lang="zh-CN" altLang="en-US"/>
+          </a:p>
+          <a:p>
+            <a:pPr lvl="2"/>
+            <a:r>
+              <a:rPr lang="zh-CN" altLang="en-US"/>
+              <a:t>三级</a:t>
+            </a:r>
+            <a:endParaRPr lang="zh-CN" altLang="en-US"/>
+          </a:p>
+          <a:p>
+            <a:pPr lvl="3"/>
+            <a:r>
+              <a:rPr lang="zh-CN" altLang="en-US"/>
+              <a:t>四级</a:t>
+            </a:r>
+            <a:endParaRPr lang="zh-CN" altLang="en-US"/>
+          </a:p>
+          <a:p>
+            <a:pPr lvl="4"/>
+            <a:r>
+              <a:rPr lang="zh-CN" altLang="en-US"/>
+              <a:t>五级</a:t>
+            </a:r>
+            <a:endParaRPr lang="zh-CN" altLang="en-US"/>
+          </a:p>
+        </p:txBody>
+      </p:sp>
+      <p:sp>
+        <p:nvSpPr>
+          <p:cNvPr id="5" name="文本占位符 4"/>
+          <p:cNvSpPr>
+            <a:spLocks noGrp="1"/>
+          </p:cNvSpPr>
+          <p:nvPr>
+            <p:ph type="body" sz="quarter" idx="3"/>
+          </p:nvPr>
+        </p:nvSpPr>
+        <p:spPr>
+          <a:xfrm>
+            <a:off x="6172200" y="1681163"/>
+            <a:ext cx="5183188" cy="823912"/>
+          </a:xfrm>
+        </p:spPr>
+        <p:txBody>
+          <a:bodyPr anchor="b"/>
+          <a:lstStyle>
+            <a:lvl1pPr marL="0" indent="0">
+              <a:buNone/>
+              <a:defRPr sz="2400" b="1"/>
+            </a:lvl1pPr>
+            <a:lvl2pPr marL="457200" indent="0">
+              <a:buNone/>
+              <a:defRPr sz="2000" b="1"/>
+            </a:lvl2pPr>
+            <a:lvl3pPr marL="914400" indent="0">
+              <a:buNone/>
+              <a:defRPr sz="1800" b="1"/>
+            </a:lvl3pPr>
+            <a:lvl4pPr marL="1371600" indent="0">
+              <a:buNone/>
+              <a:defRPr sz="1600" b="1"/>
+            </a:lvl4pPr>
+            <a:lvl5pPr marL="1828800" indent="0">
+              <a:buNone/>
+              <a:defRPr sz="1600" b="1"/>
+            </a:lvl5pPr>
+            <a:lvl6pPr marL="2286000" indent="0">
+              <a:buNone/>
+              <a:defRPr sz="1600" b="1"/>
+            </a:lvl6pPr>
+            <a:lvl7pPr marL="2743200" indent="0">
+              <a:buNone/>
+              <a:defRPr sz="1600" b="1"/>
+            </a:lvl7pPr>
+            <a:lvl8pPr marL="3200400" indent="0">
+              <a:buNone/>
+              <a:defRPr sz="1600" b="1"/>
+            </a:lvl8pPr>
+            <a:lvl9pPr marL="3657600" indent="0">
+              <a:buNone/>
+              <a:defRPr sz="1600" b="1"/>
+            </a:lvl9pPr>
+          </a:lstStyle>
+          <a:p>
+            <a:pPr lvl="0"/>
+            <a:r>
+              <a:rPr lang="zh-CN" altLang="en-US"/>
+              <a:t>单击此处编辑母版文本样式</a:t>
+            </a:r>
+            <a:endParaRPr lang="zh-CN" altLang="en-US"/>
+          </a:p>
+        </p:txBody>
+      </p:sp>
+      <p:sp>
+        <p:nvSpPr>
+          <p:cNvPr id="6" name="内容占位符 5"/>
+          <p:cNvSpPr>
+            <a:spLocks noGrp="1"/>
+          </p:cNvSpPr>
+          <p:nvPr>
+            <p:ph sz="quarter" idx="4"/>
+          </p:nvPr>
+        </p:nvSpPr>
+        <p:spPr>
+          <a:xfrm>
+            <a:off x="6172200" y="2505075"/>
+            <a:ext cx="5183188" cy="3684588"/>
+          </a:xfrm>
+        </p:spPr>
+        <p:txBody>
+          <a:bodyPr/>
+          <a:lstStyle/>
+          <a:p>
+            <a:pPr lvl="0"/>
+            <a:r>
+              <a:rPr lang="zh-CN" altLang="en-US"/>
+              <a:t>单击此处编辑母版文本样式</a:t>
+            </a:r>
+            <a:endParaRPr lang="zh-CN" altLang="en-US"/>
+          </a:p>
+          <a:p>
+            <a:pPr lvl="1"/>
+            <a:r>
+              <a:rPr lang="zh-CN" altLang="en-US"/>
+              <a:t>二级</a:t>
+            </a:r>
+            <a:endParaRPr lang="zh-CN" altLang="en-US"/>
+          </a:p>
+          <a:p>
+            <a:pPr lvl="2"/>
+            <a:r>
+              <a:rPr lang="zh-CN" altLang="en-US"/>
+              <a:t>三级</a:t>
+            </a:r>
+            <a:endParaRPr lang="zh-CN" altLang="en-US"/>
+          </a:p>
+          <a:p>
+            <a:pPr lvl="3"/>
+            <a:r>
+              <a:rPr lang="zh-CN" altLang="en-US"/>
+              <a:t>四级</a:t>
+            </a:r>
+            <a:endParaRPr lang="zh-CN" altLang="en-US"/>
+          </a:p>
+          <a:p>
+            <a:pPr lvl="4"/>
+            <a:r>
+              <a:rPr lang="zh-CN" altLang="en-US"/>
+              <a:t>五级</a:t>
+            </a:r>
+            <a:endParaRPr lang="zh-CN" altLang="en-US"/>
+          </a:p>
+        </p:txBody>
+      </p:sp>
+      <p:sp>
+        <p:nvSpPr>
+          <p:cNvPr id="7" name="日期占位符 6"/>
+          <p:cNvSpPr>
+            <a:spLocks noGrp="1"/>
+          </p:cNvSpPr>
+          <p:nvPr>
+            <p:ph type="dt" sz="half" idx="10"/>
+          </p:nvPr>
+        </p:nvSpPr>
+        <p:spPr/>
+        <p:txBody>
+          <a:bodyPr/>
+          <a:lstStyle/>
+          <a:p>
+            <a:fld id="{5AD7F448-1F68-40D7-B5F9-4CDE90E69F76}" type="datetimeFigureOut">
+              <a:rPr lang="zh-CN" altLang="en-US" smtClean="0"/>
+            </a:fld>
+            <a:endParaRPr lang="zh-CN" altLang="en-US"/>
+          </a:p>
+        </p:txBody>
+      </p:sp>
+      <p:sp>
+        <p:nvSpPr>
+          <p:cNvPr id="8" name="页脚占位符 7"/>
+          <p:cNvSpPr>
+            <a:spLocks noGrp="1"/>
+          </p:cNvSpPr>
+          <p:nvPr>
+            <p:ph type="ftr" sz="quarter" idx="11"/>
+          </p:nvPr>
+        </p:nvSpPr>
+        <p:spPr/>
+        <p:txBody>
+          <a:bodyPr/>
+          <a:lstStyle/>
+          <a:p>
+            <a:endParaRPr lang="zh-CN" altLang="en-US"/>
+          </a:p>
+        </p:txBody>
+      </p:sp>
+      <p:sp>
+        <p:nvSpPr>
+          <p:cNvPr id="9" name="灯片编号占位符 8"/>
+          <p:cNvSpPr>
+            <a:spLocks noGrp="1"/>
+          </p:cNvSpPr>
+          <p:nvPr>
+            <p:ph type="sldNum" sz="quarter" idx="12"/>
+          </p:nvPr>
+        </p:nvSpPr>
+        <p:spPr/>
+        <p:txBody>
+          <a:bodyPr/>
+          <a:lstStyle/>
+          <a:p>
+            <a:fld id="{3A216AA9-6775-4531-A0E8-15FF532D7431}" type="slidenum">
+              <a:rPr lang="zh-CN" altLang="en-US" smtClean="0"/>
+            </a:fld>
+            <a:endParaRPr lang="zh-CN" altLang="en-US"/>
+          </a:p>
+        </p:txBody>
+      </p:sp>
+    </p:spTree>
+  </p:cSld>
+  <p:clrMapOvr>
+    <a:masterClrMapping/>
+  </p:clrMapOvr>
+</p:sldLayout>
+</file>
+
+<file path=ppt/slideLayouts/slideLayout6.xml><?xml version="1.0" encoding="utf-8"?>
+<p:sldLayout xmlns:a="http://schemas.openxmlformats.org/drawingml/2006/main" xmlns:r="http://schemas.openxmlformats.org/officeDocument/2006/relationships" xmlns:p="http://schemas.openxmlformats.org/presentationml/2006/main" type="titleOnly" preserve="1">
+  <p:cSld name="仅标题">
+    <p:spTree>
+      <p:nvGrpSpPr>
+        <p:cNvPr id="1" name=""/>
+        <p:cNvGrpSpPr/>
+        <p:nvPr/>
+      </p:nvGrpSpPr>
+      <p:grpSpPr>
+        <a:xfrm>
+          <a:off x="0" y="0"/>
+          <a:ext cx="0" cy="0"/>
+          <a:chOff x="0" y="0"/>
+          <a:chExt cx="0" cy="0"/>
+        </a:xfrm>
+      </p:grpSpPr>
+      <p:sp>
+        <p:nvSpPr>
+          <p:cNvPr id="2" name="标题 1"/>
+          <p:cNvSpPr>
+            <a:spLocks noGrp="1"/>
+          </p:cNvSpPr>
+          <p:nvPr>
+            <p:ph type="title"/>
+          </p:nvPr>
+        </p:nvSpPr>
+        <p:spPr/>
+        <p:txBody>
+          <a:bodyPr/>
+          <a:lstStyle/>
+          <a:p>
+            <a:r>
+              <a:rPr lang="zh-CN" altLang="en-US"/>
+              <a:t>单击此处编辑母版标题样式</a:t>
+            </a:r>
+            <a:endParaRPr lang="zh-CN" altLang="en-US"/>
+          </a:p>
+        </p:txBody>
+      </p:sp>
+      <p:sp>
+        <p:nvSpPr>
+          <p:cNvPr id="3" name="日期占位符 2"/>
+          <p:cNvSpPr>
+            <a:spLocks noGrp="1"/>
+          </p:cNvSpPr>
+          <p:nvPr>
+            <p:ph type="dt" sz="half" idx="10"/>
+          </p:nvPr>
+        </p:nvSpPr>
+        <p:spPr/>
+        <p:txBody>
+          <a:bodyPr/>
+          <a:lstStyle/>
+          <a:p>
+            <a:fld id="{5AD7F448-1F68-40D7-B5F9-4CDE90E69F76}" type="datetimeFigureOut">
+              <a:rPr lang="zh-CN" altLang="en-US" smtClean="0"/>
+            </a:fld>
+            <a:endParaRPr lang="zh-CN" altLang="en-US"/>
+          </a:p>
+        </p:txBody>
+      </p:sp>
+      <p:sp>
+        <p:nvSpPr>
+          <p:cNvPr id="4" name="页脚占位符 3"/>
+          <p:cNvSpPr>
+            <a:spLocks noGrp="1"/>
+          </p:cNvSpPr>
+          <p:nvPr>
+            <p:ph type="ftr" sz="quarter" idx="11"/>
+          </p:nvPr>
+        </p:nvSpPr>
+        <p:spPr/>
+        <p:txBody>
+          <a:bodyPr/>
+          <a:lstStyle/>
+          <a:p>
+            <a:endParaRPr lang="zh-CN" altLang="en-US"/>
+          </a:p>
+        </p:txBody>
+      </p:sp>
+      <p:sp>
+        <p:nvSpPr>
+          <p:cNvPr id="5" name="灯片编号占位符 4"/>
+          <p:cNvSpPr>
+            <a:spLocks noGrp="1"/>
+          </p:cNvSpPr>
+          <p:nvPr>
+            <p:ph type="sldNum" sz="quarter" idx="12"/>
+          </p:nvPr>
+        </p:nvSpPr>
+        <p:spPr/>
+        <p:txBody>
+          <a:bodyPr/>
+          <a:lstStyle/>
+          <a:p>
+            <a:fld id="{3A216AA9-6775-4531-A0E8-15FF532D7431}" type="slidenum">
+              <a:rPr lang="zh-CN" altLang="en-US" smtClean="0"/>
+            </a:fld>
+            <a:endParaRPr lang="zh-CN" altLang="en-US"/>
+          </a:p>
+        </p:txBody>
+      </p:sp>
+    </p:spTree>
+  </p:cSld>
+  <p:clrMapOvr>
+    <a:masterClrMapping/>
+  </p:clrMapOvr>
+</p:sldLayout>
+</file>
+
+<file path=ppt/slideLayouts/slideLayout7.xml><?xml version="1.0" encoding="utf-8"?>
+<p:sldLayout xmlns:a="http://schemas.openxmlformats.org/drawingml/2006/main" xmlns:r="http://schemas.openxmlformats.org/officeDocument/2006/relationships" xmlns:p="http://schemas.openxmlformats.org/presentationml/2006/main" type="blank" preserve="1">
+  <p:cSld name="空白">
+    <p:spTree>
+      <p:nvGrpSpPr>
+        <p:cNvPr id="1" name=""/>
+        <p:cNvGrpSpPr/>
+        <p:nvPr/>
+      </p:nvGrpSpPr>
+      <p:grpSpPr>
+        <a:xfrm>
+          <a:off x="0" y="0"/>
+          <a:ext cx="0" cy="0"/>
+          <a:chOff x="0" y="0"/>
+          <a:chExt cx="0" cy="0"/>
+        </a:xfrm>
+      </p:grpSpPr>
+      <p:sp>
+        <p:nvSpPr>
+          <p:cNvPr id="2" name="日期占位符 1"/>
+          <p:cNvSpPr>
+            <a:spLocks noGrp="1"/>
+          </p:cNvSpPr>
+          <p:nvPr>
+            <p:ph type="dt" sz="half" idx="10"/>
+          </p:nvPr>
+        </p:nvSpPr>
+        <p:spPr/>
+        <p:txBody>
+          <a:bodyPr/>
+          <a:lstStyle/>
+          <a:p>
+            <a:fld id="{5AD7F448-1F68-40D7-B5F9-4CDE90E69F76}" type="datetimeFigureOut">
+              <a:rPr lang="zh-CN" altLang="en-US" smtClean="0"/>
+            </a:fld>
+            <a:endParaRPr lang="zh-CN" altLang="en-US"/>
+          </a:p>
+        </p:txBody>
+      </p:sp>
+      <p:sp>
+        <p:nvSpPr>
+          <p:cNvPr id="3" name="页脚占位符 2"/>
+          <p:cNvSpPr>
+            <a:spLocks noGrp="1"/>
+          </p:cNvSpPr>
+          <p:nvPr>
+            <p:ph type="ftr" sz="quarter" idx="11"/>
+          </p:nvPr>
+        </p:nvSpPr>
+        <p:spPr/>
+        <p:txBody>
+          <a:bodyPr/>
+          <a:lstStyle/>
+          <a:p>
+            <a:endParaRPr lang="zh-CN" altLang="en-US"/>
+          </a:p>
+        </p:txBody>
+      </p:sp>
+      <p:sp>
+        <p:nvSpPr>
+          <p:cNvPr id="4" name="灯片编号占位符 3"/>
+          <p:cNvSpPr>
+            <a:spLocks noGrp="1"/>
+          </p:cNvSpPr>
+          <p:nvPr>
+            <p:ph type="sldNum" sz="quarter" idx="12"/>
+          </p:nvPr>
+        </p:nvSpPr>
+        <p:spPr/>
+        <p:txBody>
+          <a:bodyPr/>
+          <a:lstStyle/>
+          <a:p>
+            <a:fld id="{3A216AA9-6775-4531-A0E8-15FF532D7431}" type="slidenum">
+              <a:rPr lang="zh-CN" altLang="en-US" smtClean="0"/>
+            </a:fld>
+            <a:endParaRPr lang="zh-CN" altLang="en-US"/>
+          </a:p>
+        </p:txBody>
+      </p:sp>
+    </p:spTree>
+  </p:cSld>
+  <p:clrMapOvr>
+    <a:masterClrMapping/>
+  </p:clrMapOvr>
+</p:sldLayout>
+</file>
+
+<file path=ppt/slideLayouts/slideLayout8.xml><?xml version="1.0" encoding="utf-8"?>
+<p:sldLayout xmlns:a="http://schemas.openxmlformats.org/drawingml/2006/main" xmlns:r="http://schemas.openxmlformats.org/officeDocument/2006/relationships" xmlns:p="http://schemas.openxmlformats.org/presentationml/2006/main" type="objTx" preserve="1">
+  <p:cSld name="内容与标题">
+    <p:spTree>
+      <p:nvGrpSpPr>
+        <p:cNvPr id="1" name=""/>
+        <p:cNvGrpSpPr/>
+        <p:nvPr/>
+      </p:nvGrpSpPr>
+      <p:grpSpPr>
+        <a:xfrm>
+          <a:off x="0" y="0"/>
+          <a:ext cx="0" cy="0"/>
+          <a:chOff x="0" y="0"/>
+          <a:chExt cx="0" cy="0"/>
+        </a:xfrm>
+      </p:grpSpPr>
+      <p:sp>
+        <p:nvSpPr>
+          <p:cNvPr id="2" name="标题 1"/>
+          <p:cNvSpPr>
+            <a:spLocks noGrp="1"/>
+          </p:cNvSpPr>
+          <p:nvPr>
+            <p:ph type="title"/>
+          </p:nvPr>
+        </p:nvSpPr>
+        <p:spPr>
+          <a:xfrm>
+            <a:off x="839788" y="457200"/>
+            <a:ext cx="3932237" cy="1600200"/>
+          </a:xfrm>
+        </p:spPr>
+        <p:txBody>
+          <a:bodyPr anchor="b"/>
+          <a:lstStyle>
+            <a:lvl1pPr>
+              <a:defRPr sz="3200"/>
+            </a:lvl1pPr>
+          </a:lstStyle>
+          <a:p>
+            <a:r>
+              <a:rPr lang="zh-CN" altLang="en-US"/>
+              <a:t>单击此处编辑母版标题样式</a:t>
+            </a:r>
+            <a:endParaRPr lang="zh-CN" altLang="en-US"/>
+          </a:p>
+        </p:txBody>
+      </p:sp>
+      <p:sp>
+        <p:nvSpPr>
+          <p:cNvPr id="3" name="内容占位符 2"/>
+          <p:cNvSpPr>
+            <a:spLocks noGrp="1"/>
+          </p:cNvSpPr>
+          <p:nvPr>
+            <p:ph idx="1"/>
+          </p:nvPr>
+        </p:nvSpPr>
+        <p:spPr>
+          <a:xfrm>
+            <a:off x="5183188" y="987425"/>
+            <a:ext cx="6172200" cy="4873625"/>
+          </a:xfrm>
+        </p:spPr>
+        <p:txBody>
+          <a:bodyPr/>
+          <a:lstStyle>
+            <a:lvl1pPr>
+              <a:defRPr sz="3200"/>
+            </a:lvl1pPr>
+            <a:lvl2pPr>
+              <a:defRPr sz="2800"/>
+            </a:lvl2pPr>
+            <a:lvl3pPr>
+              <a:defRPr sz="2400"/>
+            </a:lvl3pPr>
+            <a:lvl4pPr>
+              <a:defRPr sz="2000"/>
+            </a:lvl4pPr>
+            <a:lvl5pPr>
+              <a:defRPr sz="2000"/>
+            </a:lvl5pPr>
+            <a:lvl6pPr>
+              <a:defRPr sz="2000"/>
+            </a:lvl6pPr>
+            <a:lvl7pPr>
+              <a:defRPr sz="2000"/>
+            </a:lvl7pPr>
+            <a:lvl8pPr>
+              <a:defRPr sz="2000"/>
+            </a:lvl8pPr>
+            <a:lvl9pPr>
+              <a:defRPr sz="2000"/>
+            </a:lvl9pPr>
+          </a:lstStyle>
+          <a:p>
+            <a:pPr lvl="0"/>
+            <a:r>
+              <a:rPr lang="zh-CN" altLang="en-US"/>
+              <a:t>单击此处编辑母版文本样式</a:t>
+            </a:r>
+            <a:endParaRPr lang="zh-CN" altLang="en-US"/>
+          </a:p>
+          <a:p>
+            <a:pPr lvl="1"/>
+            <a:r>
+              <a:rPr lang="zh-CN" altLang="en-US"/>
+              <a:t>二级</a:t>
+            </a:r>
+            <a:endParaRPr lang="zh-CN" altLang="en-US"/>
+          </a:p>
+          <a:p>
+            <a:pPr lvl="2"/>
+            <a:r>
+              <a:rPr lang="zh-CN" altLang="en-US"/>
+              <a:t>三级</a:t>
+            </a:r>
+            <a:endParaRPr lang="zh-CN" altLang="en-US"/>
+          </a:p>
+          <a:p>
+            <a:pPr lvl="3"/>
+            <a:r>
+              <a:rPr lang="zh-CN" altLang="en-US"/>
+              <a:t>四级</a:t>
+            </a:r>
+            <a:endParaRPr lang="zh-CN" altLang="en-US"/>
+          </a:p>
+          <a:p>
+            <a:pPr lvl="4"/>
+            <a:r>
+              <a:rPr lang="zh-CN" altLang="en-US"/>
+              <a:t>五级</a:t>
+            </a:r>
+            <a:endParaRPr lang="zh-CN" altLang="en-US"/>
+          </a:p>
+        </p:txBody>
+      </p:sp>
+      <p:sp>
+        <p:nvSpPr>
+          <p:cNvPr id="4" name="文本占位符 3"/>
+          <p:cNvSpPr>
+            <a:spLocks noGrp="1"/>
+          </p:cNvSpPr>
+          <p:nvPr>
+            <p:ph type="body" sz="half" idx="2"/>
+          </p:nvPr>
+        </p:nvSpPr>
+        <p:spPr>
+          <a:xfrm>
+            <a:off x="839788" y="2057400"/>
+            <a:ext cx="3932237" cy="3811588"/>
+          </a:xfrm>
+        </p:spPr>
+        <p:txBody>
+          <a:bodyPr/>
+          <a:lstStyle>
+            <a:lvl1pPr marL="0" indent="0">
+              <a:buNone/>
+              <a:defRPr sz="1600"/>
+            </a:lvl1pPr>
+            <a:lvl2pPr marL="457200" indent="0">
+              <a:buNone/>
+              <a:defRPr sz="1400"/>
+            </a:lvl2pPr>
+            <a:lvl3pPr marL="914400" indent="0">
+              <a:buNone/>
+              <a:defRPr sz="1200"/>
+            </a:lvl3pPr>
+            <a:lvl4pPr marL="1371600" indent="0">
+              <a:buNone/>
+              <a:defRPr sz="1000"/>
+            </a:lvl4pPr>
+            <a:lvl5pPr marL="1828800" indent="0">
+              <a:buNone/>
+              <a:defRPr sz="1000"/>
+            </a:lvl5pPr>
+            <a:lvl6pPr marL="2286000" indent="0">
+              <a:buNone/>
+              <a:defRPr sz="1000"/>
+            </a:lvl6pPr>
+            <a:lvl7pPr marL="2743200" indent="0">
+              <a:buNone/>
+              <a:defRPr sz="1000"/>
+            </a:lvl7pPr>
+            <a:lvl8pPr marL="3200400" indent="0">
+              <a:buNone/>
+              <a:defRPr sz="1000"/>
+            </a:lvl8pPr>
+            <a:lvl9pPr marL="3657600" indent="0">
+              <a:buNone/>
+              <a:defRPr sz="1000"/>
+            </a:lvl9pPr>
+          </a:lstStyle>
+          <a:p>
+            <a:pPr lvl="0"/>
+            <a:r>
+              <a:rPr lang="zh-CN" altLang="en-US"/>
+              <a:t>单击此处编辑母版文本样式</a:t>
+            </a:r>
+            <a:endParaRPr lang="zh-CN" altLang="en-US"/>
+          </a:p>
+        </p:txBody>
+      </p:sp>
+      <p:sp>
+        <p:nvSpPr>
+          <p:cNvPr id="5" name="日期占位符 4"/>
+          <p:cNvSpPr>
+            <a:spLocks noGrp="1"/>
+          </p:cNvSpPr>
+          <p:nvPr>
+            <p:ph type="dt" sz="half" idx="10"/>
+          </p:nvPr>
+        </p:nvSpPr>
+        <p:spPr/>
+        <p:txBody>
+          <a:bodyPr/>
+          <a:lstStyle/>
+          <a:p>
+            <a:fld id="{5AD7F448-1F68-40D7-B5F9-4CDE90E69F76}" type="datetimeFigureOut">
+              <a:rPr lang="zh-CN" altLang="en-US" smtClean="0"/>
+            </a:fld>
+            <a:endParaRPr lang="zh-CN" altLang="en-US"/>
+          </a:p>
+        </p:txBody>
+      </p:sp>
+      <p:sp>
+        <p:nvSpPr>
+          <p:cNvPr id="6" name="页脚占位符 5"/>
+          <p:cNvSpPr>
+            <a:spLocks noGrp="1"/>
+          </p:cNvSpPr>
+          <p:nvPr>
+            <p:ph type="ftr" sz="quarter" idx="11"/>
+          </p:nvPr>
+        </p:nvSpPr>
+        <p:spPr/>
+        <p:txBody>
+          <a:bodyPr/>
+          <a:lstStyle/>
+          <a:p>
+            <a:endParaRPr lang="zh-CN" altLang="en-US"/>
+          </a:p>
+        </p:txBody>
+      </p:sp>
+      <p:sp>
+        <p:nvSpPr>
+          <p:cNvPr id="7" name="灯片编号占位符 6"/>
+          <p:cNvSpPr>
+            <a:spLocks noGrp="1"/>
+          </p:cNvSpPr>
+          <p:nvPr>
+            <p:ph type="sldNum" sz="quarter" idx="12"/>
+          </p:nvPr>
+        </p:nvSpPr>
+        <p:spPr/>
+        <p:txBody>
+          <a:bodyPr/>
+          <a:lstStyle/>
+          <a:p>
+            <a:fld id="{3A216AA9-6775-4531-A0E8-15FF532D7431}" type="slidenum">
+              <a:rPr lang="zh-CN" altLang="en-US" smtClean="0"/>
+            </a:fld>
+            <a:endParaRPr lang="zh-CN" altLang="en-US"/>
+          </a:p>
+        </p:txBody>
+      </p:sp>
+    </p:spTree>
   </p:cSld>
   <p:clrMapOvr>
     <a:masterClrMapping/>
@@ -2922,13 +4850,7 @@
       </p:grpSpPr>
       <p:sp>
         <p:nvSpPr>
-          <p:cNvPr id="2" name="标题 1">
-            <a:extLst>
-              <a:ext uri="{FF2B5EF4-FFF2-40B4-BE49-F238E27FC236}">
-                <a16:creationId xmlns:a16="http://schemas.microsoft.com/office/drawing/2014/main" id="{3DDC3D8B-92FD-4D99-9599-72618B03C45B}"/>
-              </a:ext>
-            </a:extLst>
-          </p:cNvPr>
+          <p:cNvPr id="2" name="标题 1"/>
           <p:cNvSpPr>
             <a:spLocks noGrp="1"/>
           </p:cNvSpPr>
@@ -2954,18 +4876,13 @@
               <a:rPr lang="zh-CN" altLang="en-US"/>
               <a:t>单击此处编辑母版标题样式</a:t>
             </a:r>
-          </a:p>
-        </p:txBody>
-      </p:sp>
-      <p:sp>
-        <p:nvSpPr>
-          <p:cNvPr id="3" name="图片占位符 2">
-            <a:extLst>
-              <a:ext uri="{FF2B5EF4-FFF2-40B4-BE49-F238E27FC236}">
-                <a16:creationId xmlns:a16="http://schemas.microsoft.com/office/drawing/2014/main" id="{81CDB2EB-9F3A-4EA7-B142-E06A0ABD1B6F}"/>
-              </a:ext>
-            </a:extLst>
-          </p:cNvPr>
+            <a:endParaRPr lang="zh-CN" altLang="en-US"/>
+          </a:p>
+        </p:txBody>
+      </p:sp>
+      <p:sp>
+        <p:nvSpPr>
+          <p:cNvPr id="3" name="图片占位符 2"/>
           <p:cNvSpPr>
             <a:spLocks noGrp="1"/>
           </p:cNvSpPr>
@@ -3026,13 +4943,7 @@
       </p:sp>
       <p:sp>
         <p:nvSpPr>
-          <p:cNvPr id="4" name="文本占位符 3">
-            <a:extLst>
-              <a:ext uri="{FF2B5EF4-FFF2-40B4-BE49-F238E27FC236}">
-                <a16:creationId xmlns:a16="http://schemas.microsoft.com/office/drawing/2014/main" id="{723EA5DE-9E6E-4A29-9E45-F40BDB0A3114}"/>
-              </a:ext>
-            </a:extLst>
-          </p:cNvPr>
+          <p:cNvPr id="4" name="文本占位符 3"/>
           <p:cNvSpPr>
             <a:spLocks noGrp="1"/>
           </p:cNvSpPr>
@@ -3092,18 +5003,13 @@
               <a:rPr lang="zh-CN" altLang="en-US"/>
               <a:t>单击此处编辑母版文本样式</a:t>
             </a:r>
-          </a:p>
-        </p:txBody>
-      </p:sp>
-      <p:sp>
-        <p:nvSpPr>
-          <p:cNvPr id="5" name="日期占位符 4">
-            <a:extLst>
-              <a:ext uri="{FF2B5EF4-FFF2-40B4-BE49-F238E27FC236}">
-                <a16:creationId xmlns:a16="http://schemas.microsoft.com/office/drawing/2014/main" id="{05C8FBCD-EA0F-42FF-8E95-5D170D1F36D4}"/>
-              </a:ext>
-            </a:extLst>
-          </p:cNvPr>
+            <a:endParaRPr lang="zh-CN" altLang="en-US"/>
+          </a:p>
+        </p:txBody>
+      </p:sp>
+      <p:sp>
+        <p:nvSpPr>
+          <p:cNvPr id="5" name="日期占位符 4"/>
           <p:cNvSpPr>
             <a:spLocks noGrp="1"/>
           </p:cNvSpPr>
@@ -3118,7 +5024,6 @@
           <a:p>
             <a:fld id="{5AD7F448-1F68-40D7-B5F9-4CDE90E69F76}" type="datetimeFigureOut">
               <a:rPr lang="zh-CN" altLang="en-US" smtClean="0"/>
-              <a:t>2024/11/11</a:t>
             </a:fld>
             <a:endParaRPr lang="zh-CN" altLang="en-US"/>
           </a:p>
@@ -3126,13 +5031,7 @@
       </p:sp>
       <p:sp>
         <p:nvSpPr>
-          <p:cNvPr id="6" name="页脚占位符 5">
-            <a:extLst>
-              <a:ext uri="{FF2B5EF4-FFF2-40B4-BE49-F238E27FC236}">
-                <a16:creationId xmlns:a16="http://schemas.microsoft.com/office/drawing/2014/main" id="{73757FFB-59B0-487B-979E-64EFAE502024}"/>
-              </a:ext>
-            </a:extLst>
-          </p:cNvPr>
+          <p:cNvPr id="6" name="页脚占位符 5"/>
           <p:cNvSpPr>
             <a:spLocks noGrp="1"/>
           </p:cNvSpPr>
@@ -3151,13 +5050,7 @@
       </p:sp>
       <p:sp>
         <p:nvSpPr>
-          <p:cNvPr id="7" name="灯片编号占位符 6">
-            <a:extLst>
-              <a:ext uri="{FF2B5EF4-FFF2-40B4-BE49-F238E27FC236}">
-                <a16:creationId xmlns:a16="http://schemas.microsoft.com/office/drawing/2014/main" id="{025551E7-9D65-4A73-B95E-2B3B5560BE35}"/>
-              </a:ext>
-            </a:extLst>
-          </p:cNvPr>
+          <p:cNvPr id="7" name="灯片编号占位符 6"/>
           <p:cNvSpPr>
             <a:spLocks noGrp="1"/>
           </p:cNvSpPr>
@@ -3172,18 +5065,12 @@
           <a:p>
             <a:fld id="{3A216AA9-6775-4531-A0E8-15FF532D7431}" type="slidenum">
               <a:rPr lang="zh-CN" altLang="en-US" smtClean="0"/>
-              <a:t>‹#›</a:t>
             </a:fld>
             <a:endParaRPr lang="zh-CN" altLang="en-US"/>
           </a:p>
         </p:txBody>
       </p:sp>
     </p:spTree>
-    <p:extLst>
-      <p:ext uri="{BB962C8B-B14F-4D97-AF65-F5344CB8AC3E}">
-        <p14:creationId xmlns:p14="http://schemas.microsoft.com/office/powerpoint/2010/main" val="2549071020"/>
-      </p:ext>
-    </p:extLst>
   </p:cSld>
   <p:clrMapOvr>
     <a:masterClrMapping/>
@@ -3215,13 +5102,7 @@
       </p:grpSpPr>
       <p:sp>
         <p:nvSpPr>
-          <p:cNvPr id="2" name="标题占位符 1">
-            <a:extLst>
-              <a:ext uri="{FF2B5EF4-FFF2-40B4-BE49-F238E27FC236}">
-                <a16:creationId xmlns:a16="http://schemas.microsoft.com/office/drawing/2014/main" id="{A8B850DC-D9C1-4917-ACA6-F6CD9B9A98BE}"/>
-              </a:ext>
-            </a:extLst>
-          </p:cNvPr>
+          <p:cNvPr id="2" name="标题占位符 1"/>
           <p:cNvSpPr>
             <a:spLocks noGrp="1"/>
           </p:cNvSpPr>
@@ -3248,18 +5129,13 @@
               <a:rPr lang="zh-CN" altLang="en-US"/>
               <a:t>单击此处编辑母版标题样式</a:t>
             </a:r>
-          </a:p>
-        </p:txBody>
-      </p:sp>
-      <p:sp>
-        <p:nvSpPr>
-          <p:cNvPr id="3" name="文本占位符 2">
-            <a:extLst>
-              <a:ext uri="{FF2B5EF4-FFF2-40B4-BE49-F238E27FC236}">
-                <a16:creationId xmlns:a16="http://schemas.microsoft.com/office/drawing/2014/main" id="{5D052752-C0C3-4DF4-AA22-F7AF98CD84F0}"/>
-              </a:ext>
-            </a:extLst>
-          </p:cNvPr>
+            <a:endParaRPr lang="zh-CN" altLang="en-US"/>
+          </a:p>
+        </p:txBody>
+      </p:sp>
+      <p:sp>
+        <p:nvSpPr>
+          <p:cNvPr id="3" name="文本占位符 2"/>
           <p:cNvSpPr>
             <a:spLocks noGrp="1"/>
           </p:cNvSpPr>
@@ -3287,6 +5163,7 @@
               <a:rPr lang="zh-CN" altLang="en-US"/>
               <a:t>单击此处编辑母版文本样式</a:t>
             </a:r>
+            <a:endParaRPr lang="zh-CN" altLang="en-US"/>
           </a:p>
           <a:p>
             <a:pPr lvl="1"/>
@@ -3294,6 +5171,7 @@
               <a:rPr lang="zh-CN" altLang="en-US"/>
               <a:t>二级</a:t>
             </a:r>
+            <a:endParaRPr lang="zh-CN" altLang="en-US"/>
           </a:p>
           <a:p>
             <a:pPr lvl="2"/>
@@ -3301,6 +5179,7 @@
               <a:rPr lang="zh-CN" altLang="en-US"/>
               <a:t>三级</a:t>
             </a:r>
+            <a:endParaRPr lang="zh-CN" altLang="en-US"/>
           </a:p>
           <a:p>
             <a:pPr lvl="3"/>
@@ -3308,6 +5187,7 @@
               <a:rPr lang="zh-CN" altLang="en-US"/>
               <a:t>四级</a:t>
             </a:r>
+            <a:endParaRPr lang="zh-CN" altLang="en-US"/>
           </a:p>
           <a:p>
             <a:pPr lvl="4"/>
@@ -3315,18 +5195,13 @@
               <a:rPr lang="zh-CN" altLang="en-US"/>
               <a:t>五级</a:t>
             </a:r>
-          </a:p>
-        </p:txBody>
-      </p:sp>
-      <p:sp>
-        <p:nvSpPr>
-          <p:cNvPr id="4" name="日期占位符 3">
-            <a:extLst>
-              <a:ext uri="{FF2B5EF4-FFF2-40B4-BE49-F238E27FC236}">
-                <a16:creationId xmlns:a16="http://schemas.microsoft.com/office/drawing/2014/main" id="{B422C2EA-A8D8-411C-919E-25BF33076ACF}"/>
-              </a:ext>
-            </a:extLst>
-          </p:cNvPr>
+            <a:endParaRPr lang="zh-CN" altLang="en-US"/>
+          </a:p>
+        </p:txBody>
+      </p:sp>
+      <p:sp>
+        <p:nvSpPr>
+          <p:cNvPr id="4" name="日期占位符 3"/>
           <p:cNvSpPr>
             <a:spLocks noGrp="1"/>
           </p:cNvSpPr>
@@ -3359,7 +5234,6 @@
           <a:p>
             <a:fld id="{5AD7F448-1F68-40D7-B5F9-4CDE90E69F76}" type="datetimeFigureOut">
               <a:rPr lang="zh-CN" altLang="en-US" smtClean="0"/>
-              <a:t>2024/11/11</a:t>
             </a:fld>
             <a:endParaRPr lang="zh-CN" altLang="en-US"/>
           </a:p>
@@ -3367,13 +5241,7 @@
       </p:sp>
       <p:sp>
         <p:nvSpPr>
-          <p:cNvPr id="5" name="页脚占位符 4">
-            <a:extLst>
-              <a:ext uri="{FF2B5EF4-FFF2-40B4-BE49-F238E27FC236}">
-                <a16:creationId xmlns:a16="http://schemas.microsoft.com/office/drawing/2014/main" id="{ED435ED4-865F-4D29-ACFF-537E07F6E685}"/>
-              </a:ext>
-            </a:extLst>
-          </p:cNvPr>
+          <p:cNvPr id="5" name="页脚占位符 4"/>
           <p:cNvSpPr>
             <a:spLocks noGrp="1"/>
           </p:cNvSpPr>
@@ -3410,13 +5278,7 @@
       </p:sp>
       <p:sp>
         <p:nvSpPr>
-          <p:cNvPr id="6" name="灯片编号占位符 5">
-            <a:extLst>
-              <a:ext uri="{FF2B5EF4-FFF2-40B4-BE49-F238E27FC236}">
-                <a16:creationId xmlns:a16="http://schemas.microsoft.com/office/drawing/2014/main" id="{F9D1B585-DBBA-425E-9ED9-E78715FBD465}"/>
-              </a:ext>
-            </a:extLst>
-          </p:cNvPr>
+          <p:cNvPr id="6" name="灯片编号占位符 5"/>
           <p:cNvSpPr>
             <a:spLocks noGrp="1"/>
           </p:cNvSpPr>
@@ -3449,18 +5311,12 @@
           <a:p>
             <a:fld id="{3A216AA9-6775-4531-A0E8-15FF532D7431}" type="slidenum">
               <a:rPr lang="zh-CN" altLang="en-US" smtClean="0"/>
-              <a:t>‹#›</a:t>
             </a:fld>
             <a:endParaRPr lang="zh-CN" altLang="en-US"/>
           </a:p>
         </p:txBody>
       </p:sp>
     </p:spTree>
-    <p:extLst>
-      <p:ext uri="{BB962C8B-B14F-4D97-AF65-F5344CB8AC3E}">
-        <p14:creationId xmlns:p14="http://schemas.microsoft.com/office/powerpoint/2010/main" val="4235316249"/>
-      </p:ext>
-    </p:extLst>
   </p:cSld>
   <p:clrMap bg1="lt1" tx1="dk1" bg2="lt2" tx2="dk2" accent1="accent1" accent2="accent2" accent3="accent3" accent4="accent4" accent5="accent5" accent6="accent6" hlink="hlink" folHlink="folHlink"/>
   <p:sldLayoutIdLst>
@@ -3475,6 +5331,543 @@
     <p:sldLayoutId id="2147483657" r:id="rId9"/>
     <p:sldLayoutId id="2147483658" r:id="rId10"/>
     <p:sldLayoutId id="2147483659" r:id="rId11"/>
+  </p:sldLayoutIdLst>
+  <p:txStyles>
+    <p:titleStyle>
+      <a:lvl1pPr algn="l" defTabSz="914400" rtl="0" eaLnBrk="1" latinLnBrk="0" hangingPunct="1">
+        <a:lnSpc>
+          <a:spcPct val="90000"/>
+        </a:lnSpc>
+        <a:spcBef>
+          <a:spcPct val="0"/>
+        </a:spcBef>
+        <a:buNone/>
+        <a:defRPr sz="4400" kern="1200">
+          <a:solidFill>
+            <a:schemeClr val="tx1"/>
+          </a:solidFill>
+          <a:latin typeface="+mj-lt"/>
+          <a:ea typeface="+mj-ea"/>
+          <a:cs typeface="+mj-cs"/>
+        </a:defRPr>
+      </a:lvl1pPr>
+    </p:titleStyle>
+    <p:bodyStyle>
+      <a:lvl1pPr marL="228600" indent="-228600" algn="l" defTabSz="914400" rtl="0" eaLnBrk="1" latinLnBrk="0" hangingPunct="1">
+        <a:lnSpc>
+          <a:spcPct val="90000"/>
+        </a:lnSpc>
+        <a:spcBef>
+          <a:spcPts val="1000"/>
+        </a:spcBef>
+        <a:buFont typeface="Arial" panose="020B0604020202020204" pitchFamily="34" charset="0"/>
+        <a:buChar char="•"/>
+        <a:defRPr sz="2800" kern="1200">
+          <a:solidFill>
+            <a:schemeClr val="tx1"/>
+          </a:solidFill>
+          <a:latin typeface="+mn-lt"/>
+          <a:ea typeface="+mn-ea"/>
+          <a:cs typeface="+mn-cs"/>
+        </a:defRPr>
+      </a:lvl1pPr>
+      <a:lvl2pPr marL="685800" indent="-228600" algn="l" defTabSz="914400" rtl="0" eaLnBrk="1" latinLnBrk="0" hangingPunct="1">
+        <a:lnSpc>
+          <a:spcPct val="90000"/>
+        </a:lnSpc>
+        <a:spcBef>
+          <a:spcPts val="500"/>
+        </a:spcBef>
+        <a:buFont typeface="Arial" panose="020B0604020202020204" pitchFamily="34" charset="0"/>
+        <a:buChar char="•"/>
+        <a:defRPr sz="2400" kern="1200">
+          <a:solidFill>
+            <a:schemeClr val="tx1"/>
+          </a:solidFill>
+          <a:latin typeface="+mn-lt"/>
+          <a:ea typeface="+mn-ea"/>
+          <a:cs typeface="+mn-cs"/>
+        </a:defRPr>
+      </a:lvl2pPr>
+      <a:lvl3pPr marL="1143000" indent="-228600" algn="l" defTabSz="914400" rtl="0" eaLnBrk="1" latinLnBrk="0" hangingPunct="1">
+        <a:lnSpc>
+          <a:spcPct val="90000"/>
+        </a:lnSpc>
+        <a:spcBef>
+          <a:spcPts val="500"/>
+        </a:spcBef>
+        <a:buFont typeface="Arial" panose="020B0604020202020204" pitchFamily="34" charset="0"/>
+        <a:buChar char="•"/>
+        <a:defRPr sz="2000" kern="1200">
+          <a:solidFill>
+            <a:schemeClr val="tx1"/>
+          </a:solidFill>
+          <a:latin typeface="+mn-lt"/>
+          <a:ea typeface="+mn-ea"/>
+          <a:cs typeface="+mn-cs"/>
+        </a:defRPr>
+      </a:lvl3pPr>
+      <a:lvl4pPr marL="1600200" indent="-228600" algn="l" defTabSz="914400" rtl="0" eaLnBrk="1" latinLnBrk="0" hangingPunct="1">
+        <a:lnSpc>
+          <a:spcPct val="90000"/>
+        </a:lnSpc>
+        <a:spcBef>
+          <a:spcPts val="500"/>
+        </a:spcBef>
+        <a:buFont typeface="Arial" panose="020B0604020202020204" pitchFamily="34" charset="0"/>
+        <a:buChar char="•"/>
+        <a:defRPr sz="1800" kern="1200">
+          <a:solidFill>
+            <a:schemeClr val="tx1"/>
+          </a:solidFill>
+          <a:latin typeface="+mn-lt"/>
+          <a:ea typeface="+mn-ea"/>
+          <a:cs typeface="+mn-cs"/>
+        </a:defRPr>
+      </a:lvl4pPr>
+      <a:lvl5pPr marL="2057400" indent="-228600" algn="l" defTabSz="914400" rtl="0" eaLnBrk="1" latinLnBrk="0" hangingPunct="1">
+        <a:lnSpc>
+          <a:spcPct val="90000"/>
+        </a:lnSpc>
+        <a:spcBef>
+          <a:spcPts val="500"/>
+        </a:spcBef>
+        <a:buFont typeface="Arial" panose="020B0604020202020204" pitchFamily="34" charset="0"/>
+        <a:buChar char="•"/>
+        <a:defRPr sz="1800" kern="1200">
+          <a:solidFill>
+            <a:schemeClr val="tx1"/>
+          </a:solidFill>
+          <a:latin typeface="+mn-lt"/>
+          <a:ea typeface="+mn-ea"/>
+          <a:cs typeface="+mn-cs"/>
+        </a:defRPr>
+      </a:lvl5pPr>
+      <a:lvl6pPr marL="2514600" indent="-228600" algn="l" defTabSz="914400" rtl="0" eaLnBrk="1" latinLnBrk="0" hangingPunct="1">
+        <a:lnSpc>
+          <a:spcPct val="90000"/>
+        </a:lnSpc>
+        <a:spcBef>
+          <a:spcPts val="500"/>
+        </a:spcBef>
+        <a:buFont typeface="Arial" panose="020B0604020202020204" pitchFamily="34" charset="0"/>
+        <a:buChar char="•"/>
+        <a:defRPr sz="1800" kern="1200">
+          <a:solidFill>
+            <a:schemeClr val="tx1"/>
+          </a:solidFill>
+          <a:latin typeface="+mn-lt"/>
+          <a:ea typeface="+mn-ea"/>
+          <a:cs typeface="+mn-cs"/>
+        </a:defRPr>
+      </a:lvl6pPr>
+      <a:lvl7pPr marL="2971800" indent="-228600" algn="l" defTabSz="914400" rtl="0" eaLnBrk="1" latinLnBrk="0" hangingPunct="1">
+        <a:lnSpc>
+          <a:spcPct val="90000"/>
+        </a:lnSpc>
+        <a:spcBef>
+          <a:spcPts val="500"/>
+        </a:spcBef>
+        <a:buFont typeface="Arial" panose="020B0604020202020204" pitchFamily="34" charset="0"/>
+        <a:buChar char="•"/>
+        <a:defRPr sz="1800" kern="1200">
+          <a:solidFill>
+            <a:schemeClr val="tx1"/>
+          </a:solidFill>
+          <a:latin typeface="+mn-lt"/>
+          <a:ea typeface="+mn-ea"/>
+          <a:cs typeface="+mn-cs"/>
+        </a:defRPr>
+      </a:lvl7pPr>
+      <a:lvl8pPr marL="3429000" indent="-228600" algn="l" defTabSz="914400" rtl="0" eaLnBrk="1" latinLnBrk="0" hangingPunct="1">
+        <a:lnSpc>
+          <a:spcPct val="90000"/>
+        </a:lnSpc>
+        <a:spcBef>
+          <a:spcPts val="500"/>
+        </a:spcBef>
+        <a:buFont typeface="Arial" panose="020B0604020202020204" pitchFamily="34" charset="0"/>
+        <a:buChar char="•"/>
+        <a:defRPr sz="1800" kern="1200">
+          <a:solidFill>
+            <a:schemeClr val="tx1"/>
+          </a:solidFill>
+          <a:latin typeface="+mn-lt"/>
+          <a:ea typeface="+mn-ea"/>
+          <a:cs typeface="+mn-cs"/>
+        </a:defRPr>
+      </a:lvl8pPr>
+      <a:lvl9pPr marL="3886200" indent="-228600" algn="l" defTabSz="914400" rtl="0" eaLnBrk="1" latinLnBrk="0" hangingPunct="1">
+        <a:lnSpc>
+          <a:spcPct val="90000"/>
+        </a:lnSpc>
+        <a:spcBef>
+          <a:spcPts val="500"/>
+        </a:spcBef>
+        <a:buFont typeface="Arial" panose="020B0604020202020204" pitchFamily="34" charset="0"/>
+        <a:buChar char="•"/>
+        <a:defRPr sz="1800" kern="1200">
+          <a:solidFill>
+            <a:schemeClr val="tx1"/>
+          </a:solidFill>
+          <a:latin typeface="+mn-lt"/>
+          <a:ea typeface="+mn-ea"/>
+          <a:cs typeface="+mn-cs"/>
+        </a:defRPr>
+      </a:lvl9pPr>
+    </p:bodyStyle>
+    <p:otherStyle>
+      <a:defPPr>
+        <a:defRPr lang="zh-CN"/>
+      </a:defPPr>
+      <a:lvl1pPr marL="0" algn="l" defTabSz="914400" rtl="0" eaLnBrk="1" latinLnBrk="0" hangingPunct="1">
+        <a:defRPr sz="1800" kern="1200">
+          <a:solidFill>
+            <a:schemeClr val="tx1"/>
+          </a:solidFill>
+          <a:latin typeface="+mn-lt"/>
+          <a:ea typeface="+mn-ea"/>
+          <a:cs typeface="+mn-cs"/>
+        </a:defRPr>
+      </a:lvl1pPr>
+      <a:lvl2pPr marL="457200" algn="l" defTabSz="914400" rtl="0" eaLnBrk="1" latinLnBrk="0" hangingPunct="1">
+        <a:defRPr sz="1800" kern="1200">
+          <a:solidFill>
+            <a:schemeClr val="tx1"/>
+          </a:solidFill>
+          <a:latin typeface="+mn-lt"/>
+          <a:ea typeface="+mn-ea"/>
+          <a:cs typeface="+mn-cs"/>
+        </a:defRPr>
+      </a:lvl2pPr>
+      <a:lvl3pPr marL="914400" algn="l" defTabSz="914400" rtl="0" eaLnBrk="1" latinLnBrk="0" hangingPunct="1">
+        <a:defRPr sz="1800" kern="1200">
+          <a:solidFill>
+            <a:schemeClr val="tx1"/>
+          </a:solidFill>
+          <a:latin typeface="+mn-lt"/>
+          <a:ea typeface="+mn-ea"/>
+          <a:cs typeface="+mn-cs"/>
+        </a:defRPr>
+      </a:lvl3pPr>
+      <a:lvl4pPr marL="1371600" algn="l" defTabSz="914400" rtl="0" eaLnBrk="1" latinLnBrk="0" hangingPunct="1">
+        <a:defRPr sz="1800" kern="1200">
+          <a:solidFill>
+            <a:schemeClr val="tx1"/>
+          </a:solidFill>
+          <a:latin typeface="+mn-lt"/>
+          <a:ea typeface="+mn-ea"/>
+          <a:cs typeface="+mn-cs"/>
+        </a:defRPr>
+      </a:lvl4pPr>
+      <a:lvl5pPr marL="1828800" algn="l" defTabSz="914400" rtl="0" eaLnBrk="1" latinLnBrk="0" hangingPunct="1">
+        <a:defRPr sz="1800" kern="1200">
+          <a:solidFill>
+            <a:schemeClr val="tx1"/>
+          </a:solidFill>
+          <a:latin typeface="+mn-lt"/>
+          <a:ea typeface="+mn-ea"/>
+          <a:cs typeface="+mn-cs"/>
+        </a:defRPr>
+      </a:lvl5pPr>
+      <a:lvl6pPr marL="2286000" algn="l" defTabSz="914400" rtl="0" eaLnBrk="1" latinLnBrk="0" hangingPunct="1">
+        <a:defRPr sz="1800" kern="1200">
+          <a:solidFill>
+            <a:schemeClr val="tx1"/>
+          </a:solidFill>
+          <a:latin typeface="+mn-lt"/>
+          <a:ea typeface="+mn-ea"/>
+          <a:cs typeface="+mn-cs"/>
+        </a:defRPr>
+      </a:lvl6pPr>
+      <a:lvl7pPr marL="2743200" algn="l" defTabSz="914400" rtl="0" eaLnBrk="1" latinLnBrk="0" hangingPunct="1">
+        <a:defRPr sz="1800" kern="1200">
+          <a:solidFill>
+            <a:schemeClr val="tx1"/>
+          </a:solidFill>
+          <a:latin typeface="+mn-lt"/>
+          <a:ea typeface="+mn-ea"/>
+          <a:cs typeface="+mn-cs"/>
+        </a:defRPr>
+      </a:lvl7pPr>
+      <a:lvl8pPr marL="3200400" algn="l" defTabSz="914400" rtl="0" eaLnBrk="1" latinLnBrk="0" hangingPunct="1">
+        <a:defRPr sz="1800" kern="1200">
+          <a:solidFill>
+            <a:schemeClr val="tx1"/>
+          </a:solidFill>
+          <a:latin typeface="+mn-lt"/>
+          <a:ea typeface="+mn-ea"/>
+          <a:cs typeface="+mn-cs"/>
+        </a:defRPr>
+      </a:lvl8pPr>
+      <a:lvl9pPr marL="3657600" algn="l" defTabSz="914400" rtl="0" eaLnBrk="1" latinLnBrk="0" hangingPunct="1">
+        <a:defRPr sz="1800" kern="1200">
+          <a:solidFill>
+            <a:schemeClr val="tx1"/>
+          </a:solidFill>
+          <a:latin typeface="+mn-lt"/>
+          <a:ea typeface="+mn-ea"/>
+          <a:cs typeface="+mn-cs"/>
+        </a:defRPr>
+      </a:lvl9pPr>
+    </p:otherStyle>
+  </p:txStyles>
+</p:sldMaster>
+</file>
+
+<file path=ppt/slideMasters/slideMaster2.xml><?xml version="1.0" encoding="utf-8"?>
+<p:sldMaster xmlns:a="http://schemas.openxmlformats.org/drawingml/2006/main" xmlns:r="http://schemas.openxmlformats.org/officeDocument/2006/relationships" xmlns:p="http://schemas.openxmlformats.org/presentationml/2006/main">
+  <p:cSld>
+    <p:bg>
+      <p:bgRef idx="1001">
+        <a:schemeClr val="bg1"/>
+      </p:bgRef>
+    </p:bg>
+    <p:spTree>
+      <p:nvGrpSpPr>
+        <p:cNvPr id="1" name=""/>
+        <p:cNvGrpSpPr/>
+        <p:nvPr/>
+      </p:nvGrpSpPr>
+      <p:grpSpPr>
+        <a:xfrm>
+          <a:off x="0" y="0"/>
+          <a:ext cx="0" cy="0"/>
+          <a:chOff x="0" y="0"/>
+          <a:chExt cx="0" cy="0"/>
+        </a:xfrm>
+      </p:grpSpPr>
+      <p:sp>
+        <p:nvSpPr>
+          <p:cNvPr id="2" name="标题占位符 1"/>
+          <p:cNvSpPr>
+            <a:spLocks noGrp="1"/>
+          </p:cNvSpPr>
+          <p:nvPr>
+            <p:ph type="title"/>
+          </p:nvPr>
+        </p:nvSpPr>
+        <p:spPr>
+          <a:xfrm>
+            <a:off x="838200" y="365125"/>
+            <a:ext cx="10515600" cy="1325563"/>
+          </a:xfrm>
+          <a:prstGeom prst="rect">
+            <a:avLst/>
+          </a:prstGeom>
+        </p:spPr>
+        <p:txBody>
+          <a:bodyPr vert="horz" lIns="91440" tIns="45720" rIns="91440" bIns="45720" rtlCol="0" anchor="ctr">
+            <a:normAutofit/>
+          </a:bodyPr>
+          <a:lstStyle/>
+          <a:p>
+            <a:r>
+              <a:rPr lang="zh-CN" altLang="en-US"/>
+              <a:t>单击此处编辑母版标题样式</a:t>
+            </a:r>
+            <a:endParaRPr lang="zh-CN" altLang="en-US"/>
+          </a:p>
+        </p:txBody>
+      </p:sp>
+      <p:sp>
+        <p:nvSpPr>
+          <p:cNvPr id="3" name="文本占位符 2"/>
+          <p:cNvSpPr>
+            <a:spLocks noGrp="1"/>
+          </p:cNvSpPr>
+          <p:nvPr>
+            <p:ph type="body" idx="1"/>
+          </p:nvPr>
+        </p:nvSpPr>
+        <p:spPr>
+          <a:xfrm>
+            <a:off x="838200" y="1825625"/>
+            <a:ext cx="10515600" cy="4351338"/>
+          </a:xfrm>
+          <a:prstGeom prst="rect">
+            <a:avLst/>
+          </a:prstGeom>
+        </p:spPr>
+        <p:txBody>
+          <a:bodyPr vert="horz" lIns="91440" tIns="45720" rIns="91440" bIns="45720" rtlCol="0">
+            <a:normAutofit/>
+          </a:bodyPr>
+          <a:lstStyle/>
+          <a:p>
+            <a:pPr lvl="0"/>
+            <a:r>
+              <a:rPr lang="zh-CN" altLang="en-US"/>
+              <a:t>单击此处编辑母版文本样式</a:t>
+            </a:r>
+            <a:endParaRPr lang="zh-CN" altLang="en-US"/>
+          </a:p>
+          <a:p>
+            <a:pPr lvl="1"/>
+            <a:r>
+              <a:rPr lang="zh-CN" altLang="en-US"/>
+              <a:t>二级</a:t>
+            </a:r>
+            <a:endParaRPr lang="zh-CN" altLang="en-US"/>
+          </a:p>
+          <a:p>
+            <a:pPr lvl="2"/>
+            <a:r>
+              <a:rPr lang="zh-CN" altLang="en-US"/>
+              <a:t>三级</a:t>
+            </a:r>
+            <a:endParaRPr lang="zh-CN" altLang="en-US"/>
+          </a:p>
+          <a:p>
+            <a:pPr lvl="3"/>
+            <a:r>
+              <a:rPr lang="zh-CN" altLang="en-US"/>
+              <a:t>四级</a:t>
+            </a:r>
+            <a:endParaRPr lang="zh-CN" altLang="en-US"/>
+          </a:p>
+          <a:p>
+            <a:pPr lvl="4"/>
+            <a:r>
+              <a:rPr lang="zh-CN" altLang="en-US"/>
+              <a:t>五级</a:t>
+            </a:r>
+            <a:endParaRPr lang="zh-CN" altLang="en-US"/>
+          </a:p>
+        </p:txBody>
+      </p:sp>
+      <p:sp>
+        <p:nvSpPr>
+          <p:cNvPr id="4" name="日期占位符 3"/>
+          <p:cNvSpPr>
+            <a:spLocks noGrp="1"/>
+          </p:cNvSpPr>
+          <p:nvPr>
+            <p:ph type="dt" sz="half" idx="2"/>
+          </p:nvPr>
+        </p:nvSpPr>
+        <p:spPr>
+          <a:xfrm>
+            <a:off x="838200" y="6356350"/>
+            <a:ext cx="2743200" cy="365125"/>
+          </a:xfrm>
+          <a:prstGeom prst="rect">
+            <a:avLst/>
+          </a:prstGeom>
+        </p:spPr>
+        <p:txBody>
+          <a:bodyPr vert="horz" lIns="91440" tIns="45720" rIns="91440" bIns="45720" rtlCol="0" anchor="ctr"/>
+          <a:lstStyle>
+            <a:lvl1pPr algn="l">
+              <a:defRPr sz="1200">
+                <a:solidFill>
+                  <a:schemeClr val="tx1">
+                    <a:tint val="75000"/>
+                  </a:schemeClr>
+                </a:solidFill>
+              </a:defRPr>
+            </a:lvl1pPr>
+          </a:lstStyle>
+          <a:p>
+            <a:fld id="{5AD7F448-1F68-40D7-B5F9-4CDE90E69F76}" type="datetimeFigureOut">
+              <a:rPr lang="zh-CN" altLang="en-US" smtClean="0"/>
+            </a:fld>
+            <a:endParaRPr lang="zh-CN" altLang="en-US"/>
+          </a:p>
+        </p:txBody>
+      </p:sp>
+      <p:sp>
+        <p:nvSpPr>
+          <p:cNvPr id="5" name="页脚占位符 4"/>
+          <p:cNvSpPr>
+            <a:spLocks noGrp="1"/>
+          </p:cNvSpPr>
+          <p:nvPr>
+            <p:ph type="ftr" sz="quarter" idx="3"/>
+          </p:nvPr>
+        </p:nvSpPr>
+        <p:spPr>
+          <a:xfrm>
+            <a:off x="4038600" y="6356350"/>
+            <a:ext cx="4114800" cy="365125"/>
+          </a:xfrm>
+          <a:prstGeom prst="rect">
+            <a:avLst/>
+          </a:prstGeom>
+        </p:spPr>
+        <p:txBody>
+          <a:bodyPr vert="horz" lIns="91440" tIns="45720" rIns="91440" bIns="45720" rtlCol="0" anchor="ctr"/>
+          <a:lstStyle>
+            <a:lvl1pPr algn="ctr">
+              <a:defRPr sz="1200">
+                <a:solidFill>
+                  <a:schemeClr val="tx1">
+                    <a:tint val="75000"/>
+                  </a:schemeClr>
+                </a:solidFill>
+              </a:defRPr>
+            </a:lvl1pPr>
+          </a:lstStyle>
+          <a:p>
+            <a:endParaRPr lang="zh-CN" altLang="en-US"/>
+          </a:p>
+        </p:txBody>
+      </p:sp>
+      <p:sp>
+        <p:nvSpPr>
+          <p:cNvPr id="6" name="灯片编号占位符 5"/>
+          <p:cNvSpPr>
+            <a:spLocks noGrp="1"/>
+          </p:cNvSpPr>
+          <p:nvPr>
+            <p:ph type="sldNum" sz="quarter" idx="4"/>
+          </p:nvPr>
+        </p:nvSpPr>
+        <p:spPr>
+          <a:xfrm>
+            <a:off x="8610600" y="6356350"/>
+            <a:ext cx="2743200" cy="365125"/>
+          </a:xfrm>
+          <a:prstGeom prst="rect">
+            <a:avLst/>
+          </a:prstGeom>
+        </p:spPr>
+        <p:txBody>
+          <a:bodyPr vert="horz" lIns="91440" tIns="45720" rIns="91440" bIns="45720" rtlCol="0" anchor="ctr"/>
+          <a:lstStyle>
+            <a:lvl1pPr algn="r">
+              <a:defRPr sz="1200">
+                <a:solidFill>
+                  <a:schemeClr val="tx1">
+                    <a:tint val="75000"/>
+                  </a:schemeClr>
+                </a:solidFill>
+              </a:defRPr>
+            </a:lvl1pPr>
+          </a:lstStyle>
+          <a:p>
+            <a:fld id="{3A216AA9-6775-4531-A0E8-15FF532D7431}" type="slidenum">
+              <a:rPr lang="zh-CN" altLang="en-US" smtClean="0"/>
+            </a:fld>
+            <a:endParaRPr lang="zh-CN" altLang="en-US"/>
+          </a:p>
+        </p:txBody>
+      </p:sp>
+    </p:spTree>
+  </p:cSld>
+  <p:clrMap bg1="lt1" tx1="dk1" bg2="lt2" tx2="dk2" accent1="accent1" accent2="accent2" accent3="accent3" accent4="accent4" accent5="accent5" accent6="accent6" hlink="hlink" folHlink="folHlink"/>
+  <p:sldLayoutIdLst>
+    <p:sldLayoutId id="2147483661" r:id="rId1"/>
+    <p:sldLayoutId id="2147483662" r:id="rId2"/>
+    <p:sldLayoutId id="2147483663" r:id="rId3"/>
+    <p:sldLayoutId id="2147483664" r:id="rId4"/>
+    <p:sldLayoutId id="2147483665" r:id="rId5"/>
+    <p:sldLayoutId id="2147483666" r:id="rId6"/>
+    <p:sldLayoutId id="2147483667" r:id="rId7"/>
+    <p:sldLayoutId id="2147483668" r:id="rId8"/>
+    <p:sldLayoutId id="2147483669" r:id="rId9"/>
+    <p:sldLayoutId id="2147483670" r:id="rId10"/>
+    <p:sldLayoutId id="2147483671" r:id="rId11"/>
   </p:sldLayoutIdLst>
   <p:txStyles>
     <p:titleStyle>
@@ -3778,20 +6171,14 @@
       </p:grpSpPr>
       <p:pic>
         <p:nvPicPr>
-          <p:cNvPr id="7" name="图片 6">
-            <a:extLst>
-              <a:ext uri="{FF2B5EF4-FFF2-40B4-BE49-F238E27FC236}">
-                <a16:creationId xmlns:a16="http://schemas.microsoft.com/office/drawing/2014/main" id="{3E2C6A35-EFF7-4A29-B087-640D36C59692}"/>
-              </a:ext>
-            </a:extLst>
-          </p:cNvPr>
+          <p:cNvPr id="7" name="图片 6"/>
           <p:cNvPicPr>
             <a:picLocks noChangeAspect="1"/>
           </p:cNvPicPr>
           <p:nvPr/>
         </p:nvPicPr>
         <p:blipFill>
-          <a:blip r:embed="rId2">
+          <a:blip r:embed="rId1">
             <a:extLst>
               <a:ext uri="{28A0092B-C50C-407E-A947-70E740481C1C}">
                 <a14:useLocalDpi xmlns:a14="http://schemas.microsoft.com/office/drawing/2010/main" val="0"/>
@@ -3814,13 +6201,7 @@
       </p:pic>
       <p:sp>
         <p:nvSpPr>
-          <p:cNvPr id="8" name="文本框 7">
-            <a:extLst>
-              <a:ext uri="{FF2B5EF4-FFF2-40B4-BE49-F238E27FC236}">
-                <a16:creationId xmlns:a16="http://schemas.microsoft.com/office/drawing/2014/main" id="{958D41FB-6386-41B8-92CA-7C0AB77C6708}"/>
-              </a:ext>
-            </a:extLst>
-          </p:cNvPr>
+          <p:cNvPr id="8" name="文本框 7"/>
           <p:cNvSpPr txBox="1"/>
           <p:nvPr/>
         </p:nvSpPr>
@@ -3845,18 +6226,13 @@
               <a:rPr lang="zh-CN" altLang="en-US" sz="6000" b="1" dirty="0"/>
               <a:t>科技论文写作汇报 </a:t>
             </a:r>
-          </a:p>
-        </p:txBody>
-      </p:sp>
-      <p:sp>
-        <p:nvSpPr>
-          <p:cNvPr id="9" name="文本框 8">
-            <a:extLst>
-              <a:ext uri="{FF2B5EF4-FFF2-40B4-BE49-F238E27FC236}">
-                <a16:creationId xmlns:a16="http://schemas.microsoft.com/office/drawing/2014/main" id="{0E930A34-744D-4695-BFA1-6174FF1446A3}"/>
-              </a:ext>
-            </a:extLst>
-          </p:cNvPr>
+            <a:endParaRPr lang="zh-CN" altLang="en-US" sz="6000" b="1" dirty="0"/>
+          </a:p>
+        </p:txBody>
+      </p:sp>
+      <p:sp>
+        <p:nvSpPr>
+          <p:cNvPr id="9" name="文本框 8"/>
           <p:cNvSpPr txBox="1"/>
           <p:nvPr/>
         </p:nvSpPr>
@@ -3880,15 +6256,11 @@
               <a:rPr lang="zh-CN" altLang="en-US" dirty="0"/>
               <a:t>汇报人：鄢智琛</a:t>
             </a:r>
+            <a:endParaRPr lang="zh-CN" altLang="en-US" dirty="0"/>
           </a:p>
         </p:txBody>
       </p:sp>
     </p:spTree>
-    <p:extLst>
-      <p:ext uri="{BB962C8B-B14F-4D97-AF65-F5344CB8AC3E}">
-        <p14:creationId xmlns:p14="http://schemas.microsoft.com/office/powerpoint/2010/main" val="1056023938"/>
-      </p:ext>
-    </p:extLst>
   </p:cSld>
   <p:clrMapOvr>
     <a:masterClrMapping/>
@@ -3915,20 +6287,14 @@
       </p:grpSpPr>
       <p:pic>
         <p:nvPicPr>
-          <p:cNvPr id="7" name="图片 6">
-            <a:extLst>
-              <a:ext uri="{FF2B5EF4-FFF2-40B4-BE49-F238E27FC236}">
-                <a16:creationId xmlns:a16="http://schemas.microsoft.com/office/drawing/2014/main" id="{3E2C6A35-EFF7-4A29-B087-640D36C59692}"/>
-              </a:ext>
-            </a:extLst>
-          </p:cNvPr>
+          <p:cNvPr id="7" name="图片 6"/>
           <p:cNvPicPr>
             <a:picLocks noChangeAspect="1"/>
           </p:cNvPicPr>
           <p:nvPr/>
         </p:nvPicPr>
         <p:blipFill>
-          <a:blip r:embed="rId3">
+          <a:blip r:embed="rId1">
             <a:extLst>
               <a:ext uri="{28A0092B-C50C-407E-A947-70E740481C1C}">
                 <a14:useLocalDpi xmlns:a14="http://schemas.microsoft.com/office/drawing/2010/main" val="0"/>
@@ -3951,13 +6317,7 @@
       </p:pic>
       <p:sp>
         <p:nvSpPr>
-          <p:cNvPr id="3" name="文本框 2">
-            <a:extLst>
-              <a:ext uri="{FF2B5EF4-FFF2-40B4-BE49-F238E27FC236}">
-                <a16:creationId xmlns:a16="http://schemas.microsoft.com/office/drawing/2014/main" id="{86F0D9DA-BE0A-465F-8AA0-B8648F0949A6}"/>
-              </a:ext>
-            </a:extLst>
-          </p:cNvPr>
+          <p:cNvPr id="3" name="文本框 2"/>
           <p:cNvSpPr txBox="1"/>
           <p:nvPr/>
         </p:nvSpPr>
@@ -4005,13 +6365,7 @@
       </p:sp>
       <p:sp>
         <p:nvSpPr>
-          <p:cNvPr id="4" name="文本框 3">
-            <a:extLst>
-              <a:ext uri="{FF2B5EF4-FFF2-40B4-BE49-F238E27FC236}">
-                <a16:creationId xmlns:a16="http://schemas.microsoft.com/office/drawing/2014/main" id="{AF8FB57E-9A41-48FB-AAFE-23651BC5923A}"/>
-              </a:ext>
-            </a:extLst>
-          </p:cNvPr>
+          <p:cNvPr id="4" name="文本框 3"/>
           <p:cNvSpPr txBox="1"/>
           <p:nvPr/>
         </p:nvSpPr>
@@ -4065,13 +6419,7 @@
       </p:sp>
       <p:sp>
         <p:nvSpPr>
-          <p:cNvPr id="5" name="文本框 4">
-            <a:extLst>
-              <a:ext uri="{FF2B5EF4-FFF2-40B4-BE49-F238E27FC236}">
-                <a16:creationId xmlns:a16="http://schemas.microsoft.com/office/drawing/2014/main" id="{250D1E44-A2DF-4ECC-A79F-2F06B1AD1196}"/>
-              </a:ext>
-            </a:extLst>
-          </p:cNvPr>
+          <p:cNvPr id="5" name="文本框 4"/>
           <p:cNvSpPr txBox="1"/>
           <p:nvPr/>
         </p:nvSpPr>
@@ -4116,6 +6464,10 @@
               </a:rPr>
               <a:t>:</a:t>
             </a:r>
+            <a:endParaRPr lang="en-US" altLang="zh-CN" dirty="0">
+              <a:latin typeface="Times New Roman" panose="02020603050405020304" pitchFamily="18" charset="0"/>
+              <a:cs typeface="Times New Roman" panose="02020603050405020304" pitchFamily="18" charset="0"/>
+            </a:endParaRPr>
           </a:p>
           <a:p>
             <a:r>
@@ -4134,13 +6486,7 @@
       </p:sp>
       <p:sp>
         <p:nvSpPr>
-          <p:cNvPr id="6" name="文本框 5">
-            <a:extLst>
-              <a:ext uri="{FF2B5EF4-FFF2-40B4-BE49-F238E27FC236}">
-                <a16:creationId xmlns:a16="http://schemas.microsoft.com/office/drawing/2014/main" id="{0EA1EDBD-53D8-4A43-B383-CB3BF8D02D17}"/>
-              </a:ext>
-            </a:extLst>
-          </p:cNvPr>
+          <p:cNvPr id="6" name="文本框 5"/>
           <p:cNvSpPr txBox="1"/>
           <p:nvPr/>
         </p:nvSpPr>
@@ -4171,6 +6517,10 @@
               </a:rPr>
               <a:t>GENTRY C, SAHAI A, and WATERS B. Homomorphic encryption from learning with errors: Conceptually-simpler,</a:t>
             </a:r>
+            <a:endParaRPr lang="en-US" altLang="zh-CN" dirty="0">
+              <a:latin typeface="Times New Roman" panose="02020603050405020304" pitchFamily="18" charset="0"/>
+              <a:cs typeface="Times New Roman" panose="02020603050405020304" pitchFamily="18" charset="0"/>
+            </a:endParaRPr>
           </a:p>
           <a:p>
             <a:r>
@@ -4194,6 +6544,10 @@
               </a:rPr>
               <a:t>:</a:t>
             </a:r>
+            <a:endParaRPr lang="en-US" altLang="zh-CN" dirty="0">
+              <a:latin typeface="Times New Roman" panose="02020603050405020304" pitchFamily="18" charset="0"/>
+              <a:cs typeface="Times New Roman" panose="02020603050405020304" pitchFamily="18" charset="0"/>
+            </a:endParaRPr>
           </a:p>
           <a:p>
             <a:r>
@@ -4212,23 +6566,11 @@
       </p:sp>
       <p:graphicFrame>
         <p:nvGraphicFramePr>
-          <p:cNvPr id="8" name="表格 8">
-            <a:extLst>
-              <a:ext uri="{FF2B5EF4-FFF2-40B4-BE49-F238E27FC236}">
-                <a16:creationId xmlns:a16="http://schemas.microsoft.com/office/drawing/2014/main" id="{803402FC-594C-4E38-8EBB-9A6995E6953D}"/>
-              </a:ext>
-            </a:extLst>
-          </p:cNvPr>
+          <p:cNvPr id="8" name="表格 8"/>
           <p:cNvGraphicFramePr>
             <a:graphicFrameLocks noGrp="1"/>
           </p:cNvGraphicFramePr>
-          <p:nvPr>
-            <p:extLst>
-              <p:ext uri="{D42A27DB-BD31-4B8C-83A1-F6EECF244321}">
-                <p14:modId xmlns:p14="http://schemas.microsoft.com/office/powerpoint/2010/main" val="3979746329"/>
-              </p:ext>
-            </p:extLst>
-          </p:nvPr>
+          <p:nvPr/>
         </p:nvGraphicFramePr>
         <p:xfrm>
           <a:off x="354932" y="2248641"/>
@@ -4241,34 +6583,10 @@
                 <a:tableStyleId>{5C22544A-7EE6-4342-B048-85BDC9FD1C3A}</a:tableStyleId>
               </a:tblPr>
               <a:tblGrid>
-                <a:gridCol w="1979194">
-                  <a:extLst>
-                    <a:ext uri="{9D8B030D-6E8A-4147-A177-3AD203B41FA5}">
-                      <a16:colId xmlns:a16="http://schemas.microsoft.com/office/drawing/2014/main" val="2923254973"/>
-                    </a:ext>
-                  </a:extLst>
-                </a:gridCol>
-                <a:gridCol w="4656221">
-                  <a:extLst>
-                    <a:ext uri="{9D8B030D-6E8A-4147-A177-3AD203B41FA5}">
-                      <a16:colId xmlns:a16="http://schemas.microsoft.com/office/drawing/2014/main" val="1623823003"/>
-                    </a:ext>
-                  </a:extLst>
-                </a:gridCol>
-                <a:gridCol w="1702469">
-                  <a:extLst>
-                    <a:ext uri="{9D8B030D-6E8A-4147-A177-3AD203B41FA5}">
-                      <a16:colId xmlns:a16="http://schemas.microsoft.com/office/drawing/2014/main" val="424583610"/>
-                    </a:ext>
-                  </a:extLst>
-                </a:gridCol>
-                <a:gridCol w="2743200">
-                  <a:extLst>
-                    <a:ext uri="{9D8B030D-6E8A-4147-A177-3AD203B41FA5}">
-                      <a16:colId xmlns:a16="http://schemas.microsoft.com/office/drawing/2014/main" val="1320113792"/>
-                    </a:ext>
-                  </a:extLst>
-                </a:gridCol>
+                <a:gridCol w="1979194"/>
+                <a:gridCol w="4656221"/>
+                <a:gridCol w="1702469"/>
+                <a:gridCol w="2743200"/>
               </a:tblGrid>
               <a:tr h="330196">
                 <a:tc>
@@ -4281,6 +6599,7 @@
                         <a:rPr lang="zh-CN" altLang="en-US" dirty="0"/>
                         <a:t>类型</a:t>
                       </a:r>
+                      <a:endParaRPr lang="zh-CN" altLang="en-US" dirty="0"/>
                     </a:p>
                   </a:txBody>
                   <a:tcPr/>
@@ -4295,6 +6614,7 @@
                         <a:rPr lang="zh-CN" altLang="en-US" dirty="0"/>
                         <a:t>会议名称</a:t>
                       </a:r>
+                      <a:endParaRPr lang="zh-CN" altLang="en-US" dirty="0"/>
                     </a:p>
                   </a:txBody>
                   <a:tcPr/>
@@ -4309,6 +6629,7 @@
                         <a:rPr lang="zh-CN" altLang="en-US" dirty="0"/>
                         <a:t>分类</a:t>
                       </a:r>
+                      <a:endParaRPr lang="zh-CN" altLang="en-US" dirty="0"/>
                     </a:p>
                   </a:txBody>
                   <a:tcPr/>
@@ -4331,15 +6652,11 @@
                         <a:rPr lang="zh-CN" altLang="en-US" dirty="0"/>
                         <a:t>引用量</a:t>
                       </a:r>
+                      <a:endParaRPr lang="zh-CN" altLang="en-US" dirty="0"/>
                     </a:p>
                   </a:txBody>
                   <a:tcPr/>
                 </a:tc>
-                <a:extLst>
-                  <a:ext uri="{0D108BD9-81ED-4DB2-BD59-A6C34878D82A}">
-                    <a16:rowId xmlns:a16="http://schemas.microsoft.com/office/drawing/2014/main" val="314400013"/>
-                  </a:ext>
-                </a:extLst>
               </a:tr>
               <a:tr h="330196">
                 <a:tc>
@@ -4352,6 +6669,7 @@
                         <a:rPr lang="zh-CN" altLang="en-US" dirty="0"/>
                         <a:t>会议论文</a:t>
                       </a:r>
+                      <a:endParaRPr lang="zh-CN" altLang="en-US" dirty="0"/>
                     </a:p>
                   </a:txBody>
                   <a:tcPr/>
@@ -4401,11 +6719,6 @@
                   </a:txBody>
                   <a:tcPr/>
                 </a:tc>
-                <a:extLst>
-                  <a:ext uri="{0D108BD9-81ED-4DB2-BD59-A6C34878D82A}">
-                    <a16:rowId xmlns:a16="http://schemas.microsoft.com/office/drawing/2014/main" val="3099424167"/>
-                  </a:ext>
-                </a:extLst>
               </a:tr>
             </a:tbl>
           </a:graphicData>
@@ -4413,23 +6726,11 @@
       </p:graphicFrame>
       <p:graphicFrame>
         <p:nvGraphicFramePr>
-          <p:cNvPr id="9" name="表格 8">
-            <a:extLst>
-              <a:ext uri="{FF2B5EF4-FFF2-40B4-BE49-F238E27FC236}">
-                <a16:creationId xmlns:a16="http://schemas.microsoft.com/office/drawing/2014/main" id="{8F0E82A3-08E2-4842-BBCD-D8E6E3E32E9B}"/>
-              </a:ext>
-            </a:extLst>
-          </p:cNvPr>
+          <p:cNvPr id="9" name="表格 8"/>
           <p:cNvGraphicFramePr>
             <a:graphicFrameLocks noGrp="1"/>
           </p:cNvGraphicFramePr>
-          <p:nvPr>
-            <p:extLst>
-              <p:ext uri="{D42A27DB-BD31-4B8C-83A1-F6EECF244321}">
-                <p14:modId xmlns:p14="http://schemas.microsoft.com/office/powerpoint/2010/main" val="3409726856"/>
-              </p:ext>
-            </p:extLst>
-          </p:nvPr>
+          <p:nvPr/>
         </p:nvGraphicFramePr>
         <p:xfrm>
           <a:off x="354932" y="4072205"/>
@@ -4442,34 +6743,10 @@
                 <a:tableStyleId>{5C22544A-7EE6-4342-B048-85BDC9FD1C3A}</a:tableStyleId>
               </a:tblPr>
               <a:tblGrid>
-                <a:gridCol w="1979194">
-                  <a:extLst>
-                    <a:ext uri="{9D8B030D-6E8A-4147-A177-3AD203B41FA5}">
-                      <a16:colId xmlns:a16="http://schemas.microsoft.com/office/drawing/2014/main" val="2923254973"/>
-                    </a:ext>
-                  </a:extLst>
-                </a:gridCol>
-                <a:gridCol w="4656221">
-                  <a:extLst>
-                    <a:ext uri="{9D8B030D-6E8A-4147-A177-3AD203B41FA5}">
-                      <a16:colId xmlns:a16="http://schemas.microsoft.com/office/drawing/2014/main" val="1623823003"/>
-                    </a:ext>
-                  </a:extLst>
-                </a:gridCol>
-                <a:gridCol w="1702469">
-                  <a:extLst>
-                    <a:ext uri="{9D8B030D-6E8A-4147-A177-3AD203B41FA5}">
-                      <a16:colId xmlns:a16="http://schemas.microsoft.com/office/drawing/2014/main" val="424583610"/>
-                    </a:ext>
-                  </a:extLst>
-                </a:gridCol>
-                <a:gridCol w="2743200">
-                  <a:extLst>
-                    <a:ext uri="{9D8B030D-6E8A-4147-A177-3AD203B41FA5}">
-                      <a16:colId xmlns:a16="http://schemas.microsoft.com/office/drawing/2014/main" val="1320113792"/>
-                    </a:ext>
-                  </a:extLst>
-                </a:gridCol>
+                <a:gridCol w="1979194"/>
+                <a:gridCol w="4656221"/>
+                <a:gridCol w="1702469"/>
+                <a:gridCol w="2743200"/>
               </a:tblGrid>
               <a:tr h="330196">
                 <a:tc>
@@ -4482,6 +6759,7 @@
                         <a:rPr lang="zh-CN" altLang="en-US" dirty="0"/>
                         <a:t>类型</a:t>
                       </a:r>
+                      <a:endParaRPr lang="zh-CN" altLang="en-US" dirty="0"/>
                     </a:p>
                   </a:txBody>
                   <a:tcPr anchor="ctr"/>
@@ -4496,6 +6774,7 @@
                         <a:rPr lang="zh-CN" altLang="en-US" dirty="0"/>
                         <a:t>会议名称</a:t>
                       </a:r>
+                      <a:endParaRPr lang="zh-CN" altLang="en-US" dirty="0"/>
                     </a:p>
                   </a:txBody>
                   <a:tcPr anchor="ctr"/>
@@ -4510,6 +6789,7 @@
                         <a:rPr lang="zh-CN" altLang="en-US" dirty="0"/>
                         <a:t>分类</a:t>
                       </a:r>
+                      <a:endParaRPr lang="zh-CN" altLang="en-US" dirty="0"/>
                     </a:p>
                   </a:txBody>
                   <a:tcPr anchor="ctr"/>
@@ -4532,15 +6812,11 @@
                         <a:rPr lang="zh-CN" altLang="en-US" dirty="0"/>
                         <a:t>引用量</a:t>
                       </a:r>
+                      <a:endParaRPr lang="zh-CN" altLang="en-US" dirty="0"/>
                     </a:p>
                   </a:txBody>
                   <a:tcPr anchor="ctr"/>
                 </a:tc>
-                <a:extLst>
-                  <a:ext uri="{0D108BD9-81ED-4DB2-BD59-A6C34878D82A}">
-                    <a16:rowId xmlns:a16="http://schemas.microsoft.com/office/drawing/2014/main" val="314400013"/>
-                  </a:ext>
-                </a:extLst>
               </a:tr>
               <a:tr h="330196">
                 <a:tc>
@@ -4553,6 +6829,7 @@
                         <a:rPr lang="zh-CN" altLang="en-US" dirty="0"/>
                         <a:t>会议论文</a:t>
                       </a:r>
+                      <a:endParaRPr lang="zh-CN" altLang="en-US" dirty="0"/>
                     </a:p>
                   </a:txBody>
                   <a:tcPr anchor="ctr"/>
@@ -4602,11 +6879,6 @@
                   </a:txBody>
                   <a:tcPr anchor="ctr"/>
                 </a:tc>
-                <a:extLst>
-                  <a:ext uri="{0D108BD9-81ED-4DB2-BD59-A6C34878D82A}">
-                    <a16:rowId xmlns:a16="http://schemas.microsoft.com/office/drawing/2014/main" val="3099424167"/>
-                  </a:ext>
-                </a:extLst>
               </a:tr>
             </a:tbl>
           </a:graphicData>
@@ -4614,23 +6886,11 @@
       </p:graphicFrame>
       <p:graphicFrame>
         <p:nvGraphicFramePr>
-          <p:cNvPr id="10" name="表格 8">
-            <a:extLst>
-              <a:ext uri="{FF2B5EF4-FFF2-40B4-BE49-F238E27FC236}">
-                <a16:creationId xmlns:a16="http://schemas.microsoft.com/office/drawing/2014/main" id="{94D998DA-D6F6-41F0-95B5-7B55442A1138}"/>
-              </a:ext>
-            </a:extLst>
-          </p:cNvPr>
+          <p:cNvPr id="10" name="表格 8"/>
           <p:cNvGraphicFramePr>
             <a:graphicFrameLocks noGrp="1"/>
           </p:cNvGraphicFramePr>
-          <p:nvPr>
-            <p:extLst>
-              <p:ext uri="{D42A27DB-BD31-4B8C-83A1-F6EECF244321}">
-                <p14:modId xmlns:p14="http://schemas.microsoft.com/office/powerpoint/2010/main" val="907299921"/>
-              </p:ext>
-            </p:extLst>
-          </p:nvPr>
+          <p:nvPr/>
         </p:nvGraphicFramePr>
         <p:xfrm>
           <a:off x="354932" y="6010402"/>
@@ -4643,34 +6903,10 @@
                 <a:tableStyleId>{5C22544A-7EE6-4342-B048-85BDC9FD1C3A}</a:tableStyleId>
               </a:tblPr>
               <a:tblGrid>
-                <a:gridCol w="1979194">
-                  <a:extLst>
-                    <a:ext uri="{9D8B030D-6E8A-4147-A177-3AD203B41FA5}">
-                      <a16:colId xmlns:a16="http://schemas.microsoft.com/office/drawing/2014/main" val="2923254973"/>
-                    </a:ext>
-                  </a:extLst>
-                </a:gridCol>
-                <a:gridCol w="4656221">
-                  <a:extLst>
-                    <a:ext uri="{9D8B030D-6E8A-4147-A177-3AD203B41FA5}">
-                      <a16:colId xmlns:a16="http://schemas.microsoft.com/office/drawing/2014/main" val="1623823003"/>
-                    </a:ext>
-                  </a:extLst>
-                </a:gridCol>
-                <a:gridCol w="1702469">
-                  <a:extLst>
-                    <a:ext uri="{9D8B030D-6E8A-4147-A177-3AD203B41FA5}">
-                      <a16:colId xmlns:a16="http://schemas.microsoft.com/office/drawing/2014/main" val="424583610"/>
-                    </a:ext>
-                  </a:extLst>
-                </a:gridCol>
-                <a:gridCol w="2743200">
-                  <a:extLst>
-                    <a:ext uri="{9D8B030D-6E8A-4147-A177-3AD203B41FA5}">
-                      <a16:colId xmlns:a16="http://schemas.microsoft.com/office/drawing/2014/main" val="1320113792"/>
-                    </a:ext>
-                  </a:extLst>
-                </a:gridCol>
+                <a:gridCol w="1979194"/>
+                <a:gridCol w="4656221"/>
+                <a:gridCol w="1702469"/>
+                <a:gridCol w="2743200"/>
               </a:tblGrid>
               <a:tr h="330196">
                 <a:tc>
@@ -4683,6 +6919,7 @@
                         <a:rPr lang="zh-CN" altLang="en-US" dirty="0"/>
                         <a:t>类型</a:t>
                       </a:r>
+                      <a:endParaRPr lang="zh-CN" altLang="en-US" dirty="0"/>
                     </a:p>
                   </a:txBody>
                   <a:tcPr/>
@@ -4697,6 +6934,7 @@
                         <a:rPr lang="zh-CN" altLang="en-US" dirty="0"/>
                         <a:t>会议名称</a:t>
                       </a:r>
+                      <a:endParaRPr lang="zh-CN" altLang="en-US" dirty="0"/>
                     </a:p>
                   </a:txBody>
                   <a:tcPr/>
@@ -4711,6 +6949,7 @@
                         <a:rPr lang="zh-CN" altLang="en-US" dirty="0"/>
                         <a:t>分类</a:t>
                       </a:r>
+                      <a:endParaRPr lang="zh-CN" altLang="en-US" dirty="0"/>
                     </a:p>
                   </a:txBody>
                   <a:tcPr/>
@@ -4733,15 +6972,11 @@
                         <a:rPr lang="zh-CN" altLang="en-US" dirty="0"/>
                         <a:t>引用量</a:t>
                       </a:r>
+                      <a:endParaRPr lang="zh-CN" altLang="en-US" dirty="0"/>
                     </a:p>
                   </a:txBody>
                   <a:tcPr/>
                 </a:tc>
-                <a:extLst>
-                  <a:ext uri="{0D108BD9-81ED-4DB2-BD59-A6C34878D82A}">
-                    <a16:rowId xmlns:a16="http://schemas.microsoft.com/office/drawing/2014/main" val="314400013"/>
-                  </a:ext>
-                </a:extLst>
               </a:tr>
               <a:tr h="330196">
                 <a:tc>
@@ -4754,6 +6989,7 @@
                         <a:rPr lang="zh-CN" altLang="en-US" dirty="0"/>
                         <a:t>会议论文</a:t>
                       </a:r>
+                      <a:endParaRPr lang="zh-CN" altLang="en-US" dirty="0"/>
                     </a:p>
                   </a:txBody>
                   <a:tcPr/>
@@ -4803,22 +7039,12 @@
                   </a:txBody>
                   <a:tcPr/>
                 </a:tc>
-                <a:extLst>
-                  <a:ext uri="{0D108BD9-81ED-4DB2-BD59-A6C34878D82A}">
-                    <a16:rowId xmlns:a16="http://schemas.microsoft.com/office/drawing/2014/main" val="3099424167"/>
-                  </a:ext>
-                </a:extLst>
               </a:tr>
             </a:tbl>
           </a:graphicData>
         </a:graphic>
       </p:graphicFrame>
     </p:spTree>
-    <p:extLst>
-      <p:ext uri="{BB962C8B-B14F-4D97-AF65-F5344CB8AC3E}">
-        <p14:creationId xmlns:p14="http://schemas.microsoft.com/office/powerpoint/2010/main" val="1793472624"/>
-      </p:ext>
-    </p:extLst>
   </p:cSld>
   <p:clrMapOvr>
     <a:masterClrMapping/>
@@ -4845,20 +7071,14 @@
       </p:grpSpPr>
       <p:pic>
         <p:nvPicPr>
-          <p:cNvPr id="7" name="图片 6">
-            <a:extLst>
-              <a:ext uri="{FF2B5EF4-FFF2-40B4-BE49-F238E27FC236}">
-                <a16:creationId xmlns:a16="http://schemas.microsoft.com/office/drawing/2014/main" id="{3E2C6A35-EFF7-4A29-B087-640D36C59692}"/>
-              </a:ext>
-            </a:extLst>
-          </p:cNvPr>
+          <p:cNvPr id="7" name="图片 6"/>
           <p:cNvPicPr>
             <a:picLocks noChangeAspect="1"/>
           </p:cNvPicPr>
           <p:nvPr/>
         </p:nvPicPr>
         <p:blipFill>
-          <a:blip r:embed="rId2">
+          <a:blip r:embed="rId1">
             <a:extLst>
               <a:ext uri="{28A0092B-C50C-407E-A947-70E740481C1C}">
                 <a14:useLocalDpi xmlns:a14="http://schemas.microsoft.com/office/drawing/2010/main" val="0"/>
@@ -4881,13 +7101,7 @@
       </p:pic>
       <p:sp>
         <p:nvSpPr>
-          <p:cNvPr id="3" name="文本框 2">
-            <a:extLst>
-              <a:ext uri="{FF2B5EF4-FFF2-40B4-BE49-F238E27FC236}">
-                <a16:creationId xmlns:a16="http://schemas.microsoft.com/office/drawing/2014/main" id="{9ABE6768-3F0B-4E25-9102-280A499EAF5E}"/>
-              </a:ext>
-            </a:extLst>
-          </p:cNvPr>
+          <p:cNvPr id="3" name="文本框 2"/>
           <p:cNvSpPr txBox="1"/>
           <p:nvPr/>
         </p:nvSpPr>
@@ -4921,18 +7135,16 @@
               </a:rPr>
               <a:t>摘要</a:t>
             </a:r>
-          </a:p>
-        </p:txBody>
-      </p:sp>
-      <p:sp>
-        <p:nvSpPr>
-          <p:cNvPr id="4" name="矩形: 圆角 3">
-            <a:extLst>
-              <a:ext uri="{FF2B5EF4-FFF2-40B4-BE49-F238E27FC236}">
-                <a16:creationId xmlns:a16="http://schemas.microsoft.com/office/drawing/2014/main" id="{F73AD767-0996-423D-94B7-DC40CD2F1969}"/>
-              </a:ext>
-            </a:extLst>
-          </p:cNvPr>
+            <a:endParaRPr lang="zh-CN" altLang="en-US" b="1" dirty="0">
+              <a:latin typeface="Times New Roman" panose="02020603050405020304" pitchFamily="18" charset="0"/>
+              <a:cs typeface="Times New Roman" panose="02020603050405020304" pitchFamily="18" charset="0"/>
+            </a:endParaRPr>
+          </a:p>
+        </p:txBody>
+      </p:sp>
+      <p:sp>
+        <p:nvSpPr>
+          <p:cNvPr id="4" name="矩形: 圆角 3"/>
           <p:cNvSpPr/>
           <p:nvPr/>
         </p:nvSpPr>
@@ -4973,18 +7185,13 @@
               <a:rPr lang="zh-CN" altLang="en-US" dirty="0"/>
               <a:t>摘要结构</a:t>
             </a:r>
-          </a:p>
-        </p:txBody>
-      </p:sp>
-      <p:sp>
-        <p:nvSpPr>
-          <p:cNvPr id="9" name="矩形 8">
-            <a:extLst>
-              <a:ext uri="{FF2B5EF4-FFF2-40B4-BE49-F238E27FC236}">
-                <a16:creationId xmlns:a16="http://schemas.microsoft.com/office/drawing/2014/main" id="{2916BFA0-1713-47BE-AEAA-190E70352E51}"/>
-              </a:ext>
-            </a:extLst>
-          </p:cNvPr>
+            <a:endParaRPr lang="zh-CN" altLang="en-US" dirty="0"/>
+          </a:p>
+        </p:txBody>
+      </p:sp>
+      <p:sp>
+        <p:nvSpPr>
+          <p:cNvPr id="9" name="矩形 8"/>
           <p:cNvSpPr/>
           <p:nvPr/>
         </p:nvSpPr>
@@ -5034,20 +7241,18 @@
               </a:rPr>
               <a:t>方案优化</a:t>
             </a:r>
+            <a:endParaRPr lang="zh-CN" altLang="en-US" sz="1400" dirty="0">
+              <a:solidFill>
+                <a:schemeClr val="tx1"/>
+              </a:solidFill>
+            </a:endParaRPr>
           </a:p>
         </p:txBody>
       </p:sp>
       <p:cxnSp>
         <p:nvCxnSpPr>
-          <p:cNvPr id="11" name="连接符: 肘形 10">
-            <a:extLst>
-              <a:ext uri="{FF2B5EF4-FFF2-40B4-BE49-F238E27FC236}">
-                <a16:creationId xmlns:a16="http://schemas.microsoft.com/office/drawing/2014/main" id="{FF667081-3E0E-4E60-8F2A-4CDC4F69CA02}"/>
-              </a:ext>
-            </a:extLst>
-          </p:cNvPr>
+          <p:cNvPr id="11" name="连接符: 肘形 10"/>
           <p:cNvCxnSpPr>
-            <a:cxnSpLocks/>
             <a:stCxn id="4" idx="2"/>
             <a:endCxn id="9" idx="1"/>
           </p:cNvCxnSpPr>
@@ -5080,13 +7285,7 @@
       </p:cxnSp>
       <p:sp>
         <p:nvSpPr>
-          <p:cNvPr id="15" name="矩形 14">
-            <a:extLst>
-              <a:ext uri="{FF2B5EF4-FFF2-40B4-BE49-F238E27FC236}">
-                <a16:creationId xmlns:a16="http://schemas.microsoft.com/office/drawing/2014/main" id="{0DDBEA16-DD7E-49F0-A869-8E37BE99E003}"/>
-              </a:ext>
-            </a:extLst>
-          </p:cNvPr>
+          <p:cNvPr id="15" name="矩形 14"/>
           <p:cNvSpPr/>
           <p:nvPr/>
         </p:nvSpPr>
@@ -5154,20 +7353,18 @@
               </a:rPr>
               <a:t>）</a:t>
             </a:r>
+            <a:endParaRPr lang="zh-CN" altLang="en-US" sz="1400" dirty="0">
+              <a:solidFill>
+                <a:schemeClr val="tx1"/>
+              </a:solidFill>
+            </a:endParaRPr>
           </a:p>
         </p:txBody>
       </p:sp>
       <p:cxnSp>
         <p:nvCxnSpPr>
-          <p:cNvPr id="18" name="直接连接符 17">
-            <a:extLst>
-              <a:ext uri="{FF2B5EF4-FFF2-40B4-BE49-F238E27FC236}">
-                <a16:creationId xmlns:a16="http://schemas.microsoft.com/office/drawing/2014/main" id="{788E0F1A-C87C-44BA-A38C-A488E22420C2}"/>
-              </a:ext>
-            </a:extLst>
-          </p:cNvPr>
+          <p:cNvPr id="18" name="直接连接符 17"/>
           <p:cNvCxnSpPr>
-            <a:cxnSpLocks/>
             <a:stCxn id="15" idx="1"/>
           </p:cNvCxnSpPr>
           <p:nvPr/>
@@ -5203,15 +7400,8 @@
       </p:cxnSp>
       <p:cxnSp>
         <p:nvCxnSpPr>
-          <p:cNvPr id="21" name="连接符: 肘形 20">
-            <a:extLst>
-              <a:ext uri="{FF2B5EF4-FFF2-40B4-BE49-F238E27FC236}">
-                <a16:creationId xmlns:a16="http://schemas.microsoft.com/office/drawing/2014/main" id="{C7C8B234-CEBF-4395-A8A5-79D0F3F97084}"/>
-              </a:ext>
-            </a:extLst>
-          </p:cNvPr>
+          <p:cNvPr id="21" name="连接符: 肘形 20"/>
           <p:cNvCxnSpPr>
-            <a:cxnSpLocks/>
             <a:stCxn id="15" idx="2"/>
           </p:cNvCxnSpPr>
           <p:nvPr/>
@@ -5247,13 +7437,7 @@
       </p:cxnSp>
       <p:sp>
         <p:nvSpPr>
-          <p:cNvPr id="22" name="文本框 21">
-            <a:extLst>
-              <a:ext uri="{FF2B5EF4-FFF2-40B4-BE49-F238E27FC236}">
-                <a16:creationId xmlns:a16="http://schemas.microsoft.com/office/drawing/2014/main" id="{CE86F6CB-E737-42AA-A935-AE2D3A8BC67E}"/>
-              </a:ext>
-            </a:extLst>
-          </p:cNvPr>
+          <p:cNvPr id="22" name="文本框 21"/>
           <p:cNvSpPr txBox="1"/>
           <p:nvPr/>
         </p:nvSpPr>
@@ -5277,18 +7461,13 @@
               <a:rPr lang="zh-CN" altLang="en-US" sz="1400" dirty="0"/>
               <a:t>简述方案第一步步骤</a:t>
             </a:r>
+            <a:endParaRPr lang="zh-CN" altLang="en-US" sz="1400" dirty="0"/>
           </a:p>
         </p:txBody>
       </p:sp>
       <p:cxnSp>
         <p:nvCxnSpPr>
-          <p:cNvPr id="25" name="连接符: 肘形 24">
-            <a:extLst>
-              <a:ext uri="{FF2B5EF4-FFF2-40B4-BE49-F238E27FC236}">
-                <a16:creationId xmlns:a16="http://schemas.microsoft.com/office/drawing/2014/main" id="{582F6845-5ED5-4741-B4BA-33AACD0AD7A9}"/>
-              </a:ext>
-            </a:extLst>
-          </p:cNvPr>
+          <p:cNvPr id="25" name="连接符: 肘形 24"/>
           <p:cNvCxnSpPr/>
           <p:nvPr/>
         </p:nvCxnSpPr>
@@ -5323,13 +7502,7 @@
       </p:cxnSp>
       <p:sp>
         <p:nvSpPr>
-          <p:cNvPr id="26" name="文本框 25">
-            <a:extLst>
-              <a:ext uri="{FF2B5EF4-FFF2-40B4-BE49-F238E27FC236}">
-                <a16:creationId xmlns:a16="http://schemas.microsoft.com/office/drawing/2014/main" id="{B323AF43-A19B-4562-8D64-3632A0B5378B}"/>
-              </a:ext>
-            </a:extLst>
-          </p:cNvPr>
+          <p:cNvPr id="26" name="文本框 25"/>
           <p:cNvSpPr txBox="1"/>
           <p:nvPr/>
         </p:nvSpPr>
@@ -5365,18 +7538,13 @@
               <a:rPr lang="zh-CN" altLang="en-US" sz="1400" dirty="0"/>
               <a:t>概念的提出</a:t>
             </a:r>
-          </a:p>
-        </p:txBody>
-      </p:sp>
-      <p:sp>
-        <p:nvSpPr>
-          <p:cNvPr id="27" name="矩形 26">
-            <a:extLst>
-              <a:ext uri="{FF2B5EF4-FFF2-40B4-BE49-F238E27FC236}">
-                <a16:creationId xmlns:a16="http://schemas.microsoft.com/office/drawing/2014/main" id="{E0DA89F8-01D8-4054-A157-3DD5F2B30A72}"/>
-              </a:ext>
-            </a:extLst>
-          </p:cNvPr>
+            <a:endParaRPr lang="zh-CN" altLang="en-US" sz="1400" dirty="0"/>
+          </a:p>
+        </p:txBody>
+      </p:sp>
+      <p:sp>
+        <p:nvSpPr>
+          <p:cNvPr id="27" name="矩形 26"/>
           <p:cNvSpPr/>
           <p:nvPr/>
         </p:nvSpPr>
@@ -5426,18 +7594,17 @@
               </a:rPr>
               <a:t>核心加密方案</a:t>
             </a:r>
+            <a:endParaRPr lang="zh-CN" altLang="en-US" sz="1400" dirty="0">
+              <a:solidFill>
+                <a:schemeClr val="tx1"/>
+              </a:solidFill>
+            </a:endParaRPr>
           </a:p>
         </p:txBody>
       </p:sp>
       <p:cxnSp>
         <p:nvCxnSpPr>
-          <p:cNvPr id="32" name="直接连接符 31">
-            <a:extLst>
-              <a:ext uri="{FF2B5EF4-FFF2-40B4-BE49-F238E27FC236}">
-                <a16:creationId xmlns:a16="http://schemas.microsoft.com/office/drawing/2014/main" id="{3FCEC671-4C5F-4614-B31E-7EA4D6FA4695}"/>
-              </a:ext>
-            </a:extLst>
-          </p:cNvPr>
+          <p:cNvPr id="32" name="直接连接符 31"/>
           <p:cNvCxnSpPr>
             <a:stCxn id="27" idx="1"/>
           </p:cNvCxnSpPr>
@@ -5474,13 +7641,7 @@
       </p:cxnSp>
       <p:cxnSp>
         <p:nvCxnSpPr>
-          <p:cNvPr id="33" name="连接符: 肘形 32">
-            <a:extLst>
-              <a:ext uri="{FF2B5EF4-FFF2-40B4-BE49-F238E27FC236}">
-                <a16:creationId xmlns:a16="http://schemas.microsoft.com/office/drawing/2014/main" id="{078A0BBC-4B44-4DBC-825B-426D75B6B827}"/>
-              </a:ext>
-            </a:extLst>
-          </p:cNvPr>
+          <p:cNvPr id="33" name="连接符: 肘形 32"/>
           <p:cNvCxnSpPr/>
           <p:nvPr/>
         </p:nvCxnSpPr>
@@ -5515,13 +7676,7 @@
       </p:cxnSp>
       <p:sp>
         <p:nvSpPr>
-          <p:cNvPr id="34" name="文本框 33">
-            <a:extLst>
-              <a:ext uri="{FF2B5EF4-FFF2-40B4-BE49-F238E27FC236}">
-                <a16:creationId xmlns:a16="http://schemas.microsoft.com/office/drawing/2014/main" id="{F5D0B054-63C9-4CFB-9320-33BCCB3BEBB9}"/>
-              </a:ext>
-            </a:extLst>
-          </p:cNvPr>
+          <p:cNvPr id="34" name="文本框 33"/>
           <p:cNvSpPr txBox="1"/>
           <p:nvPr/>
         </p:nvSpPr>
@@ -5545,20 +7700,14 @@
               <a:rPr lang="zh-CN" altLang="en-US" sz="1400" dirty="0"/>
               <a:t>提及基于理想格的满足要求的公钥方案</a:t>
             </a:r>
+            <a:endParaRPr lang="zh-CN" altLang="en-US" sz="1400" dirty="0"/>
           </a:p>
         </p:txBody>
       </p:sp>
       <p:cxnSp>
         <p:nvCxnSpPr>
-          <p:cNvPr id="38" name="连接符: 肘形 37">
-            <a:extLst>
-              <a:ext uri="{FF2B5EF4-FFF2-40B4-BE49-F238E27FC236}">
-                <a16:creationId xmlns:a16="http://schemas.microsoft.com/office/drawing/2014/main" id="{EF87DE92-C73E-4E17-9F1C-6DAF83A8CC61}"/>
-              </a:ext>
-            </a:extLst>
-          </p:cNvPr>
+          <p:cNvPr id="38" name="连接符: 肘形 37"/>
           <p:cNvCxnSpPr>
-            <a:cxnSpLocks/>
             <a:stCxn id="9" idx="2"/>
           </p:cNvCxnSpPr>
           <p:nvPr/>
@@ -5590,16 +7739,8 @@
       </p:cxnSp>
       <p:cxnSp>
         <p:nvCxnSpPr>
-          <p:cNvPr id="40" name="直接连接符 39">
-            <a:extLst>
-              <a:ext uri="{FF2B5EF4-FFF2-40B4-BE49-F238E27FC236}">
-                <a16:creationId xmlns:a16="http://schemas.microsoft.com/office/drawing/2014/main" id="{082906EA-CDB3-490C-B919-5A56C7A6295E}"/>
-              </a:ext>
-            </a:extLst>
-          </p:cNvPr>
-          <p:cNvCxnSpPr>
-            <a:cxnSpLocks/>
-          </p:cNvCxnSpPr>
+          <p:cNvPr id="40" name="直接连接符 39"/>
+          <p:cNvCxnSpPr/>
           <p:nvPr/>
         </p:nvCxnSpPr>
         <p:spPr>
@@ -5633,13 +7774,7 @@
       </p:cxnSp>
       <p:sp>
         <p:nvSpPr>
-          <p:cNvPr id="41" name="文本框 40">
-            <a:extLst>
-              <a:ext uri="{FF2B5EF4-FFF2-40B4-BE49-F238E27FC236}">
-                <a16:creationId xmlns:a16="http://schemas.microsoft.com/office/drawing/2014/main" id="{931B3158-CE87-4782-99B8-10335E7B80D6}"/>
-              </a:ext>
-            </a:extLst>
-          </p:cNvPr>
+          <p:cNvPr id="41" name="文本框 40"/>
           <p:cNvSpPr txBox="1"/>
           <p:nvPr/>
         </p:nvSpPr>
@@ -5663,18 +7798,13 @@
               <a:rPr lang="zh-CN" altLang="en-US" sz="1400" dirty="0"/>
               <a:t>优化原因</a:t>
             </a:r>
-          </a:p>
-        </p:txBody>
-      </p:sp>
-      <p:sp>
-        <p:nvSpPr>
-          <p:cNvPr id="42" name="文本框 41">
-            <a:extLst>
-              <a:ext uri="{FF2B5EF4-FFF2-40B4-BE49-F238E27FC236}">
-                <a16:creationId xmlns:a16="http://schemas.microsoft.com/office/drawing/2014/main" id="{77B447B4-015D-4D01-AF3B-C9DE9A767735}"/>
-              </a:ext>
-            </a:extLst>
-          </p:cNvPr>
+            <a:endParaRPr lang="zh-CN" altLang="en-US" sz="1400" dirty="0"/>
+          </a:p>
+        </p:txBody>
+      </p:sp>
+      <p:sp>
+        <p:nvSpPr>
+          <p:cNvPr id="42" name="文本框 41"/>
           <p:cNvSpPr txBox="1"/>
           <p:nvPr/>
         </p:nvSpPr>
@@ -5698,25 +7828,20 @@
               <a:rPr lang="zh-CN" altLang="en-US" sz="1400" dirty="0"/>
               <a:t>优化结果</a:t>
             </a:r>
+            <a:endParaRPr lang="zh-CN" altLang="en-US" sz="1400" dirty="0"/>
           </a:p>
         </p:txBody>
       </p:sp>
       <p:pic>
         <p:nvPicPr>
-          <p:cNvPr id="47" name="图片 46">
-            <a:extLst>
-              <a:ext uri="{FF2B5EF4-FFF2-40B4-BE49-F238E27FC236}">
-                <a16:creationId xmlns:a16="http://schemas.microsoft.com/office/drawing/2014/main" id="{9D312EF8-DEA0-4DFF-A6F2-3836318F0EA7}"/>
-              </a:ext>
-            </a:extLst>
-          </p:cNvPr>
+          <p:cNvPr id="47" name="图片 46"/>
           <p:cNvPicPr>
             <a:picLocks noChangeAspect="1"/>
           </p:cNvPicPr>
           <p:nvPr/>
         </p:nvPicPr>
         <p:blipFill>
-          <a:blip r:embed="rId3"/>
+          <a:blip r:embed="rId2"/>
           <a:stretch>
             <a:fillRect/>
           </a:stretch>
@@ -5733,13 +7858,7 @@
       </p:pic>
       <p:cxnSp>
         <p:nvCxnSpPr>
-          <p:cNvPr id="48" name="连接符: 肘形 47">
-            <a:extLst>
-              <a:ext uri="{FF2B5EF4-FFF2-40B4-BE49-F238E27FC236}">
-                <a16:creationId xmlns:a16="http://schemas.microsoft.com/office/drawing/2014/main" id="{326A97AE-CB86-40A4-9CF6-C372682F02A2}"/>
-              </a:ext>
-            </a:extLst>
-          </p:cNvPr>
+          <p:cNvPr id="48" name="连接符: 肘形 47"/>
           <p:cNvCxnSpPr/>
           <p:nvPr/>
         </p:nvCxnSpPr>
@@ -5774,13 +7893,7 @@
       </p:cxnSp>
       <p:sp>
         <p:nvSpPr>
-          <p:cNvPr id="49" name="文本框 48">
-            <a:extLst>
-              <a:ext uri="{FF2B5EF4-FFF2-40B4-BE49-F238E27FC236}">
-                <a16:creationId xmlns:a16="http://schemas.microsoft.com/office/drawing/2014/main" id="{74F3B724-A00C-44A6-B15F-F0959A6B7ACF}"/>
-              </a:ext>
-            </a:extLst>
-          </p:cNvPr>
+          <p:cNvPr id="49" name="文本框 48"/>
           <p:cNvSpPr txBox="1"/>
           <p:nvPr/>
         </p:nvSpPr>
@@ -5804,15 +7917,11 @@
               <a:rPr lang="zh-CN" altLang="en-US" sz="1400" dirty="0"/>
               <a:t>简述方案特性</a:t>
             </a:r>
+            <a:endParaRPr lang="zh-CN" altLang="en-US" sz="1400" dirty="0"/>
           </a:p>
         </p:txBody>
       </p:sp>
     </p:spTree>
-    <p:extLst>
-      <p:ext uri="{BB962C8B-B14F-4D97-AF65-F5344CB8AC3E}">
-        <p14:creationId xmlns:p14="http://schemas.microsoft.com/office/powerpoint/2010/main" val="2016036317"/>
-      </p:ext>
-    </p:extLst>
   </p:cSld>
   <p:clrMapOvr>
     <a:masterClrMapping/>
@@ -5839,20 +7948,14 @@
       </p:grpSpPr>
       <p:pic>
         <p:nvPicPr>
-          <p:cNvPr id="7" name="图片 6">
-            <a:extLst>
-              <a:ext uri="{FF2B5EF4-FFF2-40B4-BE49-F238E27FC236}">
-                <a16:creationId xmlns:a16="http://schemas.microsoft.com/office/drawing/2014/main" id="{3E2C6A35-EFF7-4A29-B087-640D36C59692}"/>
-              </a:ext>
-            </a:extLst>
-          </p:cNvPr>
+          <p:cNvPr id="7" name="图片 6"/>
           <p:cNvPicPr>
             <a:picLocks noChangeAspect="1"/>
           </p:cNvPicPr>
           <p:nvPr/>
         </p:nvPicPr>
         <p:blipFill>
-          <a:blip r:embed="rId2">
+          <a:blip r:embed="rId1">
             <a:extLst>
               <a:ext uri="{28A0092B-C50C-407E-A947-70E740481C1C}">
                 <a14:useLocalDpi xmlns:a14="http://schemas.microsoft.com/office/drawing/2010/main" val="0"/>
@@ -5875,13 +7978,7 @@
       </p:pic>
       <p:sp>
         <p:nvSpPr>
-          <p:cNvPr id="3" name="文本框 2">
-            <a:extLst>
-              <a:ext uri="{FF2B5EF4-FFF2-40B4-BE49-F238E27FC236}">
-                <a16:creationId xmlns:a16="http://schemas.microsoft.com/office/drawing/2014/main" id="{8D644DB2-7BA0-43B9-A1EF-1D4308C453AB}"/>
-              </a:ext>
-            </a:extLst>
-          </p:cNvPr>
+          <p:cNvPr id="3" name="文本框 2"/>
           <p:cNvSpPr txBox="1"/>
           <p:nvPr/>
         </p:nvSpPr>
@@ -5915,24 +8012,22 @@
               </a:rPr>
               <a:t>摘要</a:t>
             </a:r>
-          </a:p>
-        </p:txBody>
-      </p:sp>
-      <p:sp>
-        <p:nvSpPr>
-          <p:cNvPr id="6" name="矩形: 圆角 5">
-            <a:extLst>
-              <a:ext uri="{FF2B5EF4-FFF2-40B4-BE49-F238E27FC236}">
-                <a16:creationId xmlns:a16="http://schemas.microsoft.com/office/drawing/2014/main" id="{A92254E9-6452-4209-8E70-F080C62AD0F2}"/>
-              </a:ext>
-            </a:extLst>
-          </p:cNvPr>
+            <a:endParaRPr lang="zh-CN" altLang="en-US" b="1" dirty="0">
+              <a:latin typeface="Times New Roman" panose="02020603050405020304" pitchFamily="18" charset="0"/>
+              <a:cs typeface="Times New Roman" panose="02020603050405020304" pitchFamily="18" charset="0"/>
+            </a:endParaRPr>
+          </a:p>
+        </p:txBody>
+      </p:sp>
+      <p:sp>
+        <p:nvSpPr>
+          <p:cNvPr id="6" name="矩形: 圆角 5"/>
           <p:cNvSpPr/>
           <p:nvPr/>
         </p:nvSpPr>
         <p:spPr>
           <a:xfrm>
-            <a:off x="854242" y="1488168"/>
+            <a:off x="130342" y="1488168"/>
             <a:ext cx="1431758" cy="655721"/>
           </a:xfrm>
           <a:prstGeom prst="roundRect">
@@ -5967,24 +8062,19 @@
               <a:rPr lang="zh-CN" altLang="en-US" dirty="0"/>
               <a:t>摘要结构</a:t>
             </a:r>
-          </a:p>
-        </p:txBody>
-      </p:sp>
-      <p:sp>
-        <p:nvSpPr>
-          <p:cNvPr id="8" name="矩形 7">
-            <a:extLst>
-              <a:ext uri="{FF2B5EF4-FFF2-40B4-BE49-F238E27FC236}">
-                <a16:creationId xmlns:a16="http://schemas.microsoft.com/office/drawing/2014/main" id="{F3F8754D-0788-450D-B02A-877EACD3CD3F}"/>
-              </a:ext>
-            </a:extLst>
-          </p:cNvPr>
+            <a:endParaRPr lang="zh-CN" altLang="en-US" dirty="0"/>
+          </a:p>
+        </p:txBody>
+      </p:sp>
+      <p:sp>
+        <p:nvSpPr>
+          <p:cNvPr id="8" name="矩形 7"/>
           <p:cNvSpPr/>
           <p:nvPr/>
         </p:nvSpPr>
         <p:spPr>
           <a:xfrm>
-            <a:off x="2773280" y="5346843"/>
+            <a:off x="1646790" y="5238258"/>
             <a:ext cx="1576134" cy="697832"/>
           </a:xfrm>
           <a:prstGeom prst="rect">
@@ -6028,29 +8118,27 @@
               </a:rPr>
               <a:t>方案优化</a:t>
             </a:r>
+            <a:endParaRPr lang="zh-CN" altLang="en-US" sz="1400" dirty="0">
+              <a:solidFill>
+                <a:schemeClr val="tx1"/>
+              </a:solidFill>
+            </a:endParaRPr>
           </a:p>
         </p:txBody>
       </p:sp>
       <p:cxnSp>
         <p:nvCxnSpPr>
-          <p:cNvPr id="9" name="连接符: 肘形 8">
-            <a:extLst>
-              <a:ext uri="{FF2B5EF4-FFF2-40B4-BE49-F238E27FC236}">
-                <a16:creationId xmlns:a16="http://schemas.microsoft.com/office/drawing/2014/main" id="{9733AC7F-E4D3-4D8B-A583-714DD65EFBD6}"/>
-              </a:ext>
-            </a:extLst>
-          </p:cNvPr>
+          <p:cNvPr id="9" name="连接符: 肘形 8"/>
           <p:cNvCxnSpPr>
-            <a:cxnSpLocks/>
             <a:stCxn id="6" idx="2"/>
             <a:endCxn id="8" idx="1"/>
           </p:cNvCxnSpPr>
           <p:nvPr/>
         </p:nvCxnSpPr>
         <p:spPr>
-          <a:xfrm rot="16200000" flipH="1">
-            <a:off x="395765" y="3318244"/>
-            <a:ext cx="3551870" cy="1203159"/>
+          <a:xfrm rot="5400000" flipV="1">
+            <a:off x="-474980" y="3465830"/>
+            <a:ext cx="3442970" cy="800100"/>
           </a:xfrm>
           <a:prstGeom prst="bentConnector2">
             <a:avLst/>
@@ -6074,19 +8162,13 @@
       </p:cxnSp>
       <p:sp>
         <p:nvSpPr>
-          <p:cNvPr id="10" name="矩形 9">
-            <a:extLst>
-              <a:ext uri="{FF2B5EF4-FFF2-40B4-BE49-F238E27FC236}">
-                <a16:creationId xmlns:a16="http://schemas.microsoft.com/office/drawing/2014/main" id="{4F87FA76-7BB4-4D63-B703-A60D94E14F25}"/>
-              </a:ext>
-            </a:extLst>
-          </p:cNvPr>
+          <p:cNvPr id="10" name="矩形 9"/>
           <p:cNvSpPr/>
           <p:nvPr/>
         </p:nvSpPr>
         <p:spPr>
           <a:xfrm>
-            <a:off x="2370221" y="2432987"/>
+            <a:off x="1646321" y="2432987"/>
             <a:ext cx="1576136" cy="697832"/>
           </a:xfrm>
           <a:prstGeom prst="rect">
@@ -6148,26 +8230,23 @@
               </a:rPr>
               <a:t>）</a:t>
             </a:r>
+            <a:endParaRPr lang="zh-CN" altLang="en-US" sz="1400" dirty="0">
+              <a:solidFill>
+                <a:schemeClr val="tx1"/>
+              </a:solidFill>
+            </a:endParaRPr>
           </a:p>
         </p:txBody>
       </p:sp>
       <p:cxnSp>
         <p:nvCxnSpPr>
-          <p:cNvPr id="11" name="直接连接符 10">
-            <a:extLst>
-              <a:ext uri="{FF2B5EF4-FFF2-40B4-BE49-F238E27FC236}">
-                <a16:creationId xmlns:a16="http://schemas.microsoft.com/office/drawing/2014/main" id="{6DFA708F-B685-42C7-B40C-DDE30EB7B685}"/>
-              </a:ext>
-            </a:extLst>
-          </p:cNvPr>
-          <p:cNvCxnSpPr>
-            <a:cxnSpLocks/>
-          </p:cNvCxnSpPr>
+          <p:cNvPr id="11" name="直接连接符 10"/>
+          <p:cNvCxnSpPr/>
           <p:nvPr/>
         </p:nvCxnSpPr>
         <p:spPr>
           <a:xfrm flipH="1">
-            <a:off x="1570122" y="2763856"/>
+            <a:off x="846222" y="2763856"/>
             <a:ext cx="800099" cy="0"/>
           </a:xfrm>
           <a:prstGeom prst="line">
@@ -6196,28 +8275,223 @@
       </p:cxnSp>
       <p:cxnSp>
         <p:nvCxnSpPr>
-          <p:cNvPr id="12" name="连接符: 肘形 11">
-            <a:extLst>
-              <a:ext uri="{FF2B5EF4-FFF2-40B4-BE49-F238E27FC236}">
-                <a16:creationId xmlns:a16="http://schemas.microsoft.com/office/drawing/2014/main" id="{006F814E-384B-4362-A0CA-B92ABE472255}"/>
-              </a:ext>
-            </a:extLst>
-          </p:cNvPr>
+          <p:cNvPr id="12" name="连接符: 肘形 11"/>
           <p:cNvCxnSpPr>
-            <a:cxnSpLocks/>
             <a:stCxn id="10" idx="2"/>
           </p:cNvCxnSpPr>
           <p:nvPr/>
         </p:nvCxnSpPr>
         <p:spPr>
           <a:xfrm rot="16200000" flipH="1">
-            <a:off x="4002400" y="2286708"/>
+            <a:off x="3278500" y="2286708"/>
             <a:ext cx="441366" cy="2129588"/>
           </a:xfrm>
           <a:prstGeom prst="bentConnector2">
             <a:avLst/>
           </a:prstGeom>
           <a:ln w="9525">
+            <a:solidFill>
+              <a:schemeClr val="tx1"/>
+            </a:solidFill>
+          </a:ln>
+        </p:spPr>
+        <p:style>
+          <a:lnRef idx="1">
+            <a:schemeClr val="accent1"/>
+          </a:lnRef>
+          <a:fillRef idx="0">
+            <a:schemeClr val="accent1"/>
+          </a:fillRef>
+          <a:effectRef idx="0">
+            <a:schemeClr val="accent1"/>
+          </a:effectRef>
+          <a:fontRef idx="minor">
+            <a:schemeClr val="tx1"/>
+          </a:fontRef>
+        </p:style>
+      </p:cxnSp>
+      <p:sp>
+        <p:nvSpPr>
+          <p:cNvPr id="15" name="矩形 14"/>
+          <p:cNvSpPr/>
+          <p:nvPr/>
+        </p:nvSpPr>
+        <p:spPr>
+          <a:xfrm>
+            <a:off x="1646789" y="3634511"/>
+            <a:ext cx="1576135" cy="697832"/>
+          </a:xfrm>
+          <a:prstGeom prst="rect">
+            <a:avLst/>
+          </a:prstGeom>
+          <a:solidFill>
+            <a:schemeClr val="bg1">
+              <a:lumMod val="85000"/>
+            </a:schemeClr>
+          </a:solidFill>
+          <a:ln>
+            <a:noFill/>
+          </a:ln>
+        </p:spPr>
+        <p:style>
+          <a:lnRef idx="2">
+            <a:schemeClr val="accent1">
+              <a:shade val="50000"/>
+            </a:schemeClr>
+          </a:lnRef>
+          <a:fillRef idx="1">
+            <a:schemeClr val="accent1"/>
+          </a:fillRef>
+          <a:effectRef idx="0">
+            <a:schemeClr val="accent1"/>
+          </a:effectRef>
+          <a:fontRef idx="minor">
+            <a:schemeClr val="lt1"/>
+          </a:fontRef>
+        </p:style>
+        <p:txBody>
+          <a:bodyPr rtlCol="0" anchor="ctr"/>
+          <a:lstStyle/>
+          <a:p>
+            <a:pPr algn="ctr"/>
+            <a:r>
+              <a:rPr lang="zh-CN" altLang="en-US" sz="1400" dirty="0">
+                <a:solidFill>
+                  <a:schemeClr val="tx1"/>
+                </a:solidFill>
+              </a:rPr>
+              <a:t>核心加密方案</a:t>
+            </a:r>
+            <a:endParaRPr lang="zh-CN" altLang="en-US" sz="1400" dirty="0">
+              <a:solidFill>
+                <a:schemeClr val="tx1"/>
+              </a:solidFill>
+            </a:endParaRPr>
+          </a:p>
+        </p:txBody>
+      </p:sp>
+      <p:sp>
+        <p:nvSpPr>
+          <p:cNvPr id="20" name="文本框 19"/>
+          <p:cNvSpPr txBox="1"/>
+          <p:nvPr/>
+        </p:nvSpPr>
+        <p:spPr>
+          <a:xfrm>
+            <a:off x="2804860" y="3282900"/>
+            <a:ext cx="1325480" cy="307777"/>
+          </a:xfrm>
+          <a:prstGeom prst="rect">
+            <a:avLst/>
+          </a:prstGeom>
+          <a:noFill/>
+        </p:spPr>
+        <p:txBody>
+          <a:bodyPr wrap="square" rtlCol="0">
+            <a:spAutoFit/>
+          </a:bodyPr>
+          <a:lstStyle/>
+          <a:p>
+            <a:r>
+              <a:rPr lang="zh-CN" altLang="en-US" sz="1400" dirty="0"/>
+              <a:t>提及基本原理</a:t>
+            </a:r>
+            <a:endParaRPr lang="zh-CN" altLang="en-US" sz="1400" dirty="0"/>
+          </a:p>
+        </p:txBody>
+      </p:sp>
+      <p:cxnSp>
+        <p:nvCxnSpPr>
+          <p:cNvPr id="31" name="连接符: 肘形 30"/>
+          <p:cNvCxnSpPr/>
+          <p:nvPr/>
+        </p:nvCxnSpPr>
+        <p:spPr>
+          <a:xfrm rot="16200000" flipH="1">
+            <a:off x="4567887" y="2734534"/>
+            <a:ext cx="441366" cy="2129588"/>
+          </a:xfrm>
+          <a:prstGeom prst="bentConnector2">
+            <a:avLst/>
+          </a:prstGeom>
+          <a:ln w="9525">
+            <a:solidFill>
+              <a:schemeClr val="tx1"/>
+            </a:solidFill>
+          </a:ln>
+        </p:spPr>
+        <p:style>
+          <a:lnRef idx="1">
+            <a:schemeClr val="accent1"/>
+          </a:lnRef>
+          <a:fillRef idx="0">
+            <a:schemeClr val="accent1"/>
+          </a:fillRef>
+          <a:effectRef idx="0">
+            <a:schemeClr val="accent1"/>
+          </a:effectRef>
+          <a:fontRef idx="minor">
+            <a:schemeClr val="tx1"/>
+          </a:fontRef>
+        </p:style>
+      </p:cxnSp>
+      <p:sp>
+        <p:nvSpPr>
+          <p:cNvPr id="33" name="文本框 32"/>
+          <p:cNvSpPr txBox="1"/>
+          <p:nvPr/>
+        </p:nvSpPr>
+        <p:spPr>
+          <a:xfrm>
+            <a:off x="3848429" y="3735021"/>
+            <a:ext cx="2062415" cy="307777"/>
+          </a:xfrm>
+          <a:prstGeom prst="rect">
+            <a:avLst/>
+          </a:prstGeom>
+          <a:noFill/>
+        </p:spPr>
+        <p:txBody>
+          <a:bodyPr wrap="square" rtlCol="0">
+            <a:spAutoFit/>
+          </a:bodyPr>
+          <a:lstStyle/>
+          <a:p>
+            <a:r>
+              <a:rPr lang="zh-CN" altLang="en-US" sz="1400" dirty="0"/>
+              <a:t>与前人工作区别</a:t>
+            </a:r>
+            <a:r>
+              <a:rPr lang="en-US" altLang="zh-CN" sz="1400" dirty="0"/>
+              <a:t>(</a:t>
+            </a:r>
+            <a:r>
+              <a:rPr lang="zh-CN" altLang="en-US" sz="1400" dirty="0"/>
+              <a:t>无自举</a:t>
+            </a:r>
+            <a:r>
+              <a:rPr lang="en-US" altLang="zh-CN" sz="1400" dirty="0"/>
+              <a:t>)</a:t>
+            </a:r>
+            <a:endParaRPr lang="zh-CN" altLang="en-US" sz="1400" dirty="0"/>
+          </a:p>
+        </p:txBody>
+      </p:sp>
+      <p:cxnSp>
+        <p:nvCxnSpPr>
+          <p:cNvPr id="2" name="直接连接符 1"/>
+          <p:cNvCxnSpPr/>
+          <p:nvPr/>
+        </p:nvCxnSpPr>
+        <p:spPr>
+          <a:xfrm flipH="1">
+            <a:off x="846222" y="3983056"/>
+            <a:ext cx="800099" cy="0"/>
+          </a:xfrm>
+          <a:prstGeom prst="line">
+            <a:avLst/>
+          </a:prstGeom>
+          <a:ln w="12700">
             <a:solidFill>
               <a:schemeClr val="tx1"/>
             </a:solidFill>
@@ -6240,27 +8514,48 @@
       </p:cxnSp>
       <p:cxnSp>
         <p:nvCxnSpPr>
-          <p:cNvPr id="14" name="连接符: 肘形 13">
-            <a:extLst>
-              <a:ext uri="{FF2B5EF4-FFF2-40B4-BE49-F238E27FC236}">
-                <a16:creationId xmlns:a16="http://schemas.microsoft.com/office/drawing/2014/main" id="{77514B79-7959-4714-B41E-2DDEC8C9452B}"/>
-              </a:ext>
-            </a:extLst>
-          </p:cNvPr>
-          <p:cNvCxnSpPr>
-            <a:cxnSpLocks/>
-          </p:cNvCxnSpPr>
+          <p:cNvPr id="4" name="连接符: 肘形 17"/>
+          <p:cNvCxnSpPr/>
           <p:nvPr/>
         </p:nvCxnSpPr>
         <p:spPr>
+          <a:xfrm rot="16200000" flipH="1">
+            <a:off x="2955224" y="3809172"/>
+            <a:ext cx="697830" cy="1738565"/>
+          </a:xfrm>
+          <a:prstGeom prst="bentConnector2">
+            <a:avLst/>
+          </a:prstGeom>
+          <a:ln w="9525"/>
+        </p:spPr>
+        <p:style>
+          <a:lnRef idx="1">
+            <a:schemeClr val="dk1"/>
+          </a:lnRef>
+          <a:fillRef idx="0">
+            <a:schemeClr val="dk1"/>
+          </a:fillRef>
+          <a:effectRef idx="0">
+            <a:schemeClr val="dk1"/>
+          </a:effectRef>
+          <a:fontRef idx="minor">
+            <a:schemeClr val="tx1"/>
+          </a:fontRef>
+        </p:style>
+      </p:cxnSp>
+      <p:cxnSp>
+        <p:nvCxnSpPr>
+          <p:cNvPr id="5" name="直接连接符 4"/>
+          <p:cNvCxnSpPr/>
+          <p:nvPr/>
+        </p:nvCxnSpPr>
+        <p:spPr>
           <a:xfrm>
-            <a:off x="7272080" y="3066825"/>
-            <a:ext cx="2240881" cy="441367"/>
-          </a:xfrm>
-          <a:prstGeom prst="bentConnector3">
-            <a:avLst>
-              <a:gd name="adj1" fmla="val 50000"/>
-            </a:avLst>
+            <a:off x="2434856" y="4565349"/>
+            <a:ext cx="1738565" cy="6016"/>
+          </a:xfrm>
+          <a:prstGeom prst="line">
+            <a:avLst/>
           </a:prstGeom>
           <a:ln w="9525">
             <a:solidFill>
@@ -6285,20 +8580,108 @@
       </p:cxnSp>
       <p:sp>
         <p:nvSpPr>
-          <p:cNvPr id="15" name="矩形 14">
-            <a:extLst>
-              <a:ext uri="{FF2B5EF4-FFF2-40B4-BE49-F238E27FC236}">
-                <a16:creationId xmlns:a16="http://schemas.microsoft.com/office/drawing/2014/main" id="{768ECD29-712F-4C80-9A01-BAB8D38F0BC5}"/>
-              </a:ext>
-            </a:extLst>
-          </p:cNvPr>
+          <p:cNvPr id="13" name="文本框 12"/>
+          <p:cNvSpPr txBox="1"/>
+          <p:nvPr/>
+        </p:nvSpPr>
+        <p:spPr>
+          <a:xfrm>
+            <a:off x="2434590" y="4326255"/>
+            <a:ext cx="1892300" cy="306705"/>
+          </a:xfrm>
+          <a:prstGeom prst="rect">
+            <a:avLst/>
+          </a:prstGeom>
+          <a:noFill/>
+        </p:spPr>
+        <p:txBody>
+          <a:bodyPr wrap="square" rtlCol="0">
+            <a:spAutoFit/>
+          </a:bodyPr>
+          <a:p>
+            <a:r>
+              <a:rPr lang="en-US" altLang="zh-CN" sz="1400" dirty="0"/>
+              <a:t>LWE</a:t>
+            </a:r>
+            <a:r>
+              <a:rPr lang="zh-CN" altLang="en-US" sz="1400" dirty="0"/>
+              <a:t>方案</a:t>
+            </a:r>
+            <a:r>
+              <a:rPr lang="en-US" altLang="zh-CN" sz="1400" dirty="0"/>
+              <a:t> </a:t>
+            </a:r>
+            <a:r>
+              <a:rPr lang="zh-CN" altLang="en-US" sz="1400" dirty="0"/>
+              <a:t>性能及</a:t>
+            </a:r>
+            <a:r>
+              <a:rPr lang="zh-CN" altLang="en-US" sz="1400" dirty="0"/>
+              <a:t>安全</a:t>
+            </a:r>
+            <a:endParaRPr lang="zh-CN" altLang="en-US" sz="1400" dirty="0"/>
+          </a:p>
+        </p:txBody>
+      </p:sp>
+      <p:sp>
+        <p:nvSpPr>
+          <p:cNvPr id="24" name="文本框 23"/>
+          <p:cNvSpPr txBox="1"/>
+          <p:nvPr/>
+        </p:nvSpPr>
+        <p:spPr>
+          <a:xfrm>
+            <a:off x="2434590" y="4791710"/>
+            <a:ext cx="2081530" cy="306705"/>
+          </a:xfrm>
+          <a:prstGeom prst="rect">
+            <a:avLst/>
+          </a:prstGeom>
+          <a:noFill/>
+        </p:spPr>
+        <p:txBody>
+          <a:bodyPr wrap="square" rtlCol="0">
+            <a:spAutoFit/>
+          </a:bodyPr>
+          <a:p>
+            <a:r>
+              <a:rPr lang="zh-CN" altLang="en-US" sz="1400" dirty="0"/>
+              <a:t>环</a:t>
+            </a:r>
+            <a:r>
+              <a:rPr lang="en-US" altLang="zh-CN" sz="1400" dirty="0"/>
+              <a:t>LWE</a:t>
+            </a:r>
+            <a:r>
+              <a:rPr lang="zh-CN" altLang="en-US" sz="1400" dirty="0"/>
+              <a:t>方案</a:t>
+            </a:r>
+            <a:r>
+              <a:rPr lang="en-US" altLang="zh-CN" sz="1400" dirty="0"/>
+              <a:t> </a:t>
+            </a:r>
+            <a:r>
+              <a:rPr lang="zh-CN" altLang="en-US" sz="1400" dirty="0"/>
+              <a:t>性能及</a:t>
+            </a:r>
+            <a:r>
+              <a:rPr lang="zh-CN" altLang="en-US" sz="1400" dirty="0"/>
+              <a:t>安全</a:t>
+            </a:r>
+            <a:endParaRPr lang="zh-CN" altLang="en-US" sz="1400" dirty="0"/>
+          </a:p>
+        </p:txBody>
+      </p:sp>
+      <p:sp>
+        <p:nvSpPr>
+          <p:cNvPr id="28" name="矩形 27"/>
           <p:cNvSpPr/>
           <p:nvPr/>
         </p:nvSpPr>
         <p:spPr>
           <a:xfrm>
-            <a:off x="2773279" y="3880891"/>
-            <a:ext cx="1576135" cy="697832"/>
+            <a:off x="1646790" y="6075823"/>
+            <a:ext cx="1576134" cy="697832"/>
           </a:xfrm>
           <a:prstGeom prst="rect">
             <a:avLst/>
@@ -6330,7 +8713,6 @@
         </p:style>
         <p:txBody>
           <a:bodyPr rtlCol="0" anchor="ctr"/>
-          <a:lstStyle/>
           <a:p>
             <a:pPr algn="ctr"/>
             <a:r>
@@ -6339,20 +8721,427 @@
                   <a:schemeClr val="tx1"/>
                 </a:solidFill>
               </a:rPr>
-              <a:t>核心加密方案</a:t>
-            </a:r>
+              <a:t>本文核心创新</a:t>
+            </a:r>
+            <a:r>
+              <a:rPr lang="zh-CN" altLang="en-US" sz="1400" dirty="0">
+                <a:solidFill>
+                  <a:schemeClr val="tx1"/>
+                </a:solidFill>
+              </a:rPr>
+              <a:t>点</a:t>
+            </a:r>
+            <a:endParaRPr lang="zh-CN" altLang="en-US" sz="1400" dirty="0">
+              <a:solidFill>
+                <a:schemeClr val="tx1"/>
+              </a:solidFill>
+            </a:endParaRPr>
           </a:p>
         </p:txBody>
       </p:sp>
       <p:cxnSp>
         <p:nvCxnSpPr>
-          <p:cNvPr id="16" name="直接连接符 15">
+          <p:cNvPr id="29" name="肘形连接符 28"/>
+          <p:cNvCxnSpPr/>
+          <p:nvPr/>
+        </p:nvCxnSpPr>
+        <p:spPr>
+          <a:xfrm rot="5400000" flipV="1">
+            <a:off x="826135" y="5597525"/>
+            <a:ext cx="847725" cy="805815"/>
+          </a:xfrm>
+          <a:prstGeom prst="bentConnector2">
+            <a:avLst/>
+          </a:prstGeom>
+          <a:ln>
+            <a:solidFill>
+              <a:schemeClr val="tx1"/>
+            </a:solidFill>
+          </a:ln>
+        </p:spPr>
+        <p:style>
+          <a:lnRef idx="2">
+            <a:schemeClr val="accent1"/>
+          </a:lnRef>
+          <a:fillRef idx="0">
+            <a:srgbClr val="FFFFFF"/>
+          </a:fillRef>
+          <a:effectRef idx="0">
+            <a:srgbClr val="FFFFFF"/>
+          </a:effectRef>
+          <a:fontRef idx="minor">
+            <a:schemeClr val="tx1"/>
+          </a:fontRef>
+        </p:style>
+      </p:cxnSp>
+      <p:pic>
+        <p:nvPicPr>
+          <p:cNvPr id="30" name="图片 29"/>
+          <p:cNvPicPr>
+            <a:picLocks noChangeAspect="1"/>
+          </p:cNvPicPr>
+          <p:nvPr/>
+        </p:nvPicPr>
+        <p:blipFill>
+          <a:blip r:embed="rId2"/>
+          <a:stretch>
+            <a:fillRect/>
+          </a:stretch>
+        </p:blipFill>
+        <p:spPr>
+          <a:xfrm>
+            <a:off x="5828665" y="1422400"/>
+            <a:ext cx="6363335" cy="4551680"/>
+          </a:xfrm>
+          <a:prstGeom prst="rect">
+            <a:avLst/>
+          </a:prstGeom>
+        </p:spPr>
+      </p:pic>
+    </p:spTree>
+  </p:cSld>
+  <p:clrMapOvr>
+    <a:masterClrMapping/>
+  </p:clrMapOvr>
+</p:sld>
+</file>
+
+<file path=ppt/slides/slide5.xml><?xml version="1.0" encoding="utf-8"?>
+<p:sld xmlns:a="http://schemas.openxmlformats.org/drawingml/2006/main" xmlns:r="http://schemas.openxmlformats.org/officeDocument/2006/relationships" xmlns:p="http://schemas.openxmlformats.org/presentationml/2006/main">
+  <p:cSld>
+    <p:spTree>
+      <p:nvGrpSpPr>
+        <p:cNvPr id="1" name=""/>
+        <p:cNvGrpSpPr/>
+        <p:nvPr/>
+      </p:nvGrpSpPr>
+      <p:grpSpPr>
+        <a:xfrm>
+          <a:off x="0" y="0"/>
+          <a:ext cx="0" cy="0"/>
+          <a:chOff x="0" y="0"/>
+          <a:chExt cx="0" cy="0"/>
+        </a:xfrm>
+      </p:grpSpPr>
+      <p:pic>
+        <p:nvPicPr>
+          <p:cNvPr id="7" name="图片 6"/>
+          <p:cNvPicPr>
+            <a:picLocks noChangeAspect="1"/>
+          </p:cNvPicPr>
+          <p:nvPr/>
+        </p:nvPicPr>
+        <p:blipFill>
+          <a:blip r:embed="rId1">
             <a:extLst>
-              <a:ext uri="{FF2B5EF4-FFF2-40B4-BE49-F238E27FC236}">
-                <a16:creationId xmlns:a16="http://schemas.microsoft.com/office/drawing/2014/main" id="{BF645763-CEF4-40B0-BD9B-2C63D8A0A9BB}"/>
+              <a:ext uri="{28A0092B-C50C-407E-A947-70E740481C1C}">
+                <a14:useLocalDpi xmlns:a14="http://schemas.microsoft.com/office/drawing/2010/main" val="0"/>
               </a:ext>
             </a:extLst>
-          </p:cNvPr>
+          </a:blip>
+          <a:stretch>
+            <a:fillRect/>
+          </a:stretch>
+        </p:blipFill>
+        <p:spPr>
+          <a:xfrm>
+            <a:off x="98216" y="114458"/>
+            <a:ext cx="3782447" cy="795514"/>
+          </a:xfrm>
+          <a:prstGeom prst="rect">
+            <a:avLst/>
+          </a:prstGeom>
+        </p:spPr>
+      </p:pic>
+      <p:sp>
+        <p:nvSpPr>
+          <p:cNvPr id="3" name="文本框 2"/>
+          <p:cNvSpPr txBox="1"/>
+          <p:nvPr/>
+        </p:nvSpPr>
+        <p:spPr>
+          <a:xfrm>
+            <a:off x="505326" y="1052763"/>
+            <a:ext cx="1431758" cy="368300"/>
+          </a:xfrm>
+          <a:prstGeom prst="rect">
+            <a:avLst/>
+          </a:prstGeom>
+          <a:noFill/>
+        </p:spPr>
+        <p:txBody>
+          <a:bodyPr wrap="square" rtlCol="0">
+            <a:spAutoFit/>
+          </a:bodyPr>
+          <a:lstStyle/>
+          <a:p>
+            <a:r>
+              <a:rPr lang="en-US" altLang="zh-CN" b="1" dirty="0">
+                <a:latin typeface="Times New Roman" panose="02020603050405020304" pitchFamily="18" charset="0"/>
+                <a:cs typeface="Times New Roman" panose="02020603050405020304" pitchFamily="18" charset="0"/>
+              </a:rPr>
+              <a:t>GSW13</a:t>
+            </a:r>
+            <a:r>
+              <a:rPr lang="zh-CN" altLang="en-US" b="1" dirty="0">
+                <a:latin typeface="Times New Roman" panose="02020603050405020304" pitchFamily="18" charset="0"/>
+                <a:cs typeface="Times New Roman" panose="02020603050405020304" pitchFamily="18" charset="0"/>
+              </a:rPr>
+              <a:t>摘要</a:t>
+            </a:r>
+            <a:endParaRPr lang="zh-CN" altLang="en-US" b="1" dirty="0">
+              <a:latin typeface="Times New Roman" panose="02020603050405020304" pitchFamily="18" charset="0"/>
+              <a:cs typeface="Times New Roman" panose="02020603050405020304" pitchFamily="18" charset="0"/>
+            </a:endParaRPr>
+          </a:p>
+        </p:txBody>
+      </p:sp>
+      <p:sp>
+        <p:nvSpPr>
+          <p:cNvPr id="4" name="矩形: 圆角 3"/>
+          <p:cNvSpPr/>
+          <p:nvPr/>
+        </p:nvSpPr>
+        <p:spPr>
+          <a:xfrm>
+            <a:off x="358942" y="1488168"/>
+            <a:ext cx="1431758" cy="655721"/>
+          </a:xfrm>
+          <a:prstGeom prst="roundRect">
+            <a:avLst/>
+          </a:prstGeom>
+          <a:ln>
+            <a:noFill/>
+          </a:ln>
+        </p:spPr>
+        <p:style>
+          <a:lnRef idx="2">
+            <a:schemeClr val="accent1">
+              <a:shade val="50000"/>
+            </a:schemeClr>
+          </a:lnRef>
+          <a:fillRef idx="1">
+            <a:schemeClr val="accent1"/>
+          </a:fillRef>
+          <a:effectRef idx="0">
+            <a:schemeClr val="accent1"/>
+          </a:effectRef>
+          <a:fontRef idx="minor">
+            <a:schemeClr val="lt1"/>
+          </a:fontRef>
+        </p:style>
+        <p:txBody>
+          <a:bodyPr rtlCol="0" anchor="ctr"/>
+          <a:lstStyle/>
+          <a:p>
+            <a:pPr algn="ctr"/>
+            <a:r>
+              <a:rPr lang="zh-CN" altLang="en-US" dirty="0"/>
+              <a:t>摘要结构</a:t>
+            </a:r>
+            <a:endParaRPr lang="zh-CN" altLang="en-US" dirty="0"/>
+          </a:p>
+        </p:txBody>
+      </p:sp>
+      <p:sp>
+        <p:nvSpPr>
+          <p:cNvPr id="9" name="矩形 8"/>
+          <p:cNvSpPr/>
+          <p:nvPr/>
+        </p:nvSpPr>
+        <p:spPr>
+          <a:xfrm>
+            <a:off x="2277980" y="4788043"/>
+            <a:ext cx="1576134" cy="697832"/>
+          </a:xfrm>
+          <a:prstGeom prst="rect">
+            <a:avLst/>
+          </a:prstGeom>
+          <a:solidFill>
+            <a:schemeClr val="bg1">
+              <a:lumMod val="85000"/>
+            </a:schemeClr>
+          </a:solidFill>
+          <a:ln>
+            <a:noFill/>
+          </a:ln>
+        </p:spPr>
+        <p:style>
+          <a:lnRef idx="2">
+            <a:schemeClr val="accent1">
+              <a:shade val="50000"/>
+            </a:schemeClr>
+          </a:lnRef>
+          <a:fillRef idx="1">
+            <a:schemeClr val="accent1"/>
+          </a:fillRef>
+          <a:effectRef idx="0">
+            <a:schemeClr val="accent1"/>
+          </a:effectRef>
+          <a:fontRef idx="minor">
+            <a:schemeClr val="lt1"/>
+          </a:fontRef>
+        </p:style>
+        <p:txBody>
+          <a:bodyPr rtlCol="0" anchor="ctr"/>
+          <a:lstStyle/>
+          <a:p>
+            <a:pPr algn="ctr"/>
+            <a:r>
+              <a:rPr lang="zh-CN" altLang="en-US" sz="1400" dirty="0">
+                <a:solidFill>
+                  <a:schemeClr val="tx1"/>
+                </a:solidFill>
+              </a:rPr>
+              <a:t>第二特性</a:t>
+            </a:r>
+            <a:r>
+              <a:rPr lang="en-US" altLang="zh-CN" sz="1400" dirty="0">
+                <a:solidFill>
+                  <a:schemeClr val="tx1"/>
+                </a:solidFill>
+              </a:rPr>
+              <a:t>(</a:t>
+            </a:r>
+            <a:r>
+              <a:rPr lang="zh-CN" altLang="en-US" sz="1400" dirty="0">
+                <a:solidFill>
+                  <a:schemeClr val="tx1"/>
+                </a:solidFill>
+              </a:rPr>
+              <a:t>标题提及</a:t>
+            </a:r>
+            <a:r>
+              <a:rPr lang="en-US" altLang="zh-CN" sz="1400" dirty="0">
+                <a:solidFill>
+                  <a:schemeClr val="tx1"/>
+                </a:solidFill>
+              </a:rPr>
+              <a:t>)</a:t>
+            </a:r>
+            <a:endParaRPr lang="en-US" altLang="zh-CN" sz="1400" dirty="0">
+              <a:solidFill>
+                <a:schemeClr val="tx1"/>
+              </a:solidFill>
+            </a:endParaRPr>
+          </a:p>
+        </p:txBody>
+      </p:sp>
+      <p:cxnSp>
+        <p:nvCxnSpPr>
+          <p:cNvPr id="11" name="连接符: 肘形 10"/>
+          <p:cNvCxnSpPr>
+            <a:stCxn id="4" idx="2"/>
+            <a:endCxn id="9" idx="1"/>
+          </p:cNvCxnSpPr>
+          <p:nvPr/>
+        </p:nvCxnSpPr>
+        <p:spPr>
+          <a:xfrm rot="5400000" flipV="1">
+            <a:off x="180023" y="3039428"/>
+            <a:ext cx="2992755" cy="1202690"/>
+          </a:xfrm>
+          <a:prstGeom prst="bentConnector2">
+            <a:avLst/>
+          </a:prstGeom>
+          <a:ln w="12700"/>
+        </p:spPr>
+        <p:style>
+          <a:lnRef idx="1">
+            <a:schemeClr val="dk1"/>
+          </a:lnRef>
+          <a:fillRef idx="0">
+            <a:schemeClr val="dk1"/>
+          </a:fillRef>
+          <a:effectRef idx="0">
+            <a:schemeClr val="dk1"/>
+          </a:effectRef>
+          <a:fontRef idx="minor">
+            <a:schemeClr val="tx1"/>
+          </a:fontRef>
+        </p:style>
+      </p:cxnSp>
+      <p:sp>
+        <p:nvSpPr>
+          <p:cNvPr id="15" name="矩形 14"/>
+          <p:cNvSpPr/>
+          <p:nvPr/>
+        </p:nvSpPr>
+        <p:spPr>
+          <a:xfrm>
+            <a:off x="2277980" y="2414940"/>
+            <a:ext cx="1576136" cy="697832"/>
+          </a:xfrm>
+          <a:prstGeom prst="rect">
+            <a:avLst/>
+          </a:prstGeom>
+          <a:solidFill>
+            <a:schemeClr val="bg1">
+              <a:lumMod val="85000"/>
+            </a:schemeClr>
+          </a:solidFill>
+          <a:ln>
+            <a:noFill/>
+          </a:ln>
+        </p:spPr>
+        <p:style>
+          <a:lnRef idx="2">
+            <a:schemeClr val="accent1">
+              <a:shade val="50000"/>
+            </a:schemeClr>
+          </a:lnRef>
+          <a:fillRef idx="1">
+            <a:schemeClr val="accent1"/>
+          </a:fillRef>
+          <a:effectRef idx="0">
+            <a:schemeClr val="accent1"/>
+          </a:effectRef>
+          <a:fontRef idx="minor">
+            <a:schemeClr val="lt1"/>
+          </a:fontRef>
+        </p:style>
+        <p:txBody>
+          <a:bodyPr rtlCol="0" anchor="ctr"/>
+          <a:lstStyle/>
+          <a:p>
+            <a:pPr algn="ctr"/>
+            <a:r>
+              <a:rPr lang="zh-CN" altLang="en-US" sz="1400" dirty="0">
+                <a:solidFill>
+                  <a:schemeClr val="tx1"/>
+                </a:solidFill>
+              </a:rPr>
+              <a:t>总览本文工作（</a:t>
+            </a:r>
+            <a:r>
+              <a:rPr lang="en-US" altLang="zh-CN" sz="1400" dirty="0">
+                <a:solidFill>
+                  <a:schemeClr val="tx1"/>
+                </a:solidFill>
+                <a:latin typeface="Times New Roman" panose="02020603050405020304" pitchFamily="18" charset="0"/>
+                <a:cs typeface="Times New Roman" panose="02020603050405020304" pitchFamily="18" charset="0"/>
+              </a:rPr>
+              <a:t>propose scheme</a:t>
+            </a:r>
+            <a:r>
+              <a:rPr lang="zh-CN" altLang="en-US" sz="1400" dirty="0">
+                <a:solidFill>
+                  <a:schemeClr val="tx1"/>
+                </a:solidFill>
+              </a:rPr>
+              <a:t>）</a:t>
+            </a:r>
+            <a:endParaRPr lang="zh-CN" altLang="en-US" sz="1400" dirty="0">
+              <a:solidFill>
+                <a:schemeClr val="tx1"/>
+              </a:solidFill>
+            </a:endParaRPr>
+          </a:p>
+        </p:txBody>
+      </p:sp>
+      <p:cxnSp>
+        <p:nvCxnSpPr>
+          <p:cNvPr id="18" name="直接连接符 17"/>
           <p:cNvCxnSpPr>
             <a:stCxn id="15" idx="1"/>
           </p:cNvCxnSpPr>
@@ -6360,13 +9149,13 @@
         </p:nvCxnSpPr>
         <p:spPr>
           <a:xfrm flipH="1">
-            <a:off x="1570121" y="4229807"/>
-            <a:ext cx="1203158" cy="10132"/>
+            <a:off x="1074822" y="2763856"/>
+            <a:ext cx="1203158" cy="0"/>
           </a:xfrm>
           <a:prstGeom prst="line">
             <a:avLst/>
           </a:prstGeom>
-          <a:ln w="9525">
+          <a:ln w="12700">
             <a:solidFill>
               <a:schemeClr val="tx1"/>
             </a:solidFill>
@@ -6389,27 +9178,19 @@
       </p:cxnSp>
       <p:cxnSp>
         <p:nvCxnSpPr>
-          <p:cNvPr id="17" name="连接符: 肘形 16">
-            <a:extLst>
-              <a:ext uri="{FF2B5EF4-FFF2-40B4-BE49-F238E27FC236}">
-                <a16:creationId xmlns:a16="http://schemas.microsoft.com/office/drawing/2014/main" id="{B60A7B8C-9977-4EFB-8EB6-F54233F97219}"/>
-              </a:ext>
-            </a:extLst>
-          </p:cNvPr>
+          <p:cNvPr id="21" name="连接符: 肘形 20"/>
           <p:cNvCxnSpPr>
-            <a:cxnSpLocks/>
+            <a:stCxn id="15" idx="2"/>
           </p:cNvCxnSpPr>
           <p:nvPr/>
         </p:nvCxnSpPr>
         <p:spPr>
-          <a:xfrm>
-            <a:off x="7802478" y="3063451"/>
-            <a:ext cx="2240881" cy="441367"/>
-          </a:xfrm>
-          <a:prstGeom prst="bentConnector3">
-            <a:avLst>
-              <a:gd name="adj1" fmla="val 50000"/>
-            </a:avLst>
+          <a:xfrm rot="16200000" flipH="1">
+            <a:off x="3910159" y="2268661"/>
+            <a:ext cx="441366" cy="2129588"/>
+          </a:xfrm>
+          <a:prstGeom prst="bentConnector2">
+            <a:avLst/>
           </a:prstGeom>
           <a:ln w="9525">
             <a:solidFill>
@@ -6432,25 +9213,187 @@
           </a:fontRef>
         </p:style>
       </p:cxnSp>
+      <p:sp>
+        <p:nvSpPr>
+          <p:cNvPr id="22" name="文本框 21"/>
+          <p:cNvSpPr txBox="1"/>
+          <p:nvPr/>
+        </p:nvSpPr>
+        <p:spPr>
+          <a:xfrm>
+            <a:off x="3173864" y="3264409"/>
+            <a:ext cx="2412332" cy="306705"/>
+          </a:xfrm>
+          <a:prstGeom prst="rect">
+            <a:avLst/>
+          </a:prstGeom>
+          <a:noFill/>
+        </p:spPr>
+        <p:txBody>
+          <a:bodyPr wrap="square" rtlCol="0">
+            <a:spAutoFit/>
+          </a:bodyPr>
+          <a:lstStyle/>
+          <a:p>
+            <a:r>
+              <a:rPr lang="zh-CN" altLang="en-US" sz="1400" dirty="0"/>
+              <a:t>前人工作中的乘法</a:t>
+            </a:r>
+            <a:r>
+              <a:rPr lang="zh-CN" altLang="en-US" sz="1400" dirty="0"/>
+              <a:t>复杂</a:t>
+            </a:r>
+            <a:endParaRPr lang="zh-CN" altLang="en-US" sz="1400" dirty="0"/>
+          </a:p>
+        </p:txBody>
+      </p:sp>
       <p:cxnSp>
         <p:nvCxnSpPr>
-          <p:cNvPr id="18" name="连接符: 肘形 17">
-            <a:extLst>
-              <a:ext uri="{FF2B5EF4-FFF2-40B4-BE49-F238E27FC236}">
-                <a16:creationId xmlns:a16="http://schemas.microsoft.com/office/drawing/2014/main" id="{8973130D-FF90-40A1-BBAE-E833A1557461}"/>
-              </a:ext>
-            </a:extLst>
-          </p:cNvPr>
-          <p:cNvCxnSpPr>
-            <a:cxnSpLocks/>
-            <a:stCxn id="8" idx="2"/>
-          </p:cNvCxnSpPr>
+          <p:cNvPr id="25" name="连接符: 肘形 24"/>
+          <p:cNvCxnSpPr/>
           <p:nvPr/>
         </p:nvCxnSpPr>
         <p:spPr>
           <a:xfrm rot="16200000" flipH="1">
-            <a:off x="4081714" y="5524307"/>
-            <a:ext cx="697830" cy="1738565"/>
+            <a:off x="4974953" y="2654381"/>
+            <a:ext cx="441367" cy="2240881"/>
+          </a:xfrm>
+          <a:prstGeom prst="bentConnector2">
+            <a:avLst/>
+          </a:prstGeom>
+          <a:ln w="9525">
+            <a:solidFill>
+              <a:schemeClr val="tx1"/>
+            </a:solidFill>
+          </a:ln>
+        </p:spPr>
+        <p:style>
+          <a:lnRef idx="1">
+            <a:schemeClr val="accent1"/>
+          </a:lnRef>
+          <a:fillRef idx="0">
+            <a:schemeClr val="accent1"/>
+          </a:fillRef>
+          <a:effectRef idx="0">
+            <a:schemeClr val="accent1"/>
+          </a:effectRef>
+          <a:fontRef idx="minor">
+            <a:schemeClr val="tx1"/>
+          </a:fontRef>
+        </p:style>
+      </p:cxnSp>
+      <p:sp>
+        <p:nvSpPr>
+          <p:cNvPr id="26" name="文本框 25"/>
+          <p:cNvSpPr txBox="1"/>
+          <p:nvPr/>
+        </p:nvSpPr>
+        <p:spPr>
+          <a:xfrm>
+            <a:off x="4277995" y="3723640"/>
+            <a:ext cx="2423795" cy="306705"/>
+          </a:xfrm>
+          <a:prstGeom prst="rect">
+            <a:avLst/>
+          </a:prstGeom>
+          <a:noFill/>
+        </p:spPr>
+        <p:txBody>
+          <a:bodyPr wrap="square" rtlCol="0">
+            <a:spAutoFit/>
+          </a:bodyPr>
+          <a:lstStyle/>
+          <a:p>
+            <a:r>
+              <a:rPr lang="zh-CN" altLang="en-US" sz="1400" dirty="0"/>
+              <a:t>提出近似特征向量</a:t>
+            </a:r>
+            <a:r>
+              <a:rPr lang="zh-CN" altLang="en-US" sz="1400" dirty="0"/>
+              <a:t>方案</a:t>
+            </a:r>
+            <a:endParaRPr lang="zh-CN" altLang="en-US" sz="1400" dirty="0"/>
+          </a:p>
+        </p:txBody>
+      </p:sp>
+      <p:cxnSp>
+        <p:nvCxnSpPr>
+          <p:cNvPr id="2" name="连接符: 肘形 20"/>
+          <p:cNvCxnSpPr/>
+          <p:nvPr/>
+        </p:nvCxnSpPr>
+        <p:spPr>
+          <a:xfrm rot="16200000" flipH="1">
+            <a:off x="3910159" y="4635941"/>
+            <a:ext cx="441366" cy="2129588"/>
+          </a:xfrm>
+          <a:prstGeom prst="bentConnector2">
+            <a:avLst/>
+          </a:prstGeom>
+          <a:ln w="9525">
+            <a:solidFill>
+              <a:schemeClr val="tx1"/>
+            </a:solidFill>
+          </a:ln>
+        </p:spPr>
+        <p:style>
+          <a:lnRef idx="1">
+            <a:schemeClr val="accent1"/>
+          </a:lnRef>
+          <a:fillRef idx="0">
+            <a:schemeClr val="accent1"/>
+          </a:fillRef>
+          <a:effectRef idx="0">
+            <a:schemeClr val="accent1"/>
+          </a:effectRef>
+          <a:fontRef idx="minor">
+            <a:schemeClr val="tx1"/>
+          </a:fontRef>
+        </p:style>
+      </p:cxnSp>
+      <p:sp>
+        <p:nvSpPr>
+          <p:cNvPr id="5" name="文本框 4"/>
+          <p:cNvSpPr txBox="1"/>
+          <p:nvPr/>
+        </p:nvSpPr>
+        <p:spPr>
+          <a:xfrm>
+            <a:off x="3173864" y="5631689"/>
+            <a:ext cx="2412332" cy="306705"/>
+          </a:xfrm>
+          <a:prstGeom prst="rect">
+            <a:avLst/>
+          </a:prstGeom>
+          <a:noFill/>
+        </p:spPr>
+        <p:txBody>
+          <a:bodyPr wrap="square" rtlCol="0">
+            <a:spAutoFit/>
+          </a:bodyPr>
+          <a:p>
+            <a:r>
+              <a:rPr lang="zh-CN" altLang="en-US" sz="1400" dirty="0"/>
+              <a:t>前人工作中需要</a:t>
+            </a:r>
+            <a:r>
+              <a:rPr lang="zh-CN" altLang="en-US" sz="1400" dirty="0"/>
+              <a:t>计算密钥</a:t>
+            </a:r>
+            <a:endParaRPr lang="zh-CN" altLang="en-US" sz="1400" dirty="0"/>
+          </a:p>
+        </p:txBody>
+      </p:sp>
+      <p:cxnSp>
+        <p:nvCxnSpPr>
+          <p:cNvPr id="12" name="连接符: 肘形 37"/>
+          <p:cNvCxnSpPr/>
+          <p:nvPr/>
+        </p:nvCxnSpPr>
+        <p:spPr>
+          <a:xfrm rot="16200000" flipH="1">
+            <a:off x="4401119" y="5396038"/>
+            <a:ext cx="697831" cy="1738564"/>
           </a:xfrm>
           <a:prstGeom prst="bentConnector2">
             <a:avLst/>
@@ -6474,21 +9417,13 @@
       </p:cxnSp>
       <p:cxnSp>
         <p:nvCxnSpPr>
-          <p:cNvPr id="19" name="直接连接符 18">
-            <a:extLst>
-              <a:ext uri="{FF2B5EF4-FFF2-40B4-BE49-F238E27FC236}">
-                <a16:creationId xmlns:a16="http://schemas.microsoft.com/office/drawing/2014/main" id="{DDC602CB-CF20-4457-B8D0-3311658FE13D}"/>
-              </a:ext>
-            </a:extLst>
-          </p:cNvPr>
-          <p:cNvCxnSpPr>
-            <a:cxnSpLocks/>
-          </p:cNvCxnSpPr>
+          <p:cNvPr id="13" name="直接连接符 12"/>
+          <p:cNvCxnSpPr/>
           <p:nvPr/>
         </p:nvCxnSpPr>
         <p:spPr>
           <a:xfrm>
-            <a:off x="3561346" y="6280484"/>
+            <a:off x="3880751" y="6262069"/>
             <a:ext cx="1738565" cy="6016"/>
           </a:xfrm>
           <a:prstGeom prst="line">
@@ -6517,20 +9452,14 @@
       </p:cxnSp>
       <p:sp>
         <p:nvSpPr>
-          <p:cNvPr id="20" name="文本框 19">
-            <a:extLst>
-              <a:ext uri="{FF2B5EF4-FFF2-40B4-BE49-F238E27FC236}">
-                <a16:creationId xmlns:a16="http://schemas.microsoft.com/office/drawing/2014/main" id="{7C2DBA95-AD03-46EF-8997-A1AD41E0D05E}"/>
-              </a:ext>
-            </a:extLst>
-          </p:cNvPr>
+          <p:cNvPr id="14" name="文本框 13"/>
           <p:cNvSpPr txBox="1"/>
           <p:nvPr/>
         </p:nvSpPr>
         <p:spPr>
           <a:xfrm>
-            <a:off x="3528760" y="3282900"/>
-            <a:ext cx="1325480" cy="307777"/>
+            <a:off x="4089400" y="5993130"/>
+            <a:ext cx="1835150" cy="306705"/>
           </a:xfrm>
           <a:prstGeom prst="rect">
             <a:avLst/>
@@ -6541,31 +9470,29 @@
           <a:bodyPr wrap="square" rtlCol="0">
             <a:spAutoFit/>
           </a:bodyPr>
-          <a:lstStyle/>
           <a:p>
             <a:r>
               <a:rPr lang="zh-CN" altLang="en-US" sz="1400" dirty="0"/>
-              <a:t>提及基本原理</a:t>
-            </a:r>
-          </a:p>
-        </p:txBody>
-      </p:sp>
-      <p:sp>
-        <p:nvSpPr>
-          <p:cNvPr id="21" name="文本框 20">
-            <a:extLst>
-              <a:ext uri="{FF2B5EF4-FFF2-40B4-BE49-F238E27FC236}">
-                <a16:creationId xmlns:a16="http://schemas.microsoft.com/office/drawing/2014/main" id="{0FF235FB-5827-4C3B-B3CC-AAED21B6BD95}"/>
-              </a:ext>
-            </a:extLst>
-          </p:cNvPr>
+              <a:t>基于身份的</a:t>
+            </a:r>
+            <a:r>
+              <a:rPr lang="en-US" altLang="zh-CN" sz="1400" dirty="0"/>
+              <a:t>FHE</a:t>
+            </a:r>
+            <a:endParaRPr lang="en-US" altLang="zh-CN" sz="1400" dirty="0"/>
+          </a:p>
+        </p:txBody>
+      </p:sp>
+      <p:sp>
+        <p:nvSpPr>
+          <p:cNvPr id="16" name="文本框 15"/>
           <p:cNvSpPr txBox="1"/>
           <p:nvPr/>
         </p:nvSpPr>
         <p:spPr>
           <a:xfrm>
-            <a:off x="3974432" y="6452777"/>
-            <a:ext cx="1538038" cy="307777"/>
+            <a:off x="4103337" y="6356257"/>
+            <a:ext cx="1538038" cy="306705"/>
           </a:xfrm>
           <a:prstGeom prst="rect">
             <a:avLst/>
@@ -6576,76 +9503,53 @@
           <a:bodyPr wrap="square" rtlCol="0">
             <a:spAutoFit/>
           </a:bodyPr>
-          <a:lstStyle/>
           <a:p>
             <a:r>
               <a:rPr lang="zh-CN" altLang="en-US" sz="1400" dirty="0"/>
-              <a:t>优化结果</a:t>
-            </a:r>
-          </a:p>
-        </p:txBody>
-      </p:sp>
-      <p:cxnSp>
-        <p:nvCxnSpPr>
-          <p:cNvPr id="22" name="连接符: 肘形 21">
-            <a:extLst>
-              <a:ext uri="{FF2B5EF4-FFF2-40B4-BE49-F238E27FC236}">
-                <a16:creationId xmlns:a16="http://schemas.microsoft.com/office/drawing/2014/main" id="{947ED559-E4B7-4357-AD05-5229DF229DFA}"/>
-              </a:ext>
-            </a:extLst>
-          </p:cNvPr>
-          <p:cNvCxnSpPr>
-            <a:cxnSpLocks/>
-          </p:cNvCxnSpPr>
+              <a:t>基于属性的</a:t>
+            </a:r>
+            <a:r>
+              <a:rPr lang="en-US" altLang="zh-CN" sz="1400" dirty="0"/>
+              <a:t>FHE</a:t>
+            </a:r>
+            <a:endParaRPr lang="en-US" altLang="zh-CN" sz="1400" dirty="0"/>
+          </a:p>
+        </p:txBody>
+      </p:sp>
+      <p:pic>
+        <p:nvPicPr>
+          <p:cNvPr id="17" name="图片 16"/>
+          <p:cNvPicPr>
+            <a:picLocks noChangeAspect="1"/>
+          </p:cNvPicPr>
           <p:nvPr/>
-        </p:nvCxnSpPr>
+        </p:nvPicPr>
+        <p:blipFill>
+          <a:blip r:embed="rId2"/>
+          <a:stretch>
+            <a:fillRect/>
+          </a:stretch>
+        </p:blipFill>
         <p:spPr>
           <a:xfrm>
-            <a:off x="6682037" y="2212303"/>
-            <a:ext cx="2240881" cy="441367"/>
-          </a:xfrm>
-          <a:prstGeom prst="bentConnector3">
-            <a:avLst>
-              <a:gd name="adj1" fmla="val 50000"/>
-            </a:avLst>
+            <a:off x="4734560" y="114300"/>
+            <a:ext cx="7153275" cy="3108325"/>
+          </a:xfrm>
+          <a:prstGeom prst="rect">
+            <a:avLst/>
           </a:prstGeom>
-          <a:ln w="9525">
-            <a:solidFill>
-              <a:schemeClr val="tx1"/>
-            </a:solidFill>
-          </a:ln>
-        </p:spPr>
-        <p:style>
-          <a:lnRef idx="1">
-            <a:schemeClr val="accent1"/>
-          </a:lnRef>
-          <a:fillRef idx="0">
-            <a:schemeClr val="accent1"/>
-          </a:fillRef>
-          <a:effectRef idx="0">
-            <a:schemeClr val="accent1"/>
-          </a:effectRef>
-          <a:fontRef idx="minor">
-            <a:schemeClr val="tx1"/>
-          </a:fontRef>
-        </p:style>
-      </p:cxnSp>
-      <p:sp>
-        <p:nvSpPr>
-          <p:cNvPr id="27" name="文本框 26">
-            <a:extLst>
-              <a:ext uri="{FF2B5EF4-FFF2-40B4-BE49-F238E27FC236}">
-                <a16:creationId xmlns:a16="http://schemas.microsoft.com/office/drawing/2014/main" id="{A2899F46-3B29-42B4-95B7-C92E0B16FA8B}"/>
-              </a:ext>
-            </a:extLst>
-          </p:cNvPr>
+        </p:spPr>
+      </p:pic>
+      <p:sp>
+        <p:nvSpPr>
+          <p:cNvPr id="19" name="文本框 18"/>
           <p:cNvSpPr txBox="1"/>
           <p:nvPr/>
         </p:nvSpPr>
         <p:spPr>
           <a:xfrm>
-            <a:off x="4126832" y="6142204"/>
-            <a:ext cx="1325480" cy="307777"/>
+            <a:off x="6425565" y="3995420"/>
+            <a:ext cx="5836285" cy="2376170"/>
           </a:xfrm>
           <a:prstGeom prst="rect">
             <a:avLst/>
@@ -6654,119 +9558,490 @@
         </p:spPr>
         <p:txBody>
           <a:bodyPr wrap="square" rtlCol="0">
-            <a:spAutoFit/>
+            <a:noAutofit/>
           </a:bodyPr>
-          <a:lstStyle/>
-          <a:p>
-            <a:r>
-              <a:rPr lang="zh-CN" altLang="en-US" sz="1400" dirty="0"/>
-              <a:t>优化原因</a:t>
-            </a:r>
-          </a:p>
-        </p:txBody>
-      </p:sp>
-      <p:cxnSp>
-        <p:nvCxnSpPr>
-          <p:cNvPr id="31" name="连接符: 肘形 30">
-            <a:extLst>
-              <a:ext uri="{FF2B5EF4-FFF2-40B4-BE49-F238E27FC236}">
-                <a16:creationId xmlns:a16="http://schemas.microsoft.com/office/drawing/2014/main" id="{44D843CB-E82A-46EE-9196-A0B2BF9ED4A9}"/>
-              </a:ext>
-            </a:extLst>
-          </p:cNvPr>
-          <p:cNvCxnSpPr>
-            <a:cxnSpLocks/>
-          </p:cNvCxnSpPr>
-          <p:nvPr/>
-        </p:nvCxnSpPr>
-        <p:spPr>
-          <a:xfrm rot="16200000" flipH="1">
-            <a:off x="5291787" y="2734534"/>
-            <a:ext cx="441366" cy="2129588"/>
-          </a:xfrm>
-          <a:prstGeom prst="bentConnector2">
-            <a:avLst/>
-          </a:prstGeom>
-          <a:ln w="9525">
-            <a:solidFill>
-              <a:schemeClr val="tx1"/>
-            </a:solidFill>
-          </a:ln>
-        </p:spPr>
-        <p:style>
-          <a:lnRef idx="1">
-            <a:schemeClr val="accent1"/>
-          </a:lnRef>
-          <a:fillRef idx="0">
-            <a:schemeClr val="accent1"/>
-          </a:fillRef>
-          <a:effectRef idx="0">
-            <a:schemeClr val="accent1"/>
-          </a:effectRef>
-          <a:fontRef idx="minor">
-            <a:schemeClr val="tx1"/>
-          </a:fontRef>
-        </p:style>
-      </p:cxnSp>
-      <p:sp>
-        <p:nvSpPr>
-          <p:cNvPr id="33" name="文本框 32">
-            <a:extLst>
-              <a:ext uri="{FF2B5EF4-FFF2-40B4-BE49-F238E27FC236}">
-                <a16:creationId xmlns:a16="http://schemas.microsoft.com/office/drawing/2014/main" id="{CFDA5114-970A-42B6-BE62-515620EFB0FF}"/>
-              </a:ext>
-            </a:extLst>
-          </p:cNvPr>
-          <p:cNvSpPr txBox="1"/>
-          <p:nvPr/>
-        </p:nvSpPr>
-        <p:spPr>
-          <a:xfrm>
-            <a:off x="4585029" y="3735021"/>
-            <a:ext cx="2062415" cy="307777"/>
-          </a:xfrm>
-          <a:prstGeom prst="rect">
-            <a:avLst/>
-          </a:prstGeom>
-          <a:noFill/>
-        </p:spPr>
-        <p:txBody>
-          <a:bodyPr wrap="square" rtlCol="0">
-            <a:spAutoFit/>
-          </a:bodyPr>
-          <a:lstStyle/>
-          <a:p>
-            <a:r>
-              <a:rPr lang="zh-CN" altLang="en-US" sz="1400" dirty="0"/>
-              <a:t>与前人工作区别</a:t>
-            </a:r>
-            <a:r>
-              <a:rPr lang="en-US" altLang="zh-CN" sz="1400" dirty="0"/>
+          <a:p>
+            <a:r>
+              <a:rPr lang="zh-CN" altLang="en-US">
+                <a:latin typeface="宋体" panose="02010600030101010101" pitchFamily="2" charset="-122"/>
+                <a:ea typeface="宋体" panose="02010600030101010101" pitchFamily="2" charset="-122"/>
+                <a:cs typeface="宋体" panose="02010600030101010101" pitchFamily="2" charset="-122"/>
+              </a:rPr>
+              <a:t>摘要部分尽可能的描述自己的工作</a:t>
+            </a:r>
+            <a:endParaRPr lang="zh-CN" altLang="en-US">
+              <a:latin typeface="宋体" panose="02010600030101010101" pitchFamily="2" charset="-122"/>
+              <a:ea typeface="宋体" panose="02010600030101010101" pitchFamily="2" charset="-122"/>
+              <a:cs typeface="宋体" panose="02010600030101010101" pitchFamily="2" charset="-122"/>
+            </a:endParaRPr>
+          </a:p>
+          <a:p>
+            <a:endParaRPr lang="zh-CN" altLang="en-US">
+              <a:latin typeface="宋体" panose="02010600030101010101" pitchFamily="2" charset="-122"/>
+              <a:ea typeface="宋体" panose="02010600030101010101" pitchFamily="2" charset="-122"/>
+              <a:cs typeface="宋体" panose="02010600030101010101" pitchFamily="2" charset="-122"/>
+            </a:endParaRPr>
+          </a:p>
+          <a:p>
+            <a:pPr indent="457200"/>
+            <a:r>
+              <a:rPr lang="en-US" altLang="zh-CN">
+                <a:latin typeface="宋体" panose="02010600030101010101" pitchFamily="2" charset="-122"/>
+                <a:ea typeface="宋体" panose="02010600030101010101" pitchFamily="2" charset="-122"/>
+                <a:cs typeface="宋体" panose="02010600030101010101" pitchFamily="2" charset="-122"/>
+              </a:rPr>
+              <a:t>1.</a:t>
+            </a:r>
+            <a:r>
+              <a:rPr lang="zh-CN" altLang="en-US">
+                <a:latin typeface="宋体" panose="02010600030101010101" pitchFamily="2" charset="-122"/>
+                <a:ea typeface="宋体" panose="02010600030101010101" pitchFamily="2" charset="-122"/>
+                <a:cs typeface="宋体" panose="02010600030101010101" pitchFamily="2" charset="-122"/>
+              </a:rPr>
+              <a:t>按步骤描述方法</a:t>
+            </a:r>
+            <a:endParaRPr lang="zh-CN" altLang="en-US">
+              <a:latin typeface="宋体" panose="02010600030101010101" pitchFamily="2" charset="-122"/>
+              <a:ea typeface="宋体" panose="02010600030101010101" pitchFamily="2" charset="-122"/>
+              <a:cs typeface="宋体" panose="02010600030101010101" pitchFamily="2" charset="-122"/>
+            </a:endParaRPr>
+          </a:p>
+          <a:p>
+            <a:pPr indent="457200"/>
+            <a:r>
+              <a:rPr lang="en-US" altLang="zh-CN">
+                <a:latin typeface="宋体" panose="02010600030101010101" pitchFamily="2" charset="-122"/>
+                <a:ea typeface="宋体" panose="02010600030101010101" pitchFamily="2" charset="-122"/>
+                <a:cs typeface="宋体" panose="02010600030101010101" pitchFamily="2" charset="-122"/>
+              </a:rPr>
+              <a:t>2.</a:t>
+            </a:r>
+            <a:r>
+              <a:rPr lang="zh-CN" altLang="en-US">
+                <a:latin typeface="宋体" panose="02010600030101010101" pitchFamily="2" charset="-122"/>
+                <a:ea typeface="宋体" panose="02010600030101010101" pitchFamily="2" charset="-122"/>
+                <a:cs typeface="宋体" panose="02010600030101010101" pitchFamily="2" charset="-122"/>
+              </a:rPr>
+              <a:t>有针对性的简述前人不足</a:t>
+            </a:r>
+            <a:r>
+              <a:rPr lang="en-US" altLang="zh-CN">
+                <a:latin typeface="宋体" panose="02010600030101010101" pitchFamily="2" charset="-122"/>
+                <a:ea typeface="宋体" panose="02010600030101010101" pitchFamily="2" charset="-122"/>
+                <a:cs typeface="宋体" panose="02010600030101010101" pitchFamily="2" charset="-122"/>
+              </a:rPr>
+              <a:t> </a:t>
+            </a:r>
+            <a:r>
+              <a:rPr lang="zh-CN" altLang="en-US">
+                <a:latin typeface="宋体" panose="02010600030101010101" pitchFamily="2" charset="-122"/>
+                <a:ea typeface="宋体" panose="02010600030101010101" pitchFamily="2" charset="-122"/>
+                <a:cs typeface="宋体" panose="02010600030101010101" pitchFamily="2" charset="-122"/>
+              </a:rPr>
+              <a:t>以突出自己的创新点</a:t>
+            </a:r>
+            <a:r>
+              <a:rPr lang="en-US" altLang="zh-CN">
+                <a:latin typeface="宋体" panose="02010600030101010101" pitchFamily="2" charset="-122"/>
+                <a:ea typeface="宋体" panose="02010600030101010101" pitchFamily="2" charset="-122"/>
+                <a:cs typeface="宋体" panose="02010600030101010101" pitchFamily="2" charset="-122"/>
+              </a:rPr>
+              <a:t> </a:t>
+            </a:r>
+            <a:endParaRPr lang="en-US" altLang="zh-CN">
+              <a:latin typeface="宋体" panose="02010600030101010101" pitchFamily="2" charset="-122"/>
+              <a:ea typeface="宋体" panose="02010600030101010101" pitchFamily="2" charset="-122"/>
+              <a:cs typeface="宋体" panose="02010600030101010101" pitchFamily="2" charset="-122"/>
+            </a:endParaRPr>
+          </a:p>
+          <a:p>
+            <a:pPr indent="457200"/>
+            <a:r>
+              <a:rPr lang="en-US" altLang="zh-CN">
+                <a:latin typeface="宋体" panose="02010600030101010101" pitchFamily="2" charset="-122"/>
+                <a:ea typeface="宋体" panose="02010600030101010101" pitchFamily="2" charset="-122"/>
+                <a:cs typeface="宋体" panose="02010600030101010101" pitchFamily="2" charset="-122"/>
+              </a:rPr>
+              <a:t>3.</a:t>
+            </a:r>
+            <a:r>
+              <a:rPr lang="zh-CN" altLang="en-US">
+                <a:latin typeface="宋体" panose="02010600030101010101" pitchFamily="2" charset="-122"/>
+                <a:ea typeface="宋体" panose="02010600030101010101" pitchFamily="2" charset="-122"/>
+                <a:cs typeface="宋体" panose="02010600030101010101" pitchFamily="2" charset="-122"/>
+              </a:rPr>
+              <a:t>可以提到自己的优化</a:t>
+            </a:r>
+            <a:r>
+              <a:rPr lang="en-US" altLang="zh-CN">
+                <a:latin typeface="宋体" panose="02010600030101010101" pitchFamily="2" charset="-122"/>
+                <a:ea typeface="宋体" panose="02010600030101010101" pitchFamily="2" charset="-122"/>
+                <a:cs typeface="宋体" panose="02010600030101010101" pitchFamily="2" charset="-122"/>
+              </a:rPr>
               <a:t>(</a:t>
             </a:r>
             <a:r>
-              <a:rPr lang="zh-CN" altLang="en-US" sz="1400" dirty="0"/>
-              <a:t>无自举</a:t>
-            </a:r>
-            <a:r>
-              <a:rPr lang="en-US" altLang="zh-CN" sz="1400" dirty="0"/>
-              <a:t>)</a:t>
-            </a:r>
-            <a:endParaRPr lang="zh-CN" altLang="en-US" sz="1400" dirty="0"/>
+              <a:rPr lang="zh-CN" altLang="en-US">
+                <a:latin typeface="宋体" panose="02010600030101010101" pitchFamily="2" charset="-122"/>
+                <a:ea typeface="宋体" panose="02010600030101010101" pitchFamily="2" charset="-122"/>
+                <a:cs typeface="宋体" panose="02010600030101010101" pitchFamily="2" charset="-122"/>
+              </a:rPr>
+              <a:t>对于自己方案</a:t>
+            </a:r>
+            <a:r>
+              <a:rPr lang="en-US" altLang="zh-CN">
+                <a:latin typeface="宋体" panose="02010600030101010101" pitchFamily="2" charset="-122"/>
+                <a:ea typeface="宋体" panose="02010600030101010101" pitchFamily="2" charset="-122"/>
+                <a:cs typeface="宋体" panose="02010600030101010101" pitchFamily="2" charset="-122"/>
+              </a:rPr>
+              <a:t>) </a:t>
+            </a:r>
+            <a:endParaRPr lang="en-US" altLang="zh-CN">
+              <a:latin typeface="宋体" panose="02010600030101010101" pitchFamily="2" charset="-122"/>
+              <a:ea typeface="宋体" panose="02010600030101010101" pitchFamily="2" charset="-122"/>
+              <a:cs typeface="宋体" panose="02010600030101010101" pitchFamily="2" charset="-122"/>
+            </a:endParaRPr>
+          </a:p>
+          <a:p>
+            <a:pPr indent="457200"/>
+            <a:endParaRPr lang="zh-CN" altLang="en-US"/>
+          </a:p>
+          <a:p>
+            <a:pPr marL="0" lvl="0" indent="0">
+              <a:buNone/>
+            </a:pPr>
+            <a:r>
+              <a:rPr lang="en-US" altLang="zh-CN">
+                <a:solidFill>
+                  <a:schemeClr val="tx1"/>
+                </a:solidFill>
+                <a:latin typeface="Times New Roman" panose="02020603050405020304" pitchFamily="18" charset="0"/>
+                <a:cs typeface="Times New Roman" panose="02020603050405020304" pitchFamily="18" charset="0"/>
+              </a:rPr>
+              <a:t>·  propose/present/describe/construct</a:t>
+            </a:r>
+            <a:endParaRPr lang="zh-CN" altLang="en-US">
+              <a:solidFill>
+                <a:schemeClr val="tx1"/>
+              </a:solidFill>
+              <a:latin typeface="Times New Roman" panose="02020603050405020304" pitchFamily="18" charset="0"/>
+              <a:cs typeface="Times New Roman" panose="02020603050405020304" pitchFamily="18" charset="0"/>
+            </a:endParaRPr>
+          </a:p>
+          <a:p>
+            <a:endParaRPr lang="zh-CN" altLang="en-US"/>
+          </a:p>
+          <a:p>
+            <a:endParaRPr lang="zh-CN" altLang="en-US"/>
           </a:p>
         </p:txBody>
       </p:sp>
     </p:spTree>
-    <p:extLst>
-      <p:ext uri="{BB962C8B-B14F-4D97-AF65-F5344CB8AC3E}">
-        <p14:creationId xmlns:p14="http://schemas.microsoft.com/office/powerpoint/2010/main" val="586243038"/>
-      </p:ext>
-    </p:extLst>
   </p:cSld>
   <p:clrMapOvr>
     <a:masterClrMapping/>
   </p:clrMapOvr>
 </p:sld>
+</file>
+
+<file path=ppt/slides/slide6.xml><?xml version="1.0" encoding="utf-8"?>
+<p:sld xmlns:a="http://schemas.openxmlformats.org/drawingml/2006/main" xmlns:r="http://schemas.openxmlformats.org/officeDocument/2006/relationships" xmlns:p="http://schemas.openxmlformats.org/presentationml/2006/main">
+  <p:cSld>
+    <p:spTree>
+      <p:nvGrpSpPr>
+        <p:cNvPr id="1" name=""/>
+        <p:cNvGrpSpPr/>
+        <p:nvPr/>
+      </p:nvGrpSpPr>
+      <p:grpSpPr>
+        <a:xfrm>
+          <a:off x="0" y="0"/>
+          <a:ext cx="0" cy="0"/>
+          <a:chOff x="0" y="0"/>
+          <a:chExt cx="0" cy="0"/>
+        </a:xfrm>
+      </p:grpSpPr>
+      <p:pic>
+        <p:nvPicPr>
+          <p:cNvPr id="7" name="图片 6"/>
+          <p:cNvPicPr>
+            <a:picLocks noChangeAspect="1"/>
+          </p:cNvPicPr>
+          <p:nvPr/>
+        </p:nvPicPr>
+        <p:blipFill>
+          <a:blip r:embed="rId1">
+            <a:extLst>
+              <a:ext uri="{28A0092B-C50C-407E-A947-70E740481C1C}">
+                <a14:useLocalDpi xmlns:a14="http://schemas.microsoft.com/office/drawing/2010/main" val="0"/>
+              </a:ext>
+            </a:extLst>
+          </a:blip>
+          <a:stretch>
+            <a:fillRect/>
+          </a:stretch>
+        </p:blipFill>
+        <p:spPr>
+          <a:xfrm>
+            <a:off x="98216" y="114458"/>
+            <a:ext cx="3782447" cy="795514"/>
+          </a:xfrm>
+          <a:prstGeom prst="rect">
+            <a:avLst/>
+          </a:prstGeom>
+        </p:spPr>
+      </p:pic>
+      <p:sp>
+        <p:nvSpPr>
+          <p:cNvPr id="3" name="文本框 2"/>
+          <p:cNvSpPr txBox="1"/>
+          <p:nvPr/>
+        </p:nvSpPr>
+        <p:spPr>
+          <a:xfrm>
+            <a:off x="505326" y="1052763"/>
+            <a:ext cx="1431758" cy="369332"/>
+          </a:xfrm>
+          <a:prstGeom prst="rect">
+            <a:avLst/>
+          </a:prstGeom>
+          <a:noFill/>
+        </p:spPr>
+        <p:txBody>
+          <a:bodyPr wrap="square" rtlCol="0">
+            <a:spAutoFit/>
+          </a:bodyPr>
+          <a:lstStyle/>
+          <a:p>
+            <a:r>
+              <a:rPr lang="en-US" altLang="zh-CN" b="1" dirty="0">
+                <a:latin typeface="Times New Roman" panose="02020603050405020304" pitchFamily="18" charset="0"/>
+                <a:cs typeface="Times New Roman" panose="02020603050405020304" pitchFamily="18" charset="0"/>
+              </a:rPr>
+              <a:t>BVG12</a:t>
+            </a:r>
+            <a:r>
+              <a:rPr lang="zh-CN" altLang="en-US" b="1" dirty="0">
+                <a:latin typeface="Times New Roman" panose="02020603050405020304" pitchFamily="18" charset="0"/>
+                <a:cs typeface="Times New Roman" panose="02020603050405020304" pitchFamily="18" charset="0"/>
+              </a:rPr>
+              <a:t>摘要</a:t>
+            </a:r>
+            <a:endParaRPr lang="zh-CN" altLang="en-US" b="1" dirty="0">
+              <a:latin typeface="Times New Roman" panose="02020603050405020304" pitchFamily="18" charset="0"/>
+              <a:cs typeface="Times New Roman" panose="02020603050405020304" pitchFamily="18" charset="0"/>
+            </a:endParaRPr>
+          </a:p>
+        </p:txBody>
+      </p:sp>
+    </p:spTree>
+  </p:cSld>
+  <p:clrMapOvr>
+    <a:masterClrMapping/>
+  </p:clrMapOvr>
+</p:sld>
+</file>
+
+<file path=ppt/slides/slide7.xml><?xml version="1.0" encoding="utf-8"?>
+<p:sld xmlns:a="http://schemas.openxmlformats.org/drawingml/2006/main" xmlns:r="http://schemas.openxmlformats.org/officeDocument/2006/relationships" xmlns:p="http://schemas.openxmlformats.org/presentationml/2006/main">
+  <p:cSld>
+    <p:spTree>
+      <p:nvGrpSpPr>
+        <p:cNvPr id="1" name=""/>
+        <p:cNvGrpSpPr/>
+        <p:nvPr/>
+      </p:nvGrpSpPr>
+      <p:grpSpPr>
+        <a:xfrm>
+          <a:off x="0" y="0"/>
+          <a:ext cx="0" cy="0"/>
+          <a:chOff x="0" y="0"/>
+          <a:chExt cx="0" cy="0"/>
+        </a:xfrm>
+      </p:grpSpPr>
+      <p:pic>
+        <p:nvPicPr>
+          <p:cNvPr id="7" name="图片 6"/>
+          <p:cNvPicPr>
+            <a:picLocks noChangeAspect="1"/>
+          </p:cNvPicPr>
+          <p:nvPr/>
+        </p:nvPicPr>
+        <p:blipFill>
+          <a:blip r:embed="rId1">
+            <a:extLst>
+              <a:ext uri="{28A0092B-C50C-407E-A947-70E740481C1C}">
+                <a14:useLocalDpi xmlns:a14="http://schemas.microsoft.com/office/drawing/2010/main" val="0"/>
+              </a:ext>
+            </a:extLst>
+          </a:blip>
+          <a:stretch>
+            <a:fillRect/>
+          </a:stretch>
+        </p:blipFill>
+        <p:spPr>
+          <a:xfrm>
+            <a:off x="98216" y="114458"/>
+            <a:ext cx="3782447" cy="795514"/>
+          </a:xfrm>
+          <a:prstGeom prst="rect">
+            <a:avLst/>
+          </a:prstGeom>
+        </p:spPr>
+      </p:pic>
+      <p:sp>
+        <p:nvSpPr>
+          <p:cNvPr id="3" name="文本框 2"/>
+          <p:cNvSpPr txBox="1"/>
+          <p:nvPr/>
+        </p:nvSpPr>
+        <p:spPr>
+          <a:xfrm>
+            <a:off x="505326" y="1052763"/>
+            <a:ext cx="1431758" cy="369332"/>
+          </a:xfrm>
+          <a:prstGeom prst="rect">
+            <a:avLst/>
+          </a:prstGeom>
+          <a:noFill/>
+        </p:spPr>
+        <p:txBody>
+          <a:bodyPr wrap="square" rtlCol="0">
+            <a:spAutoFit/>
+          </a:bodyPr>
+          <a:lstStyle/>
+          <a:p>
+            <a:r>
+              <a:rPr lang="en-US" altLang="zh-CN" b="1" dirty="0">
+                <a:latin typeface="Times New Roman" panose="02020603050405020304" pitchFamily="18" charset="0"/>
+                <a:cs typeface="Times New Roman" panose="02020603050405020304" pitchFamily="18" charset="0"/>
+              </a:rPr>
+              <a:t>BVG12</a:t>
+            </a:r>
+            <a:r>
+              <a:rPr lang="zh-CN" altLang="en-US" b="1" dirty="0">
+                <a:latin typeface="Times New Roman" panose="02020603050405020304" pitchFamily="18" charset="0"/>
+                <a:cs typeface="Times New Roman" panose="02020603050405020304" pitchFamily="18" charset="0"/>
+              </a:rPr>
+              <a:t>摘要</a:t>
+            </a:r>
+            <a:endParaRPr lang="zh-CN" altLang="en-US" b="1" dirty="0">
+              <a:latin typeface="Times New Roman" panose="02020603050405020304" pitchFamily="18" charset="0"/>
+              <a:cs typeface="Times New Roman" panose="02020603050405020304" pitchFamily="18" charset="0"/>
+            </a:endParaRPr>
+          </a:p>
+        </p:txBody>
+      </p:sp>
+    </p:spTree>
+  </p:cSld>
+  <p:clrMapOvr>
+    <a:masterClrMapping/>
+  </p:clrMapOvr>
+</p:sld>
+</file>
+
+<file path=ppt/slides/slide8.xml><?xml version="1.0" encoding="utf-8"?>
+<p:sld xmlns:a="http://schemas.openxmlformats.org/drawingml/2006/main" xmlns:r="http://schemas.openxmlformats.org/officeDocument/2006/relationships" xmlns:p="http://schemas.openxmlformats.org/presentationml/2006/main">
+  <p:cSld>
+    <p:spTree>
+      <p:nvGrpSpPr>
+        <p:cNvPr id="1" name=""/>
+        <p:cNvGrpSpPr/>
+        <p:nvPr/>
+      </p:nvGrpSpPr>
+      <p:grpSpPr>
+        <a:xfrm>
+          <a:off x="0" y="0"/>
+          <a:ext cx="0" cy="0"/>
+          <a:chOff x="0" y="0"/>
+          <a:chExt cx="0" cy="0"/>
+        </a:xfrm>
+      </p:grpSpPr>
+      <p:pic>
+        <p:nvPicPr>
+          <p:cNvPr id="7" name="图片 6"/>
+          <p:cNvPicPr>
+            <a:picLocks noChangeAspect="1"/>
+          </p:cNvPicPr>
+          <p:nvPr/>
+        </p:nvPicPr>
+        <p:blipFill>
+          <a:blip r:embed="rId1">
+            <a:extLst>
+              <a:ext uri="{28A0092B-C50C-407E-A947-70E740481C1C}">
+                <a14:useLocalDpi xmlns:a14="http://schemas.microsoft.com/office/drawing/2010/main" val="0"/>
+              </a:ext>
+            </a:extLst>
+          </a:blip>
+          <a:stretch>
+            <a:fillRect/>
+          </a:stretch>
+        </p:blipFill>
+        <p:spPr>
+          <a:xfrm>
+            <a:off x="98216" y="114458"/>
+            <a:ext cx="3782447" cy="795514"/>
+          </a:xfrm>
+          <a:prstGeom prst="rect">
+            <a:avLst/>
+          </a:prstGeom>
+        </p:spPr>
+      </p:pic>
+      <p:sp>
+        <p:nvSpPr>
+          <p:cNvPr id="3" name="文本框 2"/>
+          <p:cNvSpPr txBox="1"/>
+          <p:nvPr/>
+        </p:nvSpPr>
+        <p:spPr>
+          <a:xfrm>
+            <a:off x="505326" y="1052763"/>
+            <a:ext cx="1431758" cy="369332"/>
+          </a:xfrm>
+          <a:prstGeom prst="rect">
+            <a:avLst/>
+          </a:prstGeom>
+          <a:noFill/>
+        </p:spPr>
+        <p:txBody>
+          <a:bodyPr wrap="square" rtlCol="0">
+            <a:spAutoFit/>
+          </a:bodyPr>
+          <a:lstStyle/>
+          <a:p>
+            <a:r>
+              <a:rPr lang="en-US" altLang="zh-CN" b="1" dirty="0">
+                <a:latin typeface="Times New Roman" panose="02020603050405020304" pitchFamily="18" charset="0"/>
+                <a:cs typeface="Times New Roman" panose="02020603050405020304" pitchFamily="18" charset="0"/>
+              </a:rPr>
+              <a:t>BVG12</a:t>
+            </a:r>
+            <a:r>
+              <a:rPr lang="zh-CN" altLang="en-US" b="1" dirty="0">
+                <a:latin typeface="Times New Roman" panose="02020603050405020304" pitchFamily="18" charset="0"/>
+                <a:cs typeface="Times New Roman" panose="02020603050405020304" pitchFamily="18" charset="0"/>
+              </a:rPr>
+              <a:t>摘要</a:t>
+            </a:r>
+            <a:endParaRPr lang="zh-CN" altLang="en-US" b="1" dirty="0">
+              <a:latin typeface="Times New Roman" panose="02020603050405020304" pitchFamily="18" charset="0"/>
+              <a:cs typeface="Times New Roman" panose="02020603050405020304" pitchFamily="18" charset="0"/>
+            </a:endParaRPr>
+          </a:p>
+        </p:txBody>
+      </p:sp>
+    </p:spTree>
+  </p:cSld>
+  <p:clrMapOvr>
+    <a:masterClrMapping/>
+  </p:clrMapOvr>
+</p:sld>
+</file>
+
+<file path=ppt/tags/tag1.xml><?xml version="1.0" encoding="utf-8"?>
+<p:tagLst xmlns:p="http://schemas.openxmlformats.org/presentationml/2006/main">
+  <p:tag name="commondata" val="eyJoZGlkIjoiYzk1MGUwZGM1NThjNWZlYTFjNDdhMGEyMmZlNjlmMjcifQ=="/>
+</p:tagLst>
 </file>
 
 <file path=ppt/theme/theme1.xml><?xml version="1.0" encoding="utf-8"?>
@@ -6812,7 +10087,7 @@
     </a:clrScheme>
     <a:fontScheme name="Office">
       <a:majorFont>
-        <a:latin typeface="等线 Light" panose="020F0302020204030204"/>
+        <a:latin typeface="等线 Light"/>
         <a:ea typeface=""/>
         <a:cs typeface=""/>
         <a:font script="Jpan" typeface="游ゴシック Light"/>
@@ -6845,26 +10120,9 @@
         <a:font script="Viet" typeface="Times New Roman"/>
         <a:font script="Uigh" typeface="Microsoft Uighur"/>
         <a:font script="Geor" typeface="Sylfaen"/>
-        <a:font script="Armn" typeface="Arial"/>
-        <a:font script="Bugi" typeface="Leelawadee UI"/>
-        <a:font script="Bopo" typeface="Microsoft JhengHei"/>
-        <a:font script="Java" typeface="Javanese Text"/>
-        <a:font script="Lisu" typeface="Segoe UI"/>
-        <a:font script="Mymr" typeface="Myanmar Text"/>
-        <a:font script="Nkoo" typeface="Ebrima"/>
-        <a:font script="Olck" typeface="Nirmala UI"/>
-        <a:font script="Osma" typeface="Ebrima"/>
-        <a:font script="Phag" typeface="Phagspa"/>
-        <a:font script="Syrn" typeface="Estrangelo Edessa"/>
-        <a:font script="Syrj" typeface="Estrangelo Edessa"/>
-        <a:font script="Syre" typeface="Estrangelo Edessa"/>
-        <a:font script="Sora" typeface="Nirmala UI"/>
-        <a:font script="Tale" typeface="Microsoft Tai Le"/>
-        <a:font script="Talu" typeface="Microsoft New Tai Lue"/>
-        <a:font script="Tfng" typeface="Ebrima"/>
       </a:majorFont>
       <a:minorFont>
-        <a:latin typeface="等线" panose="020F0502020204030204"/>
+        <a:latin typeface="等线"/>
         <a:ea typeface=""/>
         <a:cs typeface=""/>
         <a:font script="Jpan" typeface="游ゴシック"/>
@@ -6897,23 +10155,6 @@
         <a:font script="Viet" typeface="Arial"/>
         <a:font script="Uigh" typeface="Microsoft Uighur"/>
         <a:font script="Geor" typeface="Sylfaen"/>
-        <a:font script="Armn" typeface="Arial"/>
-        <a:font script="Bugi" typeface="Leelawadee UI"/>
-        <a:font script="Bopo" typeface="Microsoft JhengHei"/>
-        <a:font script="Java" typeface="Javanese Text"/>
-        <a:font script="Lisu" typeface="Segoe UI"/>
-        <a:font script="Mymr" typeface="Myanmar Text"/>
-        <a:font script="Nkoo" typeface="Ebrima"/>
-        <a:font script="Olck" typeface="Nirmala UI"/>
-        <a:font script="Osma" typeface="Ebrima"/>
-        <a:font script="Phag" typeface="Phagspa"/>
-        <a:font script="Syrn" typeface="Estrangelo Edessa"/>
-        <a:font script="Syrj" typeface="Estrangelo Edessa"/>
-        <a:font script="Syre" typeface="Estrangelo Edessa"/>
-        <a:font script="Sora" typeface="Nirmala UI"/>
-        <a:font script="Tale" typeface="Microsoft Tai Le"/>
-        <a:font script="Talu" typeface="Microsoft New Tai Lue"/>
-        <a:font script="Tfng" typeface="Ebrima"/>
       </a:minorFont>
     </a:fontScheme>
     <a:fmtScheme name="Office">
@@ -7054,8 +10295,6 @@
       </a:bgFillStyleLst>
     </a:fmtScheme>
   </a:themeElements>
-  <a:objectDefaults/>
-  <a:extraClrSchemeLst/>
   <a:extLst>
     <a:ext uri="{05A4C25C-085E-4340-85A3-A5531E510DB2}">
       <thm15:themeFamily xmlns:thm15="http://schemas.microsoft.com/office/thememl/2012/main" name="Office Theme" id="{62F939B6-93AF-4DB8-9C6B-D6C7DFDC589F}" vid="{4A3C46E8-61CC-4603-A589-7422A47A8E4A}"/>
@@ -7065,7 +10304,7 @@
 </file>
 
 <file path=ppt/theme/theme2.xml><?xml version="1.0" encoding="utf-8"?>
-<a:theme xmlns:a="http://schemas.openxmlformats.org/drawingml/2006/main" name="Office 主题​​">
+<a:theme xmlns:a="http://schemas.openxmlformats.org/drawingml/2006/main" name="1_Office 主题​​">
   <a:themeElements>
     <a:clrScheme name="Office">
       <a:dk1>
@@ -7107,7 +10346,7 @@
     </a:clrScheme>
     <a:fontScheme name="Office">
       <a:majorFont>
-        <a:latin typeface="等线 Light" panose="020F0302020204030204"/>
+        <a:latin typeface="等线 Light"/>
         <a:ea typeface=""/>
         <a:cs typeface=""/>
         <a:font script="Jpan" typeface="游ゴシック Light"/>
@@ -7140,26 +10379,9 @@
         <a:font script="Viet" typeface="Times New Roman"/>
         <a:font script="Uigh" typeface="Microsoft Uighur"/>
         <a:font script="Geor" typeface="Sylfaen"/>
-        <a:font script="Armn" typeface="Arial"/>
-        <a:font script="Bugi" typeface="Leelawadee UI"/>
-        <a:font script="Bopo" typeface="Microsoft JhengHei"/>
-        <a:font script="Java" typeface="Javanese Text"/>
-        <a:font script="Lisu" typeface="Segoe UI"/>
-        <a:font script="Mymr" typeface="Myanmar Text"/>
-        <a:font script="Nkoo" typeface="Ebrima"/>
-        <a:font script="Olck" typeface="Nirmala UI"/>
-        <a:font script="Osma" typeface="Ebrima"/>
-        <a:font script="Phag" typeface="Phagspa"/>
-        <a:font script="Syrn" typeface="Estrangelo Edessa"/>
-        <a:font script="Syrj" typeface="Estrangelo Edessa"/>
-        <a:font script="Syre" typeface="Estrangelo Edessa"/>
-        <a:font script="Sora" typeface="Nirmala UI"/>
-        <a:font script="Tale" typeface="Microsoft Tai Le"/>
-        <a:font script="Talu" typeface="Microsoft New Tai Lue"/>
-        <a:font script="Tfng" typeface="Ebrima"/>
       </a:majorFont>
       <a:minorFont>
-        <a:latin typeface="等线" panose="020F0502020204030204"/>
+        <a:latin typeface="等线"/>
         <a:ea typeface=""/>
         <a:cs typeface=""/>
         <a:font script="Jpan" typeface="游ゴシック"/>
@@ -7192,23 +10414,6 @@
         <a:font script="Viet" typeface="Arial"/>
         <a:font script="Uigh" typeface="Microsoft Uighur"/>
         <a:font script="Geor" typeface="Sylfaen"/>
-        <a:font script="Armn" typeface="Arial"/>
-        <a:font script="Bugi" typeface="Leelawadee UI"/>
-        <a:font script="Bopo" typeface="Microsoft JhengHei"/>
-        <a:font script="Java" typeface="Javanese Text"/>
-        <a:font script="Lisu" typeface="Segoe UI"/>
-        <a:font script="Mymr" typeface="Myanmar Text"/>
-        <a:font script="Nkoo" typeface="Ebrima"/>
-        <a:font script="Olck" typeface="Nirmala UI"/>
-        <a:font script="Osma" typeface="Ebrima"/>
-        <a:font script="Phag" typeface="Phagspa"/>
-        <a:font script="Syrn" typeface="Estrangelo Edessa"/>
-        <a:font script="Syrj" typeface="Estrangelo Edessa"/>
-        <a:font script="Syre" typeface="Estrangelo Edessa"/>
-        <a:font script="Sora" typeface="Nirmala UI"/>
-        <a:font script="Tale" typeface="Microsoft Tai Le"/>
-        <a:font script="Talu" typeface="Microsoft New Tai Lue"/>
-        <a:font script="Tfng" typeface="Ebrima"/>
       </a:minorFont>
     </a:fontScheme>
     <a:fmtScheme name="Office">
@@ -7349,8 +10554,265 @@
       </a:bgFillStyleLst>
     </a:fmtScheme>
   </a:themeElements>
-  <a:objectDefaults/>
-  <a:extraClrSchemeLst/>
+  <a:extLst>
+    <a:ext uri="{05A4C25C-085E-4340-85A3-A5531E510DB2}">
+      <thm15:themeFamily xmlns:thm15="http://schemas.microsoft.com/office/thememl/2012/main" name="Office Theme" id="{62F939B6-93AF-4DB8-9C6B-D6C7DFDC589F}" vid="{4A3C46E8-61CC-4603-A589-7422A47A8E4A}"/>
+    </a:ext>
+  </a:extLst>
+</a:theme>
+</file>
+
+<file path=ppt/theme/theme3.xml><?xml version="1.0" encoding="utf-8"?>
+<a:theme xmlns:a="http://schemas.openxmlformats.org/drawingml/2006/main" name="Office 主题​​">
+  <a:themeElements>
+    <a:clrScheme name="Office">
+      <a:dk1>
+        <a:sysClr val="windowText" lastClr="000000"/>
+      </a:dk1>
+      <a:lt1>
+        <a:sysClr val="window" lastClr="FFFFFF"/>
+      </a:lt1>
+      <a:dk2>
+        <a:srgbClr val="44546A"/>
+      </a:dk2>
+      <a:lt2>
+        <a:srgbClr val="E7E6E6"/>
+      </a:lt2>
+      <a:accent1>
+        <a:srgbClr val="4472C4"/>
+      </a:accent1>
+      <a:accent2>
+        <a:srgbClr val="ED7D31"/>
+      </a:accent2>
+      <a:accent3>
+        <a:srgbClr val="A5A5A5"/>
+      </a:accent3>
+      <a:accent4>
+        <a:srgbClr val="FFC000"/>
+      </a:accent4>
+      <a:accent5>
+        <a:srgbClr val="5B9BD5"/>
+      </a:accent5>
+      <a:accent6>
+        <a:srgbClr val="70AD47"/>
+      </a:accent6>
+      <a:hlink>
+        <a:srgbClr val="0563C1"/>
+      </a:hlink>
+      <a:folHlink>
+        <a:srgbClr val="954F72"/>
+      </a:folHlink>
+    </a:clrScheme>
+    <a:fontScheme name="Office">
+      <a:majorFont>
+        <a:latin typeface="等线 Light"/>
+        <a:ea typeface=""/>
+        <a:cs typeface=""/>
+        <a:font script="Jpan" typeface="游ゴシック Light"/>
+        <a:font script="Hang" typeface="맑은 고딕"/>
+        <a:font script="Hans" typeface="等线 Light"/>
+        <a:font script="Hant" typeface="新細明體"/>
+        <a:font script="Arab" typeface="Times New Roman"/>
+        <a:font script="Hebr" typeface="Times New Roman"/>
+        <a:font script="Thai" typeface="Angsana New"/>
+        <a:font script="Ethi" typeface="Nyala"/>
+        <a:font script="Beng" typeface="Vrinda"/>
+        <a:font script="Gujr" typeface="Shruti"/>
+        <a:font script="Khmr" typeface="MoolBoran"/>
+        <a:font script="Knda" typeface="Tunga"/>
+        <a:font script="Guru" typeface="Raavi"/>
+        <a:font script="Cans" typeface="Euphemia"/>
+        <a:font script="Cher" typeface="Plantagenet Cherokee"/>
+        <a:font script="Yiii" typeface="Microsoft Yi Baiti"/>
+        <a:font script="Tibt" typeface="Microsoft Himalaya"/>
+        <a:font script="Thaa" typeface="MV Boli"/>
+        <a:font script="Deva" typeface="Mangal"/>
+        <a:font script="Telu" typeface="Gautami"/>
+        <a:font script="Taml" typeface="Latha"/>
+        <a:font script="Syrc" typeface="Estrangelo Edessa"/>
+        <a:font script="Orya" typeface="Kalinga"/>
+        <a:font script="Mlym" typeface="Kartika"/>
+        <a:font script="Laoo" typeface="DokChampa"/>
+        <a:font script="Sinh" typeface="Iskoola Pota"/>
+        <a:font script="Mong" typeface="Mongolian Baiti"/>
+        <a:font script="Viet" typeface="Times New Roman"/>
+        <a:font script="Uigh" typeface="Microsoft Uighur"/>
+        <a:font script="Geor" typeface="Sylfaen"/>
+      </a:majorFont>
+      <a:minorFont>
+        <a:latin typeface="等线"/>
+        <a:ea typeface=""/>
+        <a:cs typeface=""/>
+        <a:font script="Jpan" typeface="游ゴシック"/>
+        <a:font script="Hang" typeface="맑은 고딕"/>
+        <a:font script="Hans" typeface="等线"/>
+        <a:font script="Hant" typeface="新細明體"/>
+        <a:font script="Arab" typeface="Arial"/>
+        <a:font script="Hebr" typeface="Arial"/>
+        <a:font script="Thai" typeface="Cordia New"/>
+        <a:font script="Ethi" typeface="Nyala"/>
+        <a:font script="Beng" typeface="Vrinda"/>
+        <a:font script="Gujr" typeface="Shruti"/>
+        <a:font script="Khmr" typeface="DaunPenh"/>
+        <a:font script="Knda" typeface="Tunga"/>
+        <a:font script="Guru" typeface="Raavi"/>
+        <a:font script="Cans" typeface="Euphemia"/>
+        <a:font script="Cher" typeface="Plantagenet Cherokee"/>
+        <a:font script="Yiii" typeface="Microsoft Yi Baiti"/>
+        <a:font script="Tibt" typeface="Microsoft Himalaya"/>
+        <a:font script="Thaa" typeface="MV Boli"/>
+        <a:font script="Deva" typeface="Mangal"/>
+        <a:font script="Telu" typeface="Gautami"/>
+        <a:font script="Taml" typeface="Latha"/>
+        <a:font script="Syrc" typeface="Estrangelo Edessa"/>
+        <a:font script="Orya" typeface="Kalinga"/>
+        <a:font script="Mlym" typeface="Kartika"/>
+        <a:font script="Laoo" typeface="DokChampa"/>
+        <a:font script="Sinh" typeface="Iskoola Pota"/>
+        <a:font script="Mong" typeface="Mongolian Baiti"/>
+        <a:font script="Viet" typeface="Arial"/>
+        <a:font script="Uigh" typeface="Microsoft Uighur"/>
+        <a:font script="Geor" typeface="Sylfaen"/>
+      </a:minorFont>
+    </a:fontScheme>
+    <a:fmtScheme name="Office">
+      <a:fillStyleLst>
+        <a:solidFill>
+          <a:schemeClr val="phClr"/>
+        </a:solidFill>
+        <a:gradFill rotWithShape="1">
+          <a:gsLst>
+            <a:gs pos="0">
+              <a:schemeClr val="phClr">
+                <a:lumMod val="110000"/>
+                <a:satMod val="105000"/>
+                <a:tint val="67000"/>
+              </a:schemeClr>
+            </a:gs>
+            <a:gs pos="50000">
+              <a:schemeClr val="phClr">
+                <a:lumMod val="105000"/>
+                <a:satMod val="103000"/>
+                <a:tint val="73000"/>
+              </a:schemeClr>
+            </a:gs>
+            <a:gs pos="100000">
+              <a:schemeClr val="phClr">
+                <a:lumMod val="105000"/>
+                <a:satMod val="109000"/>
+                <a:tint val="81000"/>
+              </a:schemeClr>
+            </a:gs>
+          </a:gsLst>
+          <a:lin ang="5400000" scaled="0"/>
+        </a:gradFill>
+        <a:gradFill rotWithShape="1">
+          <a:gsLst>
+            <a:gs pos="0">
+              <a:schemeClr val="phClr">
+                <a:satMod val="103000"/>
+                <a:lumMod val="102000"/>
+                <a:tint val="94000"/>
+              </a:schemeClr>
+            </a:gs>
+            <a:gs pos="50000">
+              <a:schemeClr val="phClr">
+                <a:satMod val="110000"/>
+                <a:lumMod val="100000"/>
+                <a:shade val="100000"/>
+              </a:schemeClr>
+            </a:gs>
+            <a:gs pos="100000">
+              <a:schemeClr val="phClr">
+                <a:lumMod val="99000"/>
+                <a:satMod val="120000"/>
+                <a:shade val="78000"/>
+              </a:schemeClr>
+            </a:gs>
+          </a:gsLst>
+          <a:lin ang="5400000" scaled="0"/>
+        </a:gradFill>
+      </a:fillStyleLst>
+      <a:lnStyleLst>
+        <a:ln w="6350" cap="flat" cmpd="sng" algn="ctr">
+          <a:solidFill>
+            <a:schemeClr val="phClr"/>
+          </a:solidFill>
+          <a:prstDash val="solid"/>
+          <a:miter lim="800000"/>
+        </a:ln>
+        <a:ln w="12700" cap="flat" cmpd="sng" algn="ctr">
+          <a:solidFill>
+            <a:schemeClr val="phClr"/>
+          </a:solidFill>
+          <a:prstDash val="solid"/>
+          <a:miter lim="800000"/>
+        </a:ln>
+        <a:ln w="19050" cap="flat" cmpd="sng" algn="ctr">
+          <a:solidFill>
+            <a:schemeClr val="phClr"/>
+          </a:solidFill>
+          <a:prstDash val="solid"/>
+          <a:miter lim="800000"/>
+        </a:ln>
+      </a:lnStyleLst>
+      <a:effectStyleLst>
+        <a:effectStyle>
+          <a:effectLst/>
+        </a:effectStyle>
+        <a:effectStyle>
+          <a:effectLst/>
+        </a:effectStyle>
+        <a:effectStyle>
+          <a:effectLst>
+            <a:outerShdw blurRad="57150" dist="19050" dir="5400000" algn="ctr" rotWithShape="0">
+              <a:srgbClr val="000000">
+                <a:alpha val="63000"/>
+              </a:srgbClr>
+            </a:outerShdw>
+          </a:effectLst>
+        </a:effectStyle>
+      </a:effectStyleLst>
+      <a:bgFillStyleLst>
+        <a:solidFill>
+          <a:schemeClr val="phClr"/>
+        </a:solidFill>
+        <a:solidFill>
+          <a:schemeClr val="phClr">
+            <a:tint val="95000"/>
+            <a:satMod val="170000"/>
+          </a:schemeClr>
+        </a:solidFill>
+        <a:gradFill rotWithShape="1">
+          <a:gsLst>
+            <a:gs pos="0">
+              <a:schemeClr val="phClr">
+                <a:tint val="93000"/>
+                <a:satMod val="150000"/>
+                <a:shade val="98000"/>
+                <a:lumMod val="102000"/>
+              </a:schemeClr>
+            </a:gs>
+            <a:gs pos="50000">
+              <a:schemeClr val="phClr">
+                <a:tint val="98000"/>
+                <a:satMod val="130000"/>
+                <a:shade val="90000"/>
+                <a:lumMod val="103000"/>
+              </a:schemeClr>
+            </a:gs>
+            <a:gs pos="100000">
+              <a:schemeClr val="phClr">
+                <a:shade val="63000"/>
+                <a:satMod val="120000"/>
+              </a:schemeClr>
+            </a:gs>
+          </a:gsLst>
+          <a:lin ang="5400000" scaled="0"/>
+        </a:gradFill>
+      </a:bgFillStyleLst>
+    </a:fmtScheme>
+  </a:themeElements>
   <a:extLst>
     <a:ext uri="{05A4C25C-085E-4340-85A3-A5531E510DB2}">
       <thm15:themeFamily xmlns:thm15="http://schemas.microsoft.com/office/thememl/2012/main" name="Office Theme" id="{62F939B6-93AF-4DB8-9C6B-D6C7DFDC589F}" vid="{4A3C46E8-61CC-4603-A589-7422A47A8E4A}"/>

--- a/Homomorphic_Encryption/科技论文写作.pptx
+++ b/Homomorphic_Encryption/科技论文写作.pptx
@@ -3,25 +3,27 @@
 <p:presentation xmlns:a="http://schemas.openxmlformats.org/drawingml/2006/main" xmlns:r="http://schemas.openxmlformats.org/officeDocument/2006/relationships" xmlns:p="http://schemas.openxmlformats.org/presentationml/2006/main">
   <p:sldMasterIdLst>
     <p:sldMasterId id="2147483648" r:id="rId1"/>
-    <p:sldMasterId id="2147483660" r:id="rId3"/>
+    <p:sldMasterId id="2147483660" r:id="rId2"/>
   </p:sldMasterIdLst>
   <p:notesMasterIdLst>
-    <p:notesMasterId r:id="rId6"/>
+    <p:notesMasterId r:id="rId13"/>
   </p:notesMasterIdLst>
   <p:sldIdLst>
-    <p:sldId id="256" r:id="rId4"/>
-    <p:sldId id="257" r:id="rId5"/>
-    <p:sldId id="258" r:id="rId7"/>
-    <p:sldId id="259" r:id="rId8"/>
-    <p:sldId id="260" r:id="rId9"/>
-    <p:sldId id="262" r:id="rId10"/>
-    <p:sldId id="263" r:id="rId11"/>
+    <p:sldId id="256" r:id="rId3"/>
+    <p:sldId id="257" r:id="rId4"/>
+    <p:sldId id="258" r:id="rId5"/>
+    <p:sldId id="259" r:id="rId6"/>
+    <p:sldId id="260" r:id="rId7"/>
+    <p:sldId id="262" r:id="rId8"/>
+    <p:sldId id="263" r:id="rId9"/>
+    <p:sldId id="266" r:id="rId10"/>
+    <p:sldId id="265" r:id="rId11"/>
     <p:sldId id="264" r:id="rId12"/>
   </p:sldIdLst>
   <p:sldSz cx="12192000" cy="6858000"/>
   <p:notesSz cx="6858000" cy="9144000"/>
   <p:custDataLst>
-    <p:tags r:id="rId16"/>
+    <p:tags r:id="rId14"/>
   </p:custDataLst>
   <p:defaultTextStyle>
     <a:defPPr>
@@ -118,6 +120,11 @@
       </a:defRPr>
     </a:lvl9pPr>
   </p:defaultTextStyle>
+  <p:extLst>
+    <p:ext uri="{EFAFB233-063F-42B5-8137-9DF3F51BA10A}">
+      <p15:sldGuideLst xmlns:p15="http://schemas.microsoft.com/office/powerpoint/2012/main"/>
+    </p:ext>
+  </p:extLst>
 </p:presentation>
 </file>
 
@@ -203,6 +210,7 @@
           <a:p>
             <a:fld id="{82310314-252D-4CE8-BD0A-BDD7C9ABEDDF}" type="datetimeFigureOut">
               <a:rPr lang="zh-CN" altLang="en-US" smtClean="0"/>
+              <a:t>2024/11/13</a:t>
             </a:fld>
             <a:endParaRPr lang="zh-CN" altLang="en-US"/>
           </a:p>
@@ -269,7 +277,6 @@
               <a:rPr lang="zh-CN" altLang="en-US"/>
               <a:t>单击此处编辑母版文本样式</a:t>
             </a:r>
-            <a:endParaRPr lang="zh-CN" altLang="en-US"/>
           </a:p>
           <a:p>
             <a:pPr lvl="1"/>
@@ -277,7 +284,6 @@
               <a:rPr lang="zh-CN" altLang="en-US"/>
               <a:t>二级</a:t>
             </a:r>
-            <a:endParaRPr lang="zh-CN" altLang="en-US"/>
           </a:p>
           <a:p>
             <a:pPr lvl="2"/>
@@ -285,7 +291,6 @@
               <a:rPr lang="zh-CN" altLang="en-US"/>
               <a:t>三级</a:t>
             </a:r>
-            <a:endParaRPr lang="zh-CN" altLang="en-US"/>
           </a:p>
           <a:p>
             <a:pPr lvl="3"/>
@@ -293,7 +298,6 @@
               <a:rPr lang="zh-CN" altLang="en-US"/>
               <a:t>四级</a:t>
             </a:r>
-            <a:endParaRPr lang="zh-CN" altLang="en-US"/>
           </a:p>
           <a:p>
             <a:pPr lvl="4"/>
@@ -301,7 +305,6 @@
               <a:rPr lang="zh-CN" altLang="en-US"/>
               <a:t>五级</a:t>
             </a:r>
-            <a:endParaRPr lang="zh-CN" altLang="en-US"/>
           </a:p>
         </p:txBody>
       </p:sp>
@@ -365,6 +368,7 @@
           <a:p>
             <a:fld id="{866E2309-0A18-4646-8677-733D84D5DAD4}" type="slidenum">
               <a:rPr lang="zh-CN" altLang="en-US" smtClean="0"/>
+              <a:t>‹#›</a:t>
             </a:fld>
             <a:endParaRPr lang="zh-CN" altLang="en-US"/>
           </a:p>
@@ -524,7 +528,6 @@
               <a:rPr lang="zh-CN" altLang="en-US" dirty="0"/>
               <a:t>和美密官网</a:t>
             </a:r>
-            <a:endParaRPr lang="zh-CN" altLang="en-US" dirty="0"/>
           </a:p>
         </p:txBody>
       </p:sp>
@@ -545,6 +548,7 @@
           <a:p>
             <a:fld id="{866E2309-0A18-4646-8677-733D84D5DAD4}" type="slidenum">
               <a:rPr lang="zh-CN" altLang="en-US" smtClean="0"/>
+              <a:t>2</a:t>
             </a:fld>
             <a:endParaRPr lang="zh-CN" altLang="en-US"/>
           </a:p>
@@ -603,7 +607,6 @@
               <a:rPr lang="zh-CN" altLang="en-US"/>
               <a:t>单击此处编辑母版标题样式</a:t>
             </a:r>
-            <a:endParaRPr lang="zh-CN" altLang="en-US"/>
           </a:p>
         </p:txBody>
       </p:sp>
@@ -668,7 +671,6 @@
               <a:rPr lang="zh-CN" altLang="en-US"/>
               <a:t>单击此处编辑母版副标题样式</a:t>
             </a:r>
-            <a:endParaRPr lang="zh-CN" altLang="en-US"/>
           </a:p>
         </p:txBody>
       </p:sp>
@@ -689,6 +691,7 @@
           <a:p>
             <a:fld id="{5AD7F448-1F68-40D7-B5F9-4CDE90E69F76}" type="datetimeFigureOut">
               <a:rPr lang="zh-CN" altLang="en-US" smtClean="0"/>
+              <a:t>2024/11/13</a:t>
             </a:fld>
             <a:endParaRPr lang="zh-CN" altLang="en-US"/>
           </a:p>
@@ -730,6 +733,7 @@
           <a:p>
             <a:fld id="{3A216AA9-6775-4531-A0E8-15FF532D7431}" type="slidenum">
               <a:rPr lang="zh-CN" altLang="en-US" smtClean="0"/>
+              <a:t>‹#›</a:t>
             </a:fld>
             <a:endParaRPr lang="zh-CN" altLang="en-US"/>
           </a:p>
@@ -779,7 +783,6 @@
               <a:rPr lang="zh-CN" altLang="en-US"/>
               <a:t>单击此处编辑母版标题样式</a:t>
             </a:r>
-            <a:endParaRPr lang="zh-CN" altLang="en-US"/>
           </a:p>
         </p:txBody>
       </p:sp>
@@ -803,7 +806,6 @@
               <a:rPr lang="zh-CN" altLang="en-US"/>
               <a:t>单击此处编辑母版文本样式</a:t>
             </a:r>
-            <a:endParaRPr lang="zh-CN" altLang="en-US"/>
           </a:p>
           <a:p>
             <a:pPr lvl="1"/>
@@ -811,7 +813,6 @@
               <a:rPr lang="zh-CN" altLang="en-US"/>
               <a:t>二级</a:t>
             </a:r>
-            <a:endParaRPr lang="zh-CN" altLang="en-US"/>
           </a:p>
           <a:p>
             <a:pPr lvl="2"/>
@@ -819,7 +820,6 @@
               <a:rPr lang="zh-CN" altLang="en-US"/>
               <a:t>三级</a:t>
             </a:r>
-            <a:endParaRPr lang="zh-CN" altLang="en-US"/>
           </a:p>
           <a:p>
             <a:pPr lvl="3"/>
@@ -827,7 +827,6 @@
               <a:rPr lang="zh-CN" altLang="en-US"/>
               <a:t>四级</a:t>
             </a:r>
-            <a:endParaRPr lang="zh-CN" altLang="en-US"/>
           </a:p>
           <a:p>
             <a:pPr lvl="4"/>
@@ -835,7 +834,6 @@
               <a:rPr lang="zh-CN" altLang="en-US"/>
               <a:t>五级</a:t>
             </a:r>
-            <a:endParaRPr lang="zh-CN" altLang="en-US"/>
           </a:p>
         </p:txBody>
       </p:sp>
@@ -856,6 +854,7 @@
           <a:p>
             <a:fld id="{5AD7F448-1F68-40D7-B5F9-4CDE90E69F76}" type="datetimeFigureOut">
               <a:rPr lang="zh-CN" altLang="en-US" smtClean="0"/>
+              <a:t>2024/11/13</a:t>
             </a:fld>
             <a:endParaRPr lang="zh-CN" altLang="en-US"/>
           </a:p>
@@ -897,6 +896,7 @@
           <a:p>
             <a:fld id="{3A216AA9-6775-4531-A0E8-15FF532D7431}" type="slidenum">
               <a:rPr lang="zh-CN" altLang="en-US" smtClean="0"/>
+              <a:t>‹#›</a:t>
             </a:fld>
             <a:endParaRPr lang="zh-CN" altLang="en-US"/>
           </a:p>
@@ -951,7 +951,6 @@
               <a:rPr lang="zh-CN" altLang="en-US"/>
               <a:t>单击此处编辑母版标题样式</a:t>
             </a:r>
-            <a:endParaRPr lang="zh-CN" altLang="en-US"/>
           </a:p>
         </p:txBody>
       </p:sp>
@@ -980,7 +979,6 @@
               <a:rPr lang="zh-CN" altLang="en-US"/>
               <a:t>单击此处编辑母版文本样式</a:t>
             </a:r>
-            <a:endParaRPr lang="zh-CN" altLang="en-US"/>
           </a:p>
           <a:p>
             <a:pPr lvl="1"/>
@@ -988,7 +986,6 @@
               <a:rPr lang="zh-CN" altLang="en-US"/>
               <a:t>二级</a:t>
             </a:r>
-            <a:endParaRPr lang="zh-CN" altLang="en-US"/>
           </a:p>
           <a:p>
             <a:pPr lvl="2"/>
@@ -996,7 +993,6 @@
               <a:rPr lang="zh-CN" altLang="en-US"/>
               <a:t>三级</a:t>
             </a:r>
-            <a:endParaRPr lang="zh-CN" altLang="en-US"/>
           </a:p>
           <a:p>
             <a:pPr lvl="3"/>
@@ -1004,7 +1000,6 @@
               <a:rPr lang="zh-CN" altLang="en-US"/>
               <a:t>四级</a:t>
             </a:r>
-            <a:endParaRPr lang="zh-CN" altLang="en-US"/>
           </a:p>
           <a:p>
             <a:pPr lvl="4"/>
@@ -1012,7 +1007,6 @@
               <a:rPr lang="zh-CN" altLang="en-US"/>
               <a:t>五级</a:t>
             </a:r>
-            <a:endParaRPr lang="zh-CN" altLang="en-US"/>
           </a:p>
         </p:txBody>
       </p:sp>
@@ -1033,6 +1027,7 @@
           <a:p>
             <a:fld id="{5AD7F448-1F68-40D7-B5F9-4CDE90E69F76}" type="datetimeFigureOut">
               <a:rPr lang="zh-CN" altLang="en-US" smtClean="0"/>
+              <a:t>2024/11/13</a:t>
             </a:fld>
             <a:endParaRPr lang="zh-CN" altLang="en-US"/>
           </a:p>
@@ -1074,6 +1069,7 @@
           <a:p>
             <a:fld id="{3A216AA9-6775-4531-A0E8-15FF532D7431}" type="slidenum">
               <a:rPr lang="zh-CN" altLang="en-US" smtClean="0"/>
+              <a:t>‹#›</a:t>
             </a:fld>
             <a:endParaRPr lang="zh-CN" altLang="en-US"/>
           </a:p>
@@ -1132,7 +1128,6 @@
               <a:rPr lang="zh-CN" altLang="en-US"/>
               <a:t>单击此处编辑母版标题样式</a:t>
             </a:r>
-            <a:endParaRPr lang="zh-CN" altLang="en-US"/>
           </a:p>
         </p:txBody>
       </p:sp>
@@ -1197,7 +1192,6 @@
               <a:rPr lang="zh-CN" altLang="en-US"/>
               <a:t>单击此处编辑母版副标题样式</a:t>
             </a:r>
-            <a:endParaRPr lang="zh-CN" altLang="en-US"/>
           </a:p>
         </p:txBody>
       </p:sp>
@@ -1218,6 +1212,7 @@
           <a:p>
             <a:fld id="{5AD7F448-1F68-40D7-B5F9-4CDE90E69F76}" type="datetimeFigureOut">
               <a:rPr lang="zh-CN" altLang="en-US" smtClean="0"/>
+              <a:t>2024/11/13</a:t>
             </a:fld>
             <a:endParaRPr lang="zh-CN" altLang="en-US"/>
           </a:p>
@@ -1259,6 +1254,7 @@
           <a:p>
             <a:fld id="{3A216AA9-6775-4531-A0E8-15FF532D7431}" type="slidenum">
               <a:rPr lang="zh-CN" altLang="en-US" smtClean="0"/>
+              <a:t>‹#›</a:t>
             </a:fld>
             <a:endParaRPr lang="zh-CN" altLang="en-US"/>
           </a:p>
@@ -1308,7 +1304,6 @@
               <a:rPr lang="zh-CN" altLang="en-US"/>
               <a:t>单击此处编辑母版标题样式</a:t>
             </a:r>
-            <a:endParaRPr lang="zh-CN" altLang="en-US"/>
           </a:p>
         </p:txBody>
       </p:sp>
@@ -1332,7 +1327,6 @@
               <a:rPr lang="zh-CN" altLang="en-US"/>
               <a:t>单击此处编辑母版文本样式</a:t>
             </a:r>
-            <a:endParaRPr lang="zh-CN" altLang="en-US"/>
           </a:p>
           <a:p>
             <a:pPr lvl="1"/>
@@ -1340,7 +1334,6 @@
               <a:rPr lang="zh-CN" altLang="en-US"/>
               <a:t>二级</a:t>
             </a:r>
-            <a:endParaRPr lang="zh-CN" altLang="en-US"/>
           </a:p>
           <a:p>
             <a:pPr lvl="2"/>
@@ -1348,7 +1341,6 @@
               <a:rPr lang="zh-CN" altLang="en-US"/>
               <a:t>三级</a:t>
             </a:r>
-            <a:endParaRPr lang="zh-CN" altLang="en-US"/>
           </a:p>
           <a:p>
             <a:pPr lvl="3"/>
@@ -1356,7 +1348,6 @@
               <a:rPr lang="zh-CN" altLang="en-US"/>
               <a:t>四级</a:t>
             </a:r>
-            <a:endParaRPr lang="zh-CN" altLang="en-US"/>
           </a:p>
           <a:p>
             <a:pPr lvl="4"/>
@@ -1364,7 +1355,6 @@
               <a:rPr lang="zh-CN" altLang="en-US"/>
               <a:t>五级</a:t>
             </a:r>
-            <a:endParaRPr lang="zh-CN" altLang="en-US"/>
           </a:p>
         </p:txBody>
       </p:sp>
@@ -1385,6 +1375,7 @@
           <a:p>
             <a:fld id="{5AD7F448-1F68-40D7-B5F9-4CDE90E69F76}" type="datetimeFigureOut">
               <a:rPr lang="zh-CN" altLang="en-US" smtClean="0"/>
+              <a:t>2024/11/13</a:t>
             </a:fld>
             <a:endParaRPr lang="zh-CN" altLang="en-US"/>
           </a:p>
@@ -1426,6 +1417,7 @@
           <a:p>
             <a:fld id="{3A216AA9-6775-4531-A0E8-15FF532D7431}" type="slidenum">
               <a:rPr lang="zh-CN" altLang="en-US" smtClean="0"/>
+              <a:t>‹#›</a:t>
             </a:fld>
             <a:endParaRPr lang="zh-CN" altLang="en-US"/>
           </a:p>
@@ -1484,7 +1476,6 @@
               <a:rPr lang="zh-CN" altLang="en-US"/>
               <a:t>单击此处编辑母版标题样式</a:t>
             </a:r>
-            <a:endParaRPr lang="zh-CN" altLang="en-US"/>
           </a:p>
         </p:txBody>
       </p:sp>
@@ -1604,7 +1595,6 @@
               <a:rPr lang="zh-CN" altLang="en-US"/>
               <a:t>单击此处编辑母版文本样式</a:t>
             </a:r>
-            <a:endParaRPr lang="zh-CN" altLang="en-US"/>
           </a:p>
         </p:txBody>
       </p:sp>
@@ -1625,6 +1615,7 @@
           <a:p>
             <a:fld id="{5AD7F448-1F68-40D7-B5F9-4CDE90E69F76}" type="datetimeFigureOut">
               <a:rPr lang="zh-CN" altLang="en-US" smtClean="0"/>
+              <a:t>2024/11/13</a:t>
             </a:fld>
             <a:endParaRPr lang="zh-CN" altLang="en-US"/>
           </a:p>
@@ -1666,6 +1657,7 @@
           <a:p>
             <a:fld id="{3A216AA9-6775-4531-A0E8-15FF532D7431}" type="slidenum">
               <a:rPr lang="zh-CN" altLang="en-US" smtClean="0"/>
+              <a:t>‹#›</a:t>
             </a:fld>
             <a:endParaRPr lang="zh-CN" altLang="en-US"/>
           </a:p>
@@ -1715,7 +1707,6 @@
               <a:rPr lang="zh-CN" altLang="en-US"/>
               <a:t>单击此处编辑母版标题样式</a:t>
             </a:r>
-            <a:endParaRPr lang="zh-CN" altLang="en-US"/>
           </a:p>
         </p:txBody>
       </p:sp>
@@ -1744,7 +1735,6 @@
               <a:rPr lang="zh-CN" altLang="en-US"/>
               <a:t>单击此处编辑母版文本样式</a:t>
             </a:r>
-            <a:endParaRPr lang="zh-CN" altLang="en-US"/>
           </a:p>
           <a:p>
             <a:pPr lvl="1"/>
@@ -1752,7 +1742,6 @@
               <a:rPr lang="zh-CN" altLang="en-US"/>
               <a:t>二级</a:t>
             </a:r>
-            <a:endParaRPr lang="zh-CN" altLang="en-US"/>
           </a:p>
           <a:p>
             <a:pPr lvl="2"/>
@@ -1760,7 +1749,6 @@
               <a:rPr lang="zh-CN" altLang="en-US"/>
               <a:t>三级</a:t>
             </a:r>
-            <a:endParaRPr lang="zh-CN" altLang="en-US"/>
           </a:p>
           <a:p>
             <a:pPr lvl="3"/>
@@ -1768,7 +1756,6 @@
               <a:rPr lang="zh-CN" altLang="en-US"/>
               <a:t>四级</a:t>
             </a:r>
-            <a:endParaRPr lang="zh-CN" altLang="en-US"/>
           </a:p>
           <a:p>
             <a:pPr lvl="4"/>
@@ -1776,7 +1763,6 @@
               <a:rPr lang="zh-CN" altLang="en-US"/>
               <a:t>五级</a:t>
             </a:r>
-            <a:endParaRPr lang="zh-CN" altLang="en-US"/>
           </a:p>
         </p:txBody>
       </p:sp>
@@ -1805,7 +1791,6 @@
               <a:rPr lang="zh-CN" altLang="en-US"/>
               <a:t>单击此处编辑母版文本样式</a:t>
             </a:r>
-            <a:endParaRPr lang="zh-CN" altLang="en-US"/>
           </a:p>
           <a:p>
             <a:pPr lvl="1"/>
@@ -1813,7 +1798,6 @@
               <a:rPr lang="zh-CN" altLang="en-US"/>
               <a:t>二级</a:t>
             </a:r>
-            <a:endParaRPr lang="zh-CN" altLang="en-US"/>
           </a:p>
           <a:p>
             <a:pPr lvl="2"/>
@@ -1821,7 +1805,6 @@
               <a:rPr lang="zh-CN" altLang="en-US"/>
               <a:t>三级</a:t>
             </a:r>
-            <a:endParaRPr lang="zh-CN" altLang="en-US"/>
           </a:p>
           <a:p>
             <a:pPr lvl="3"/>
@@ -1829,7 +1812,6 @@
               <a:rPr lang="zh-CN" altLang="en-US"/>
               <a:t>四级</a:t>
             </a:r>
-            <a:endParaRPr lang="zh-CN" altLang="en-US"/>
           </a:p>
           <a:p>
             <a:pPr lvl="4"/>
@@ -1837,7 +1819,6 @@
               <a:rPr lang="zh-CN" altLang="en-US"/>
               <a:t>五级</a:t>
             </a:r>
-            <a:endParaRPr lang="zh-CN" altLang="en-US"/>
           </a:p>
         </p:txBody>
       </p:sp>
@@ -1858,6 +1839,7 @@
           <a:p>
             <a:fld id="{5AD7F448-1F68-40D7-B5F9-4CDE90E69F76}" type="datetimeFigureOut">
               <a:rPr lang="zh-CN" altLang="en-US" smtClean="0"/>
+              <a:t>2024/11/13</a:t>
             </a:fld>
             <a:endParaRPr lang="zh-CN" altLang="en-US"/>
           </a:p>
@@ -1899,6 +1881,7 @@
           <a:p>
             <a:fld id="{3A216AA9-6775-4531-A0E8-15FF532D7431}" type="slidenum">
               <a:rPr lang="zh-CN" altLang="en-US" smtClean="0"/>
+              <a:t>‹#›</a:t>
             </a:fld>
             <a:endParaRPr lang="zh-CN" altLang="en-US"/>
           </a:p>
@@ -1953,7 +1936,6 @@
               <a:rPr lang="zh-CN" altLang="en-US"/>
               <a:t>单击此处编辑母版标题样式</a:t>
             </a:r>
-            <a:endParaRPr lang="zh-CN" altLang="en-US"/>
           </a:p>
         </p:txBody>
       </p:sp>
@@ -2019,7 +2001,6 @@
               <a:rPr lang="zh-CN" altLang="en-US"/>
               <a:t>单击此处编辑母版文本样式</a:t>
             </a:r>
-            <a:endParaRPr lang="zh-CN" altLang="en-US"/>
           </a:p>
         </p:txBody>
       </p:sp>
@@ -2048,7 +2029,6 @@
               <a:rPr lang="zh-CN" altLang="en-US"/>
               <a:t>单击此处编辑母版文本样式</a:t>
             </a:r>
-            <a:endParaRPr lang="zh-CN" altLang="en-US"/>
           </a:p>
           <a:p>
             <a:pPr lvl="1"/>
@@ -2056,7 +2036,6 @@
               <a:rPr lang="zh-CN" altLang="en-US"/>
               <a:t>二级</a:t>
             </a:r>
-            <a:endParaRPr lang="zh-CN" altLang="en-US"/>
           </a:p>
           <a:p>
             <a:pPr lvl="2"/>
@@ -2064,7 +2043,6 @@
               <a:rPr lang="zh-CN" altLang="en-US"/>
               <a:t>三级</a:t>
             </a:r>
-            <a:endParaRPr lang="zh-CN" altLang="en-US"/>
           </a:p>
           <a:p>
             <a:pPr lvl="3"/>
@@ -2072,7 +2050,6 @@
               <a:rPr lang="zh-CN" altLang="en-US"/>
               <a:t>四级</a:t>
             </a:r>
-            <a:endParaRPr lang="zh-CN" altLang="en-US"/>
           </a:p>
           <a:p>
             <a:pPr lvl="4"/>
@@ -2080,7 +2057,6 @@
               <a:rPr lang="zh-CN" altLang="en-US"/>
               <a:t>五级</a:t>
             </a:r>
-            <a:endParaRPr lang="zh-CN" altLang="en-US"/>
           </a:p>
         </p:txBody>
       </p:sp>
@@ -2146,7 +2122,6 @@
               <a:rPr lang="zh-CN" altLang="en-US"/>
               <a:t>单击此处编辑母版文本样式</a:t>
             </a:r>
-            <a:endParaRPr lang="zh-CN" altLang="en-US"/>
           </a:p>
         </p:txBody>
       </p:sp>
@@ -2175,7 +2150,6 @@
               <a:rPr lang="zh-CN" altLang="en-US"/>
               <a:t>单击此处编辑母版文本样式</a:t>
             </a:r>
-            <a:endParaRPr lang="zh-CN" altLang="en-US"/>
           </a:p>
           <a:p>
             <a:pPr lvl="1"/>
@@ -2183,7 +2157,6 @@
               <a:rPr lang="zh-CN" altLang="en-US"/>
               <a:t>二级</a:t>
             </a:r>
-            <a:endParaRPr lang="zh-CN" altLang="en-US"/>
           </a:p>
           <a:p>
             <a:pPr lvl="2"/>
@@ -2191,7 +2164,6 @@
               <a:rPr lang="zh-CN" altLang="en-US"/>
               <a:t>三级</a:t>
             </a:r>
-            <a:endParaRPr lang="zh-CN" altLang="en-US"/>
           </a:p>
           <a:p>
             <a:pPr lvl="3"/>
@@ -2199,7 +2171,6 @@
               <a:rPr lang="zh-CN" altLang="en-US"/>
               <a:t>四级</a:t>
             </a:r>
-            <a:endParaRPr lang="zh-CN" altLang="en-US"/>
           </a:p>
           <a:p>
             <a:pPr lvl="4"/>
@@ -2207,7 +2178,6 @@
               <a:rPr lang="zh-CN" altLang="en-US"/>
               <a:t>五级</a:t>
             </a:r>
-            <a:endParaRPr lang="zh-CN" altLang="en-US"/>
           </a:p>
         </p:txBody>
       </p:sp>
@@ -2228,6 +2198,7 @@
           <a:p>
             <a:fld id="{5AD7F448-1F68-40D7-B5F9-4CDE90E69F76}" type="datetimeFigureOut">
               <a:rPr lang="zh-CN" altLang="en-US" smtClean="0"/>
+              <a:t>2024/11/13</a:t>
             </a:fld>
             <a:endParaRPr lang="zh-CN" altLang="en-US"/>
           </a:p>
@@ -2269,6 +2240,7 @@
           <a:p>
             <a:fld id="{3A216AA9-6775-4531-A0E8-15FF532D7431}" type="slidenum">
               <a:rPr lang="zh-CN" altLang="en-US" smtClean="0"/>
+              <a:t>‹#›</a:t>
             </a:fld>
             <a:endParaRPr lang="zh-CN" altLang="en-US"/>
           </a:p>
@@ -2318,7 +2290,6 @@
               <a:rPr lang="zh-CN" altLang="en-US"/>
               <a:t>单击此处编辑母版标题样式</a:t>
             </a:r>
-            <a:endParaRPr lang="zh-CN" altLang="en-US"/>
           </a:p>
         </p:txBody>
       </p:sp>
@@ -2339,6 +2310,7 @@
           <a:p>
             <a:fld id="{5AD7F448-1F68-40D7-B5F9-4CDE90E69F76}" type="datetimeFigureOut">
               <a:rPr lang="zh-CN" altLang="en-US" smtClean="0"/>
+              <a:t>2024/11/13</a:t>
             </a:fld>
             <a:endParaRPr lang="zh-CN" altLang="en-US"/>
           </a:p>
@@ -2380,6 +2352,7 @@
           <a:p>
             <a:fld id="{3A216AA9-6775-4531-A0E8-15FF532D7431}" type="slidenum">
               <a:rPr lang="zh-CN" altLang="en-US" smtClean="0"/>
+              <a:t>‹#›</a:t>
             </a:fld>
             <a:endParaRPr lang="zh-CN" altLang="en-US"/>
           </a:p>
@@ -2427,6 +2400,7 @@
           <a:p>
             <a:fld id="{5AD7F448-1F68-40D7-B5F9-4CDE90E69F76}" type="datetimeFigureOut">
               <a:rPr lang="zh-CN" altLang="en-US" smtClean="0"/>
+              <a:t>2024/11/13</a:t>
             </a:fld>
             <a:endParaRPr lang="zh-CN" altLang="en-US"/>
           </a:p>
@@ -2468,6 +2442,7 @@
           <a:p>
             <a:fld id="{3A216AA9-6775-4531-A0E8-15FF532D7431}" type="slidenum">
               <a:rPr lang="zh-CN" altLang="en-US" smtClean="0"/>
+              <a:t>‹#›</a:t>
             </a:fld>
             <a:endParaRPr lang="zh-CN" altLang="en-US"/>
           </a:p>
@@ -2526,7 +2501,6 @@
               <a:rPr lang="zh-CN" altLang="en-US"/>
               <a:t>单击此处编辑母版标题样式</a:t>
             </a:r>
-            <a:endParaRPr lang="zh-CN" altLang="en-US"/>
           </a:p>
         </p:txBody>
       </p:sp>
@@ -2583,7 +2557,6 @@
               <a:rPr lang="zh-CN" altLang="en-US"/>
               <a:t>单击此处编辑母版文本样式</a:t>
             </a:r>
-            <a:endParaRPr lang="zh-CN" altLang="en-US"/>
           </a:p>
           <a:p>
             <a:pPr lvl="1"/>
@@ -2591,7 +2564,6 @@
               <a:rPr lang="zh-CN" altLang="en-US"/>
               <a:t>二级</a:t>
             </a:r>
-            <a:endParaRPr lang="zh-CN" altLang="en-US"/>
           </a:p>
           <a:p>
             <a:pPr lvl="2"/>
@@ -2599,7 +2571,6 @@
               <a:rPr lang="zh-CN" altLang="en-US"/>
               <a:t>三级</a:t>
             </a:r>
-            <a:endParaRPr lang="zh-CN" altLang="en-US"/>
           </a:p>
           <a:p>
             <a:pPr lvl="3"/>
@@ -2607,7 +2578,6 @@
               <a:rPr lang="zh-CN" altLang="en-US"/>
               <a:t>四级</a:t>
             </a:r>
-            <a:endParaRPr lang="zh-CN" altLang="en-US"/>
           </a:p>
           <a:p>
             <a:pPr lvl="4"/>
@@ -2615,7 +2585,6 @@
               <a:rPr lang="zh-CN" altLang="en-US"/>
               <a:t>五级</a:t>
             </a:r>
-            <a:endParaRPr lang="zh-CN" altLang="en-US"/>
           </a:p>
         </p:txBody>
       </p:sp>
@@ -2681,7 +2650,6 @@
               <a:rPr lang="zh-CN" altLang="en-US"/>
               <a:t>单击此处编辑母版文本样式</a:t>
             </a:r>
-            <a:endParaRPr lang="zh-CN" altLang="en-US"/>
           </a:p>
         </p:txBody>
       </p:sp>
@@ -2702,6 +2670,7 @@
           <a:p>
             <a:fld id="{5AD7F448-1F68-40D7-B5F9-4CDE90E69F76}" type="datetimeFigureOut">
               <a:rPr lang="zh-CN" altLang="en-US" smtClean="0"/>
+              <a:t>2024/11/13</a:t>
             </a:fld>
             <a:endParaRPr lang="zh-CN" altLang="en-US"/>
           </a:p>
@@ -2743,6 +2712,7 @@
           <a:p>
             <a:fld id="{3A216AA9-6775-4531-A0E8-15FF532D7431}" type="slidenum">
               <a:rPr lang="zh-CN" altLang="en-US" smtClean="0"/>
+              <a:t>‹#›</a:t>
             </a:fld>
             <a:endParaRPr lang="zh-CN" altLang="en-US"/>
           </a:p>
@@ -2792,7 +2762,6 @@
               <a:rPr lang="zh-CN" altLang="en-US"/>
               <a:t>单击此处编辑母版标题样式</a:t>
             </a:r>
-            <a:endParaRPr lang="zh-CN" altLang="en-US"/>
           </a:p>
         </p:txBody>
       </p:sp>
@@ -2816,7 +2785,6 @@
               <a:rPr lang="zh-CN" altLang="en-US"/>
               <a:t>单击此处编辑母版文本样式</a:t>
             </a:r>
-            <a:endParaRPr lang="zh-CN" altLang="en-US"/>
           </a:p>
           <a:p>
             <a:pPr lvl="1"/>
@@ -2824,7 +2792,6 @@
               <a:rPr lang="zh-CN" altLang="en-US"/>
               <a:t>二级</a:t>
             </a:r>
-            <a:endParaRPr lang="zh-CN" altLang="en-US"/>
           </a:p>
           <a:p>
             <a:pPr lvl="2"/>
@@ -2832,7 +2799,6 @@
               <a:rPr lang="zh-CN" altLang="en-US"/>
               <a:t>三级</a:t>
             </a:r>
-            <a:endParaRPr lang="zh-CN" altLang="en-US"/>
           </a:p>
           <a:p>
             <a:pPr lvl="3"/>
@@ -2840,7 +2806,6 @@
               <a:rPr lang="zh-CN" altLang="en-US"/>
               <a:t>四级</a:t>
             </a:r>
-            <a:endParaRPr lang="zh-CN" altLang="en-US"/>
           </a:p>
           <a:p>
             <a:pPr lvl="4"/>
@@ -2848,7 +2813,6 @@
               <a:rPr lang="zh-CN" altLang="en-US"/>
               <a:t>五级</a:t>
             </a:r>
-            <a:endParaRPr lang="zh-CN" altLang="en-US"/>
           </a:p>
         </p:txBody>
       </p:sp>
@@ -2869,6 +2833,7 @@
           <a:p>
             <a:fld id="{5AD7F448-1F68-40D7-B5F9-4CDE90E69F76}" type="datetimeFigureOut">
               <a:rPr lang="zh-CN" altLang="en-US" smtClean="0"/>
+              <a:t>2024/11/13</a:t>
             </a:fld>
             <a:endParaRPr lang="zh-CN" altLang="en-US"/>
           </a:p>
@@ -2910,6 +2875,7 @@
           <a:p>
             <a:fld id="{3A216AA9-6775-4531-A0E8-15FF532D7431}" type="slidenum">
               <a:rPr lang="zh-CN" altLang="en-US" smtClean="0"/>
+              <a:t>‹#›</a:t>
             </a:fld>
             <a:endParaRPr lang="zh-CN" altLang="en-US"/>
           </a:p>
@@ -2968,7 +2934,6 @@
               <a:rPr lang="zh-CN" altLang="en-US"/>
               <a:t>单击此处编辑母版标题样式</a:t>
             </a:r>
-            <a:endParaRPr lang="zh-CN" altLang="en-US"/>
           </a:p>
         </p:txBody>
       </p:sp>
@@ -3095,7 +3060,6 @@
               <a:rPr lang="zh-CN" altLang="en-US"/>
               <a:t>单击此处编辑母版文本样式</a:t>
             </a:r>
-            <a:endParaRPr lang="zh-CN" altLang="en-US"/>
           </a:p>
         </p:txBody>
       </p:sp>
@@ -3116,6 +3080,7 @@
           <a:p>
             <a:fld id="{5AD7F448-1F68-40D7-B5F9-4CDE90E69F76}" type="datetimeFigureOut">
               <a:rPr lang="zh-CN" altLang="en-US" smtClean="0"/>
+              <a:t>2024/11/13</a:t>
             </a:fld>
             <a:endParaRPr lang="zh-CN" altLang="en-US"/>
           </a:p>
@@ -3157,6 +3122,7 @@
           <a:p>
             <a:fld id="{3A216AA9-6775-4531-A0E8-15FF532D7431}" type="slidenum">
               <a:rPr lang="zh-CN" altLang="en-US" smtClean="0"/>
+              <a:t>‹#›</a:t>
             </a:fld>
             <a:endParaRPr lang="zh-CN" altLang="en-US"/>
           </a:p>
@@ -3206,7 +3172,6 @@
               <a:rPr lang="zh-CN" altLang="en-US"/>
               <a:t>单击此处编辑母版标题样式</a:t>
             </a:r>
-            <a:endParaRPr lang="zh-CN" altLang="en-US"/>
           </a:p>
         </p:txBody>
       </p:sp>
@@ -3230,7 +3195,6 @@
               <a:rPr lang="zh-CN" altLang="en-US"/>
               <a:t>单击此处编辑母版文本样式</a:t>
             </a:r>
-            <a:endParaRPr lang="zh-CN" altLang="en-US"/>
           </a:p>
           <a:p>
             <a:pPr lvl="1"/>
@@ -3238,7 +3202,6 @@
               <a:rPr lang="zh-CN" altLang="en-US"/>
               <a:t>二级</a:t>
             </a:r>
-            <a:endParaRPr lang="zh-CN" altLang="en-US"/>
           </a:p>
           <a:p>
             <a:pPr lvl="2"/>
@@ -3246,7 +3209,6 @@
               <a:rPr lang="zh-CN" altLang="en-US"/>
               <a:t>三级</a:t>
             </a:r>
-            <a:endParaRPr lang="zh-CN" altLang="en-US"/>
           </a:p>
           <a:p>
             <a:pPr lvl="3"/>
@@ -3254,7 +3216,6 @@
               <a:rPr lang="zh-CN" altLang="en-US"/>
               <a:t>四级</a:t>
             </a:r>
-            <a:endParaRPr lang="zh-CN" altLang="en-US"/>
           </a:p>
           <a:p>
             <a:pPr lvl="4"/>
@@ -3262,7 +3223,6 @@
               <a:rPr lang="zh-CN" altLang="en-US"/>
               <a:t>五级</a:t>
             </a:r>
-            <a:endParaRPr lang="zh-CN" altLang="en-US"/>
           </a:p>
         </p:txBody>
       </p:sp>
@@ -3283,6 +3243,7 @@
           <a:p>
             <a:fld id="{5AD7F448-1F68-40D7-B5F9-4CDE90E69F76}" type="datetimeFigureOut">
               <a:rPr lang="zh-CN" altLang="en-US" smtClean="0"/>
+              <a:t>2024/11/13</a:t>
             </a:fld>
             <a:endParaRPr lang="zh-CN" altLang="en-US"/>
           </a:p>
@@ -3324,6 +3285,7 @@
           <a:p>
             <a:fld id="{3A216AA9-6775-4531-A0E8-15FF532D7431}" type="slidenum">
               <a:rPr lang="zh-CN" altLang="en-US" smtClean="0"/>
+              <a:t>‹#›</a:t>
             </a:fld>
             <a:endParaRPr lang="zh-CN" altLang="en-US"/>
           </a:p>
@@ -3378,7 +3340,6 @@
               <a:rPr lang="zh-CN" altLang="en-US"/>
               <a:t>单击此处编辑母版标题样式</a:t>
             </a:r>
-            <a:endParaRPr lang="zh-CN" altLang="en-US"/>
           </a:p>
         </p:txBody>
       </p:sp>
@@ -3407,7 +3368,6 @@
               <a:rPr lang="zh-CN" altLang="en-US"/>
               <a:t>单击此处编辑母版文本样式</a:t>
             </a:r>
-            <a:endParaRPr lang="zh-CN" altLang="en-US"/>
           </a:p>
           <a:p>
             <a:pPr lvl="1"/>
@@ -3415,7 +3375,6 @@
               <a:rPr lang="zh-CN" altLang="en-US"/>
               <a:t>二级</a:t>
             </a:r>
-            <a:endParaRPr lang="zh-CN" altLang="en-US"/>
           </a:p>
           <a:p>
             <a:pPr lvl="2"/>
@@ -3423,7 +3382,6 @@
               <a:rPr lang="zh-CN" altLang="en-US"/>
               <a:t>三级</a:t>
             </a:r>
-            <a:endParaRPr lang="zh-CN" altLang="en-US"/>
           </a:p>
           <a:p>
             <a:pPr lvl="3"/>
@@ -3431,7 +3389,6 @@
               <a:rPr lang="zh-CN" altLang="en-US"/>
               <a:t>四级</a:t>
             </a:r>
-            <a:endParaRPr lang="zh-CN" altLang="en-US"/>
           </a:p>
           <a:p>
             <a:pPr lvl="4"/>
@@ -3439,7 +3396,6 @@
               <a:rPr lang="zh-CN" altLang="en-US"/>
               <a:t>五级</a:t>
             </a:r>
-            <a:endParaRPr lang="zh-CN" altLang="en-US"/>
           </a:p>
         </p:txBody>
       </p:sp>
@@ -3460,6 +3416,7 @@
           <a:p>
             <a:fld id="{5AD7F448-1F68-40D7-B5F9-4CDE90E69F76}" type="datetimeFigureOut">
               <a:rPr lang="zh-CN" altLang="en-US" smtClean="0"/>
+              <a:t>2024/11/13</a:t>
             </a:fld>
             <a:endParaRPr lang="zh-CN" altLang="en-US"/>
           </a:p>
@@ -3501,6 +3458,7 @@
           <a:p>
             <a:fld id="{3A216AA9-6775-4531-A0E8-15FF532D7431}" type="slidenum">
               <a:rPr lang="zh-CN" altLang="en-US" smtClean="0"/>
+              <a:t>‹#›</a:t>
             </a:fld>
             <a:endParaRPr lang="zh-CN" altLang="en-US"/>
           </a:p>
@@ -3559,7 +3517,6 @@
               <a:rPr lang="zh-CN" altLang="en-US"/>
               <a:t>单击此处编辑母版标题样式</a:t>
             </a:r>
-            <a:endParaRPr lang="zh-CN" altLang="en-US"/>
           </a:p>
         </p:txBody>
       </p:sp>
@@ -3679,7 +3636,6 @@
               <a:rPr lang="zh-CN" altLang="en-US"/>
               <a:t>单击此处编辑母版文本样式</a:t>
             </a:r>
-            <a:endParaRPr lang="zh-CN" altLang="en-US"/>
           </a:p>
         </p:txBody>
       </p:sp>
@@ -3700,6 +3656,7 @@
           <a:p>
             <a:fld id="{5AD7F448-1F68-40D7-B5F9-4CDE90E69F76}" type="datetimeFigureOut">
               <a:rPr lang="zh-CN" altLang="en-US" smtClean="0"/>
+              <a:t>2024/11/13</a:t>
             </a:fld>
             <a:endParaRPr lang="zh-CN" altLang="en-US"/>
           </a:p>
@@ -3741,6 +3698,7 @@
           <a:p>
             <a:fld id="{3A216AA9-6775-4531-A0E8-15FF532D7431}" type="slidenum">
               <a:rPr lang="zh-CN" altLang="en-US" smtClean="0"/>
+              <a:t>‹#›</a:t>
             </a:fld>
             <a:endParaRPr lang="zh-CN" altLang="en-US"/>
           </a:p>
@@ -3790,7 +3748,6 @@
               <a:rPr lang="zh-CN" altLang="en-US"/>
               <a:t>单击此处编辑母版标题样式</a:t>
             </a:r>
-            <a:endParaRPr lang="zh-CN" altLang="en-US"/>
           </a:p>
         </p:txBody>
       </p:sp>
@@ -3819,7 +3776,6 @@
               <a:rPr lang="zh-CN" altLang="en-US"/>
               <a:t>单击此处编辑母版文本样式</a:t>
             </a:r>
-            <a:endParaRPr lang="zh-CN" altLang="en-US"/>
           </a:p>
           <a:p>
             <a:pPr lvl="1"/>
@@ -3827,7 +3783,6 @@
               <a:rPr lang="zh-CN" altLang="en-US"/>
               <a:t>二级</a:t>
             </a:r>
-            <a:endParaRPr lang="zh-CN" altLang="en-US"/>
           </a:p>
           <a:p>
             <a:pPr lvl="2"/>
@@ -3835,7 +3790,6 @@
               <a:rPr lang="zh-CN" altLang="en-US"/>
               <a:t>三级</a:t>
             </a:r>
-            <a:endParaRPr lang="zh-CN" altLang="en-US"/>
           </a:p>
           <a:p>
             <a:pPr lvl="3"/>
@@ -3843,7 +3797,6 @@
               <a:rPr lang="zh-CN" altLang="en-US"/>
               <a:t>四级</a:t>
             </a:r>
-            <a:endParaRPr lang="zh-CN" altLang="en-US"/>
           </a:p>
           <a:p>
             <a:pPr lvl="4"/>
@@ -3851,7 +3804,6 @@
               <a:rPr lang="zh-CN" altLang="en-US"/>
               <a:t>五级</a:t>
             </a:r>
-            <a:endParaRPr lang="zh-CN" altLang="en-US"/>
           </a:p>
         </p:txBody>
       </p:sp>
@@ -3880,7 +3832,6 @@
               <a:rPr lang="zh-CN" altLang="en-US"/>
               <a:t>单击此处编辑母版文本样式</a:t>
             </a:r>
-            <a:endParaRPr lang="zh-CN" altLang="en-US"/>
           </a:p>
           <a:p>
             <a:pPr lvl="1"/>
@@ -3888,7 +3839,6 @@
               <a:rPr lang="zh-CN" altLang="en-US"/>
               <a:t>二级</a:t>
             </a:r>
-            <a:endParaRPr lang="zh-CN" altLang="en-US"/>
           </a:p>
           <a:p>
             <a:pPr lvl="2"/>
@@ -3896,7 +3846,6 @@
               <a:rPr lang="zh-CN" altLang="en-US"/>
               <a:t>三级</a:t>
             </a:r>
-            <a:endParaRPr lang="zh-CN" altLang="en-US"/>
           </a:p>
           <a:p>
             <a:pPr lvl="3"/>
@@ -3904,7 +3853,6 @@
               <a:rPr lang="zh-CN" altLang="en-US"/>
               <a:t>四级</a:t>
             </a:r>
-            <a:endParaRPr lang="zh-CN" altLang="en-US"/>
           </a:p>
           <a:p>
             <a:pPr lvl="4"/>
@@ -3912,7 +3860,6 @@
               <a:rPr lang="zh-CN" altLang="en-US"/>
               <a:t>五级</a:t>
             </a:r>
-            <a:endParaRPr lang="zh-CN" altLang="en-US"/>
           </a:p>
         </p:txBody>
       </p:sp>
@@ -3933,6 +3880,7 @@
           <a:p>
             <a:fld id="{5AD7F448-1F68-40D7-B5F9-4CDE90E69F76}" type="datetimeFigureOut">
               <a:rPr lang="zh-CN" altLang="en-US" smtClean="0"/>
+              <a:t>2024/11/13</a:t>
             </a:fld>
             <a:endParaRPr lang="zh-CN" altLang="en-US"/>
           </a:p>
@@ -3974,6 +3922,7 @@
           <a:p>
             <a:fld id="{3A216AA9-6775-4531-A0E8-15FF532D7431}" type="slidenum">
               <a:rPr lang="zh-CN" altLang="en-US" smtClean="0"/>
+              <a:t>‹#›</a:t>
             </a:fld>
             <a:endParaRPr lang="zh-CN" altLang="en-US"/>
           </a:p>
@@ -4028,7 +3977,6 @@
               <a:rPr lang="zh-CN" altLang="en-US"/>
               <a:t>单击此处编辑母版标题样式</a:t>
             </a:r>
-            <a:endParaRPr lang="zh-CN" altLang="en-US"/>
           </a:p>
         </p:txBody>
       </p:sp>
@@ -4094,7 +4042,6 @@
               <a:rPr lang="zh-CN" altLang="en-US"/>
               <a:t>单击此处编辑母版文本样式</a:t>
             </a:r>
-            <a:endParaRPr lang="zh-CN" altLang="en-US"/>
           </a:p>
         </p:txBody>
       </p:sp>
@@ -4123,7 +4070,6 @@
               <a:rPr lang="zh-CN" altLang="en-US"/>
               <a:t>单击此处编辑母版文本样式</a:t>
             </a:r>
-            <a:endParaRPr lang="zh-CN" altLang="en-US"/>
           </a:p>
           <a:p>
             <a:pPr lvl="1"/>
@@ -4131,7 +4077,6 @@
               <a:rPr lang="zh-CN" altLang="en-US"/>
               <a:t>二级</a:t>
             </a:r>
-            <a:endParaRPr lang="zh-CN" altLang="en-US"/>
           </a:p>
           <a:p>
             <a:pPr lvl="2"/>
@@ -4139,7 +4084,6 @@
               <a:rPr lang="zh-CN" altLang="en-US"/>
               <a:t>三级</a:t>
             </a:r>
-            <a:endParaRPr lang="zh-CN" altLang="en-US"/>
           </a:p>
           <a:p>
             <a:pPr lvl="3"/>
@@ -4147,7 +4091,6 @@
               <a:rPr lang="zh-CN" altLang="en-US"/>
               <a:t>四级</a:t>
             </a:r>
-            <a:endParaRPr lang="zh-CN" altLang="en-US"/>
           </a:p>
           <a:p>
             <a:pPr lvl="4"/>
@@ -4155,7 +4098,6 @@
               <a:rPr lang="zh-CN" altLang="en-US"/>
               <a:t>五级</a:t>
             </a:r>
-            <a:endParaRPr lang="zh-CN" altLang="en-US"/>
           </a:p>
         </p:txBody>
       </p:sp>
@@ -4221,7 +4163,6 @@
               <a:rPr lang="zh-CN" altLang="en-US"/>
               <a:t>单击此处编辑母版文本样式</a:t>
             </a:r>
-            <a:endParaRPr lang="zh-CN" altLang="en-US"/>
           </a:p>
         </p:txBody>
       </p:sp>
@@ -4250,7 +4191,6 @@
               <a:rPr lang="zh-CN" altLang="en-US"/>
               <a:t>单击此处编辑母版文本样式</a:t>
             </a:r>
-            <a:endParaRPr lang="zh-CN" altLang="en-US"/>
           </a:p>
           <a:p>
             <a:pPr lvl="1"/>
@@ -4258,7 +4198,6 @@
               <a:rPr lang="zh-CN" altLang="en-US"/>
               <a:t>二级</a:t>
             </a:r>
-            <a:endParaRPr lang="zh-CN" altLang="en-US"/>
           </a:p>
           <a:p>
             <a:pPr lvl="2"/>
@@ -4266,7 +4205,6 @@
               <a:rPr lang="zh-CN" altLang="en-US"/>
               <a:t>三级</a:t>
             </a:r>
-            <a:endParaRPr lang="zh-CN" altLang="en-US"/>
           </a:p>
           <a:p>
             <a:pPr lvl="3"/>
@@ -4274,7 +4212,6 @@
               <a:rPr lang="zh-CN" altLang="en-US"/>
               <a:t>四级</a:t>
             </a:r>
-            <a:endParaRPr lang="zh-CN" altLang="en-US"/>
           </a:p>
           <a:p>
             <a:pPr lvl="4"/>
@@ -4282,7 +4219,6 @@
               <a:rPr lang="zh-CN" altLang="en-US"/>
               <a:t>五级</a:t>
             </a:r>
-            <a:endParaRPr lang="zh-CN" altLang="en-US"/>
           </a:p>
         </p:txBody>
       </p:sp>
@@ -4303,6 +4239,7 @@
           <a:p>
             <a:fld id="{5AD7F448-1F68-40D7-B5F9-4CDE90E69F76}" type="datetimeFigureOut">
               <a:rPr lang="zh-CN" altLang="en-US" smtClean="0"/>
+              <a:t>2024/11/13</a:t>
             </a:fld>
             <a:endParaRPr lang="zh-CN" altLang="en-US"/>
           </a:p>
@@ -4344,6 +4281,7 @@
           <a:p>
             <a:fld id="{3A216AA9-6775-4531-A0E8-15FF532D7431}" type="slidenum">
               <a:rPr lang="zh-CN" altLang="en-US" smtClean="0"/>
+              <a:t>‹#›</a:t>
             </a:fld>
             <a:endParaRPr lang="zh-CN" altLang="en-US"/>
           </a:p>
@@ -4393,7 +4331,6 @@
               <a:rPr lang="zh-CN" altLang="en-US"/>
               <a:t>单击此处编辑母版标题样式</a:t>
             </a:r>
-            <a:endParaRPr lang="zh-CN" altLang="en-US"/>
           </a:p>
         </p:txBody>
       </p:sp>
@@ -4414,6 +4351,7 @@
           <a:p>
             <a:fld id="{5AD7F448-1F68-40D7-B5F9-4CDE90E69F76}" type="datetimeFigureOut">
               <a:rPr lang="zh-CN" altLang="en-US" smtClean="0"/>
+              <a:t>2024/11/13</a:t>
             </a:fld>
             <a:endParaRPr lang="zh-CN" altLang="en-US"/>
           </a:p>
@@ -4455,6 +4393,7 @@
           <a:p>
             <a:fld id="{3A216AA9-6775-4531-A0E8-15FF532D7431}" type="slidenum">
               <a:rPr lang="zh-CN" altLang="en-US" smtClean="0"/>
+              <a:t>‹#›</a:t>
             </a:fld>
             <a:endParaRPr lang="zh-CN" altLang="en-US"/>
           </a:p>
@@ -4502,6 +4441,7 @@
           <a:p>
             <a:fld id="{5AD7F448-1F68-40D7-B5F9-4CDE90E69F76}" type="datetimeFigureOut">
               <a:rPr lang="zh-CN" altLang="en-US" smtClean="0"/>
+              <a:t>2024/11/13</a:t>
             </a:fld>
             <a:endParaRPr lang="zh-CN" altLang="en-US"/>
           </a:p>
@@ -4543,6 +4483,7 @@
           <a:p>
             <a:fld id="{3A216AA9-6775-4531-A0E8-15FF532D7431}" type="slidenum">
               <a:rPr lang="zh-CN" altLang="en-US" smtClean="0"/>
+              <a:t>‹#›</a:t>
             </a:fld>
             <a:endParaRPr lang="zh-CN" altLang="en-US"/>
           </a:p>
@@ -4601,7 +4542,6 @@
               <a:rPr lang="zh-CN" altLang="en-US"/>
               <a:t>单击此处编辑母版标题样式</a:t>
             </a:r>
-            <a:endParaRPr lang="zh-CN" altLang="en-US"/>
           </a:p>
         </p:txBody>
       </p:sp>
@@ -4658,7 +4598,6 @@
               <a:rPr lang="zh-CN" altLang="en-US"/>
               <a:t>单击此处编辑母版文本样式</a:t>
             </a:r>
-            <a:endParaRPr lang="zh-CN" altLang="en-US"/>
           </a:p>
           <a:p>
             <a:pPr lvl="1"/>
@@ -4666,7 +4605,6 @@
               <a:rPr lang="zh-CN" altLang="en-US"/>
               <a:t>二级</a:t>
             </a:r>
-            <a:endParaRPr lang="zh-CN" altLang="en-US"/>
           </a:p>
           <a:p>
             <a:pPr lvl="2"/>
@@ -4674,7 +4612,6 @@
               <a:rPr lang="zh-CN" altLang="en-US"/>
               <a:t>三级</a:t>
             </a:r>
-            <a:endParaRPr lang="zh-CN" altLang="en-US"/>
           </a:p>
           <a:p>
             <a:pPr lvl="3"/>
@@ -4682,7 +4619,6 @@
               <a:rPr lang="zh-CN" altLang="en-US"/>
               <a:t>四级</a:t>
             </a:r>
-            <a:endParaRPr lang="zh-CN" altLang="en-US"/>
           </a:p>
           <a:p>
             <a:pPr lvl="4"/>
@@ -4690,7 +4626,6 @@
               <a:rPr lang="zh-CN" altLang="en-US"/>
               <a:t>五级</a:t>
             </a:r>
-            <a:endParaRPr lang="zh-CN" altLang="en-US"/>
           </a:p>
         </p:txBody>
       </p:sp>
@@ -4756,7 +4691,6 @@
               <a:rPr lang="zh-CN" altLang="en-US"/>
               <a:t>单击此处编辑母版文本样式</a:t>
             </a:r>
-            <a:endParaRPr lang="zh-CN" altLang="en-US"/>
           </a:p>
         </p:txBody>
       </p:sp>
@@ -4777,6 +4711,7 @@
           <a:p>
             <a:fld id="{5AD7F448-1F68-40D7-B5F9-4CDE90E69F76}" type="datetimeFigureOut">
               <a:rPr lang="zh-CN" altLang="en-US" smtClean="0"/>
+              <a:t>2024/11/13</a:t>
             </a:fld>
             <a:endParaRPr lang="zh-CN" altLang="en-US"/>
           </a:p>
@@ -4818,6 +4753,7 @@
           <a:p>
             <a:fld id="{3A216AA9-6775-4531-A0E8-15FF532D7431}" type="slidenum">
               <a:rPr lang="zh-CN" altLang="en-US" smtClean="0"/>
+              <a:t>‹#›</a:t>
             </a:fld>
             <a:endParaRPr lang="zh-CN" altLang="en-US"/>
           </a:p>
@@ -4876,7 +4812,6 @@
               <a:rPr lang="zh-CN" altLang="en-US"/>
               <a:t>单击此处编辑母版标题样式</a:t>
             </a:r>
-            <a:endParaRPr lang="zh-CN" altLang="en-US"/>
           </a:p>
         </p:txBody>
       </p:sp>
@@ -5003,7 +4938,6 @@
               <a:rPr lang="zh-CN" altLang="en-US"/>
               <a:t>单击此处编辑母版文本样式</a:t>
             </a:r>
-            <a:endParaRPr lang="zh-CN" altLang="en-US"/>
           </a:p>
         </p:txBody>
       </p:sp>
@@ -5024,6 +4958,7 @@
           <a:p>
             <a:fld id="{5AD7F448-1F68-40D7-B5F9-4CDE90E69F76}" type="datetimeFigureOut">
               <a:rPr lang="zh-CN" altLang="en-US" smtClean="0"/>
+              <a:t>2024/11/13</a:t>
             </a:fld>
             <a:endParaRPr lang="zh-CN" altLang="en-US"/>
           </a:p>
@@ -5065,6 +5000,7 @@
           <a:p>
             <a:fld id="{3A216AA9-6775-4531-A0E8-15FF532D7431}" type="slidenum">
               <a:rPr lang="zh-CN" altLang="en-US" smtClean="0"/>
+              <a:t>‹#›</a:t>
             </a:fld>
             <a:endParaRPr lang="zh-CN" altLang="en-US"/>
           </a:p>
@@ -5129,7 +5065,6 @@
               <a:rPr lang="zh-CN" altLang="en-US"/>
               <a:t>单击此处编辑母版标题样式</a:t>
             </a:r>
-            <a:endParaRPr lang="zh-CN" altLang="en-US"/>
           </a:p>
         </p:txBody>
       </p:sp>
@@ -5163,7 +5098,6 @@
               <a:rPr lang="zh-CN" altLang="en-US"/>
               <a:t>单击此处编辑母版文本样式</a:t>
             </a:r>
-            <a:endParaRPr lang="zh-CN" altLang="en-US"/>
           </a:p>
           <a:p>
             <a:pPr lvl="1"/>
@@ -5171,7 +5105,6 @@
               <a:rPr lang="zh-CN" altLang="en-US"/>
               <a:t>二级</a:t>
             </a:r>
-            <a:endParaRPr lang="zh-CN" altLang="en-US"/>
           </a:p>
           <a:p>
             <a:pPr lvl="2"/>
@@ -5179,7 +5112,6 @@
               <a:rPr lang="zh-CN" altLang="en-US"/>
               <a:t>三级</a:t>
             </a:r>
-            <a:endParaRPr lang="zh-CN" altLang="en-US"/>
           </a:p>
           <a:p>
             <a:pPr lvl="3"/>
@@ -5187,7 +5119,6 @@
               <a:rPr lang="zh-CN" altLang="en-US"/>
               <a:t>四级</a:t>
             </a:r>
-            <a:endParaRPr lang="zh-CN" altLang="en-US"/>
           </a:p>
           <a:p>
             <a:pPr lvl="4"/>
@@ -5195,7 +5126,6 @@
               <a:rPr lang="zh-CN" altLang="en-US"/>
               <a:t>五级</a:t>
             </a:r>
-            <a:endParaRPr lang="zh-CN" altLang="en-US"/>
           </a:p>
         </p:txBody>
       </p:sp>
@@ -5234,6 +5164,7 @@
           <a:p>
             <a:fld id="{5AD7F448-1F68-40D7-B5F9-4CDE90E69F76}" type="datetimeFigureOut">
               <a:rPr lang="zh-CN" altLang="en-US" smtClean="0"/>
+              <a:t>2024/11/13</a:t>
             </a:fld>
             <a:endParaRPr lang="zh-CN" altLang="en-US"/>
           </a:p>
@@ -5311,6 +5242,7 @@
           <a:p>
             <a:fld id="{3A216AA9-6775-4531-A0E8-15FF532D7431}" type="slidenum">
               <a:rPr lang="zh-CN" altLang="en-US" smtClean="0"/>
+              <a:t>‹#›</a:t>
             </a:fld>
             <a:endParaRPr lang="zh-CN" altLang="en-US"/>
           </a:p>
@@ -5666,7 +5598,6 @@
               <a:rPr lang="zh-CN" altLang="en-US"/>
               <a:t>单击此处编辑母版标题样式</a:t>
             </a:r>
-            <a:endParaRPr lang="zh-CN" altLang="en-US"/>
           </a:p>
         </p:txBody>
       </p:sp>
@@ -5700,7 +5631,6 @@
               <a:rPr lang="zh-CN" altLang="en-US"/>
               <a:t>单击此处编辑母版文本样式</a:t>
             </a:r>
-            <a:endParaRPr lang="zh-CN" altLang="en-US"/>
           </a:p>
           <a:p>
             <a:pPr lvl="1"/>
@@ -5708,7 +5638,6 @@
               <a:rPr lang="zh-CN" altLang="en-US"/>
               <a:t>二级</a:t>
             </a:r>
-            <a:endParaRPr lang="zh-CN" altLang="en-US"/>
           </a:p>
           <a:p>
             <a:pPr lvl="2"/>
@@ -5716,7 +5645,6 @@
               <a:rPr lang="zh-CN" altLang="en-US"/>
               <a:t>三级</a:t>
             </a:r>
-            <a:endParaRPr lang="zh-CN" altLang="en-US"/>
           </a:p>
           <a:p>
             <a:pPr lvl="3"/>
@@ -5724,7 +5652,6 @@
               <a:rPr lang="zh-CN" altLang="en-US"/>
               <a:t>四级</a:t>
             </a:r>
-            <a:endParaRPr lang="zh-CN" altLang="en-US"/>
           </a:p>
           <a:p>
             <a:pPr lvl="4"/>
@@ -5732,7 +5659,6 @@
               <a:rPr lang="zh-CN" altLang="en-US"/>
               <a:t>五级</a:t>
             </a:r>
-            <a:endParaRPr lang="zh-CN" altLang="en-US"/>
           </a:p>
         </p:txBody>
       </p:sp>
@@ -5771,6 +5697,7 @@
           <a:p>
             <a:fld id="{5AD7F448-1F68-40D7-B5F9-4CDE90E69F76}" type="datetimeFigureOut">
               <a:rPr lang="zh-CN" altLang="en-US" smtClean="0"/>
+              <a:t>2024/11/13</a:t>
             </a:fld>
             <a:endParaRPr lang="zh-CN" altLang="en-US"/>
           </a:p>
@@ -5848,6 +5775,7 @@
           <a:p>
             <a:fld id="{3A216AA9-6775-4531-A0E8-15FF532D7431}" type="slidenum">
               <a:rPr lang="zh-CN" altLang="en-US" smtClean="0"/>
+              <a:t>‹#›</a:t>
             </a:fld>
             <a:endParaRPr lang="zh-CN" altLang="en-US"/>
           </a:p>
@@ -6178,7 +6106,7 @@
           <p:nvPr/>
         </p:nvPicPr>
         <p:blipFill>
-          <a:blip r:embed="rId1">
+          <a:blip r:embed="rId2">
             <a:extLst>
               <a:ext uri="{28A0092B-C50C-407E-A947-70E740481C1C}">
                 <a14:useLocalDpi xmlns:a14="http://schemas.microsoft.com/office/drawing/2010/main" val="0"/>
@@ -6226,7 +6154,6 @@
               <a:rPr lang="zh-CN" altLang="en-US" sz="6000" b="1" dirty="0"/>
               <a:t>科技论文写作汇报 </a:t>
             </a:r>
-            <a:endParaRPr lang="zh-CN" altLang="en-US" sz="6000" b="1" dirty="0"/>
           </a:p>
         </p:txBody>
       </p:sp>
@@ -6256,10 +6183,64 @@
               <a:rPr lang="zh-CN" altLang="en-US" dirty="0"/>
               <a:t>汇报人：鄢智琛</a:t>
             </a:r>
-            <a:endParaRPr lang="zh-CN" altLang="en-US" dirty="0"/>
-          </a:p>
-        </p:txBody>
-      </p:sp>
+          </a:p>
+        </p:txBody>
+      </p:sp>
+    </p:spTree>
+  </p:cSld>
+  <p:clrMapOvr>
+    <a:masterClrMapping/>
+  </p:clrMapOvr>
+</p:sld>
+</file>
+
+<file path=ppt/slides/slide10.xml><?xml version="1.0" encoding="utf-8"?>
+<p:sld xmlns:a="http://schemas.openxmlformats.org/drawingml/2006/main" xmlns:r="http://schemas.openxmlformats.org/officeDocument/2006/relationships" xmlns:p="http://schemas.openxmlformats.org/presentationml/2006/main">
+  <p:cSld>
+    <p:spTree>
+      <p:nvGrpSpPr>
+        <p:cNvPr id="1" name=""/>
+        <p:cNvGrpSpPr/>
+        <p:nvPr/>
+      </p:nvGrpSpPr>
+      <p:grpSpPr>
+        <a:xfrm>
+          <a:off x="0" y="0"/>
+          <a:ext cx="0" cy="0"/>
+          <a:chOff x="0" y="0"/>
+          <a:chExt cx="0" cy="0"/>
+        </a:xfrm>
+      </p:grpSpPr>
+      <p:pic>
+        <p:nvPicPr>
+          <p:cNvPr id="7" name="图片 6"/>
+          <p:cNvPicPr>
+            <a:picLocks noChangeAspect="1"/>
+          </p:cNvPicPr>
+          <p:nvPr/>
+        </p:nvPicPr>
+        <p:blipFill>
+          <a:blip r:embed="rId2">
+            <a:extLst>
+              <a:ext uri="{28A0092B-C50C-407E-A947-70E740481C1C}">
+                <a14:useLocalDpi xmlns:a14="http://schemas.microsoft.com/office/drawing/2010/main" val="0"/>
+              </a:ext>
+            </a:extLst>
+          </a:blip>
+          <a:stretch>
+            <a:fillRect/>
+          </a:stretch>
+        </p:blipFill>
+        <p:spPr>
+          <a:xfrm>
+            <a:off x="98216" y="114458"/>
+            <a:ext cx="3782447" cy="795514"/>
+          </a:xfrm>
+          <a:prstGeom prst="rect">
+            <a:avLst/>
+          </a:prstGeom>
+        </p:spPr>
+      </p:pic>
     </p:spTree>
   </p:cSld>
   <p:clrMapOvr>
@@ -6294,7 +6275,7 @@
           <p:nvPr/>
         </p:nvPicPr>
         <p:blipFill>
-          <a:blip r:embed="rId1">
+          <a:blip r:embed="rId3">
             <a:extLst>
               <a:ext uri="{28A0092B-C50C-407E-A947-70E740481C1C}">
                 <a14:useLocalDpi xmlns:a14="http://schemas.microsoft.com/office/drawing/2010/main" val="0"/>
@@ -6464,10 +6445,6 @@
               </a:rPr>
               <a:t>:</a:t>
             </a:r>
-            <a:endParaRPr lang="en-US" altLang="zh-CN" dirty="0">
-              <a:latin typeface="Times New Roman" panose="02020603050405020304" pitchFamily="18" charset="0"/>
-              <a:cs typeface="Times New Roman" panose="02020603050405020304" pitchFamily="18" charset="0"/>
-            </a:endParaRPr>
           </a:p>
           <a:p>
             <a:r>
@@ -6517,10 +6494,6 @@
               </a:rPr>
               <a:t>GENTRY C, SAHAI A, and WATERS B. Homomorphic encryption from learning with errors: Conceptually-simpler,</a:t>
             </a:r>
-            <a:endParaRPr lang="en-US" altLang="zh-CN" dirty="0">
-              <a:latin typeface="Times New Roman" panose="02020603050405020304" pitchFamily="18" charset="0"/>
-              <a:cs typeface="Times New Roman" panose="02020603050405020304" pitchFamily="18" charset="0"/>
-            </a:endParaRPr>
           </a:p>
           <a:p>
             <a:r>
@@ -6544,10 +6517,6 @@
               </a:rPr>
               <a:t>:</a:t>
             </a:r>
-            <a:endParaRPr lang="en-US" altLang="zh-CN" dirty="0">
-              <a:latin typeface="Times New Roman" panose="02020603050405020304" pitchFamily="18" charset="0"/>
-              <a:cs typeface="Times New Roman" panose="02020603050405020304" pitchFamily="18" charset="0"/>
-            </a:endParaRPr>
           </a:p>
           <a:p>
             <a:r>
@@ -6583,10 +6552,34 @@
                 <a:tableStyleId>{5C22544A-7EE6-4342-B048-85BDC9FD1C3A}</a:tableStyleId>
               </a:tblPr>
               <a:tblGrid>
-                <a:gridCol w="1979194"/>
-                <a:gridCol w="4656221"/>
-                <a:gridCol w="1702469"/>
-                <a:gridCol w="2743200"/>
+                <a:gridCol w="1979194">
+                  <a:extLst>
+                    <a:ext uri="{9D8B030D-6E8A-4147-A177-3AD203B41FA5}">
+                      <a16:colId xmlns:a16="http://schemas.microsoft.com/office/drawing/2014/main" val="20000"/>
+                    </a:ext>
+                  </a:extLst>
+                </a:gridCol>
+                <a:gridCol w="4656221">
+                  <a:extLst>
+                    <a:ext uri="{9D8B030D-6E8A-4147-A177-3AD203B41FA5}">
+                      <a16:colId xmlns:a16="http://schemas.microsoft.com/office/drawing/2014/main" val="20001"/>
+                    </a:ext>
+                  </a:extLst>
+                </a:gridCol>
+                <a:gridCol w="1702469">
+                  <a:extLst>
+                    <a:ext uri="{9D8B030D-6E8A-4147-A177-3AD203B41FA5}">
+                      <a16:colId xmlns:a16="http://schemas.microsoft.com/office/drawing/2014/main" val="20002"/>
+                    </a:ext>
+                  </a:extLst>
+                </a:gridCol>
+                <a:gridCol w="2743200">
+                  <a:extLst>
+                    <a:ext uri="{9D8B030D-6E8A-4147-A177-3AD203B41FA5}">
+                      <a16:colId xmlns:a16="http://schemas.microsoft.com/office/drawing/2014/main" val="20003"/>
+                    </a:ext>
+                  </a:extLst>
+                </a:gridCol>
               </a:tblGrid>
               <a:tr h="330196">
                 <a:tc>
@@ -6599,7 +6592,6 @@
                         <a:rPr lang="zh-CN" altLang="en-US" dirty="0"/>
                         <a:t>类型</a:t>
                       </a:r>
-                      <a:endParaRPr lang="zh-CN" altLang="en-US" dirty="0"/>
                     </a:p>
                   </a:txBody>
                   <a:tcPr/>
@@ -6614,7 +6606,6 @@
                         <a:rPr lang="zh-CN" altLang="en-US" dirty="0"/>
                         <a:t>会议名称</a:t>
                       </a:r>
-                      <a:endParaRPr lang="zh-CN" altLang="en-US" dirty="0"/>
                     </a:p>
                   </a:txBody>
                   <a:tcPr/>
@@ -6629,7 +6620,6 @@
                         <a:rPr lang="zh-CN" altLang="en-US" dirty="0"/>
                         <a:t>分类</a:t>
                       </a:r>
-                      <a:endParaRPr lang="zh-CN" altLang="en-US" dirty="0"/>
                     </a:p>
                   </a:txBody>
                   <a:tcPr/>
@@ -6652,11 +6642,15 @@
                         <a:rPr lang="zh-CN" altLang="en-US" dirty="0"/>
                         <a:t>引用量</a:t>
                       </a:r>
-                      <a:endParaRPr lang="zh-CN" altLang="en-US" dirty="0"/>
                     </a:p>
                   </a:txBody>
                   <a:tcPr/>
                 </a:tc>
+                <a:extLst>
+                  <a:ext uri="{0D108BD9-81ED-4DB2-BD59-A6C34878D82A}">
+                    <a16:rowId xmlns:a16="http://schemas.microsoft.com/office/drawing/2014/main" val="10000"/>
+                  </a:ext>
+                </a:extLst>
               </a:tr>
               <a:tr h="330196">
                 <a:tc>
@@ -6669,7 +6663,6 @@
                         <a:rPr lang="zh-CN" altLang="en-US" dirty="0"/>
                         <a:t>会议论文</a:t>
                       </a:r>
-                      <a:endParaRPr lang="zh-CN" altLang="en-US" dirty="0"/>
                     </a:p>
                   </a:txBody>
                   <a:tcPr/>
@@ -6719,6 +6712,11 @@
                   </a:txBody>
                   <a:tcPr/>
                 </a:tc>
+                <a:extLst>
+                  <a:ext uri="{0D108BD9-81ED-4DB2-BD59-A6C34878D82A}">
+                    <a16:rowId xmlns:a16="http://schemas.microsoft.com/office/drawing/2014/main" val="10001"/>
+                  </a:ext>
+                </a:extLst>
               </a:tr>
             </a:tbl>
           </a:graphicData>
@@ -6743,10 +6741,34 @@
                 <a:tableStyleId>{5C22544A-7EE6-4342-B048-85BDC9FD1C3A}</a:tableStyleId>
               </a:tblPr>
               <a:tblGrid>
-                <a:gridCol w="1979194"/>
-                <a:gridCol w="4656221"/>
-                <a:gridCol w="1702469"/>
-                <a:gridCol w="2743200"/>
+                <a:gridCol w="1979194">
+                  <a:extLst>
+                    <a:ext uri="{9D8B030D-6E8A-4147-A177-3AD203B41FA5}">
+                      <a16:colId xmlns:a16="http://schemas.microsoft.com/office/drawing/2014/main" val="20000"/>
+                    </a:ext>
+                  </a:extLst>
+                </a:gridCol>
+                <a:gridCol w="4656221">
+                  <a:extLst>
+                    <a:ext uri="{9D8B030D-6E8A-4147-A177-3AD203B41FA5}">
+                      <a16:colId xmlns:a16="http://schemas.microsoft.com/office/drawing/2014/main" val="20001"/>
+                    </a:ext>
+                  </a:extLst>
+                </a:gridCol>
+                <a:gridCol w="1702469">
+                  <a:extLst>
+                    <a:ext uri="{9D8B030D-6E8A-4147-A177-3AD203B41FA5}">
+                      <a16:colId xmlns:a16="http://schemas.microsoft.com/office/drawing/2014/main" val="20002"/>
+                    </a:ext>
+                  </a:extLst>
+                </a:gridCol>
+                <a:gridCol w="2743200">
+                  <a:extLst>
+                    <a:ext uri="{9D8B030D-6E8A-4147-A177-3AD203B41FA5}">
+                      <a16:colId xmlns:a16="http://schemas.microsoft.com/office/drawing/2014/main" val="20003"/>
+                    </a:ext>
+                  </a:extLst>
+                </a:gridCol>
               </a:tblGrid>
               <a:tr h="330196">
                 <a:tc>
@@ -6759,7 +6781,6 @@
                         <a:rPr lang="zh-CN" altLang="en-US" dirty="0"/>
                         <a:t>类型</a:t>
                       </a:r>
-                      <a:endParaRPr lang="zh-CN" altLang="en-US" dirty="0"/>
                     </a:p>
                   </a:txBody>
                   <a:tcPr anchor="ctr"/>
@@ -6774,7 +6795,6 @@
                         <a:rPr lang="zh-CN" altLang="en-US" dirty="0"/>
                         <a:t>会议名称</a:t>
                       </a:r>
-                      <a:endParaRPr lang="zh-CN" altLang="en-US" dirty="0"/>
                     </a:p>
                   </a:txBody>
                   <a:tcPr anchor="ctr"/>
@@ -6789,7 +6809,6 @@
                         <a:rPr lang="zh-CN" altLang="en-US" dirty="0"/>
                         <a:t>分类</a:t>
                       </a:r>
-                      <a:endParaRPr lang="zh-CN" altLang="en-US" dirty="0"/>
                     </a:p>
                   </a:txBody>
                   <a:tcPr anchor="ctr"/>
@@ -6812,11 +6831,15 @@
                         <a:rPr lang="zh-CN" altLang="en-US" dirty="0"/>
                         <a:t>引用量</a:t>
                       </a:r>
-                      <a:endParaRPr lang="zh-CN" altLang="en-US" dirty="0"/>
                     </a:p>
                   </a:txBody>
                   <a:tcPr anchor="ctr"/>
                 </a:tc>
+                <a:extLst>
+                  <a:ext uri="{0D108BD9-81ED-4DB2-BD59-A6C34878D82A}">
+                    <a16:rowId xmlns:a16="http://schemas.microsoft.com/office/drawing/2014/main" val="10000"/>
+                  </a:ext>
+                </a:extLst>
               </a:tr>
               <a:tr h="330196">
                 <a:tc>
@@ -6829,7 +6852,6 @@
                         <a:rPr lang="zh-CN" altLang="en-US" dirty="0"/>
                         <a:t>会议论文</a:t>
                       </a:r>
-                      <a:endParaRPr lang="zh-CN" altLang="en-US" dirty="0"/>
                     </a:p>
                   </a:txBody>
                   <a:tcPr anchor="ctr"/>
@@ -6879,6 +6901,11 @@
                   </a:txBody>
                   <a:tcPr anchor="ctr"/>
                 </a:tc>
+                <a:extLst>
+                  <a:ext uri="{0D108BD9-81ED-4DB2-BD59-A6C34878D82A}">
+                    <a16:rowId xmlns:a16="http://schemas.microsoft.com/office/drawing/2014/main" val="10001"/>
+                  </a:ext>
+                </a:extLst>
               </a:tr>
             </a:tbl>
           </a:graphicData>
@@ -6903,10 +6930,34 @@
                 <a:tableStyleId>{5C22544A-7EE6-4342-B048-85BDC9FD1C3A}</a:tableStyleId>
               </a:tblPr>
               <a:tblGrid>
-                <a:gridCol w="1979194"/>
-                <a:gridCol w="4656221"/>
-                <a:gridCol w="1702469"/>
-                <a:gridCol w="2743200"/>
+                <a:gridCol w="1979194">
+                  <a:extLst>
+                    <a:ext uri="{9D8B030D-6E8A-4147-A177-3AD203B41FA5}">
+                      <a16:colId xmlns:a16="http://schemas.microsoft.com/office/drawing/2014/main" val="20000"/>
+                    </a:ext>
+                  </a:extLst>
+                </a:gridCol>
+                <a:gridCol w="4656221">
+                  <a:extLst>
+                    <a:ext uri="{9D8B030D-6E8A-4147-A177-3AD203B41FA5}">
+                      <a16:colId xmlns:a16="http://schemas.microsoft.com/office/drawing/2014/main" val="20001"/>
+                    </a:ext>
+                  </a:extLst>
+                </a:gridCol>
+                <a:gridCol w="1702469">
+                  <a:extLst>
+                    <a:ext uri="{9D8B030D-6E8A-4147-A177-3AD203B41FA5}">
+                      <a16:colId xmlns:a16="http://schemas.microsoft.com/office/drawing/2014/main" val="20002"/>
+                    </a:ext>
+                  </a:extLst>
+                </a:gridCol>
+                <a:gridCol w="2743200">
+                  <a:extLst>
+                    <a:ext uri="{9D8B030D-6E8A-4147-A177-3AD203B41FA5}">
+                      <a16:colId xmlns:a16="http://schemas.microsoft.com/office/drawing/2014/main" val="20003"/>
+                    </a:ext>
+                  </a:extLst>
+                </a:gridCol>
               </a:tblGrid>
               <a:tr h="330196">
                 <a:tc>
@@ -6919,7 +6970,6 @@
                         <a:rPr lang="zh-CN" altLang="en-US" dirty="0"/>
                         <a:t>类型</a:t>
                       </a:r>
-                      <a:endParaRPr lang="zh-CN" altLang="en-US" dirty="0"/>
                     </a:p>
                   </a:txBody>
                   <a:tcPr/>
@@ -6934,7 +6984,6 @@
                         <a:rPr lang="zh-CN" altLang="en-US" dirty="0"/>
                         <a:t>会议名称</a:t>
                       </a:r>
-                      <a:endParaRPr lang="zh-CN" altLang="en-US" dirty="0"/>
                     </a:p>
                   </a:txBody>
                   <a:tcPr/>
@@ -6949,7 +6998,6 @@
                         <a:rPr lang="zh-CN" altLang="en-US" dirty="0"/>
                         <a:t>分类</a:t>
                       </a:r>
-                      <a:endParaRPr lang="zh-CN" altLang="en-US" dirty="0"/>
                     </a:p>
                   </a:txBody>
                   <a:tcPr/>
@@ -6972,11 +7020,15 @@
                         <a:rPr lang="zh-CN" altLang="en-US" dirty="0"/>
                         <a:t>引用量</a:t>
                       </a:r>
-                      <a:endParaRPr lang="zh-CN" altLang="en-US" dirty="0"/>
                     </a:p>
                   </a:txBody>
                   <a:tcPr/>
                 </a:tc>
+                <a:extLst>
+                  <a:ext uri="{0D108BD9-81ED-4DB2-BD59-A6C34878D82A}">
+                    <a16:rowId xmlns:a16="http://schemas.microsoft.com/office/drawing/2014/main" val="10000"/>
+                  </a:ext>
+                </a:extLst>
               </a:tr>
               <a:tr h="330196">
                 <a:tc>
@@ -6989,7 +7041,6 @@
                         <a:rPr lang="zh-CN" altLang="en-US" dirty="0"/>
                         <a:t>会议论文</a:t>
                       </a:r>
-                      <a:endParaRPr lang="zh-CN" altLang="en-US" dirty="0"/>
                     </a:p>
                   </a:txBody>
                   <a:tcPr/>
@@ -7039,6 +7090,11 @@
                   </a:txBody>
                   <a:tcPr/>
                 </a:tc>
+                <a:extLst>
+                  <a:ext uri="{0D108BD9-81ED-4DB2-BD59-A6C34878D82A}">
+                    <a16:rowId xmlns:a16="http://schemas.microsoft.com/office/drawing/2014/main" val="10001"/>
+                  </a:ext>
+                </a:extLst>
               </a:tr>
             </a:tbl>
           </a:graphicData>
@@ -7078,7 +7134,7 @@
           <p:nvPr/>
         </p:nvPicPr>
         <p:blipFill>
-          <a:blip r:embed="rId1">
+          <a:blip r:embed="rId2">
             <a:extLst>
               <a:ext uri="{28A0092B-C50C-407E-A947-70E740481C1C}">
                 <a14:useLocalDpi xmlns:a14="http://schemas.microsoft.com/office/drawing/2010/main" val="0"/>
@@ -7135,10 +7191,6 @@
               </a:rPr>
               <a:t>摘要</a:t>
             </a:r>
-            <a:endParaRPr lang="zh-CN" altLang="en-US" b="1" dirty="0">
-              <a:latin typeface="Times New Roman" panose="02020603050405020304" pitchFamily="18" charset="0"/>
-              <a:cs typeface="Times New Roman" panose="02020603050405020304" pitchFamily="18" charset="0"/>
-            </a:endParaRPr>
           </a:p>
         </p:txBody>
       </p:sp>
@@ -7185,7 +7237,6 @@
               <a:rPr lang="zh-CN" altLang="en-US" dirty="0"/>
               <a:t>摘要结构</a:t>
             </a:r>
-            <a:endParaRPr lang="zh-CN" altLang="en-US" dirty="0"/>
           </a:p>
         </p:txBody>
       </p:sp>
@@ -7241,11 +7292,6 @@
               </a:rPr>
               <a:t>方案优化</a:t>
             </a:r>
-            <a:endParaRPr lang="zh-CN" altLang="en-US" sz="1400" dirty="0">
-              <a:solidFill>
-                <a:schemeClr val="tx1"/>
-              </a:solidFill>
-            </a:endParaRPr>
           </a:p>
         </p:txBody>
       </p:sp>
@@ -7353,11 +7399,6 @@
               </a:rPr>
               <a:t>）</a:t>
             </a:r>
-            <a:endParaRPr lang="zh-CN" altLang="en-US" sz="1400" dirty="0">
-              <a:solidFill>
-                <a:schemeClr val="tx1"/>
-              </a:solidFill>
-            </a:endParaRPr>
           </a:p>
         </p:txBody>
       </p:sp>
@@ -7461,7 +7502,6 @@
               <a:rPr lang="zh-CN" altLang="en-US" sz="1400" dirty="0"/>
               <a:t>简述方案第一步步骤</a:t>
             </a:r>
-            <a:endParaRPr lang="zh-CN" altLang="en-US" sz="1400" dirty="0"/>
           </a:p>
         </p:txBody>
       </p:sp>
@@ -7538,7 +7578,6 @@
               <a:rPr lang="zh-CN" altLang="en-US" sz="1400" dirty="0"/>
               <a:t>概念的提出</a:t>
             </a:r>
-            <a:endParaRPr lang="zh-CN" altLang="en-US" sz="1400" dirty="0"/>
           </a:p>
         </p:txBody>
       </p:sp>
@@ -7594,11 +7633,6 @@
               </a:rPr>
               <a:t>核心加密方案</a:t>
             </a:r>
-            <a:endParaRPr lang="zh-CN" altLang="en-US" sz="1400" dirty="0">
-              <a:solidFill>
-                <a:schemeClr val="tx1"/>
-              </a:solidFill>
-            </a:endParaRPr>
           </a:p>
         </p:txBody>
       </p:sp>
@@ -7700,7 +7734,6 @@
               <a:rPr lang="zh-CN" altLang="en-US" sz="1400" dirty="0"/>
               <a:t>提及基于理想格的满足要求的公钥方案</a:t>
             </a:r>
-            <a:endParaRPr lang="zh-CN" altLang="en-US" sz="1400" dirty="0"/>
           </a:p>
         </p:txBody>
       </p:sp>
@@ -7798,7 +7831,6 @@
               <a:rPr lang="zh-CN" altLang="en-US" sz="1400" dirty="0"/>
               <a:t>优化原因</a:t>
             </a:r>
-            <a:endParaRPr lang="zh-CN" altLang="en-US" sz="1400" dirty="0"/>
           </a:p>
         </p:txBody>
       </p:sp>
@@ -7828,7 +7860,6 @@
               <a:rPr lang="zh-CN" altLang="en-US" sz="1400" dirty="0"/>
               <a:t>优化结果</a:t>
             </a:r>
-            <a:endParaRPr lang="zh-CN" altLang="en-US" sz="1400" dirty="0"/>
           </a:p>
         </p:txBody>
       </p:sp>
@@ -7841,7 +7872,7 @@
           <p:nvPr/>
         </p:nvPicPr>
         <p:blipFill>
-          <a:blip r:embed="rId2"/>
+          <a:blip r:embed="rId3"/>
           <a:stretch>
             <a:fillRect/>
           </a:stretch>
@@ -7917,7 +7948,6 @@
               <a:rPr lang="zh-CN" altLang="en-US" sz="1400" dirty="0"/>
               <a:t>简述方案特性</a:t>
             </a:r>
-            <a:endParaRPr lang="zh-CN" altLang="en-US" sz="1400" dirty="0"/>
           </a:p>
         </p:txBody>
       </p:sp>
@@ -7955,7 +7985,7 @@
           <p:nvPr/>
         </p:nvPicPr>
         <p:blipFill>
-          <a:blip r:embed="rId1">
+          <a:blip r:embed="rId2">
             <a:extLst>
               <a:ext uri="{28A0092B-C50C-407E-A947-70E740481C1C}">
                 <a14:useLocalDpi xmlns:a14="http://schemas.microsoft.com/office/drawing/2010/main" val="0"/>
@@ -8012,10 +8042,6 @@
               </a:rPr>
               <a:t>摘要</a:t>
             </a:r>
-            <a:endParaRPr lang="zh-CN" altLang="en-US" b="1" dirty="0">
-              <a:latin typeface="Times New Roman" panose="02020603050405020304" pitchFamily="18" charset="0"/>
-              <a:cs typeface="Times New Roman" panose="02020603050405020304" pitchFamily="18" charset="0"/>
-            </a:endParaRPr>
           </a:p>
         </p:txBody>
       </p:sp>
@@ -8062,7 +8088,6 @@
               <a:rPr lang="zh-CN" altLang="en-US" dirty="0"/>
               <a:t>摘要结构</a:t>
             </a:r>
-            <a:endParaRPr lang="zh-CN" altLang="en-US" dirty="0"/>
           </a:p>
         </p:txBody>
       </p:sp>
@@ -8118,11 +8143,6 @@
               </a:rPr>
               <a:t>方案优化</a:t>
             </a:r>
-            <a:endParaRPr lang="zh-CN" altLang="en-US" sz="1400" dirty="0">
-              <a:solidFill>
-                <a:schemeClr val="tx1"/>
-              </a:solidFill>
-            </a:endParaRPr>
           </a:p>
         </p:txBody>
       </p:sp>
@@ -8230,11 +8250,6 @@
               </a:rPr>
               <a:t>）</a:t>
             </a:r>
-            <a:endParaRPr lang="zh-CN" altLang="en-US" sz="1400" dirty="0">
-              <a:solidFill>
-                <a:schemeClr val="tx1"/>
-              </a:solidFill>
-            </a:endParaRPr>
           </a:p>
         </p:txBody>
       </p:sp>
@@ -8362,11 +8377,6 @@
               </a:rPr>
               <a:t>核心加密方案</a:t>
             </a:r>
-            <a:endParaRPr lang="zh-CN" altLang="en-US" sz="1400" dirty="0">
-              <a:solidFill>
-                <a:schemeClr val="tx1"/>
-              </a:solidFill>
-            </a:endParaRPr>
           </a:p>
         </p:txBody>
       </p:sp>
@@ -8396,7 +8406,6 @@
               <a:rPr lang="zh-CN" altLang="en-US" sz="1400" dirty="0"/>
               <a:t>提及基本原理</a:t>
             </a:r>
-            <a:endParaRPr lang="zh-CN" altLang="en-US" sz="1400" dirty="0"/>
           </a:p>
         </p:txBody>
       </p:sp>
@@ -8598,6 +8607,7 @@
           <a:bodyPr wrap="square" rtlCol="0">
             <a:spAutoFit/>
           </a:bodyPr>
+          <a:lstStyle/>
           <a:p>
             <a:r>
               <a:rPr lang="en-US" altLang="zh-CN" sz="1400" dirty="0"/>
@@ -8613,13 +8623,8 @@
             </a:r>
             <a:r>
               <a:rPr lang="zh-CN" altLang="en-US" sz="1400" dirty="0"/>
-              <a:t>性能及</a:t>
-            </a:r>
-            <a:r>
-              <a:rPr lang="zh-CN" altLang="en-US" sz="1400" dirty="0"/>
-              <a:t>安全</a:t>
-            </a:r>
-            <a:endParaRPr lang="zh-CN" altLang="en-US" sz="1400" dirty="0"/>
+              <a:t>性能及安全</a:t>
+            </a:r>
           </a:p>
         </p:txBody>
       </p:sp>
@@ -8643,6 +8648,7 @@
           <a:bodyPr wrap="square" rtlCol="0">
             <a:spAutoFit/>
           </a:bodyPr>
+          <a:lstStyle/>
           <a:p>
             <a:r>
               <a:rPr lang="zh-CN" altLang="en-US" sz="1400" dirty="0"/>
@@ -8662,13 +8668,8 @@
             </a:r>
             <a:r>
               <a:rPr lang="zh-CN" altLang="en-US" sz="1400" dirty="0"/>
-              <a:t>性能及</a:t>
-            </a:r>
-            <a:r>
-              <a:rPr lang="zh-CN" altLang="en-US" sz="1400" dirty="0"/>
-              <a:t>安全</a:t>
-            </a:r>
-            <a:endParaRPr lang="zh-CN" altLang="en-US" sz="1400" dirty="0"/>
+              <a:t>性能及安全</a:t>
+            </a:r>
           </a:p>
         </p:txBody>
       </p:sp>
@@ -8713,6 +8714,7 @@
         </p:style>
         <p:txBody>
           <a:bodyPr rtlCol="0" anchor="ctr"/>
+          <a:lstStyle/>
           <a:p>
             <a:pPr algn="ctr"/>
             <a:r>
@@ -8721,21 +8723,8 @@
                   <a:schemeClr val="tx1"/>
                 </a:solidFill>
               </a:rPr>
-              <a:t>本文核心创新</a:t>
-            </a:r>
-            <a:r>
-              <a:rPr lang="zh-CN" altLang="en-US" sz="1400" dirty="0">
-                <a:solidFill>
-                  <a:schemeClr val="tx1"/>
-                </a:solidFill>
-              </a:rPr>
-              <a:t>点</a:t>
-            </a:r>
-            <a:endParaRPr lang="zh-CN" altLang="en-US" sz="1400" dirty="0">
-              <a:solidFill>
-                <a:schemeClr val="tx1"/>
-              </a:solidFill>
-            </a:endParaRPr>
+              <a:t>本文核心创新点</a:t>
+            </a:r>
           </a:p>
         </p:txBody>
       </p:sp>
@@ -8783,7 +8772,7 @@
           <p:nvPr/>
         </p:nvPicPr>
         <p:blipFill>
-          <a:blip r:embed="rId2"/>
+          <a:blip r:embed="rId3"/>
           <a:stretch>
             <a:fillRect/>
           </a:stretch>
@@ -8832,7 +8821,7 @@
           <p:nvPr/>
         </p:nvPicPr>
         <p:blipFill>
-          <a:blip r:embed="rId1">
+          <a:blip r:embed="rId2">
             <a:extLst>
               <a:ext uri="{28A0092B-C50C-407E-A947-70E740481C1C}">
                 <a14:useLocalDpi xmlns:a14="http://schemas.microsoft.com/office/drawing/2010/main" val="0"/>
@@ -8889,10 +8878,6 @@
               </a:rPr>
               <a:t>摘要</a:t>
             </a:r>
-            <a:endParaRPr lang="zh-CN" altLang="en-US" b="1" dirty="0">
-              <a:latin typeface="Times New Roman" panose="02020603050405020304" pitchFamily="18" charset="0"/>
-              <a:cs typeface="Times New Roman" panose="02020603050405020304" pitchFamily="18" charset="0"/>
-            </a:endParaRPr>
           </a:p>
         </p:txBody>
       </p:sp>
@@ -8939,7 +8924,6 @@
               <a:rPr lang="zh-CN" altLang="en-US" dirty="0"/>
               <a:t>摘要结构</a:t>
             </a:r>
-            <a:endParaRPr lang="zh-CN" altLang="en-US" dirty="0"/>
           </a:p>
         </p:txBody>
       </p:sp>
@@ -9019,11 +9003,6 @@
               </a:rPr>
               <a:t>)</a:t>
             </a:r>
-            <a:endParaRPr lang="en-US" altLang="zh-CN" sz="1400" dirty="0">
-              <a:solidFill>
-                <a:schemeClr val="tx1"/>
-              </a:solidFill>
-            </a:endParaRPr>
           </a:p>
         </p:txBody>
       </p:sp>
@@ -9121,7 +9100,7 @@
                 <a:latin typeface="Times New Roman" panose="02020603050405020304" pitchFamily="18" charset="0"/>
                 <a:cs typeface="Times New Roman" panose="02020603050405020304" pitchFamily="18" charset="0"/>
               </a:rPr>
-              <a:t>propose scheme</a:t>
+              <a:t>describe scheme</a:t>
             </a:r>
             <a:r>
               <a:rPr lang="zh-CN" altLang="en-US" sz="1400" dirty="0">
@@ -9131,11 +9110,6 @@
               </a:rPr>
               <a:t>）</a:t>
             </a:r>
-            <a:endParaRPr lang="zh-CN" altLang="en-US" sz="1400" dirty="0">
-              <a:solidFill>
-                <a:schemeClr val="tx1"/>
-              </a:solidFill>
-            </a:endParaRPr>
           </a:p>
         </p:txBody>
       </p:sp>
@@ -9237,13 +9211,8 @@
           <a:p>
             <a:r>
               <a:rPr lang="zh-CN" altLang="en-US" sz="1400" dirty="0"/>
-              <a:t>前人工作中的乘法</a:t>
-            </a:r>
-            <a:r>
-              <a:rPr lang="zh-CN" altLang="en-US" sz="1400" dirty="0"/>
-              <a:t>复杂</a:t>
-            </a:r>
-            <a:endParaRPr lang="zh-CN" altLang="en-US" sz="1400" dirty="0"/>
+              <a:t>前人工作中的乘法复杂</a:t>
+            </a:r>
           </a:p>
         </p:txBody>
       </p:sp>
@@ -9306,13 +9275,8 @@
           <a:p>
             <a:r>
               <a:rPr lang="zh-CN" altLang="en-US" sz="1400" dirty="0"/>
-              <a:t>提出近似特征向量</a:t>
-            </a:r>
-            <a:r>
-              <a:rPr lang="zh-CN" altLang="en-US" sz="1400" dirty="0"/>
-              <a:t>方案</a:t>
-            </a:r>
-            <a:endParaRPr lang="zh-CN" altLang="en-US" sz="1400" dirty="0"/>
+              <a:t>提出近似特征向量方案</a:t>
+            </a:r>
           </a:p>
         </p:txBody>
       </p:sp>
@@ -9371,16 +9335,12 @@
           <a:bodyPr wrap="square" rtlCol="0">
             <a:spAutoFit/>
           </a:bodyPr>
+          <a:lstStyle/>
           <a:p>
             <a:r>
               <a:rPr lang="zh-CN" altLang="en-US" sz="1400" dirty="0"/>
-              <a:t>前人工作中需要</a:t>
-            </a:r>
-            <a:r>
-              <a:rPr lang="zh-CN" altLang="en-US" sz="1400" dirty="0"/>
-              <a:t>计算密钥</a:t>
-            </a:r>
-            <a:endParaRPr lang="zh-CN" altLang="en-US" sz="1400" dirty="0"/>
+              <a:t>前人工作中需要计算密钥</a:t>
+            </a:r>
           </a:p>
         </p:txBody>
       </p:sp>
@@ -9470,6 +9430,7 @@
           <a:bodyPr wrap="square" rtlCol="0">
             <a:spAutoFit/>
           </a:bodyPr>
+          <a:lstStyle/>
           <a:p>
             <a:r>
               <a:rPr lang="zh-CN" altLang="en-US" sz="1400" dirty="0"/>
@@ -9479,7 +9440,6 @@
               <a:rPr lang="en-US" altLang="zh-CN" sz="1400" dirty="0"/>
               <a:t>FHE</a:t>
             </a:r>
-            <a:endParaRPr lang="en-US" altLang="zh-CN" sz="1400" dirty="0"/>
           </a:p>
         </p:txBody>
       </p:sp>
@@ -9503,6 +9463,7 @@
           <a:bodyPr wrap="square" rtlCol="0">
             <a:spAutoFit/>
           </a:bodyPr>
+          <a:lstStyle/>
           <a:p>
             <a:r>
               <a:rPr lang="zh-CN" altLang="en-US" sz="1400" dirty="0"/>
@@ -9512,7 +9473,6 @@
               <a:rPr lang="en-US" altLang="zh-CN" sz="1400" dirty="0"/>
               <a:t>FHE</a:t>
             </a:r>
-            <a:endParaRPr lang="en-US" altLang="zh-CN" sz="1400" dirty="0"/>
           </a:p>
         </p:txBody>
       </p:sp>
@@ -9525,7 +9485,7 @@
           <p:nvPr/>
         </p:nvPicPr>
         <p:blipFill>
-          <a:blip r:embed="rId2"/>
+          <a:blip r:embed="rId3"/>
           <a:stretch>
             <a:fillRect/>
           </a:stretch>
@@ -9560,6 +9520,7 @@
           <a:bodyPr wrap="square" rtlCol="0">
             <a:noAutofit/>
           </a:bodyPr>
+          <a:lstStyle/>
           <a:p>
             <a:r>
               <a:rPr lang="zh-CN" altLang="en-US">
@@ -9569,11 +9530,6 @@
               </a:rPr>
               <a:t>摘要部分尽可能的描述自己的工作</a:t>
             </a:r>
-            <a:endParaRPr lang="zh-CN" altLang="en-US">
-              <a:latin typeface="宋体" panose="02010600030101010101" pitchFamily="2" charset="-122"/>
-              <a:ea typeface="宋体" panose="02010600030101010101" pitchFamily="2" charset="-122"/>
-              <a:cs typeface="宋体" panose="02010600030101010101" pitchFamily="2" charset="-122"/>
-            </a:endParaRPr>
           </a:p>
           <a:p>
             <a:endParaRPr lang="zh-CN" altLang="en-US">
@@ -9600,11 +9556,6 @@
               </a:rPr>
               <a:t>按步骤描述方法</a:t>
             </a:r>
-            <a:endParaRPr lang="zh-CN" altLang="en-US">
-              <a:latin typeface="宋体" panose="02010600030101010101" pitchFamily="2" charset="-122"/>
-              <a:ea typeface="宋体" panose="02010600030101010101" pitchFamily="2" charset="-122"/>
-              <a:cs typeface="宋体" panose="02010600030101010101" pitchFamily="2" charset="-122"/>
-            </a:endParaRPr>
           </a:p>
           <a:p>
             <a:pPr indent="457200"/>
@@ -9648,11 +9599,6 @@
               </a:rPr>
               <a:t> </a:t>
             </a:r>
-            <a:endParaRPr lang="en-US" altLang="zh-CN">
-              <a:latin typeface="宋体" panose="02010600030101010101" pitchFamily="2" charset="-122"/>
-              <a:ea typeface="宋体" panose="02010600030101010101" pitchFamily="2" charset="-122"/>
-              <a:cs typeface="宋体" panose="02010600030101010101" pitchFamily="2" charset="-122"/>
-            </a:endParaRPr>
           </a:p>
           <a:p>
             <a:pPr indent="457200"/>
@@ -9696,11 +9642,6 @@
               </a:rPr>
               <a:t>) </a:t>
             </a:r>
-            <a:endParaRPr lang="en-US" altLang="zh-CN">
-              <a:latin typeface="宋体" panose="02010600030101010101" pitchFamily="2" charset="-122"/>
-              <a:ea typeface="宋体" panose="02010600030101010101" pitchFamily="2" charset="-122"/>
-              <a:cs typeface="宋体" panose="02010600030101010101" pitchFamily="2" charset="-122"/>
-            </a:endParaRPr>
           </a:p>
           <a:p>
             <a:pPr indent="457200"/>
@@ -9770,7 +9711,7 @@
           <p:nvPr/>
         </p:nvPicPr>
         <p:blipFill>
-          <a:blip r:embed="rId1">
+          <a:blip r:embed="rId2">
             <a:extLst>
               <a:ext uri="{28A0092B-C50C-407E-A947-70E740481C1C}">
                 <a14:useLocalDpi xmlns:a14="http://schemas.microsoft.com/office/drawing/2010/main" val="0"/>
@@ -9814,18 +9755,657 @@
           <a:lstStyle/>
           <a:p>
             <a:r>
+              <a:rPr lang="zh-CN" altLang="en-US" b="1" dirty="0">
+                <a:latin typeface="Times New Roman" panose="02020603050405020304" pitchFamily="18" charset="0"/>
+                <a:cs typeface="Times New Roman" panose="02020603050405020304" pitchFamily="18" charset="0"/>
+              </a:rPr>
+              <a:t>介绍部分</a:t>
+            </a:r>
+          </a:p>
+        </p:txBody>
+      </p:sp>
+      <p:cxnSp>
+        <p:nvCxnSpPr>
+          <p:cNvPr id="13" name="连接符: 肘形 12">
+            <a:extLst>
+              <a:ext uri="{FF2B5EF4-FFF2-40B4-BE49-F238E27FC236}">
+                <a16:creationId xmlns:a16="http://schemas.microsoft.com/office/drawing/2014/main" id="{942A8713-85D2-47C1-BF9E-2E6D6F6A3C16}"/>
+              </a:ext>
+            </a:extLst>
+          </p:cNvPr>
+          <p:cNvCxnSpPr/>
+          <p:nvPr/>
+        </p:nvCxnSpPr>
+        <p:spPr>
+          <a:xfrm rot="16200000" flipH="1">
+            <a:off x="3368972" y="4507988"/>
+            <a:ext cx="441367" cy="2240881"/>
+          </a:xfrm>
+          <a:prstGeom prst="bentConnector2">
+            <a:avLst/>
+          </a:prstGeom>
+          <a:ln w="9525">
+            <a:solidFill>
+              <a:schemeClr val="tx1"/>
+            </a:solidFill>
+          </a:ln>
+        </p:spPr>
+        <p:style>
+          <a:lnRef idx="1">
+            <a:schemeClr val="accent1"/>
+          </a:lnRef>
+          <a:fillRef idx="0">
+            <a:schemeClr val="accent1"/>
+          </a:fillRef>
+          <a:effectRef idx="0">
+            <a:schemeClr val="accent1"/>
+          </a:effectRef>
+          <a:fontRef idx="minor">
+            <a:schemeClr val="tx1"/>
+          </a:fontRef>
+        </p:style>
+      </p:cxnSp>
+      <p:sp>
+        <p:nvSpPr>
+          <p:cNvPr id="22" name="矩形: 圆角 21">
+            <a:extLst>
+              <a:ext uri="{FF2B5EF4-FFF2-40B4-BE49-F238E27FC236}">
+                <a16:creationId xmlns:a16="http://schemas.microsoft.com/office/drawing/2014/main" id="{15625CC9-597E-4040-92F7-EC97F0C1FCAB}"/>
+              </a:ext>
+            </a:extLst>
+          </p:cNvPr>
+          <p:cNvSpPr/>
+          <p:nvPr/>
+        </p:nvSpPr>
+        <p:spPr>
+          <a:xfrm>
+            <a:off x="130342" y="1488168"/>
+            <a:ext cx="1431758" cy="655721"/>
+          </a:xfrm>
+          <a:prstGeom prst="roundRect">
+            <a:avLst/>
+          </a:prstGeom>
+          <a:ln>
+            <a:noFill/>
+          </a:ln>
+        </p:spPr>
+        <p:style>
+          <a:lnRef idx="2">
+            <a:schemeClr val="accent1">
+              <a:shade val="50000"/>
+            </a:schemeClr>
+          </a:lnRef>
+          <a:fillRef idx="1">
+            <a:schemeClr val="accent1"/>
+          </a:fillRef>
+          <a:effectRef idx="0">
+            <a:schemeClr val="accent1"/>
+          </a:effectRef>
+          <a:fontRef idx="minor">
+            <a:schemeClr val="lt1"/>
+          </a:fontRef>
+        </p:style>
+        <p:txBody>
+          <a:bodyPr rtlCol="0" anchor="ctr"/>
+          <a:lstStyle/>
+          <a:p>
+            <a:pPr algn="ctr"/>
+            <a:r>
+              <a:rPr lang="zh-CN" altLang="en-US" dirty="0"/>
+              <a:t>介绍结构</a:t>
+            </a:r>
+          </a:p>
+        </p:txBody>
+      </p:sp>
+      <p:sp>
+        <p:nvSpPr>
+          <p:cNvPr id="23" name="矩形 22">
+            <a:extLst>
+              <a:ext uri="{FF2B5EF4-FFF2-40B4-BE49-F238E27FC236}">
+                <a16:creationId xmlns:a16="http://schemas.microsoft.com/office/drawing/2014/main" id="{DA83EAE2-B1C8-434D-8212-DF9E962EEA51}"/>
+              </a:ext>
+            </a:extLst>
+          </p:cNvPr>
+          <p:cNvSpPr/>
+          <p:nvPr/>
+        </p:nvSpPr>
+        <p:spPr>
+          <a:xfrm>
+            <a:off x="1646321" y="4761736"/>
+            <a:ext cx="1576134" cy="697832"/>
+          </a:xfrm>
+          <a:prstGeom prst="rect">
+            <a:avLst/>
+          </a:prstGeom>
+          <a:solidFill>
+            <a:schemeClr val="bg1">
+              <a:lumMod val="85000"/>
+            </a:schemeClr>
+          </a:solidFill>
+          <a:ln>
+            <a:noFill/>
+          </a:ln>
+        </p:spPr>
+        <p:style>
+          <a:lnRef idx="2">
+            <a:schemeClr val="accent1">
+              <a:shade val="50000"/>
+            </a:schemeClr>
+          </a:lnRef>
+          <a:fillRef idx="1">
+            <a:schemeClr val="accent1"/>
+          </a:fillRef>
+          <a:effectRef idx="0">
+            <a:schemeClr val="accent1"/>
+          </a:effectRef>
+          <a:fontRef idx="minor">
+            <a:schemeClr val="lt1"/>
+          </a:fontRef>
+        </p:style>
+        <p:txBody>
+          <a:bodyPr rtlCol="0" anchor="ctr"/>
+          <a:lstStyle/>
+          <a:p>
+            <a:pPr algn="ctr"/>
+            <a:r>
+              <a:rPr lang="zh-CN" altLang="en-US" sz="1400" dirty="0">
+                <a:solidFill>
+                  <a:schemeClr val="tx1"/>
+                </a:solidFill>
+              </a:rPr>
+              <a:t>本文工作</a:t>
+            </a:r>
+          </a:p>
+        </p:txBody>
+      </p:sp>
+      <p:cxnSp>
+        <p:nvCxnSpPr>
+          <p:cNvPr id="24" name="连接符: 肘形 23">
+            <a:extLst>
+              <a:ext uri="{FF2B5EF4-FFF2-40B4-BE49-F238E27FC236}">
+                <a16:creationId xmlns:a16="http://schemas.microsoft.com/office/drawing/2014/main" id="{9B895DF1-0330-4374-9778-D45B02F8737B}"/>
+              </a:ext>
+            </a:extLst>
+          </p:cNvPr>
+          <p:cNvCxnSpPr>
+            <a:cxnSpLocks/>
+            <a:stCxn id="22" idx="2"/>
+            <a:endCxn id="23" idx="1"/>
+          </p:cNvCxnSpPr>
+          <p:nvPr/>
+        </p:nvCxnSpPr>
+        <p:spPr>
+          <a:xfrm rot="16200000" flipH="1">
+            <a:off x="-237110" y="3227220"/>
+            <a:ext cx="2966763" cy="800100"/>
+          </a:xfrm>
+          <a:prstGeom prst="bentConnector2">
+            <a:avLst/>
+          </a:prstGeom>
+          <a:ln w="12700"/>
+        </p:spPr>
+        <p:style>
+          <a:lnRef idx="1">
+            <a:schemeClr val="dk1"/>
+          </a:lnRef>
+          <a:fillRef idx="0">
+            <a:schemeClr val="dk1"/>
+          </a:fillRef>
+          <a:effectRef idx="0">
+            <a:schemeClr val="dk1"/>
+          </a:effectRef>
+          <a:fontRef idx="minor">
+            <a:schemeClr val="tx1"/>
+          </a:fontRef>
+        </p:style>
+      </p:cxnSp>
+      <p:sp>
+        <p:nvSpPr>
+          <p:cNvPr id="25" name="矩形 24">
+            <a:extLst>
+              <a:ext uri="{FF2B5EF4-FFF2-40B4-BE49-F238E27FC236}">
+                <a16:creationId xmlns:a16="http://schemas.microsoft.com/office/drawing/2014/main" id="{4CFCCFB8-8E80-44B9-8D18-432B89BF9BE5}"/>
+              </a:ext>
+            </a:extLst>
+          </p:cNvPr>
+          <p:cNvSpPr/>
+          <p:nvPr/>
+        </p:nvSpPr>
+        <p:spPr>
+          <a:xfrm>
+            <a:off x="1646321" y="2432987"/>
+            <a:ext cx="1576136" cy="697832"/>
+          </a:xfrm>
+          <a:prstGeom prst="rect">
+            <a:avLst/>
+          </a:prstGeom>
+          <a:solidFill>
+            <a:schemeClr val="bg1">
+              <a:lumMod val="85000"/>
+            </a:schemeClr>
+          </a:solidFill>
+          <a:ln>
+            <a:noFill/>
+          </a:ln>
+        </p:spPr>
+        <p:style>
+          <a:lnRef idx="2">
+            <a:schemeClr val="accent1">
+              <a:shade val="50000"/>
+            </a:schemeClr>
+          </a:lnRef>
+          <a:fillRef idx="1">
+            <a:schemeClr val="accent1"/>
+          </a:fillRef>
+          <a:effectRef idx="0">
+            <a:schemeClr val="accent1"/>
+          </a:effectRef>
+          <a:fontRef idx="minor">
+            <a:schemeClr val="lt1"/>
+          </a:fontRef>
+        </p:style>
+        <p:txBody>
+          <a:bodyPr rtlCol="0" anchor="ctr"/>
+          <a:lstStyle/>
+          <a:p>
+            <a:pPr algn="ctr"/>
+            <a:r>
+              <a:rPr lang="zh-CN" altLang="en-US" sz="1400" dirty="0">
+                <a:solidFill>
+                  <a:schemeClr val="tx1"/>
+                </a:solidFill>
+              </a:rPr>
+              <a:t>研究背景</a:t>
+            </a:r>
+          </a:p>
+        </p:txBody>
+      </p:sp>
+      <p:cxnSp>
+        <p:nvCxnSpPr>
+          <p:cNvPr id="26" name="直接连接符 25">
+            <a:extLst>
+              <a:ext uri="{FF2B5EF4-FFF2-40B4-BE49-F238E27FC236}">
+                <a16:creationId xmlns:a16="http://schemas.microsoft.com/office/drawing/2014/main" id="{F18AF146-D553-412D-9365-F31BC93EF5CC}"/>
+              </a:ext>
+            </a:extLst>
+          </p:cNvPr>
+          <p:cNvCxnSpPr/>
+          <p:nvPr/>
+        </p:nvCxnSpPr>
+        <p:spPr>
+          <a:xfrm flipH="1">
+            <a:off x="846222" y="2763856"/>
+            <a:ext cx="800099" cy="0"/>
+          </a:xfrm>
+          <a:prstGeom prst="line">
+            <a:avLst/>
+          </a:prstGeom>
+          <a:ln w="12700">
+            <a:solidFill>
+              <a:schemeClr val="tx1"/>
+            </a:solidFill>
+          </a:ln>
+        </p:spPr>
+        <p:style>
+          <a:lnRef idx="1">
+            <a:schemeClr val="accent1"/>
+          </a:lnRef>
+          <a:fillRef idx="0">
+            <a:schemeClr val="accent1"/>
+          </a:fillRef>
+          <a:effectRef idx="0">
+            <a:schemeClr val="accent1"/>
+          </a:effectRef>
+          <a:fontRef idx="minor">
+            <a:schemeClr val="tx1"/>
+          </a:fontRef>
+        </p:style>
+      </p:cxnSp>
+      <p:sp>
+        <p:nvSpPr>
+          <p:cNvPr id="28" name="矩形 27">
+            <a:extLst>
+              <a:ext uri="{FF2B5EF4-FFF2-40B4-BE49-F238E27FC236}">
+                <a16:creationId xmlns:a16="http://schemas.microsoft.com/office/drawing/2014/main" id="{AE992A6F-E596-4192-A5CE-226D1FDCB5F0}"/>
+              </a:ext>
+            </a:extLst>
+          </p:cNvPr>
+          <p:cNvSpPr/>
+          <p:nvPr/>
+        </p:nvSpPr>
+        <p:spPr>
+          <a:xfrm>
+            <a:off x="1652905" y="3289569"/>
+            <a:ext cx="1576135" cy="697832"/>
+          </a:xfrm>
+          <a:prstGeom prst="rect">
+            <a:avLst/>
+          </a:prstGeom>
+          <a:solidFill>
+            <a:schemeClr val="bg1">
+              <a:lumMod val="85000"/>
+            </a:schemeClr>
+          </a:solidFill>
+          <a:ln>
+            <a:noFill/>
+          </a:ln>
+        </p:spPr>
+        <p:style>
+          <a:lnRef idx="2">
+            <a:schemeClr val="accent1">
+              <a:shade val="50000"/>
+            </a:schemeClr>
+          </a:lnRef>
+          <a:fillRef idx="1">
+            <a:schemeClr val="accent1"/>
+          </a:fillRef>
+          <a:effectRef idx="0">
+            <a:schemeClr val="accent1"/>
+          </a:effectRef>
+          <a:fontRef idx="minor">
+            <a:schemeClr val="lt1"/>
+          </a:fontRef>
+        </p:style>
+        <p:txBody>
+          <a:bodyPr rtlCol="0" anchor="ctr"/>
+          <a:lstStyle/>
+          <a:p>
+            <a:pPr algn="ctr"/>
+            <a:r>
+              <a:rPr lang="zh-CN" altLang="en-US" sz="1400" dirty="0">
+                <a:solidFill>
+                  <a:schemeClr val="tx1"/>
+                </a:solidFill>
+              </a:rPr>
+              <a:t>同态加密</a:t>
+            </a:r>
+          </a:p>
+        </p:txBody>
+      </p:sp>
+      <p:cxnSp>
+        <p:nvCxnSpPr>
+          <p:cNvPr id="32" name="直接连接符 31">
+            <a:extLst>
+              <a:ext uri="{FF2B5EF4-FFF2-40B4-BE49-F238E27FC236}">
+                <a16:creationId xmlns:a16="http://schemas.microsoft.com/office/drawing/2014/main" id="{694F6DFB-E8BE-41D2-82A4-A0528BA282A5}"/>
+              </a:ext>
+            </a:extLst>
+          </p:cNvPr>
+          <p:cNvCxnSpPr/>
+          <p:nvPr/>
+        </p:nvCxnSpPr>
+        <p:spPr>
+          <a:xfrm flipH="1">
+            <a:off x="852806" y="3639088"/>
+            <a:ext cx="800099" cy="0"/>
+          </a:xfrm>
+          <a:prstGeom prst="line">
+            <a:avLst/>
+          </a:prstGeom>
+          <a:ln w="12700">
+            <a:solidFill>
+              <a:schemeClr val="tx1"/>
+            </a:solidFill>
+          </a:ln>
+        </p:spPr>
+        <p:style>
+          <a:lnRef idx="1">
+            <a:schemeClr val="accent1"/>
+          </a:lnRef>
+          <a:fillRef idx="0">
+            <a:schemeClr val="accent1"/>
+          </a:fillRef>
+          <a:effectRef idx="0">
+            <a:schemeClr val="accent1"/>
+          </a:effectRef>
+          <a:fontRef idx="minor">
+            <a:schemeClr val="tx1"/>
+          </a:fontRef>
+        </p:style>
+      </p:cxnSp>
+      <p:cxnSp>
+        <p:nvCxnSpPr>
+          <p:cNvPr id="33" name="连接符: 肘形 17">
+            <a:extLst>
+              <a:ext uri="{FF2B5EF4-FFF2-40B4-BE49-F238E27FC236}">
+                <a16:creationId xmlns:a16="http://schemas.microsoft.com/office/drawing/2014/main" id="{BEB5FD0F-EFE7-411D-8164-19F384B3611E}"/>
+              </a:ext>
+            </a:extLst>
+          </p:cNvPr>
+          <p:cNvCxnSpPr/>
+          <p:nvPr/>
+        </p:nvCxnSpPr>
+        <p:spPr>
+          <a:xfrm rot="16200000" flipH="1">
+            <a:off x="2955225" y="3469894"/>
+            <a:ext cx="697830" cy="1738565"/>
+          </a:xfrm>
+          <a:prstGeom prst="bentConnector2">
+            <a:avLst/>
+          </a:prstGeom>
+          <a:ln w="9525"/>
+        </p:spPr>
+        <p:style>
+          <a:lnRef idx="1">
+            <a:schemeClr val="dk1"/>
+          </a:lnRef>
+          <a:fillRef idx="0">
+            <a:schemeClr val="dk1"/>
+          </a:fillRef>
+          <a:effectRef idx="0">
+            <a:schemeClr val="dk1"/>
+          </a:effectRef>
+          <a:fontRef idx="minor">
+            <a:schemeClr val="tx1"/>
+          </a:fontRef>
+        </p:style>
+      </p:cxnSp>
+      <p:cxnSp>
+        <p:nvCxnSpPr>
+          <p:cNvPr id="34" name="直接连接符 33">
+            <a:extLst>
+              <a:ext uri="{FF2B5EF4-FFF2-40B4-BE49-F238E27FC236}">
+                <a16:creationId xmlns:a16="http://schemas.microsoft.com/office/drawing/2014/main" id="{6E7EB34A-74C8-48D5-9BE7-EDEA0DF009EC}"/>
+              </a:ext>
+            </a:extLst>
+          </p:cNvPr>
+          <p:cNvCxnSpPr/>
+          <p:nvPr/>
+        </p:nvCxnSpPr>
+        <p:spPr>
+          <a:xfrm>
+            <a:off x="2434857" y="4226071"/>
+            <a:ext cx="1738565" cy="6016"/>
+          </a:xfrm>
+          <a:prstGeom prst="line">
+            <a:avLst/>
+          </a:prstGeom>
+          <a:ln w="9525">
+            <a:solidFill>
+              <a:schemeClr val="tx1"/>
+            </a:solidFill>
+          </a:ln>
+        </p:spPr>
+        <p:style>
+          <a:lnRef idx="1">
+            <a:schemeClr val="accent1"/>
+          </a:lnRef>
+          <a:fillRef idx="0">
+            <a:schemeClr val="accent1"/>
+          </a:fillRef>
+          <a:effectRef idx="0">
+            <a:schemeClr val="accent1"/>
+          </a:effectRef>
+          <a:fontRef idx="minor">
+            <a:schemeClr val="tx1"/>
+          </a:fontRef>
+        </p:style>
+      </p:cxnSp>
+      <p:sp>
+        <p:nvSpPr>
+          <p:cNvPr id="35" name="文本框 34">
+            <a:extLst>
+              <a:ext uri="{FF2B5EF4-FFF2-40B4-BE49-F238E27FC236}">
+                <a16:creationId xmlns:a16="http://schemas.microsoft.com/office/drawing/2014/main" id="{333F23D5-C863-4102-8881-4E24705B6EAD}"/>
+              </a:ext>
+            </a:extLst>
+          </p:cNvPr>
+          <p:cNvSpPr txBox="1"/>
+          <p:nvPr/>
+        </p:nvSpPr>
+        <p:spPr>
+          <a:xfrm>
+            <a:off x="2548891" y="3955778"/>
+            <a:ext cx="1892300" cy="306705"/>
+          </a:xfrm>
+          <a:prstGeom prst="rect">
+            <a:avLst/>
+          </a:prstGeom>
+          <a:noFill/>
+        </p:spPr>
+        <p:txBody>
+          <a:bodyPr wrap="square" rtlCol="0">
+            <a:spAutoFit/>
+          </a:bodyPr>
+          <a:lstStyle/>
+          <a:p>
+            <a:r>
+              <a:rPr lang="zh-CN" altLang="en-US" sz="1400" dirty="0"/>
+              <a:t>描述同态加密算法</a:t>
+            </a:r>
+          </a:p>
+        </p:txBody>
+      </p:sp>
+      <p:sp>
+        <p:nvSpPr>
+          <p:cNvPr id="36" name="文本框 35">
+            <a:extLst>
+              <a:ext uri="{FF2B5EF4-FFF2-40B4-BE49-F238E27FC236}">
+                <a16:creationId xmlns:a16="http://schemas.microsoft.com/office/drawing/2014/main" id="{F25DC2B2-7998-4498-8166-D7AB17CE3A66}"/>
+              </a:ext>
+            </a:extLst>
+          </p:cNvPr>
+          <p:cNvSpPr txBox="1"/>
+          <p:nvPr/>
+        </p:nvSpPr>
+        <p:spPr>
+          <a:xfrm>
+            <a:off x="2548891" y="4415870"/>
+            <a:ext cx="2081530" cy="306705"/>
+          </a:xfrm>
+          <a:prstGeom prst="rect">
+            <a:avLst/>
+          </a:prstGeom>
+          <a:noFill/>
+        </p:spPr>
+        <p:txBody>
+          <a:bodyPr wrap="square" rtlCol="0">
+            <a:spAutoFit/>
+          </a:bodyPr>
+          <a:lstStyle/>
+          <a:p>
+            <a:r>
+              <a:rPr lang="zh-CN" altLang="en-US" sz="1400" dirty="0"/>
+              <a:t>同态方案分类</a:t>
+            </a:r>
+          </a:p>
+        </p:txBody>
+      </p:sp>
+      <p:sp>
+        <p:nvSpPr>
+          <p:cNvPr id="37" name="矩形 36">
+            <a:extLst>
+              <a:ext uri="{FF2B5EF4-FFF2-40B4-BE49-F238E27FC236}">
+                <a16:creationId xmlns:a16="http://schemas.microsoft.com/office/drawing/2014/main" id="{BE9B2B14-F246-4816-AA16-0D11C93D0F98}"/>
+              </a:ext>
+            </a:extLst>
+          </p:cNvPr>
+          <p:cNvSpPr/>
+          <p:nvPr/>
+        </p:nvSpPr>
+        <p:spPr>
+          <a:xfrm>
+            <a:off x="1646321" y="5923099"/>
+            <a:ext cx="1576134" cy="697832"/>
+          </a:xfrm>
+          <a:prstGeom prst="rect">
+            <a:avLst/>
+          </a:prstGeom>
+          <a:solidFill>
+            <a:schemeClr val="bg1">
+              <a:lumMod val="85000"/>
+            </a:schemeClr>
+          </a:solidFill>
+          <a:ln>
+            <a:noFill/>
+          </a:ln>
+        </p:spPr>
+        <p:style>
+          <a:lnRef idx="2">
+            <a:schemeClr val="accent1">
+              <a:shade val="50000"/>
+            </a:schemeClr>
+          </a:lnRef>
+          <a:fillRef idx="1">
+            <a:schemeClr val="accent1"/>
+          </a:fillRef>
+          <a:effectRef idx="0">
+            <a:schemeClr val="accent1"/>
+          </a:effectRef>
+          <a:fontRef idx="minor">
+            <a:schemeClr val="lt1"/>
+          </a:fontRef>
+        </p:style>
+        <p:txBody>
+          <a:bodyPr rtlCol="0" anchor="ctr"/>
+          <a:lstStyle/>
+          <a:p>
+            <a:pPr algn="ctr"/>
+            <a:r>
+              <a:rPr lang="zh-CN" altLang="en-US" sz="1400" dirty="0">
+                <a:solidFill>
+                  <a:schemeClr val="tx1"/>
+                </a:solidFill>
+              </a:rPr>
+              <a:t>相关工作</a:t>
+            </a:r>
+          </a:p>
+        </p:txBody>
+      </p:sp>
+      <p:sp>
+        <p:nvSpPr>
+          <p:cNvPr id="39" name="文本框 38">
+            <a:extLst>
+              <a:ext uri="{FF2B5EF4-FFF2-40B4-BE49-F238E27FC236}">
+                <a16:creationId xmlns:a16="http://schemas.microsoft.com/office/drawing/2014/main" id="{5440184E-AE0B-490E-BCC0-90B96732A992}"/>
+              </a:ext>
+            </a:extLst>
+          </p:cNvPr>
+          <p:cNvSpPr txBox="1"/>
+          <p:nvPr/>
+        </p:nvSpPr>
+        <p:spPr>
+          <a:xfrm>
+            <a:off x="1517983" y="1632272"/>
+            <a:ext cx="1431758" cy="369332"/>
+          </a:xfrm>
+          <a:prstGeom prst="rect">
+            <a:avLst/>
+          </a:prstGeom>
+          <a:noFill/>
+        </p:spPr>
+        <p:txBody>
+          <a:bodyPr wrap="square" rtlCol="0">
+            <a:spAutoFit/>
+          </a:bodyPr>
+          <a:lstStyle/>
+          <a:p>
+            <a:r>
               <a:rPr lang="en-US" altLang="zh-CN" b="1" dirty="0">
                 <a:latin typeface="Times New Roman" panose="02020603050405020304" pitchFamily="18" charset="0"/>
                 <a:cs typeface="Times New Roman" panose="02020603050405020304" pitchFamily="18" charset="0"/>
               </a:rPr>
-              <a:t>BVG12</a:t>
-            </a:r>
-            <a:r>
-              <a:rPr lang="zh-CN" altLang="en-US" b="1" dirty="0">
-                <a:latin typeface="Times New Roman" panose="02020603050405020304" pitchFamily="18" charset="0"/>
-                <a:cs typeface="Times New Roman" panose="02020603050405020304" pitchFamily="18" charset="0"/>
-              </a:rPr>
-              <a:t>摘要</a:t>
+              <a:t>Cen09</a:t>
             </a:r>
             <a:endParaRPr lang="zh-CN" altLang="en-US" b="1" dirty="0">
               <a:latin typeface="Times New Roman" panose="02020603050405020304" pitchFamily="18" charset="0"/>
@@ -9834,6 +10414,1511 @@
           </a:p>
         </p:txBody>
       </p:sp>
+      <p:sp>
+        <p:nvSpPr>
+          <p:cNvPr id="46" name="文本框 45">
+            <a:extLst>
+              <a:ext uri="{FF2B5EF4-FFF2-40B4-BE49-F238E27FC236}">
+                <a16:creationId xmlns:a16="http://schemas.microsoft.com/office/drawing/2014/main" id="{CC92D040-8EFF-48C0-8BE3-96B13CECBFFB}"/>
+              </a:ext>
+            </a:extLst>
+          </p:cNvPr>
+          <p:cNvSpPr txBox="1"/>
+          <p:nvPr/>
+        </p:nvSpPr>
+        <p:spPr>
+          <a:xfrm>
+            <a:off x="2469215" y="5537445"/>
+            <a:ext cx="2904424" cy="307777"/>
+          </a:xfrm>
+          <a:prstGeom prst="rect">
+            <a:avLst/>
+          </a:prstGeom>
+          <a:noFill/>
+        </p:spPr>
+        <p:txBody>
+          <a:bodyPr wrap="square" rtlCol="0">
+            <a:spAutoFit/>
+          </a:bodyPr>
+          <a:lstStyle/>
+          <a:p>
+            <a:r>
+              <a:rPr lang="zh-CN" altLang="en-US" sz="1400" dirty="0"/>
+              <a:t>按后续文章结构顺序简单描述工作</a:t>
+            </a:r>
+          </a:p>
+        </p:txBody>
+      </p:sp>
+      <p:cxnSp>
+        <p:nvCxnSpPr>
+          <p:cNvPr id="48" name="连接符: 肘形 47">
+            <a:extLst>
+              <a:ext uri="{FF2B5EF4-FFF2-40B4-BE49-F238E27FC236}">
+                <a16:creationId xmlns:a16="http://schemas.microsoft.com/office/drawing/2014/main" id="{207AA317-6921-4306-94C2-93C402427107}"/>
+              </a:ext>
+            </a:extLst>
+          </p:cNvPr>
+          <p:cNvCxnSpPr>
+            <a:endCxn id="37" idx="1"/>
+          </p:cNvCxnSpPr>
+          <p:nvPr/>
+        </p:nvCxnSpPr>
+        <p:spPr>
+          <a:xfrm rot="16200000" flipH="1">
+            <a:off x="665590" y="5291283"/>
+            <a:ext cx="1161363" cy="800100"/>
+          </a:xfrm>
+          <a:prstGeom prst="bentConnector2">
+            <a:avLst/>
+          </a:prstGeom>
+          <a:ln w="12700">
+            <a:solidFill>
+              <a:schemeClr val="tx1"/>
+            </a:solidFill>
+          </a:ln>
+        </p:spPr>
+        <p:style>
+          <a:lnRef idx="1">
+            <a:schemeClr val="accent1"/>
+          </a:lnRef>
+          <a:fillRef idx="0">
+            <a:schemeClr val="accent1"/>
+          </a:fillRef>
+          <a:effectRef idx="0">
+            <a:schemeClr val="accent1"/>
+          </a:effectRef>
+          <a:fontRef idx="minor">
+            <a:schemeClr val="tx1"/>
+          </a:fontRef>
+        </p:style>
+      </p:cxnSp>
+      <p:sp>
+        <p:nvSpPr>
+          <p:cNvPr id="50" name="矩形: 圆角 49">
+            <a:extLst>
+              <a:ext uri="{FF2B5EF4-FFF2-40B4-BE49-F238E27FC236}">
+                <a16:creationId xmlns:a16="http://schemas.microsoft.com/office/drawing/2014/main" id="{6A645F85-AD1F-4ECA-81AC-BD728EF9A575}"/>
+              </a:ext>
+            </a:extLst>
+          </p:cNvPr>
+          <p:cNvSpPr/>
+          <p:nvPr/>
+        </p:nvSpPr>
+        <p:spPr>
+          <a:xfrm>
+            <a:off x="4555225" y="1488167"/>
+            <a:ext cx="1431758" cy="655721"/>
+          </a:xfrm>
+          <a:prstGeom prst="roundRect">
+            <a:avLst/>
+          </a:prstGeom>
+          <a:ln>
+            <a:noFill/>
+          </a:ln>
+        </p:spPr>
+        <p:style>
+          <a:lnRef idx="2">
+            <a:schemeClr val="accent1">
+              <a:shade val="50000"/>
+            </a:schemeClr>
+          </a:lnRef>
+          <a:fillRef idx="1">
+            <a:schemeClr val="accent1"/>
+          </a:fillRef>
+          <a:effectRef idx="0">
+            <a:schemeClr val="accent1"/>
+          </a:effectRef>
+          <a:fontRef idx="minor">
+            <a:schemeClr val="lt1"/>
+          </a:fontRef>
+        </p:style>
+        <p:txBody>
+          <a:bodyPr rtlCol="0" anchor="ctr"/>
+          <a:lstStyle/>
+          <a:p>
+            <a:pPr algn="ctr"/>
+            <a:r>
+              <a:rPr lang="zh-CN" altLang="en-US" dirty="0"/>
+              <a:t>介绍结构</a:t>
+            </a:r>
+          </a:p>
+        </p:txBody>
+      </p:sp>
+      <p:sp>
+        <p:nvSpPr>
+          <p:cNvPr id="51" name="矩形 50">
+            <a:extLst>
+              <a:ext uri="{FF2B5EF4-FFF2-40B4-BE49-F238E27FC236}">
+                <a16:creationId xmlns:a16="http://schemas.microsoft.com/office/drawing/2014/main" id="{0F4938CE-4204-4717-99B4-5A39F12B8817}"/>
+              </a:ext>
+            </a:extLst>
+          </p:cNvPr>
+          <p:cNvSpPr/>
+          <p:nvPr/>
+        </p:nvSpPr>
+        <p:spPr>
+          <a:xfrm>
+            <a:off x="6069335" y="4146753"/>
+            <a:ext cx="1576134" cy="697832"/>
+          </a:xfrm>
+          <a:prstGeom prst="rect">
+            <a:avLst/>
+          </a:prstGeom>
+          <a:solidFill>
+            <a:schemeClr val="bg1">
+              <a:lumMod val="85000"/>
+            </a:schemeClr>
+          </a:solidFill>
+          <a:ln>
+            <a:noFill/>
+          </a:ln>
+        </p:spPr>
+        <p:style>
+          <a:lnRef idx="2">
+            <a:schemeClr val="accent1">
+              <a:shade val="50000"/>
+            </a:schemeClr>
+          </a:lnRef>
+          <a:fillRef idx="1">
+            <a:schemeClr val="accent1"/>
+          </a:fillRef>
+          <a:effectRef idx="0">
+            <a:schemeClr val="accent1"/>
+          </a:effectRef>
+          <a:fontRef idx="minor">
+            <a:schemeClr val="lt1"/>
+          </a:fontRef>
+        </p:style>
+        <p:txBody>
+          <a:bodyPr rtlCol="0" anchor="ctr"/>
+          <a:lstStyle/>
+          <a:p>
+            <a:pPr algn="ctr"/>
+            <a:r>
+              <a:rPr lang="zh-CN" altLang="en-US" sz="1400" dirty="0">
+                <a:solidFill>
+                  <a:schemeClr val="tx1"/>
+                </a:solidFill>
+              </a:rPr>
+              <a:t>本文工作</a:t>
+            </a:r>
+          </a:p>
+        </p:txBody>
+      </p:sp>
+      <p:cxnSp>
+        <p:nvCxnSpPr>
+          <p:cNvPr id="52" name="连接符: 肘形 51">
+            <a:extLst>
+              <a:ext uri="{FF2B5EF4-FFF2-40B4-BE49-F238E27FC236}">
+                <a16:creationId xmlns:a16="http://schemas.microsoft.com/office/drawing/2014/main" id="{D2C2CD25-6DB4-4378-8864-67966B64F611}"/>
+              </a:ext>
+            </a:extLst>
+          </p:cNvPr>
+          <p:cNvCxnSpPr>
+            <a:cxnSpLocks/>
+            <a:stCxn id="50" idx="2"/>
+            <a:endCxn id="51" idx="1"/>
+          </p:cNvCxnSpPr>
+          <p:nvPr/>
+        </p:nvCxnSpPr>
+        <p:spPr>
+          <a:xfrm rot="16200000" flipH="1">
+            <a:off x="4494329" y="2920662"/>
+            <a:ext cx="2351781" cy="798231"/>
+          </a:xfrm>
+          <a:prstGeom prst="bentConnector2">
+            <a:avLst/>
+          </a:prstGeom>
+          <a:ln w="12700"/>
+        </p:spPr>
+        <p:style>
+          <a:lnRef idx="1">
+            <a:schemeClr val="dk1"/>
+          </a:lnRef>
+          <a:fillRef idx="0">
+            <a:schemeClr val="dk1"/>
+          </a:fillRef>
+          <a:effectRef idx="0">
+            <a:schemeClr val="dk1"/>
+          </a:effectRef>
+          <a:fontRef idx="minor">
+            <a:schemeClr val="tx1"/>
+          </a:fontRef>
+        </p:style>
+      </p:cxnSp>
+      <p:sp>
+        <p:nvSpPr>
+          <p:cNvPr id="53" name="矩形 52">
+            <a:extLst>
+              <a:ext uri="{FF2B5EF4-FFF2-40B4-BE49-F238E27FC236}">
+                <a16:creationId xmlns:a16="http://schemas.microsoft.com/office/drawing/2014/main" id="{B7EF7502-340D-4C54-A547-E1F066DD4107}"/>
+              </a:ext>
+            </a:extLst>
+          </p:cNvPr>
+          <p:cNvSpPr/>
+          <p:nvPr/>
+        </p:nvSpPr>
+        <p:spPr>
+          <a:xfrm>
+            <a:off x="6071204" y="2432986"/>
+            <a:ext cx="1576136" cy="697832"/>
+          </a:xfrm>
+          <a:prstGeom prst="rect">
+            <a:avLst/>
+          </a:prstGeom>
+          <a:solidFill>
+            <a:schemeClr val="bg1">
+              <a:lumMod val="85000"/>
+            </a:schemeClr>
+          </a:solidFill>
+          <a:ln>
+            <a:noFill/>
+          </a:ln>
+        </p:spPr>
+        <p:style>
+          <a:lnRef idx="2">
+            <a:schemeClr val="accent1">
+              <a:shade val="50000"/>
+            </a:schemeClr>
+          </a:lnRef>
+          <a:fillRef idx="1">
+            <a:schemeClr val="accent1"/>
+          </a:fillRef>
+          <a:effectRef idx="0">
+            <a:schemeClr val="accent1"/>
+          </a:effectRef>
+          <a:fontRef idx="minor">
+            <a:schemeClr val="lt1"/>
+          </a:fontRef>
+        </p:style>
+        <p:txBody>
+          <a:bodyPr rtlCol="0" anchor="ctr"/>
+          <a:lstStyle/>
+          <a:p>
+            <a:pPr algn="ctr"/>
+            <a:r>
+              <a:rPr lang="zh-CN" altLang="en-US" sz="1400" dirty="0">
+                <a:solidFill>
+                  <a:schemeClr val="tx1"/>
+                </a:solidFill>
+              </a:rPr>
+              <a:t>同态加密发展</a:t>
+            </a:r>
+          </a:p>
+        </p:txBody>
+      </p:sp>
+      <p:cxnSp>
+        <p:nvCxnSpPr>
+          <p:cNvPr id="54" name="直接连接符 53">
+            <a:extLst>
+              <a:ext uri="{FF2B5EF4-FFF2-40B4-BE49-F238E27FC236}">
+                <a16:creationId xmlns:a16="http://schemas.microsoft.com/office/drawing/2014/main" id="{D4FA0F95-B66B-4E15-97C4-21B2459A3FEE}"/>
+              </a:ext>
+            </a:extLst>
+          </p:cNvPr>
+          <p:cNvCxnSpPr/>
+          <p:nvPr/>
+        </p:nvCxnSpPr>
+        <p:spPr>
+          <a:xfrm flipH="1">
+            <a:off x="5271105" y="2763855"/>
+            <a:ext cx="800099" cy="0"/>
+          </a:xfrm>
+          <a:prstGeom prst="line">
+            <a:avLst/>
+          </a:prstGeom>
+          <a:ln w="12700">
+            <a:solidFill>
+              <a:schemeClr val="tx1"/>
+            </a:solidFill>
+          </a:ln>
+        </p:spPr>
+        <p:style>
+          <a:lnRef idx="1">
+            <a:schemeClr val="accent1"/>
+          </a:lnRef>
+          <a:fillRef idx="0">
+            <a:schemeClr val="accent1"/>
+          </a:fillRef>
+          <a:effectRef idx="0">
+            <a:schemeClr val="accent1"/>
+          </a:effectRef>
+          <a:fontRef idx="minor">
+            <a:schemeClr val="tx1"/>
+          </a:fontRef>
+        </p:style>
+      </p:cxnSp>
+      <p:sp>
+        <p:nvSpPr>
+          <p:cNvPr id="55" name="矩形 54">
+            <a:extLst>
+              <a:ext uri="{FF2B5EF4-FFF2-40B4-BE49-F238E27FC236}">
+                <a16:creationId xmlns:a16="http://schemas.microsoft.com/office/drawing/2014/main" id="{7D2E399E-E958-4E6B-B2F8-136AB3077CBC}"/>
+              </a:ext>
+            </a:extLst>
+          </p:cNvPr>
+          <p:cNvSpPr/>
+          <p:nvPr/>
+        </p:nvSpPr>
+        <p:spPr>
+          <a:xfrm>
+            <a:off x="6077788" y="3289568"/>
+            <a:ext cx="1576135" cy="697832"/>
+          </a:xfrm>
+          <a:prstGeom prst="rect">
+            <a:avLst/>
+          </a:prstGeom>
+          <a:solidFill>
+            <a:schemeClr val="bg1">
+              <a:lumMod val="85000"/>
+            </a:schemeClr>
+          </a:solidFill>
+          <a:ln>
+            <a:noFill/>
+          </a:ln>
+        </p:spPr>
+        <p:style>
+          <a:lnRef idx="2">
+            <a:schemeClr val="accent1">
+              <a:shade val="50000"/>
+            </a:schemeClr>
+          </a:lnRef>
+          <a:fillRef idx="1">
+            <a:schemeClr val="accent1"/>
+          </a:fillRef>
+          <a:effectRef idx="0">
+            <a:schemeClr val="accent1"/>
+          </a:effectRef>
+          <a:fontRef idx="minor">
+            <a:schemeClr val="lt1"/>
+          </a:fontRef>
+        </p:style>
+        <p:txBody>
+          <a:bodyPr rtlCol="0" anchor="ctr"/>
+          <a:lstStyle/>
+          <a:p>
+            <a:pPr algn="ctr"/>
+            <a:r>
+              <a:rPr lang="zh-CN" altLang="en-US" sz="1400" dirty="0">
+                <a:solidFill>
+                  <a:schemeClr val="tx1"/>
+                </a:solidFill>
+              </a:rPr>
+              <a:t>效率考量</a:t>
+            </a:r>
+          </a:p>
+        </p:txBody>
+      </p:sp>
+      <p:cxnSp>
+        <p:nvCxnSpPr>
+          <p:cNvPr id="56" name="直接连接符 55">
+            <a:extLst>
+              <a:ext uri="{FF2B5EF4-FFF2-40B4-BE49-F238E27FC236}">
+                <a16:creationId xmlns:a16="http://schemas.microsoft.com/office/drawing/2014/main" id="{F723C167-0AAD-4B51-BEBC-2C4A53F3B26B}"/>
+              </a:ext>
+            </a:extLst>
+          </p:cNvPr>
+          <p:cNvCxnSpPr/>
+          <p:nvPr/>
+        </p:nvCxnSpPr>
+        <p:spPr>
+          <a:xfrm flipH="1">
+            <a:off x="5277689" y="3639087"/>
+            <a:ext cx="800099" cy="0"/>
+          </a:xfrm>
+          <a:prstGeom prst="line">
+            <a:avLst/>
+          </a:prstGeom>
+          <a:ln w="12700">
+            <a:solidFill>
+              <a:schemeClr val="tx1"/>
+            </a:solidFill>
+          </a:ln>
+        </p:spPr>
+        <p:style>
+          <a:lnRef idx="1">
+            <a:schemeClr val="accent1"/>
+          </a:lnRef>
+          <a:fillRef idx="0">
+            <a:schemeClr val="accent1"/>
+          </a:fillRef>
+          <a:effectRef idx="0">
+            <a:schemeClr val="accent1"/>
+          </a:effectRef>
+          <a:fontRef idx="minor">
+            <a:schemeClr val="tx1"/>
+          </a:fontRef>
+        </p:style>
+      </p:cxnSp>
+      <p:sp>
+        <p:nvSpPr>
+          <p:cNvPr id="61" name="矩形 60">
+            <a:extLst>
+              <a:ext uri="{FF2B5EF4-FFF2-40B4-BE49-F238E27FC236}">
+                <a16:creationId xmlns:a16="http://schemas.microsoft.com/office/drawing/2014/main" id="{B7D885C5-18FA-4292-8C49-1C995BFD6971}"/>
+              </a:ext>
+            </a:extLst>
+          </p:cNvPr>
+          <p:cNvSpPr/>
+          <p:nvPr/>
+        </p:nvSpPr>
+        <p:spPr>
+          <a:xfrm>
+            <a:off x="5638732" y="6003081"/>
+            <a:ext cx="1576134" cy="697832"/>
+          </a:xfrm>
+          <a:prstGeom prst="rect">
+            <a:avLst/>
+          </a:prstGeom>
+          <a:solidFill>
+            <a:schemeClr val="bg1">
+              <a:lumMod val="85000"/>
+            </a:schemeClr>
+          </a:solidFill>
+          <a:ln>
+            <a:noFill/>
+          </a:ln>
+        </p:spPr>
+        <p:style>
+          <a:lnRef idx="2">
+            <a:schemeClr val="accent1">
+              <a:shade val="50000"/>
+            </a:schemeClr>
+          </a:lnRef>
+          <a:fillRef idx="1">
+            <a:schemeClr val="accent1"/>
+          </a:fillRef>
+          <a:effectRef idx="0">
+            <a:schemeClr val="accent1"/>
+          </a:effectRef>
+          <a:fontRef idx="minor">
+            <a:schemeClr val="lt1"/>
+          </a:fontRef>
+        </p:style>
+        <p:txBody>
+          <a:bodyPr rtlCol="0" anchor="ctr"/>
+          <a:lstStyle/>
+          <a:p>
+            <a:pPr algn="ctr"/>
+            <a:r>
+              <a:rPr lang="zh-CN" altLang="en-US" sz="1400" dirty="0">
+                <a:solidFill>
+                  <a:schemeClr val="tx1"/>
+                </a:solidFill>
+              </a:rPr>
+              <a:t>相关工作</a:t>
+            </a:r>
+          </a:p>
+        </p:txBody>
+      </p:sp>
+      <p:sp>
+        <p:nvSpPr>
+          <p:cNvPr id="62" name="文本框 61">
+            <a:extLst>
+              <a:ext uri="{FF2B5EF4-FFF2-40B4-BE49-F238E27FC236}">
+                <a16:creationId xmlns:a16="http://schemas.microsoft.com/office/drawing/2014/main" id="{402F1448-7743-4C79-AA15-358C613F2D5C}"/>
+              </a:ext>
+            </a:extLst>
+          </p:cNvPr>
+          <p:cNvSpPr txBox="1"/>
+          <p:nvPr/>
+        </p:nvSpPr>
+        <p:spPr>
+          <a:xfrm>
+            <a:off x="5942866" y="1632271"/>
+            <a:ext cx="1431758" cy="369332"/>
+          </a:xfrm>
+          <a:prstGeom prst="rect">
+            <a:avLst/>
+          </a:prstGeom>
+          <a:noFill/>
+        </p:spPr>
+        <p:txBody>
+          <a:bodyPr wrap="square" rtlCol="0">
+            <a:spAutoFit/>
+          </a:bodyPr>
+          <a:lstStyle/>
+          <a:p>
+            <a:r>
+              <a:rPr lang="en-US" altLang="zh-CN" b="1" dirty="0">
+                <a:latin typeface="Times New Roman" panose="02020603050405020304" pitchFamily="18" charset="0"/>
+                <a:cs typeface="Times New Roman" panose="02020603050405020304" pitchFamily="18" charset="0"/>
+              </a:rPr>
+              <a:t>BGV12</a:t>
+            </a:r>
+            <a:endParaRPr lang="zh-CN" altLang="en-US" b="1" dirty="0">
+              <a:latin typeface="Times New Roman" panose="02020603050405020304" pitchFamily="18" charset="0"/>
+              <a:cs typeface="Times New Roman" panose="02020603050405020304" pitchFamily="18" charset="0"/>
+            </a:endParaRPr>
+          </a:p>
+        </p:txBody>
+      </p:sp>
+      <p:sp>
+        <p:nvSpPr>
+          <p:cNvPr id="66" name="矩形: 圆角 65">
+            <a:extLst>
+              <a:ext uri="{FF2B5EF4-FFF2-40B4-BE49-F238E27FC236}">
+                <a16:creationId xmlns:a16="http://schemas.microsoft.com/office/drawing/2014/main" id="{57CD5561-4E46-4BDA-9A7B-E232DC4BD823}"/>
+              </a:ext>
+            </a:extLst>
+          </p:cNvPr>
+          <p:cNvSpPr/>
+          <p:nvPr/>
+        </p:nvSpPr>
+        <p:spPr>
+          <a:xfrm>
+            <a:off x="8039306" y="1488168"/>
+            <a:ext cx="1431758" cy="655721"/>
+          </a:xfrm>
+          <a:prstGeom prst="roundRect">
+            <a:avLst/>
+          </a:prstGeom>
+          <a:ln>
+            <a:noFill/>
+          </a:ln>
+        </p:spPr>
+        <p:style>
+          <a:lnRef idx="2">
+            <a:schemeClr val="accent1">
+              <a:shade val="50000"/>
+            </a:schemeClr>
+          </a:lnRef>
+          <a:fillRef idx="1">
+            <a:schemeClr val="accent1"/>
+          </a:fillRef>
+          <a:effectRef idx="0">
+            <a:schemeClr val="accent1"/>
+          </a:effectRef>
+          <a:fontRef idx="minor">
+            <a:schemeClr val="lt1"/>
+          </a:fontRef>
+        </p:style>
+        <p:txBody>
+          <a:bodyPr rtlCol="0" anchor="ctr"/>
+          <a:lstStyle/>
+          <a:p>
+            <a:pPr algn="ctr"/>
+            <a:r>
+              <a:rPr lang="zh-CN" altLang="en-US" dirty="0"/>
+              <a:t>介绍结构</a:t>
+            </a:r>
+          </a:p>
+        </p:txBody>
+      </p:sp>
+      <p:sp>
+        <p:nvSpPr>
+          <p:cNvPr id="67" name="矩形 66">
+            <a:extLst>
+              <a:ext uri="{FF2B5EF4-FFF2-40B4-BE49-F238E27FC236}">
+                <a16:creationId xmlns:a16="http://schemas.microsoft.com/office/drawing/2014/main" id="{B99E009E-4740-470E-AB9C-C60ADD512892}"/>
+              </a:ext>
+            </a:extLst>
+          </p:cNvPr>
+          <p:cNvSpPr/>
+          <p:nvPr/>
+        </p:nvSpPr>
+        <p:spPr>
+          <a:xfrm>
+            <a:off x="9555285" y="4761736"/>
+            <a:ext cx="1576134" cy="697832"/>
+          </a:xfrm>
+          <a:prstGeom prst="rect">
+            <a:avLst/>
+          </a:prstGeom>
+          <a:solidFill>
+            <a:schemeClr val="bg1">
+              <a:lumMod val="85000"/>
+            </a:schemeClr>
+          </a:solidFill>
+          <a:ln>
+            <a:noFill/>
+          </a:ln>
+        </p:spPr>
+        <p:style>
+          <a:lnRef idx="2">
+            <a:schemeClr val="accent1">
+              <a:shade val="50000"/>
+            </a:schemeClr>
+          </a:lnRef>
+          <a:fillRef idx="1">
+            <a:schemeClr val="accent1"/>
+          </a:fillRef>
+          <a:effectRef idx="0">
+            <a:schemeClr val="accent1"/>
+          </a:effectRef>
+          <a:fontRef idx="minor">
+            <a:schemeClr val="lt1"/>
+          </a:fontRef>
+        </p:style>
+        <p:txBody>
+          <a:bodyPr rtlCol="0" anchor="ctr"/>
+          <a:lstStyle/>
+          <a:p>
+            <a:pPr algn="ctr"/>
+            <a:r>
+              <a:rPr lang="zh-CN" altLang="en-US" sz="1400" dirty="0">
+                <a:solidFill>
+                  <a:schemeClr val="tx1"/>
+                </a:solidFill>
+              </a:rPr>
+              <a:t>方案回顾</a:t>
+            </a:r>
+          </a:p>
+        </p:txBody>
+      </p:sp>
+      <p:cxnSp>
+        <p:nvCxnSpPr>
+          <p:cNvPr id="68" name="连接符: 肘形 67">
+            <a:extLst>
+              <a:ext uri="{FF2B5EF4-FFF2-40B4-BE49-F238E27FC236}">
+                <a16:creationId xmlns:a16="http://schemas.microsoft.com/office/drawing/2014/main" id="{49C33EAD-D60E-4A04-BD89-7CB0D5C1B03F}"/>
+              </a:ext>
+            </a:extLst>
+          </p:cNvPr>
+          <p:cNvCxnSpPr>
+            <a:cxnSpLocks/>
+            <a:stCxn id="66" idx="2"/>
+            <a:endCxn id="67" idx="1"/>
+          </p:cNvCxnSpPr>
+          <p:nvPr/>
+        </p:nvCxnSpPr>
+        <p:spPr>
+          <a:xfrm rot="16200000" flipH="1">
+            <a:off x="7671854" y="3227220"/>
+            <a:ext cx="2966763" cy="800100"/>
+          </a:xfrm>
+          <a:prstGeom prst="bentConnector2">
+            <a:avLst/>
+          </a:prstGeom>
+          <a:ln w="12700"/>
+        </p:spPr>
+        <p:style>
+          <a:lnRef idx="1">
+            <a:schemeClr val="dk1"/>
+          </a:lnRef>
+          <a:fillRef idx="0">
+            <a:schemeClr val="dk1"/>
+          </a:fillRef>
+          <a:effectRef idx="0">
+            <a:schemeClr val="dk1"/>
+          </a:effectRef>
+          <a:fontRef idx="minor">
+            <a:schemeClr val="tx1"/>
+          </a:fontRef>
+        </p:style>
+      </p:cxnSp>
+      <p:sp>
+        <p:nvSpPr>
+          <p:cNvPr id="69" name="矩形 68">
+            <a:extLst>
+              <a:ext uri="{FF2B5EF4-FFF2-40B4-BE49-F238E27FC236}">
+                <a16:creationId xmlns:a16="http://schemas.microsoft.com/office/drawing/2014/main" id="{38157F18-BEC8-4685-8730-9D35926C8D94}"/>
+              </a:ext>
+            </a:extLst>
+          </p:cNvPr>
+          <p:cNvSpPr/>
+          <p:nvPr/>
+        </p:nvSpPr>
+        <p:spPr>
+          <a:xfrm>
+            <a:off x="9555285" y="2432987"/>
+            <a:ext cx="1576136" cy="697832"/>
+          </a:xfrm>
+          <a:prstGeom prst="rect">
+            <a:avLst/>
+          </a:prstGeom>
+          <a:solidFill>
+            <a:schemeClr val="bg1">
+              <a:lumMod val="85000"/>
+            </a:schemeClr>
+          </a:solidFill>
+          <a:ln>
+            <a:noFill/>
+          </a:ln>
+        </p:spPr>
+        <p:style>
+          <a:lnRef idx="2">
+            <a:schemeClr val="accent1">
+              <a:shade val="50000"/>
+            </a:schemeClr>
+          </a:lnRef>
+          <a:fillRef idx="1">
+            <a:schemeClr val="accent1"/>
+          </a:fillRef>
+          <a:effectRef idx="0">
+            <a:schemeClr val="accent1"/>
+          </a:effectRef>
+          <a:fontRef idx="minor">
+            <a:schemeClr val="lt1"/>
+          </a:fontRef>
+        </p:style>
+        <p:txBody>
+          <a:bodyPr rtlCol="0" anchor="ctr"/>
+          <a:lstStyle/>
+          <a:p>
+            <a:pPr algn="ctr"/>
+            <a:r>
+              <a:rPr lang="en-US" altLang="zh-CN" sz="1400" dirty="0">
+                <a:solidFill>
+                  <a:schemeClr val="tx1"/>
+                </a:solidFill>
+              </a:rPr>
+              <a:t>LWE</a:t>
+            </a:r>
+            <a:r>
+              <a:rPr lang="zh-CN" altLang="en-US" sz="1400" dirty="0">
+                <a:solidFill>
+                  <a:schemeClr val="tx1"/>
+                </a:solidFill>
+              </a:rPr>
+              <a:t>同态加密</a:t>
+            </a:r>
+          </a:p>
+        </p:txBody>
+      </p:sp>
+      <p:cxnSp>
+        <p:nvCxnSpPr>
+          <p:cNvPr id="70" name="直接连接符 69">
+            <a:extLst>
+              <a:ext uri="{FF2B5EF4-FFF2-40B4-BE49-F238E27FC236}">
+                <a16:creationId xmlns:a16="http://schemas.microsoft.com/office/drawing/2014/main" id="{35678636-A23C-4FAD-80FA-EE229ED4B01A}"/>
+              </a:ext>
+            </a:extLst>
+          </p:cNvPr>
+          <p:cNvCxnSpPr/>
+          <p:nvPr/>
+        </p:nvCxnSpPr>
+        <p:spPr>
+          <a:xfrm flipH="1">
+            <a:off x="8755186" y="2763856"/>
+            <a:ext cx="800099" cy="0"/>
+          </a:xfrm>
+          <a:prstGeom prst="line">
+            <a:avLst/>
+          </a:prstGeom>
+          <a:ln w="12700">
+            <a:solidFill>
+              <a:schemeClr val="tx1"/>
+            </a:solidFill>
+          </a:ln>
+        </p:spPr>
+        <p:style>
+          <a:lnRef idx="1">
+            <a:schemeClr val="accent1"/>
+          </a:lnRef>
+          <a:fillRef idx="0">
+            <a:schemeClr val="accent1"/>
+          </a:fillRef>
+          <a:effectRef idx="0">
+            <a:schemeClr val="accent1"/>
+          </a:effectRef>
+          <a:fontRef idx="minor">
+            <a:schemeClr val="tx1"/>
+          </a:fontRef>
+        </p:style>
+      </p:cxnSp>
+      <p:sp>
+        <p:nvSpPr>
+          <p:cNvPr id="71" name="矩形 70">
+            <a:extLst>
+              <a:ext uri="{FF2B5EF4-FFF2-40B4-BE49-F238E27FC236}">
+                <a16:creationId xmlns:a16="http://schemas.microsoft.com/office/drawing/2014/main" id="{CD4E60C8-E840-43FD-9B47-3CDC287AFEE7}"/>
+              </a:ext>
+            </a:extLst>
+          </p:cNvPr>
+          <p:cNvSpPr/>
+          <p:nvPr/>
+        </p:nvSpPr>
+        <p:spPr>
+          <a:xfrm>
+            <a:off x="9561869" y="3289569"/>
+            <a:ext cx="1576135" cy="697832"/>
+          </a:xfrm>
+          <a:prstGeom prst="rect">
+            <a:avLst/>
+          </a:prstGeom>
+          <a:solidFill>
+            <a:schemeClr val="bg1">
+              <a:lumMod val="85000"/>
+            </a:schemeClr>
+          </a:solidFill>
+          <a:ln>
+            <a:noFill/>
+          </a:ln>
+        </p:spPr>
+        <p:style>
+          <a:lnRef idx="2">
+            <a:schemeClr val="accent1">
+              <a:shade val="50000"/>
+            </a:schemeClr>
+          </a:lnRef>
+          <a:fillRef idx="1">
+            <a:schemeClr val="accent1"/>
+          </a:fillRef>
+          <a:effectRef idx="0">
+            <a:schemeClr val="accent1"/>
+          </a:effectRef>
+          <a:fontRef idx="minor">
+            <a:schemeClr val="lt1"/>
+          </a:fontRef>
+        </p:style>
+        <p:txBody>
+          <a:bodyPr rtlCol="0" anchor="ctr"/>
+          <a:lstStyle/>
+          <a:p>
+            <a:pPr algn="ctr"/>
+            <a:r>
+              <a:rPr lang="zh-CN" altLang="en-US" sz="1400" dirty="0">
+                <a:solidFill>
+                  <a:schemeClr val="tx1"/>
+                </a:solidFill>
+              </a:rPr>
+              <a:t>本文工作</a:t>
+            </a:r>
+          </a:p>
+        </p:txBody>
+      </p:sp>
+      <p:cxnSp>
+        <p:nvCxnSpPr>
+          <p:cNvPr id="72" name="直接连接符 71">
+            <a:extLst>
+              <a:ext uri="{FF2B5EF4-FFF2-40B4-BE49-F238E27FC236}">
+                <a16:creationId xmlns:a16="http://schemas.microsoft.com/office/drawing/2014/main" id="{DCE2E465-4091-402F-BD3C-1389C8641D39}"/>
+              </a:ext>
+            </a:extLst>
+          </p:cNvPr>
+          <p:cNvCxnSpPr/>
+          <p:nvPr/>
+        </p:nvCxnSpPr>
+        <p:spPr>
+          <a:xfrm flipH="1">
+            <a:off x="8761770" y="3639088"/>
+            <a:ext cx="800099" cy="0"/>
+          </a:xfrm>
+          <a:prstGeom prst="line">
+            <a:avLst/>
+          </a:prstGeom>
+          <a:ln w="12700">
+            <a:solidFill>
+              <a:schemeClr val="tx1"/>
+            </a:solidFill>
+          </a:ln>
+        </p:spPr>
+        <p:style>
+          <a:lnRef idx="1">
+            <a:schemeClr val="accent1"/>
+          </a:lnRef>
+          <a:fillRef idx="0">
+            <a:schemeClr val="accent1"/>
+          </a:fillRef>
+          <a:effectRef idx="0">
+            <a:schemeClr val="accent1"/>
+          </a:effectRef>
+          <a:fontRef idx="minor">
+            <a:schemeClr val="tx1"/>
+          </a:fontRef>
+        </p:style>
+      </p:cxnSp>
+      <p:cxnSp>
+        <p:nvCxnSpPr>
+          <p:cNvPr id="73" name="连接符: 肘形 17">
+            <a:extLst>
+              <a:ext uri="{FF2B5EF4-FFF2-40B4-BE49-F238E27FC236}">
+                <a16:creationId xmlns:a16="http://schemas.microsoft.com/office/drawing/2014/main" id="{81ABED5B-B6E2-4251-B0D3-A48F23082C4B}"/>
+              </a:ext>
+            </a:extLst>
+          </p:cNvPr>
+          <p:cNvCxnSpPr/>
+          <p:nvPr/>
+        </p:nvCxnSpPr>
+        <p:spPr>
+          <a:xfrm rot="16200000" flipH="1">
+            <a:off x="10864189" y="3469894"/>
+            <a:ext cx="697830" cy="1738565"/>
+          </a:xfrm>
+          <a:prstGeom prst="bentConnector2">
+            <a:avLst/>
+          </a:prstGeom>
+          <a:ln w="9525"/>
+        </p:spPr>
+        <p:style>
+          <a:lnRef idx="1">
+            <a:schemeClr val="dk1"/>
+          </a:lnRef>
+          <a:fillRef idx="0">
+            <a:schemeClr val="dk1"/>
+          </a:fillRef>
+          <a:effectRef idx="0">
+            <a:schemeClr val="dk1"/>
+          </a:effectRef>
+          <a:fontRef idx="minor">
+            <a:schemeClr val="tx1"/>
+          </a:fontRef>
+        </p:style>
+      </p:cxnSp>
+      <p:cxnSp>
+        <p:nvCxnSpPr>
+          <p:cNvPr id="74" name="直接连接符 73">
+            <a:extLst>
+              <a:ext uri="{FF2B5EF4-FFF2-40B4-BE49-F238E27FC236}">
+                <a16:creationId xmlns:a16="http://schemas.microsoft.com/office/drawing/2014/main" id="{CF5D101A-C746-46E5-B9CB-FE3705C80A26}"/>
+              </a:ext>
+            </a:extLst>
+          </p:cNvPr>
+          <p:cNvCxnSpPr/>
+          <p:nvPr/>
+        </p:nvCxnSpPr>
+        <p:spPr>
+          <a:xfrm>
+            <a:off x="10343821" y="4226071"/>
+            <a:ext cx="1738565" cy="6016"/>
+          </a:xfrm>
+          <a:prstGeom prst="line">
+            <a:avLst/>
+          </a:prstGeom>
+          <a:ln w="9525">
+            <a:solidFill>
+              <a:schemeClr val="tx1"/>
+            </a:solidFill>
+          </a:ln>
+        </p:spPr>
+        <p:style>
+          <a:lnRef idx="1">
+            <a:schemeClr val="accent1"/>
+          </a:lnRef>
+          <a:fillRef idx="0">
+            <a:schemeClr val="accent1"/>
+          </a:fillRef>
+          <a:effectRef idx="0">
+            <a:schemeClr val="accent1"/>
+          </a:effectRef>
+          <a:fontRef idx="minor">
+            <a:schemeClr val="tx1"/>
+          </a:fontRef>
+        </p:style>
+      </p:cxnSp>
+      <p:sp>
+        <p:nvSpPr>
+          <p:cNvPr id="75" name="文本框 74">
+            <a:extLst>
+              <a:ext uri="{FF2B5EF4-FFF2-40B4-BE49-F238E27FC236}">
+                <a16:creationId xmlns:a16="http://schemas.microsoft.com/office/drawing/2014/main" id="{4CD7C263-8D3A-46AD-BA9B-0BB05B7F2356}"/>
+              </a:ext>
+            </a:extLst>
+          </p:cNvPr>
+          <p:cNvSpPr txBox="1"/>
+          <p:nvPr/>
+        </p:nvSpPr>
+        <p:spPr>
+          <a:xfrm>
+            <a:off x="10366652" y="3955778"/>
+            <a:ext cx="1892300" cy="306705"/>
+          </a:xfrm>
+          <a:prstGeom prst="rect">
+            <a:avLst/>
+          </a:prstGeom>
+          <a:noFill/>
+        </p:spPr>
+        <p:txBody>
+          <a:bodyPr wrap="square" rtlCol="0">
+            <a:spAutoFit/>
+          </a:bodyPr>
+          <a:lstStyle/>
+          <a:p>
+            <a:r>
+              <a:rPr lang="zh-CN" altLang="en-US" sz="1400" dirty="0"/>
+              <a:t>描述同态加密算法</a:t>
+            </a:r>
+          </a:p>
+        </p:txBody>
+      </p:sp>
+      <p:sp>
+        <p:nvSpPr>
+          <p:cNvPr id="76" name="文本框 75">
+            <a:extLst>
+              <a:ext uri="{FF2B5EF4-FFF2-40B4-BE49-F238E27FC236}">
+                <a16:creationId xmlns:a16="http://schemas.microsoft.com/office/drawing/2014/main" id="{90EDDAD0-5596-4502-A0BC-BADDAB03AC21}"/>
+              </a:ext>
+            </a:extLst>
+          </p:cNvPr>
+          <p:cNvSpPr txBox="1"/>
+          <p:nvPr/>
+        </p:nvSpPr>
+        <p:spPr>
+          <a:xfrm>
+            <a:off x="6903054" y="4939063"/>
+            <a:ext cx="2081530" cy="306705"/>
+          </a:xfrm>
+          <a:prstGeom prst="rect">
+            <a:avLst/>
+          </a:prstGeom>
+          <a:noFill/>
+        </p:spPr>
+        <p:txBody>
+          <a:bodyPr wrap="square" rtlCol="0">
+            <a:spAutoFit/>
+          </a:bodyPr>
+          <a:lstStyle/>
+          <a:p>
+            <a:r>
+              <a:rPr lang="zh-CN" altLang="en-US" sz="1400" dirty="0"/>
+              <a:t>参考的先前</a:t>
+            </a:r>
+            <a:r>
+              <a:rPr lang="en-US" altLang="zh-CN" sz="1400" dirty="0"/>
+              <a:t>(BV11)</a:t>
+            </a:r>
+            <a:endParaRPr lang="zh-CN" altLang="en-US" sz="1400" dirty="0"/>
+          </a:p>
+        </p:txBody>
+      </p:sp>
+      <p:sp>
+        <p:nvSpPr>
+          <p:cNvPr id="78" name="文本框 77">
+            <a:extLst>
+              <a:ext uri="{FF2B5EF4-FFF2-40B4-BE49-F238E27FC236}">
+                <a16:creationId xmlns:a16="http://schemas.microsoft.com/office/drawing/2014/main" id="{A4B88226-FEC7-4C7C-B6A2-983B4907433E}"/>
+              </a:ext>
+            </a:extLst>
+          </p:cNvPr>
+          <p:cNvSpPr txBox="1"/>
+          <p:nvPr/>
+        </p:nvSpPr>
+        <p:spPr>
+          <a:xfrm>
+            <a:off x="9426947" y="1632272"/>
+            <a:ext cx="1431758" cy="369332"/>
+          </a:xfrm>
+          <a:prstGeom prst="rect">
+            <a:avLst/>
+          </a:prstGeom>
+          <a:noFill/>
+        </p:spPr>
+        <p:txBody>
+          <a:bodyPr wrap="square" rtlCol="0">
+            <a:spAutoFit/>
+          </a:bodyPr>
+          <a:lstStyle/>
+          <a:p>
+            <a:r>
+              <a:rPr lang="en-US" altLang="zh-CN" b="1" dirty="0">
+                <a:latin typeface="Times New Roman" panose="02020603050405020304" pitchFamily="18" charset="0"/>
+                <a:cs typeface="Times New Roman" panose="02020603050405020304" pitchFamily="18" charset="0"/>
+              </a:rPr>
+              <a:t>GSW13</a:t>
+            </a:r>
+            <a:endParaRPr lang="zh-CN" altLang="en-US" b="1" dirty="0">
+              <a:latin typeface="Times New Roman" panose="02020603050405020304" pitchFamily="18" charset="0"/>
+              <a:cs typeface="Times New Roman" panose="02020603050405020304" pitchFamily="18" charset="0"/>
+            </a:endParaRPr>
+          </a:p>
+        </p:txBody>
+      </p:sp>
+      <p:cxnSp>
+        <p:nvCxnSpPr>
+          <p:cNvPr id="84" name="连接符: 肘形 83">
+            <a:extLst>
+              <a:ext uri="{FF2B5EF4-FFF2-40B4-BE49-F238E27FC236}">
+                <a16:creationId xmlns:a16="http://schemas.microsoft.com/office/drawing/2014/main" id="{FF51163B-0344-426D-9C35-EF2B07720EB5}"/>
+              </a:ext>
+            </a:extLst>
+          </p:cNvPr>
+          <p:cNvCxnSpPr>
+            <a:stCxn id="51" idx="2"/>
+          </p:cNvCxnSpPr>
+          <p:nvPr/>
+        </p:nvCxnSpPr>
+        <p:spPr>
+          <a:xfrm rot="16200000" flipH="1">
+            <a:off x="7247763" y="4454224"/>
+            <a:ext cx="401183" cy="1181904"/>
+          </a:xfrm>
+          <a:prstGeom prst="bentConnector2">
+            <a:avLst/>
+          </a:prstGeom>
+          <a:ln w="9525"/>
+        </p:spPr>
+        <p:style>
+          <a:lnRef idx="1">
+            <a:schemeClr val="dk1"/>
+          </a:lnRef>
+          <a:fillRef idx="0">
+            <a:schemeClr val="dk1"/>
+          </a:fillRef>
+          <a:effectRef idx="0">
+            <a:schemeClr val="dk1"/>
+          </a:effectRef>
+          <a:fontRef idx="minor">
+            <a:schemeClr val="tx1"/>
+          </a:fontRef>
+        </p:style>
+      </p:cxnSp>
+      <p:sp>
+        <p:nvSpPr>
+          <p:cNvPr id="101" name="文本框 100">
+            <a:extLst>
+              <a:ext uri="{FF2B5EF4-FFF2-40B4-BE49-F238E27FC236}">
+                <a16:creationId xmlns:a16="http://schemas.microsoft.com/office/drawing/2014/main" id="{028E4C64-B743-454F-82B8-47BB30BCCB7C}"/>
+              </a:ext>
+            </a:extLst>
+          </p:cNvPr>
+          <p:cNvSpPr txBox="1"/>
+          <p:nvPr/>
+        </p:nvSpPr>
+        <p:spPr>
+          <a:xfrm>
+            <a:off x="10465387" y="4415870"/>
+            <a:ext cx="2081530" cy="306705"/>
+          </a:xfrm>
+          <a:prstGeom prst="rect">
+            <a:avLst/>
+          </a:prstGeom>
+          <a:noFill/>
+        </p:spPr>
+        <p:txBody>
+          <a:bodyPr wrap="square" rtlCol="0">
+            <a:spAutoFit/>
+          </a:bodyPr>
+          <a:lstStyle/>
+          <a:p>
+            <a:r>
+              <a:rPr lang="zh-CN" altLang="en-US" sz="1400" dirty="0"/>
+              <a:t>同态方案分类</a:t>
+            </a:r>
+          </a:p>
+        </p:txBody>
+      </p:sp>
+      <p:cxnSp>
+        <p:nvCxnSpPr>
+          <p:cNvPr id="106" name="连接符: 肘形 105">
+            <a:extLst>
+              <a:ext uri="{FF2B5EF4-FFF2-40B4-BE49-F238E27FC236}">
+                <a16:creationId xmlns:a16="http://schemas.microsoft.com/office/drawing/2014/main" id="{D8016593-AE76-44E5-9089-C1C51C4FD449}"/>
+              </a:ext>
+            </a:extLst>
+          </p:cNvPr>
+          <p:cNvCxnSpPr/>
+          <p:nvPr/>
+        </p:nvCxnSpPr>
+        <p:spPr>
+          <a:xfrm rot="16200000" flipH="1">
+            <a:off x="7743228" y="4858179"/>
+            <a:ext cx="401183" cy="1181904"/>
+          </a:xfrm>
+          <a:prstGeom prst="bentConnector2">
+            <a:avLst/>
+          </a:prstGeom>
+          <a:ln w="9525"/>
+        </p:spPr>
+        <p:style>
+          <a:lnRef idx="1">
+            <a:schemeClr val="dk1"/>
+          </a:lnRef>
+          <a:fillRef idx="0">
+            <a:schemeClr val="dk1"/>
+          </a:fillRef>
+          <a:effectRef idx="0">
+            <a:schemeClr val="dk1"/>
+          </a:effectRef>
+          <a:fontRef idx="minor">
+            <a:schemeClr val="tx1"/>
+          </a:fontRef>
+        </p:style>
+      </p:cxnSp>
+      <p:cxnSp>
+        <p:nvCxnSpPr>
+          <p:cNvPr id="107" name="连接符: 肘形 106">
+            <a:extLst>
+              <a:ext uri="{FF2B5EF4-FFF2-40B4-BE49-F238E27FC236}">
+                <a16:creationId xmlns:a16="http://schemas.microsoft.com/office/drawing/2014/main" id="{F479E5FB-7610-46EB-89B5-9DD83D367CAF}"/>
+              </a:ext>
+            </a:extLst>
+          </p:cNvPr>
+          <p:cNvCxnSpPr/>
+          <p:nvPr/>
+        </p:nvCxnSpPr>
+        <p:spPr>
+          <a:xfrm rot="16200000" flipH="1">
+            <a:off x="7743227" y="5219570"/>
+            <a:ext cx="401183" cy="1181904"/>
+          </a:xfrm>
+          <a:prstGeom prst="bentConnector2">
+            <a:avLst/>
+          </a:prstGeom>
+          <a:ln w="9525"/>
+        </p:spPr>
+        <p:style>
+          <a:lnRef idx="1">
+            <a:schemeClr val="dk1"/>
+          </a:lnRef>
+          <a:fillRef idx="0">
+            <a:schemeClr val="dk1"/>
+          </a:fillRef>
+          <a:effectRef idx="0">
+            <a:schemeClr val="dk1"/>
+          </a:effectRef>
+          <a:fontRef idx="minor">
+            <a:schemeClr val="tx1"/>
+          </a:fontRef>
+        </p:style>
+      </p:cxnSp>
+      <p:sp>
+        <p:nvSpPr>
+          <p:cNvPr id="108" name="文本框 107">
+            <a:extLst>
+              <a:ext uri="{FF2B5EF4-FFF2-40B4-BE49-F238E27FC236}">
+                <a16:creationId xmlns:a16="http://schemas.microsoft.com/office/drawing/2014/main" id="{DD391ECD-5794-4666-975E-F144AAE39A7C}"/>
+              </a:ext>
+            </a:extLst>
+          </p:cNvPr>
+          <p:cNvSpPr txBox="1"/>
+          <p:nvPr/>
+        </p:nvSpPr>
+        <p:spPr>
+          <a:xfrm>
+            <a:off x="7447940" y="5377104"/>
+            <a:ext cx="883928" cy="306705"/>
+          </a:xfrm>
+          <a:prstGeom prst="rect">
+            <a:avLst/>
+          </a:prstGeom>
+          <a:noFill/>
+        </p:spPr>
+        <p:txBody>
+          <a:bodyPr wrap="square" rtlCol="0">
+            <a:spAutoFit/>
+          </a:bodyPr>
+          <a:lstStyle/>
+          <a:p>
+            <a:r>
+              <a:rPr lang="zh-CN" altLang="en-US" sz="1400" dirty="0"/>
+              <a:t>模交换</a:t>
+            </a:r>
+          </a:p>
+        </p:txBody>
+      </p:sp>
+      <p:sp>
+        <p:nvSpPr>
+          <p:cNvPr id="109" name="文本框 108">
+            <a:extLst>
+              <a:ext uri="{FF2B5EF4-FFF2-40B4-BE49-F238E27FC236}">
+                <a16:creationId xmlns:a16="http://schemas.microsoft.com/office/drawing/2014/main" id="{B54A740F-7808-4A47-BB99-F813CD79536D}"/>
+              </a:ext>
+            </a:extLst>
+          </p:cNvPr>
+          <p:cNvSpPr txBox="1"/>
+          <p:nvPr/>
+        </p:nvSpPr>
+        <p:spPr>
+          <a:xfrm>
+            <a:off x="7447940" y="5751420"/>
+            <a:ext cx="1010260" cy="307777"/>
+          </a:xfrm>
+          <a:prstGeom prst="rect">
+            <a:avLst/>
+          </a:prstGeom>
+          <a:noFill/>
+        </p:spPr>
+        <p:txBody>
+          <a:bodyPr wrap="square" rtlCol="0">
+            <a:spAutoFit/>
+          </a:bodyPr>
+          <a:lstStyle/>
+          <a:p>
+            <a:r>
+              <a:rPr lang="zh-CN" altLang="en-US" sz="1400" dirty="0"/>
+              <a:t>噪声处理</a:t>
+            </a:r>
+          </a:p>
+        </p:txBody>
+      </p:sp>
+      <p:cxnSp>
+        <p:nvCxnSpPr>
+          <p:cNvPr id="110" name="连接符: 肘形 109">
+            <a:extLst>
+              <a:ext uri="{FF2B5EF4-FFF2-40B4-BE49-F238E27FC236}">
+                <a16:creationId xmlns:a16="http://schemas.microsoft.com/office/drawing/2014/main" id="{D0DDA814-BF8E-441E-8D54-145184C01DB8}"/>
+              </a:ext>
+            </a:extLst>
+          </p:cNvPr>
+          <p:cNvCxnSpPr/>
+          <p:nvPr/>
+        </p:nvCxnSpPr>
+        <p:spPr>
+          <a:xfrm rot="16200000" flipH="1">
+            <a:off x="7743226" y="5575972"/>
+            <a:ext cx="401183" cy="1181904"/>
+          </a:xfrm>
+          <a:prstGeom prst="bentConnector2">
+            <a:avLst/>
+          </a:prstGeom>
+          <a:ln w="9525"/>
+        </p:spPr>
+        <p:style>
+          <a:lnRef idx="1">
+            <a:schemeClr val="dk1"/>
+          </a:lnRef>
+          <a:fillRef idx="0">
+            <a:schemeClr val="dk1"/>
+          </a:fillRef>
+          <a:effectRef idx="0">
+            <a:schemeClr val="dk1"/>
+          </a:effectRef>
+          <a:fontRef idx="minor">
+            <a:schemeClr val="tx1"/>
+          </a:fontRef>
+        </p:style>
+      </p:cxnSp>
+      <p:sp>
+        <p:nvSpPr>
+          <p:cNvPr id="111" name="文本框 110">
+            <a:extLst>
+              <a:ext uri="{FF2B5EF4-FFF2-40B4-BE49-F238E27FC236}">
+                <a16:creationId xmlns:a16="http://schemas.microsoft.com/office/drawing/2014/main" id="{F35FB7BF-8DB8-4054-AA52-6336D5D647D9}"/>
+              </a:ext>
+            </a:extLst>
+          </p:cNvPr>
+          <p:cNvSpPr txBox="1"/>
+          <p:nvPr/>
+        </p:nvSpPr>
+        <p:spPr>
+          <a:xfrm>
+            <a:off x="7447940" y="6096280"/>
+            <a:ext cx="1010260" cy="307777"/>
+          </a:xfrm>
+          <a:prstGeom prst="rect">
+            <a:avLst/>
+          </a:prstGeom>
+          <a:noFill/>
+        </p:spPr>
+        <p:txBody>
+          <a:bodyPr wrap="square" rtlCol="0">
+            <a:spAutoFit/>
+          </a:bodyPr>
+          <a:lstStyle/>
+          <a:p>
+            <a:r>
+              <a:rPr lang="zh-CN" altLang="en-US" sz="1400" dirty="0"/>
+              <a:t>高效自举</a:t>
+            </a:r>
+          </a:p>
+        </p:txBody>
+      </p:sp>
+      <p:sp>
+        <p:nvSpPr>
+          <p:cNvPr id="112" name="文本框 111">
+            <a:extLst>
+              <a:ext uri="{FF2B5EF4-FFF2-40B4-BE49-F238E27FC236}">
+                <a16:creationId xmlns:a16="http://schemas.microsoft.com/office/drawing/2014/main" id="{2B89C2C2-5D59-4E23-B7EB-C30BCF7F2CD8}"/>
+              </a:ext>
+            </a:extLst>
+          </p:cNvPr>
+          <p:cNvSpPr txBox="1"/>
+          <p:nvPr/>
+        </p:nvSpPr>
+        <p:spPr>
+          <a:xfrm>
+            <a:off x="7447940" y="6416141"/>
+            <a:ext cx="1010260" cy="307777"/>
+          </a:xfrm>
+          <a:prstGeom prst="rect">
+            <a:avLst/>
+          </a:prstGeom>
+          <a:noFill/>
+        </p:spPr>
+        <p:txBody>
+          <a:bodyPr wrap="square" rtlCol="0">
+            <a:spAutoFit/>
+          </a:bodyPr>
+          <a:lstStyle/>
+          <a:p>
+            <a:r>
+              <a:rPr lang="zh-CN" altLang="en-US" sz="1400" dirty="0"/>
+              <a:t>其他优化</a:t>
+            </a:r>
+          </a:p>
+        </p:txBody>
+      </p:sp>
+      <p:cxnSp>
+        <p:nvCxnSpPr>
+          <p:cNvPr id="113" name="连接符: 肘形 112">
+            <a:extLst>
+              <a:ext uri="{FF2B5EF4-FFF2-40B4-BE49-F238E27FC236}">
+                <a16:creationId xmlns:a16="http://schemas.microsoft.com/office/drawing/2014/main" id="{B22972EE-A26F-49B8-A9CC-974B72EC1A41}"/>
+              </a:ext>
+            </a:extLst>
+          </p:cNvPr>
+          <p:cNvCxnSpPr/>
+          <p:nvPr/>
+        </p:nvCxnSpPr>
+        <p:spPr>
+          <a:xfrm rot="16200000" flipH="1">
+            <a:off x="7743225" y="5910630"/>
+            <a:ext cx="401183" cy="1181904"/>
+          </a:xfrm>
+          <a:prstGeom prst="bentConnector2">
+            <a:avLst/>
+          </a:prstGeom>
+          <a:ln w="9525"/>
+        </p:spPr>
+        <p:style>
+          <a:lnRef idx="1">
+            <a:schemeClr val="dk1"/>
+          </a:lnRef>
+          <a:fillRef idx="0">
+            <a:schemeClr val="dk1"/>
+          </a:fillRef>
+          <a:effectRef idx="0">
+            <a:schemeClr val="dk1"/>
+          </a:effectRef>
+          <a:fontRef idx="minor">
+            <a:schemeClr val="tx1"/>
+          </a:fontRef>
+        </p:style>
+      </p:cxnSp>
+      <p:cxnSp>
+        <p:nvCxnSpPr>
+          <p:cNvPr id="115" name="连接符: 肘形 114">
+            <a:extLst>
+              <a:ext uri="{FF2B5EF4-FFF2-40B4-BE49-F238E27FC236}">
+                <a16:creationId xmlns:a16="http://schemas.microsoft.com/office/drawing/2014/main" id="{C6C55349-67AA-43E7-B0E8-B49BF603AC5B}"/>
+              </a:ext>
+            </a:extLst>
+          </p:cNvPr>
+          <p:cNvCxnSpPr>
+            <a:endCxn id="61" idx="1"/>
+          </p:cNvCxnSpPr>
+          <p:nvPr/>
+        </p:nvCxnSpPr>
+        <p:spPr>
+          <a:xfrm rot="16200000" flipH="1">
+            <a:off x="4526754" y="5240018"/>
+            <a:ext cx="1856329" cy="367628"/>
+          </a:xfrm>
+          <a:prstGeom prst="bentConnector2">
+            <a:avLst/>
+          </a:prstGeom>
+          <a:ln w="9525">
+            <a:solidFill>
+              <a:schemeClr val="tx1"/>
+            </a:solidFill>
+          </a:ln>
+        </p:spPr>
+        <p:style>
+          <a:lnRef idx="1">
+            <a:schemeClr val="accent1"/>
+          </a:lnRef>
+          <a:fillRef idx="0">
+            <a:schemeClr val="accent1"/>
+          </a:fillRef>
+          <a:effectRef idx="0">
+            <a:schemeClr val="accent1"/>
+          </a:effectRef>
+          <a:fontRef idx="minor">
+            <a:schemeClr val="tx1"/>
+          </a:fontRef>
+        </p:style>
+      </p:cxnSp>
     </p:spTree>
   </p:cSld>
   <p:clrMapOvr>
@@ -9868,7 +11953,7 @@
           <p:nvPr/>
         </p:nvPicPr>
         <p:blipFill>
-          <a:blip r:embed="rId1">
+          <a:blip r:embed="rId2">
             <a:extLst>
               <a:ext uri="{28A0092B-C50C-407E-A947-70E740481C1C}">
                 <a14:useLocalDpi xmlns:a14="http://schemas.microsoft.com/office/drawing/2010/main" val="0"/>
@@ -9889,49 +11974,6 @@
           </a:prstGeom>
         </p:spPr>
       </p:pic>
-      <p:sp>
-        <p:nvSpPr>
-          <p:cNvPr id="3" name="文本框 2"/>
-          <p:cNvSpPr txBox="1"/>
-          <p:nvPr/>
-        </p:nvSpPr>
-        <p:spPr>
-          <a:xfrm>
-            <a:off x="505326" y="1052763"/>
-            <a:ext cx="1431758" cy="369332"/>
-          </a:xfrm>
-          <a:prstGeom prst="rect">
-            <a:avLst/>
-          </a:prstGeom>
-          <a:noFill/>
-        </p:spPr>
-        <p:txBody>
-          <a:bodyPr wrap="square" rtlCol="0">
-            <a:spAutoFit/>
-          </a:bodyPr>
-          <a:lstStyle/>
-          <a:p>
-            <a:r>
-              <a:rPr lang="en-US" altLang="zh-CN" b="1" dirty="0">
-                <a:latin typeface="Times New Roman" panose="02020603050405020304" pitchFamily="18" charset="0"/>
-                <a:cs typeface="Times New Roman" panose="02020603050405020304" pitchFamily="18" charset="0"/>
-              </a:rPr>
-              <a:t>BVG12</a:t>
-            </a:r>
-            <a:r>
-              <a:rPr lang="zh-CN" altLang="en-US" b="1" dirty="0">
-                <a:latin typeface="Times New Roman" panose="02020603050405020304" pitchFamily="18" charset="0"/>
-                <a:cs typeface="Times New Roman" panose="02020603050405020304" pitchFamily="18" charset="0"/>
-              </a:rPr>
-              <a:t>摘要</a:t>
-            </a:r>
-            <a:endParaRPr lang="zh-CN" altLang="en-US" b="1" dirty="0">
-              <a:latin typeface="Times New Roman" panose="02020603050405020304" pitchFamily="18" charset="0"/>
-              <a:cs typeface="Times New Roman" panose="02020603050405020304" pitchFamily="18" charset="0"/>
-            </a:endParaRPr>
-          </a:p>
-        </p:txBody>
-      </p:sp>
     </p:spTree>
   </p:cSld>
   <p:clrMapOvr>
@@ -9966,7 +12008,7 @@
           <p:nvPr/>
         </p:nvPicPr>
         <p:blipFill>
-          <a:blip r:embed="rId1">
+          <a:blip r:embed="rId2">
             <a:extLst>
               <a:ext uri="{28A0092B-C50C-407E-A947-70E740481C1C}">
                 <a14:useLocalDpi xmlns:a14="http://schemas.microsoft.com/office/drawing/2010/main" val="0"/>
@@ -9987,50 +12029,72 @@
           </a:prstGeom>
         </p:spPr>
       </p:pic>
-      <p:sp>
-        <p:nvSpPr>
-          <p:cNvPr id="3" name="文本框 2"/>
-          <p:cNvSpPr txBox="1"/>
+    </p:spTree>
+    <p:extLst>
+      <p:ext uri="{BB962C8B-B14F-4D97-AF65-F5344CB8AC3E}">
+        <p14:creationId xmlns:p14="http://schemas.microsoft.com/office/powerpoint/2010/main" val="2352927636"/>
+      </p:ext>
+    </p:extLst>
+  </p:cSld>
+  <p:clrMapOvr>
+    <a:masterClrMapping/>
+  </p:clrMapOvr>
+</p:sld>
+</file>
+
+<file path=ppt/slides/slide9.xml><?xml version="1.0" encoding="utf-8"?>
+<p:sld xmlns:a="http://schemas.openxmlformats.org/drawingml/2006/main" xmlns:r="http://schemas.openxmlformats.org/officeDocument/2006/relationships" xmlns:p="http://schemas.openxmlformats.org/presentationml/2006/main">
+  <p:cSld>
+    <p:spTree>
+      <p:nvGrpSpPr>
+        <p:cNvPr id="1" name=""/>
+        <p:cNvGrpSpPr/>
+        <p:nvPr/>
+      </p:nvGrpSpPr>
+      <p:grpSpPr>
+        <a:xfrm>
+          <a:off x="0" y="0"/>
+          <a:ext cx="0" cy="0"/>
+          <a:chOff x="0" y="0"/>
+          <a:chExt cx="0" cy="0"/>
+        </a:xfrm>
+      </p:grpSpPr>
+      <p:pic>
+        <p:nvPicPr>
+          <p:cNvPr id="7" name="图片 6"/>
+          <p:cNvPicPr>
+            <a:picLocks noChangeAspect="1"/>
+          </p:cNvPicPr>
           <p:nvPr/>
-        </p:nvSpPr>
-        <p:spPr>
-          <a:xfrm>
-            <a:off x="505326" y="1052763"/>
-            <a:ext cx="1431758" cy="369332"/>
+        </p:nvPicPr>
+        <p:blipFill>
+          <a:blip r:embed="rId2">
+            <a:extLst>
+              <a:ext uri="{28A0092B-C50C-407E-A947-70E740481C1C}">
+                <a14:useLocalDpi xmlns:a14="http://schemas.microsoft.com/office/drawing/2010/main" val="0"/>
+              </a:ext>
+            </a:extLst>
+          </a:blip>
+          <a:stretch>
+            <a:fillRect/>
+          </a:stretch>
+        </p:blipFill>
+        <p:spPr>
+          <a:xfrm>
+            <a:off x="98216" y="114458"/>
+            <a:ext cx="3782447" cy="795514"/>
           </a:xfrm>
           <a:prstGeom prst="rect">
             <a:avLst/>
           </a:prstGeom>
-          <a:noFill/>
-        </p:spPr>
-        <p:txBody>
-          <a:bodyPr wrap="square" rtlCol="0">
-            <a:spAutoFit/>
-          </a:bodyPr>
-          <a:lstStyle/>
-          <a:p>
-            <a:r>
-              <a:rPr lang="en-US" altLang="zh-CN" b="1" dirty="0">
-                <a:latin typeface="Times New Roman" panose="02020603050405020304" pitchFamily="18" charset="0"/>
-                <a:cs typeface="Times New Roman" panose="02020603050405020304" pitchFamily="18" charset="0"/>
-              </a:rPr>
-              <a:t>BVG12</a:t>
-            </a:r>
-            <a:r>
-              <a:rPr lang="zh-CN" altLang="en-US" b="1" dirty="0">
-                <a:latin typeface="Times New Roman" panose="02020603050405020304" pitchFamily="18" charset="0"/>
-                <a:cs typeface="Times New Roman" panose="02020603050405020304" pitchFamily="18" charset="0"/>
-              </a:rPr>
-              <a:t>摘要</a:t>
-            </a:r>
-            <a:endParaRPr lang="zh-CN" altLang="en-US" b="1" dirty="0">
-              <a:latin typeface="Times New Roman" panose="02020603050405020304" pitchFamily="18" charset="0"/>
-              <a:cs typeface="Times New Roman" panose="02020603050405020304" pitchFamily="18" charset="0"/>
-            </a:endParaRPr>
-          </a:p>
-        </p:txBody>
-      </p:sp>
+        </p:spPr>
+      </p:pic>
     </p:spTree>
+    <p:extLst>
+      <p:ext uri="{BB962C8B-B14F-4D97-AF65-F5344CB8AC3E}">
+        <p14:creationId xmlns:p14="http://schemas.microsoft.com/office/powerpoint/2010/main" val="2967049163"/>
+      </p:ext>
+    </p:extLst>
   </p:cSld>
   <p:clrMapOvr>
     <a:masterClrMapping/>
@@ -10039,8 +12103,8 @@
 </file>
 
 <file path=ppt/tags/tag1.xml><?xml version="1.0" encoding="utf-8"?>
-<p:tagLst xmlns:p="http://schemas.openxmlformats.org/presentationml/2006/main">
-  <p:tag name="commondata" val="eyJoZGlkIjoiYzk1MGUwZGM1NThjNWZlYTFjNDdhMGEyMmZlNjlmMjcifQ=="/>
+<p:tagLst xmlns:a="http://schemas.openxmlformats.org/drawingml/2006/main" xmlns:r="http://schemas.openxmlformats.org/officeDocument/2006/relationships" xmlns:p="http://schemas.openxmlformats.org/presentationml/2006/main">
+  <p:tag name="COMMONDATA" val="eyJoZGlkIjoiYzk1MGUwZGM1NThjNWZlYTFjNDdhMGEyMmZlNjlmMjcifQ=="/>
 </p:tagLst>
 </file>
 
@@ -10295,6 +12359,8 @@
       </a:bgFillStyleLst>
     </a:fmtScheme>
   </a:themeElements>
+  <a:objectDefaults/>
+  <a:extraClrSchemeLst/>
   <a:extLst>
     <a:ext uri="{05A4C25C-085E-4340-85A3-A5531E510DB2}">
       <thm15:themeFamily xmlns:thm15="http://schemas.microsoft.com/office/thememl/2012/main" name="Office Theme" id="{62F939B6-93AF-4DB8-9C6B-D6C7DFDC589F}" vid="{4A3C46E8-61CC-4603-A589-7422A47A8E4A}"/>
@@ -10554,6 +12620,8 @@
       </a:bgFillStyleLst>
     </a:fmtScheme>
   </a:themeElements>
+  <a:objectDefaults/>
+  <a:extraClrSchemeLst/>
   <a:extLst>
     <a:ext uri="{05A4C25C-085E-4340-85A3-A5531E510DB2}">
       <thm15:themeFamily xmlns:thm15="http://schemas.microsoft.com/office/thememl/2012/main" name="Office Theme" id="{62F939B6-93AF-4DB8-9C6B-D6C7DFDC589F}" vid="{4A3C46E8-61CC-4603-A589-7422A47A8E4A}"/>
@@ -10813,6 +12881,8 @@
       </a:bgFillStyleLst>
     </a:fmtScheme>
   </a:themeElements>
+  <a:objectDefaults/>
+  <a:extraClrSchemeLst/>
   <a:extLst>
     <a:ext uri="{05A4C25C-085E-4340-85A3-A5531E510DB2}">
       <thm15:themeFamily xmlns:thm15="http://schemas.microsoft.com/office/thememl/2012/main" name="Office Theme" id="{62F939B6-93AF-4DB8-9C6B-D6C7DFDC589F}" vid="{4A3C46E8-61CC-4603-A589-7422A47A8E4A}"/>
